--- a/doc/walb-is-hard.pptx
+++ b/doc/walb-is-hard.pptx
@@ -3432,7 +3432,11 @@
             </a:r>
             <a:r>
               <a:rPr kumimoji="1" lang="ja-JP" altLang="en-US" smtClean="0"/>
-              <a:t>やってみたら</a:t>
+              <a:t>やって</a:t>
+            </a:r>
+            <a:r>
+              <a:rPr kumimoji="1" lang="ja-JP" altLang="en-US" smtClean="0"/>
+              <a:t>みたら</a:t>
             </a:r>
             <a:r>
               <a:rPr kumimoji="1" lang="en-US" altLang="ja-JP" smtClean="0"/>
@@ -3442,8 +3446,27 @@
               <a:rPr kumimoji="1" lang="en-US" altLang="ja-JP" smtClean="0"/>
             </a:br>
             <a:r>
+              <a:rPr kumimoji="1" lang="ja-JP" altLang="en-US" sz="2200" smtClean="0"/>
+              <a:t>ホントは</a:t>
+            </a:r>
+            <a:r>
+              <a:rPr kumimoji="1" lang="en-US" altLang="ja-JP" smtClean="0"/>
+              <a:t/>
+            </a:r>
+            <a:br>
+              <a:rPr kumimoji="1" lang="en-US" altLang="ja-JP" smtClean="0"/>
+            </a:br>
+            <a:r>
               <a:rPr kumimoji="1" lang="ja-JP" altLang="en-US" smtClean="0"/>
-              <a:t>こんなに大変だった</a:t>
+              <a:t>こんなに大変</a:t>
+            </a:r>
+            <a:r>
+              <a:rPr kumimoji="1" lang="ja-JP" altLang="en-US" smtClean="0"/>
+              <a:t>だった</a:t>
+            </a:r>
+            <a:r>
+              <a:rPr kumimoji="1" lang="en-US" altLang="ja-JP" smtClean="0"/>
+              <a:t>!?</a:t>
             </a:r>
             <a:r>
               <a:rPr kumimoji="1" lang="en-US" altLang="ja-JP" smtClean="0"/>
@@ -3848,31 +3871,59 @@
           <a:p>
             <a:pPr lvl="1"/>
             <a:r>
-              <a:rPr lang="ja-JP" altLang="en-US"/>
+              <a:rPr lang="ja-JP" altLang="en-US">
+                <a:solidFill>
+                  <a:srgbClr val="FF0000"/>
+                </a:solidFill>
+              </a:rPr>
               <a:t>メイン</a:t>
             </a:r>
             <a:r>
-              <a:rPr lang="ja-JP" altLang="en-US" smtClean="0"/>
+              <a:rPr lang="ja-JP" altLang="en-US" smtClean="0">
+                <a:solidFill>
+                  <a:srgbClr val="FF0000"/>
+                </a:solidFill>
+              </a:rPr>
               <a:t>の</a:t>
             </a:r>
             <a:r>
-              <a:rPr kumimoji="1" lang="ja-JP" altLang="en-US" smtClean="0"/>
+              <a:rPr kumimoji="1" lang="ja-JP" altLang="en-US" smtClean="0">
+                <a:solidFill>
+                  <a:srgbClr val="FF0000"/>
+                </a:solidFill>
+              </a:rPr>
               <a:t>負荷</a:t>
             </a:r>
             <a:r>
-              <a:rPr lang="ja-JP" altLang="en-US"/>
+              <a:rPr lang="ja-JP" altLang="en-US">
+                <a:solidFill>
+                  <a:srgbClr val="FF0000"/>
+                </a:solidFill>
+              </a:rPr>
               <a:t>低減の</a:t>
             </a:r>
             <a:r>
-              <a:rPr lang="ja-JP" altLang="en-US" smtClean="0"/>
+              <a:rPr lang="ja-JP" altLang="en-US" smtClean="0">
+                <a:solidFill>
+                  <a:srgbClr val="FF0000"/>
+                </a:solidFill>
+              </a:rPr>
               <a:t>ため</a:t>
             </a:r>
             <a:r>
-              <a:rPr kumimoji="1" lang="ja-JP" altLang="en-US" smtClean="0"/>
+              <a:rPr kumimoji="1" lang="ja-JP" altLang="en-US" smtClean="0">
+                <a:solidFill>
+                  <a:srgbClr val="FF0000"/>
+                </a:solidFill>
+              </a:rPr>
               <a:t>他のディスクに</a:t>
             </a:r>
             <a:r>
-              <a:rPr kumimoji="1" lang="ja-JP" altLang="en-US"/>
+              <a:rPr kumimoji="1" lang="ja-JP" altLang="en-US">
+                <a:solidFill>
+                  <a:srgbClr val="FF0000"/>
+                </a:solidFill>
+              </a:rPr>
               <a:t>書き込む</a:t>
             </a:r>
           </a:p>

--- a/doc/walb-is-hard.pptx
+++ b/doc/walb-is-hard.pptx
@@ -1,9 +1,12 @@
 
 <file path=ppt/presentation.xml><?xml version="1.0" encoding="utf-8"?>
-<p:presentation xmlns:a="http://schemas.openxmlformats.org/drawingml/2006/main" xmlns:r="http://schemas.openxmlformats.org/officeDocument/2006/relationships" xmlns:p="http://schemas.openxmlformats.org/presentationml/2006/main" saveSubsetFonts="1">
+<p:presentation xmlns:a="http://schemas.openxmlformats.org/drawingml/2006/main" xmlns:r="http://schemas.openxmlformats.org/officeDocument/2006/relationships" xmlns:p="http://schemas.openxmlformats.org/presentationml/2006/main" showSpecialPlsOnTitleSld="0" saveSubsetFonts="1">
   <p:sldMasterIdLst>
     <p:sldMasterId id="2147483648" r:id="rId1"/>
   </p:sldMasterIdLst>
+  <p:notesMasterIdLst>
+    <p:notesMasterId r:id="rId32"/>
+  </p:notesMasterIdLst>
   <p:sldIdLst>
     <p:sldId id="257" r:id="rId2"/>
     <p:sldId id="281" r:id="rId3"/>
@@ -13,25 +16,28 @@
     <p:sldId id="261" r:id="rId7"/>
     <p:sldId id="264" r:id="rId8"/>
     <p:sldId id="282" r:id="rId9"/>
-    <p:sldId id="260" r:id="rId10"/>
-    <p:sldId id="266" r:id="rId11"/>
-    <p:sldId id="263" r:id="rId12"/>
-    <p:sldId id="273" r:id="rId13"/>
-    <p:sldId id="268" r:id="rId14"/>
-    <p:sldId id="277" r:id="rId15"/>
-    <p:sldId id="262" r:id="rId16"/>
-    <p:sldId id="265" r:id="rId17"/>
-    <p:sldId id="267" r:id="rId18"/>
-    <p:sldId id="274" r:id="rId19"/>
-    <p:sldId id="269" r:id="rId20"/>
-    <p:sldId id="270" r:id="rId21"/>
-    <p:sldId id="275" r:id="rId22"/>
-    <p:sldId id="271" r:id="rId23"/>
-    <p:sldId id="278" r:id="rId24"/>
-    <p:sldId id="279" r:id="rId25"/>
-    <p:sldId id="276" r:id="rId26"/>
-    <p:sldId id="272" r:id="rId27"/>
-    <p:sldId id="256" r:id="rId28"/>
+    <p:sldId id="283" r:id="rId10"/>
+    <p:sldId id="284" r:id="rId11"/>
+    <p:sldId id="260" r:id="rId12"/>
+    <p:sldId id="266" r:id="rId13"/>
+    <p:sldId id="263" r:id="rId14"/>
+    <p:sldId id="273" r:id="rId15"/>
+    <p:sldId id="268" r:id="rId16"/>
+    <p:sldId id="277" r:id="rId17"/>
+    <p:sldId id="262" r:id="rId18"/>
+    <p:sldId id="265" r:id="rId19"/>
+    <p:sldId id="267" r:id="rId20"/>
+    <p:sldId id="274" r:id="rId21"/>
+    <p:sldId id="269" r:id="rId22"/>
+    <p:sldId id="270" r:id="rId23"/>
+    <p:sldId id="275" r:id="rId24"/>
+    <p:sldId id="271" r:id="rId25"/>
+    <p:sldId id="285" r:id="rId26"/>
+    <p:sldId id="278" r:id="rId27"/>
+    <p:sldId id="279" r:id="rId28"/>
+    <p:sldId id="276" r:id="rId29"/>
+    <p:sldId id="272" r:id="rId30"/>
+    <p:sldId id="256" r:id="rId31"/>
   </p:sldIdLst>
   <p:sldSz cx="9144000" cy="6858000" type="screen4x3"/>
   <p:notesSz cx="6858000" cy="9144000"/>
@@ -133,6 +139,388 @@
 </p:presentation>
 </file>
 
+<file path=ppt/notesMasters/notesMaster1.xml><?xml version="1.0" encoding="utf-8"?>
+<p:notesMaster xmlns:a="http://schemas.openxmlformats.org/drawingml/2006/main" xmlns:r="http://schemas.openxmlformats.org/officeDocument/2006/relationships" xmlns:p="http://schemas.openxmlformats.org/presentationml/2006/main">
+  <p:cSld>
+    <p:bg>
+      <p:bgRef idx="1001">
+        <a:schemeClr val="bg1"/>
+      </p:bgRef>
+    </p:bg>
+    <p:spTree>
+      <p:nvGrpSpPr>
+        <p:cNvPr id="1" name=""/>
+        <p:cNvGrpSpPr/>
+        <p:nvPr/>
+      </p:nvGrpSpPr>
+      <p:grpSpPr>
+        <a:xfrm>
+          <a:off x="0" y="0"/>
+          <a:ext cx="0" cy="0"/>
+          <a:chOff x="0" y="0"/>
+          <a:chExt cx="0" cy="0"/>
+        </a:xfrm>
+      </p:grpSpPr>
+      <p:sp>
+        <p:nvSpPr>
+          <p:cNvPr id="2" name="ヘッダー プレースホルダー 1"/>
+          <p:cNvSpPr>
+            <a:spLocks noGrp="1"/>
+          </p:cNvSpPr>
+          <p:nvPr>
+            <p:ph type="hdr" sz="quarter"/>
+          </p:nvPr>
+        </p:nvSpPr>
+        <p:spPr>
+          <a:xfrm>
+            <a:off x="0" y="0"/>
+            <a:ext cx="2971800" cy="457200"/>
+          </a:xfrm>
+          <a:prstGeom prst="rect">
+            <a:avLst/>
+          </a:prstGeom>
+        </p:spPr>
+        <p:txBody>
+          <a:bodyPr vert="horz" lIns="91440" tIns="45720" rIns="91440" bIns="45720" rtlCol="0"/>
+          <a:lstStyle>
+            <a:lvl1pPr algn="l">
+              <a:defRPr sz="1200"/>
+            </a:lvl1pPr>
+          </a:lstStyle>
+          <a:p>
+            <a:endParaRPr kumimoji="1" lang="ja-JP" altLang="en-US"/>
+          </a:p>
+        </p:txBody>
+      </p:sp>
+      <p:sp>
+        <p:nvSpPr>
+          <p:cNvPr id="3" name="日付プレースホルダー 2"/>
+          <p:cNvSpPr>
+            <a:spLocks noGrp="1"/>
+          </p:cNvSpPr>
+          <p:nvPr>
+            <p:ph type="dt" idx="1"/>
+          </p:nvPr>
+        </p:nvSpPr>
+        <p:spPr>
+          <a:xfrm>
+            <a:off x="3884613" y="0"/>
+            <a:ext cx="2971800" cy="457200"/>
+          </a:xfrm>
+          <a:prstGeom prst="rect">
+            <a:avLst/>
+          </a:prstGeom>
+        </p:spPr>
+        <p:txBody>
+          <a:bodyPr vert="horz" lIns="91440" tIns="45720" rIns="91440" bIns="45720" rtlCol="0"/>
+          <a:lstStyle>
+            <a:lvl1pPr algn="r">
+              <a:defRPr sz="1200"/>
+            </a:lvl1pPr>
+          </a:lstStyle>
+          <a:p>
+            <a:fld id="{CAF3B400-B8DA-4F20-BFC2-427A5A4B7B99}" type="datetimeFigureOut">
+              <a:rPr kumimoji="1" lang="ja-JP" altLang="en-US" smtClean="0"/>
+              <a:t>2014/10/27</a:t>
+            </a:fld>
+            <a:endParaRPr kumimoji="1" lang="ja-JP" altLang="en-US"/>
+          </a:p>
+        </p:txBody>
+      </p:sp>
+      <p:sp>
+        <p:nvSpPr>
+          <p:cNvPr id="4" name="スライド イメージ プレースホルダー 3"/>
+          <p:cNvSpPr>
+            <a:spLocks noGrp="1" noRot="1" noChangeAspect="1"/>
+          </p:cNvSpPr>
+          <p:nvPr>
+            <p:ph type="sldImg" idx="2"/>
+          </p:nvPr>
+        </p:nvSpPr>
+        <p:spPr>
+          <a:xfrm>
+            <a:off x="1143000" y="685800"/>
+            <a:ext cx="4572000" cy="3429000"/>
+          </a:xfrm>
+          <a:prstGeom prst="rect">
+            <a:avLst/>
+          </a:prstGeom>
+          <a:noFill/>
+          <a:ln w="12700">
+            <a:solidFill>
+              <a:prstClr val="black"/>
+            </a:solidFill>
+          </a:ln>
+        </p:spPr>
+        <p:txBody>
+          <a:bodyPr vert="horz" lIns="91440" tIns="45720" rIns="91440" bIns="45720" rtlCol="0" anchor="ctr"/>
+          <a:lstStyle/>
+          <a:p>
+            <a:endParaRPr lang="ja-JP" altLang="en-US"/>
+          </a:p>
+        </p:txBody>
+      </p:sp>
+      <p:sp>
+        <p:nvSpPr>
+          <p:cNvPr id="5" name="ノート プレースホルダー 4"/>
+          <p:cNvSpPr>
+            <a:spLocks noGrp="1"/>
+          </p:cNvSpPr>
+          <p:nvPr>
+            <p:ph type="body" sz="quarter" idx="3"/>
+          </p:nvPr>
+        </p:nvSpPr>
+        <p:spPr>
+          <a:xfrm>
+            <a:off x="685800" y="4343400"/>
+            <a:ext cx="5486400" cy="4114800"/>
+          </a:xfrm>
+          <a:prstGeom prst="rect">
+            <a:avLst/>
+          </a:prstGeom>
+        </p:spPr>
+        <p:txBody>
+          <a:bodyPr vert="horz" lIns="91440" tIns="45720" rIns="91440" bIns="45720" rtlCol="0"/>
+          <a:lstStyle/>
+          <a:p>
+            <a:pPr lvl="0"/>
+            <a:r>
+              <a:rPr kumimoji="1" lang="ja-JP" altLang="en-US" smtClean="0"/>
+              <a:t>マスター テキストの書式設定</a:t>
+            </a:r>
+          </a:p>
+          <a:p>
+            <a:pPr lvl="1"/>
+            <a:r>
+              <a:rPr kumimoji="1" lang="ja-JP" altLang="en-US" smtClean="0"/>
+              <a:t>第 </a:t>
+            </a:r>
+            <a:r>
+              <a:rPr kumimoji="1" lang="en-US" altLang="ja-JP" smtClean="0"/>
+              <a:t>2 </a:t>
+            </a:r>
+            <a:r>
+              <a:rPr kumimoji="1" lang="ja-JP" altLang="en-US" smtClean="0"/>
+              <a:t>レベル</a:t>
+            </a:r>
+          </a:p>
+          <a:p>
+            <a:pPr lvl="2"/>
+            <a:r>
+              <a:rPr kumimoji="1" lang="ja-JP" altLang="en-US" smtClean="0"/>
+              <a:t>第 </a:t>
+            </a:r>
+            <a:r>
+              <a:rPr kumimoji="1" lang="en-US" altLang="ja-JP" smtClean="0"/>
+              <a:t>3 </a:t>
+            </a:r>
+            <a:r>
+              <a:rPr kumimoji="1" lang="ja-JP" altLang="en-US" smtClean="0"/>
+              <a:t>レベル</a:t>
+            </a:r>
+          </a:p>
+          <a:p>
+            <a:pPr lvl="3"/>
+            <a:r>
+              <a:rPr kumimoji="1" lang="ja-JP" altLang="en-US" smtClean="0"/>
+              <a:t>第 </a:t>
+            </a:r>
+            <a:r>
+              <a:rPr kumimoji="1" lang="en-US" altLang="ja-JP" smtClean="0"/>
+              <a:t>4 </a:t>
+            </a:r>
+            <a:r>
+              <a:rPr kumimoji="1" lang="ja-JP" altLang="en-US" smtClean="0"/>
+              <a:t>レベル</a:t>
+            </a:r>
+          </a:p>
+          <a:p>
+            <a:pPr lvl="4"/>
+            <a:r>
+              <a:rPr kumimoji="1" lang="ja-JP" altLang="en-US" smtClean="0"/>
+              <a:t>第 </a:t>
+            </a:r>
+            <a:r>
+              <a:rPr kumimoji="1" lang="en-US" altLang="ja-JP" smtClean="0"/>
+              <a:t>5 </a:t>
+            </a:r>
+            <a:r>
+              <a:rPr kumimoji="1" lang="ja-JP" altLang="en-US" smtClean="0"/>
+              <a:t>レベル</a:t>
+            </a:r>
+            <a:endParaRPr kumimoji="1" lang="ja-JP" altLang="en-US"/>
+          </a:p>
+        </p:txBody>
+      </p:sp>
+      <p:sp>
+        <p:nvSpPr>
+          <p:cNvPr id="6" name="フッター プレースホルダー 5"/>
+          <p:cNvSpPr>
+            <a:spLocks noGrp="1"/>
+          </p:cNvSpPr>
+          <p:nvPr>
+            <p:ph type="ftr" sz="quarter" idx="4"/>
+          </p:nvPr>
+        </p:nvSpPr>
+        <p:spPr>
+          <a:xfrm>
+            <a:off x="0" y="8685213"/>
+            <a:ext cx="2971800" cy="457200"/>
+          </a:xfrm>
+          <a:prstGeom prst="rect">
+            <a:avLst/>
+          </a:prstGeom>
+        </p:spPr>
+        <p:txBody>
+          <a:bodyPr vert="horz" lIns="91440" tIns="45720" rIns="91440" bIns="45720" rtlCol="0" anchor="b"/>
+          <a:lstStyle>
+            <a:lvl1pPr algn="l">
+              <a:defRPr sz="1200"/>
+            </a:lvl1pPr>
+          </a:lstStyle>
+          <a:p>
+            <a:endParaRPr kumimoji="1" lang="ja-JP" altLang="en-US"/>
+          </a:p>
+        </p:txBody>
+      </p:sp>
+      <p:sp>
+        <p:nvSpPr>
+          <p:cNvPr id="7" name="スライド番号プレースホルダー 6"/>
+          <p:cNvSpPr>
+            <a:spLocks noGrp="1"/>
+          </p:cNvSpPr>
+          <p:nvPr>
+            <p:ph type="sldNum" sz="quarter" idx="5"/>
+          </p:nvPr>
+        </p:nvSpPr>
+        <p:spPr>
+          <a:xfrm>
+            <a:off x="3884613" y="8685213"/>
+            <a:ext cx="2971800" cy="457200"/>
+          </a:xfrm>
+          <a:prstGeom prst="rect">
+            <a:avLst/>
+          </a:prstGeom>
+        </p:spPr>
+        <p:txBody>
+          <a:bodyPr vert="horz" lIns="91440" tIns="45720" rIns="91440" bIns="45720" rtlCol="0" anchor="b"/>
+          <a:lstStyle>
+            <a:lvl1pPr algn="r">
+              <a:defRPr sz="1200"/>
+            </a:lvl1pPr>
+          </a:lstStyle>
+          <a:p>
+            <a:fld id="{A690AEAE-0BF9-4D6D-A5B3-8469339AA207}" type="slidenum">
+              <a:rPr kumimoji="1" lang="ja-JP" altLang="en-US" smtClean="0"/>
+              <a:t>‹#›</a:t>
+            </a:fld>
+            <a:endParaRPr kumimoji="1" lang="ja-JP" altLang="en-US"/>
+          </a:p>
+        </p:txBody>
+      </p:sp>
+    </p:spTree>
+    <p:extLst>
+      <p:ext uri="{BB962C8B-B14F-4D97-AF65-F5344CB8AC3E}">
+        <p14:creationId xmlns:p14="http://schemas.microsoft.com/office/powerpoint/2010/main" val="9500275"/>
+      </p:ext>
+    </p:extLst>
+  </p:cSld>
+  <p:clrMap bg1="lt1" tx1="dk1" bg2="lt2" tx2="dk2" accent1="accent1" accent2="accent2" accent3="accent3" accent4="accent4" accent5="accent5" accent6="accent6" hlink="hlink" folHlink="folHlink"/>
+  <p:notesStyle>
+    <a:lvl1pPr marL="0" algn="l" defTabSz="914400" rtl="0" eaLnBrk="1" latinLnBrk="0" hangingPunct="1">
+      <a:defRPr kumimoji="1" sz="1200" kern="1200">
+        <a:solidFill>
+          <a:schemeClr val="tx1"/>
+        </a:solidFill>
+        <a:latin typeface="+mn-lt"/>
+        <a:ea typeface="+mn-ea"/>
+        <a:cs typeface="+mn-cs"/>
+      </a:defRPr>
+    </a:lvl1pPr>
+    <a:lvl2pPr marL="457200" algn="l" defTabSz="914400" rtl="0" eaLnBrk="1" latinLnBrk="0" hangingPunct="1">
+      <a:defRPr kumimoji="1" sz="1200" kern="1200">
+        <a:solidFill>
+          <a:schemeClr val="tx1"/>
+        </a:solidFill>
+        <a:latin typeface="+mn-lt"/>
+        <a:ea typeface="+mn-ea"/>
+        <a:cs typeface="+mn-cs"/>
+      </a:defRPr>
+    </a:lvl2pPr>
+    <a:lvl3pPr marL="914400" algn="l" defTabSz="914400" rtl="0" eaLnBrk="1" latinLnBrk="0" hangingPunct="1">
+      <a:defRPr kumimoji="1" sz="1200" kern="1200">
+        <a:solidFill>
+          <a:schemeClr val="tx1"/>
+        </a:solidFill>
+        <a:latin typeface="+mn-lt"/>
+        <a:ea typeface="+mn-ea"/>
+        <a:cs typeface="+mn-cs"/>
+      </a:defRPr>
+    </a:lvl3pPr>
+    <a:lvl4pPr marL="1371600" algn="l" defTabSz="914400" rtl="0" eaLnBrk="1" latinLnBrk="0" hangingPunct="1">
+      <a:defRPr kumimoji="1" sz="1200" kern="1200">
+        <a:solidFill>
+          <a:schemeClr val="tx1"/>
+        </a:solidFill>
+        <a:latin typeface="+mn-lt"/>
+        <a:ea typeface="+mn-ea"/>
+        <a:cs typeface="+mn-cs"/>
+      </a:defRPr>
+    </a:lvl4pPr>
+    <a:lvl5pPr marL="1828800" algn="l" defTabSz="914400" rtl="0" eaLnBrk="1" latinLnBrk="0" hangingPunct="1">
+      <a:defRPr kumimoji="1" sz="1200" kern="1200">
+        <a:solidFill>
+          <a:schemeClr val="tx1"/>
+        </a:solidFill>
+        <a:latin typeface="+mn-lt"/>
+        <a:ea typeface="+mn-ea"/>
+        <a:cs typeface="+mn-cs"/>
+      </a:defRPr>
+    </a:lvl5pPr>
+    <a:lvl6pPr marL="2286000" algn="l" defTabSz="914400" rtl="0" eaLnBrk="1" latinLnBrk="0" hangingPunct="1">
+      <a:defRPr kumimoji="1" sz="1200" kern="1200">
+        <a:solidFill>
+          <a:schemeClr val="tx1"/>
+        </a:solidFill>
+        <a:latin typeface="+mn-lt"/>
+        <a:ea typeface="+mn-ea"/>
+        <a:cs typeface="+mn-cs"/>
+      </a:defRPr>
+    </a:lvl6pPr>
+    <a:lvl7pPr marL="2743200" algn="l" defTabSz="914400" rtl="0" eaLnBrk="1" latinLnBrk="0" hangingPunct="1">
+      <a:defRPr kumimoji="1" sz="1200" kern="1200">
+        <a:solidFill>
+          <a:schemeClr val="tx1"/>
+        </a:solidFill>
+        <a:latin typeface="+mn-lt"/>
+        <a:ea typeface="+mn-ea"/>
+        <a:cs typeface="+mn-cs"/>
+      </a:defRPr>
+    </a:lvl7pPr>
+    <a:lvl8pPr marL="3200400" algn="l" defTabSz="914400" rtl="0" eaLnBrk="1" latinLnBrk="0" hangingPunct="1">
+      <a:defRPr kumimoji="1" sz="1200" kern="1200">
+        <a:solidFill>
+          <a:schemeClr val="tx1"/>
+        </a:solidFill>
+        <a:latin typeface="+mn-lt"/>
+        <a:ea typeface="+mn-ea"/>
+        <a:cs typeface="+mn-cs"/>
+      </a:defRPr>
+    </a:lvl8pPr>
+    <a:lvl9pPr marL="3657600" algn="l" defTabSz="914400" rtl="0" eaLnBrk="1" latinLnBrk="0" hangingPunct="1">
+      <a:defRPr kumimoji="1" sz="1200" kern="1200">
+        <a:solidFill>
+          <a:schemeClr val="tx1"/>
+        </a:solidFill>
+        <a:latin typeface="+mn-lt"/>
+        <a:ea typeface="+mn-ea"/>
+        <a:cs typeface="+mn-cs"/>
+      </a:defRPr>
+    </a:lvl9pPr>
+  </p:notesStyle>
+</p:notesMaster>
+</file>
+
 <file path=ppt/slideLayouts/slideLayout1.xml><?xml version="1.0" encoding="utf-8"?>
 <p:sldLayout xmlns:a="http://schemas.openxmlformats.org/drawingml/2006/main" xmlns:r="http://schemas.openxmlformats.org/officeDocument/2006/relationships" xmlns:p="http://schemas.openxmlformats.org/presentationml/2006/main" type="title" preserve="1">
   <p:cSld name="タイトル スライド">
@@ -312,9 +700,9 @@
           <a:bodyPr/>
           <a:lstStyle/>
           <a:p>
-            <a:fld id="{FC956616-CD33-46B8-9478-BE04F8ED56F2}" type="datetimeFigureOut">
+            <a:fld id="{83A0FDD8-7D3E-4211-9B67-91927FF3F800}" type="datetime1">
               <a:rPr kumimoji="1" lang="ja-JP" altLang="en-US" smtClean="0"/>
-              <a:t>2014/9/30</a:t>
+              <a:t>2014/10/27</a:t>
             </a:fld>
             <a:endParaRPr kumimoji="1" lang="ja-JP" altLang="en-US"/>
           </a:p>
@@ -514,9 +902,9 @@
           <a:bodyPr/>
           <a:lstStyle/>
           <a:p>
-            <a:fld id="{FC956616-CD33-46B8-9478-BE04F8ED56F2}" type="datetimeFigureOut">
+            <a:fld id="{92EB196E-37A3-47C0-BEFF-61A0D513AF34}" type="datetime1">
               <a:rPr kumimoji="1" lang="ja-JP" altLang="en-US" smtClean="0"/>
-              <a:t>2014/9/30</a:t>
+              <a:t>2014/10/27</a:t>
             </a:fld>
             <a:endParaRPr kumimoji="1" lang="ja-JP" altLang="en-US"/>
           </a:p>
@@ -726,9 +1114,9 @@
           <a:bodyPr/>
           <a:lstStyle/>
           <a:p>
-            <a:fld id="{FC956616-CD33-46B8-9478-BE04F8ED56F2}" type="datetimeFigureOut">
+            <a:fld id="{EC221A7A-DE61-4DCE-8254-4F2215DDB5E7}" type="datetime1">
               <a:rPr kumimoji="1" lang="ja-JP" altLang="en-US" smtClean="0"/>
-              <a:t>2014/9/30</a:t>
+              <a:t>2014/10/27</a:t>
             </a:fld>
             <a:endParaRPr kumimoji="1" lang="ja-JP" altLang="en-US"/>
           </a:p>
@@ -928,9 +1316,9 @@
           <a:bodyPr/>
           <a:lstStyle/>
           <a:p>
-            <a:fld id="{FC956616-CD33-46B8-9478-BE04F8ED56F2}" type="datetimeFigureOut">
+            <a:fld id="{062C37F1-9BEB-41E0-9FF3-95288A60DF59}" type="datetime1">
               <a:rPr kumimoji="1" lang="ja-JP" altLang="en-US" smtClean="0"/>
-              <a:t>2014/9/30</a:t>
+              <a:t>2014/10/27</a:t>
             </a:fld>
             <a:endParaRPr kumimoji="1" lang="ja-JP" altLang="en-US"/>
           </a:p>
@@ -971,10 +1359,15 @@
           <a:lstStyle/>
           <a:p>
             <a:fld id="{2649E3F5-6F9D-4754-B6F9-50AE10FEA634}" type="slidenum">
-              <a:rPr kumimoji="1" lang="ja-JP" altLang="en-US" smtClean="0"/>
+              <a:rPr lang="ja-JP" altLang="en-US" smtClean="0"/>
+              <a:pPr/>
               <a:t>‹#›</a:t>
             </a:fld>
-            <a:endParaRPr kumimoji="1" lang="ja-JP" altLang="en-US"/>
+            <a:r>
+              <a:rPr lang="en-US" altLang="ja-JP" smtClean="0"/>
+              <a:t>/30</a:t>
+            </a:r>
+            <a:endParaRPr lang="ja-JP" altLang="en-US"/>
           </a:p>
         </p:txBody>
       </p:sp>
@@ -1174,9 +1567,9 @@
           <a:bodyPr/>
           <a:lstStyle/>
           <a:p>
-            <a:fld id="{FC956616-CD33-46B8-9478-BE04F8ED56F2}" type="datetimeFigureOut">
+            <a:fld id="{A791FC19-9E22-4CAD-959F-970FEF4DA508}" type="datetime1">
               <a:rPr kumimoji="1" lang="ja-JP" altLang="en-US" smtClean="0"/>
-              <a:t>2014/9/30</a:t>
+              <a:t>2014/10/27</a:t>
             </a:fld>
             <a:endParaRPr kumimoji="1" lang="ja-JP" altLang="en-US"/>
           </a:p>
@@ -1526,9 +1919,9 @@
           <a:bodyPr/>
           <a:lstStyle/>
           <a:p>
-            <a:fld id="{FC956616-CD33-46B8-9478-BE04F8ED56F2}" type="datetimeFigureOut">
+            <a:fld id="{88BAA74D-30E6-466B-A2A7-FCB0A3B70795}" type="datetime1">
               <a:rPr kumimoji="1" lang="ja-JP" altLang="en-US" smtClean="0"/>
-              <a:t>2014/9/30</a:t>
+              <a:t>2014/10/27</a:t>
             </a:fld>
             <a:endParaRPr kumimoji="1" lang="ja-JP" altLang="en-US"/>
           </a:p>
@@ -2012,9 +2405,9 @@
           <a:bodyPr/>
           <a:lstStyle/>
           <a:p>
-            <a:fld id="{FC956616-CD33-46B8-9478-BE04F8ED56F2}" type="datetimeFigureOut">
+            <a:fld id="{9145F43B-99BD-447E-B961-C95FF76AC43F}" type="datetime1">
               <a:rPr kumimoji="1" lang="ja-JP" altLang="en-US" smtClean="0"/>
-              <a:t>2014/9/30</a:t>
+              <a:t>2014/10/27</a:t>
             </a:fld>
             <a:endParaRPr kumimoji="1" lang="ja-JP" altLang="en-US"/>
           </a:p>
@@ -2130,9 +2523,9 @@
           <a:bodyPr/>
           <a:lstStyle/>
           <a:p>
-            <a:fld id="{FC956616-CD33-46B8-9478-BE04F8ED56F2}" type="datetimeFigureOut">
+            <a:fld id="{6A1CE8ED-0C6F-4BD1-8CA7-74E4AC55B3FF}" type="datetime1">
               <a:rPr kumimoji="1" lang="ja-JP" altLang="en-US" smtClean="0"/>
-              <a:t>2014/9/30</a:t>
+              <a:t>2014/10/27</a:t>
             </a:fld>
             <a:endParaRPr kumimoji="1" lang="ja-JP" altLang="en-US"/>
           </a:p>
@@ -2225,9 +2618,9 @@
           <a:bodyPr/>
           <a:lstStyle/>
           <a:p>
-            <a:fld id="{FC956616-CD33-46B8-9478-BE04F8ED56F2}" type="datetimeFigureOut">
+            <a:fld id="{612EFEED-8580-4AFF-A7E7-F2908BCFCB44}" type="datetime1">
               <a:rPr kumimoji="1" lang="ja-JP" altLang="en-US" smtClean="0"/>
-              <a:t>2014/9/30</a:t>
+              <a:t>2014/10/27</a:t>
             </a:fld>
             <a:endParaRPr kumimoji="1" lang="ja-JP" altLang="en-US"/>
           </a:p>
@@ -2534,9 +2927,9 @@
           <a:bodyPr/>
           <a:lstStyle/>
           <a:p>
-            <a:fld id="{FC956616-CD33-46B8-9478-BE04F8ED56F2}" type="datetimeFigureOut">
+            <a:fld id="{B6A9EFB1-CF0A-46EF-8C40-69885B0E480A}" type="datetime1">
               <a:rPr kumimoji="1" lang="ja-JP" altLang="en-US" smtClean="0"/>
-              <a:t>2014/9/30</a:t>
+              <a:t>2014/10/27</a:t>
             </a:fld>
             <a:endParaRPr kumimoji="1" lang="ja-JP" altLang="en-US"/>
           </a:p>
@@ -2787,9 +3180,9 @@
           <a:bodyPr/>
           <a:lstStyle/>
           <a:p>
-            <a:fld id="{FC956616-CD33-46B8-9478-BE04F8ED56F2}" type="datetimeFigureOut">
+            <a:fld id="{76584A83-C5F5-40D3-AABB-F1BA494E9BAC}" type="datetime1">
               <a:rPr kumimoji="1" lang="ja-JP" altLang="en-US" smtClean="0"/>
-              <a:t>2014/9/30</a:t>
+              <a:t>2014/10/27</a:t>
             </a:fld>
             <a:endParaRPr kumimoji="1" lang="ja-JP" altLang="en-US"/>
           </a:p>
@@ -3032,9 +3425,9 @@
             </a:lvl1pPr>
           </a:lstStyle>
           <a:p>
-            <a:fld id="{FC956616-CD33-46B8-9478-BE04F8ED56F2}" type="datetimeFigureOut">
+            <a:fld id="{088E5BDD-1DEA-4184-B0A1-24A918F11725}" type="datetime1">
               <a:rPr kumimoji="1" lang="ja-JP" altLang="en-US" smtClean="0"/>
-              <a:t>2014/9/30</a:t>
+              <a:t>2014/10/27</a:t>
             </a:fld>
             <a:endParaRPr kumimoji="1" lang="ja-JP" altLang="en-US"/>
           </a:p>
@@ -3139,6 +3532,7 @@
     <p:sldLayoutId id="2147483658" r:id="rId10"/>
     <p:sldLayoutId id="2147483659" r:id="rId11"/>
   </p:sldLayoutIdLst>
+  <p:hf hdr="0" ftr="0" dt="0"/>
   <p:txStyles>
     <p:titleStyle>
       <a:lvl1pPr algn="ctr" defTabSz="914400" rtl="0" eaLnBrk="1" latinLnBrk="0" hangingPunct="1">
@@ -3432,11 +3826,7 @@
             </a:r>
             <a:r>
               <a:rPr kumimoji="1" lang="ja-JP" altLang="en-US" smtClean="0"/>
-              <a:t>やって</a:t>
-            </a:r>
-            <a:r>
-              <a:rPr kumimoji="1" lang="ja-JP" altLang="en-US" smtClean="0"/>
-              <a:t>みたら</a:t>
+              <a:t>やってみたら</a:t>
             </a:r>
             <a:r>
               <a:rPr kumimoji="1" lang="en-US" altLang="ja-JP" smtClean="0"/>
@@ -3458,34 +3848,26 @@
             </a:br>
             <a:r>
               <a:rPr kumimoji="1" lang="ja-JP" altLang="en-US" smtClean="0"/>
-              <a:t>こんなに大変</a:t>
-            </a:r>
-            <a:r>
-              <a:rPr kumimoji="1" lang="ja-JP" altLang="en-US" smtClean="0"/>
-              <a:t>だった</a:t>
+              <a:t>こんなに大変だった</a:t>
             </a:r>
             <a:r>
               <a:rPr kumimoji="1" lang="en-US" altLang="ja-JP" smtClean="0"/>
               <a:t>!?</a:t>
-            </a:r>
-            <a:r>
-              <a:rPr kumimoji="1" lang="en-US" altLang="ja-JP" smtClean="0"/>
-              <a:t/>
             </a:r>
             <a:br>
               <a:rPr kumimoji="1" lang="en-US" altLang="ja-JP" smtClean="0"/>
             </a:br>
             <a:r>
-              <a:rPr lang="en-US" altLang="ja-JP" sz="1800" smtClean="0"/>
-              <a:t>(</a:t>
-            </a:r>
-            <a:r>
               <a:rPr lang="ja-JP" altLang="en-US" sz="1800" smtClean="0"/>
+              <a:t>（</a:t>
+            </a:r>
+            <a:r>
+              <a:rPr lang="ja-JP" altLang="en-US" sz="1800"/>
               <a:t>現在進行形</a:t>
             </a:r>
             <a:r>
-              <a:rPr lang="en-US" altLang="ja-JP" sz="1800" smtClean="0"/>
-              <a:t>)</a:t>
+              <a:rPr lang="ja-JP" altLang="en-US" sz="1800" smtClean="0"/>
+              <a:t>）</a:t>
             </a:r>
             <a:endParaRPr kumimoji="1" lang="ja-JP" altLang="en-US"/>
           </a:p>
@@ -3508,8 +3890,9 @@
           <a:p>
             <a:r>
               <a:rPr kumimoji="1" lang="en-US" altLang="ja-JP" smtClean="0"/>
-              <a:t>2014/9</a:t>
-            </a:r>
+              <a:t>2014/10/29</a:t>
+            </a:r>
+            <a:endParaRPr kumimoji="1" lang="en-US" altLang="ja-JP" smtClean="0"/>
           </a:p>
           <a:p>
             <a:r>
@@ -3578,23 +3961,7 @@
             </a:r>
             <a:r>
               <a:rPr kumimoji="1" lang="ja-JP" altLang="en-US" smtClean="0"/>
-              <a:t>ブロックデバイス</a:t>
-            </a:r>
-            <a:r>
-              <a:rPr lang="ja-JP" altLang="en-US" smtClean="0"/>
-              <a:t>（</a:t>
-            </a:r>
-            <a:r>
-              <a:rPr lang="en-US" altLang="ja-JP"/>
-              <a:t>2</a:t>
-            </a:r>
-            <a:r>
-              <a:rPr lang="en-US" altLang="ja-JP" smtClean="0"/>
-              <a:t>/2</a:t>
-            </a:r>
-            <a:r>
-              <a:rPr lang="ja-JP" altLang="en-US" smtClean="0"/>
-              <a:t>）</a:t>
+              <a:t>による解決</a:t>
             </a:r>
             <a:endParaRPr kumimoji="1" lang="ja-JP" altLang="en-US"/>
           </a:p>
@@ -3612,6 +3979,924 @@
         </p:nvSpPr>
         <p:spPr/>
         <p:txBody>
+          <a:bodyPr/>
+          <a:lstStyle/>
+          <a:p>
+            <a:r>
+              <a:rPr kumimoji="1" lang="en-US" altLang="ja-JP" smtClean="0"/>
+              <a:t>log</a:t>
+            </a:r>
+            <a:r>
+              <a:rPr kumimoji="1" lang="ja-JP" altLang="en-US" smtClean="0"/>
+              <a:t>つき</a:t>
+            </a:r>
+            <a:r>
+              <a:rPr lang="ja-JP" altLang="en-US" smtClean="0"/>
+              <a:t>ブロックデバイス</a:t>
+            </a:r>
+            <a:endParaRPr lang="en-US" altLang="ja-JP" smtClean="0"/>
+          </a:p>
+          <a:p>
+            <a:pPr lvl="1"/>
+            <a:r>
+              <a:rPr kumimoji="1" lang="en-US" altLang="ja-JP" smtClean="0"/>
+              <a:t>LVM</a:t>
+            </a:r>
+            <a:r>
+              <a:rPr kumimoji="1" lang="ja-JP" altLang="en-US" smtClean="0"/>
+              <a:t>への依存を減らす</a:t>
+            </a:r>
+            <a:endParaRPr kumimoji="1" lang="en-US" altLang="ja-JP" smtClean="0"/>
+          </a:p>
+          <a:p>
+            <a:pPr lvl="1"/>
+            <a:r>
+              <a:rPr kumimoji="1" lang="ja-JP" altLang="en-US" smtClean="0"/>
+              <a:t>差分更新時の</a:t>
+            </a:r>
+            <a:r>
+              <a:rPr kumimoji="1" lang="en-US" altLang="ja-JP" smtClean="0"/>
+              <a:t>full scan</a:t>
+            </a:r>
+            <a:r>
+              <a:rPr kumimoji="1" lang="ja-JP" altLang="en-US" smtClean="0"/>
+              <a:t>が不要</a:t>
+            </a:r>
+            <a:endParaRPr kumimoji="1" lang="en-US" altLang="ja-JP" smtClean="0"/>
+          </a:p>
+          <a:p>
+            <a:r>
+              <a:rPr lang="en-US" altLang="ja-JP" smtClean="0"/>
+              <a:t>DRBD</a:t>
+            </a:r>
+            <a:r>
+              <a:rPr lang="ja-JP" altLang="en-US" smtClean="0"/>
+              <a:t>との違い</a:t>
+            </a:r>
+            <a:endParaRPr lang="en-US" altLang="ja-JP" smtClean="0"/>
+          </a:p>
+          <a:p>
+            <a:pPr lvl="1"/>
+            <a:r>
+              <a:rPr kumimoji="1" lang="ja-JP" altLang="en-US"/>
+              <a:t>過去</a:t>
+            </a:r>
+            <a:r>
+              <a:rPr kumimoji="1" lang="ja-JP" altLang="en-US" smtClean="0"/>
+              <a:t>の（ほぼ）任意の時点を再現可能</a:t>
+            </a:r>
+            <a:endParaRPr kumimoji="1" lang="en-US" altLang="ja-JP" smtClean="0"/>
+          </a:p>
+        </p:txBody>
+      </p:sp>
+      <p:sp>
+        <p:nvSpPr>
+          <p:cNvPr id="5" name="スライド番号プレースホルダー 4"/>
+          <p:cNvSpPr>
+            <a:spLocks noGrp="1"/>
+          </p:cNvSpPr>
+          <p:nvPr>
+            <p:ph type="sldNum" sz="quarter" idx="12"/>
+          </p:nvPr>
+        </p:nvSpPr>
+        <p:spPr/>
+        <p:txBody>
+          <a:bodyPr/>
+          <a:lstStyle/>
+          <a:p>
+            <a:fld id="{2649E3F5-6F9D-4754-B6F9-50AE10FEA634}" type="slidenum">
+              <a:rPr lang="ja-JP" altLang="en-US" smtClean="0"/>
+              <a:pPr/>
+              <a:t>10</a:t>
+            </a:fld>
+            <a:r>
+              <a:rPr lang="en-US" altLang="ja-JP" smtClean="0"/>
+              <a:t>/30</a:t>
+            </a:r>
+            <a:endParaRPr lang="ja-JP" altLang="en-US"/>
+          </a:p>
+        </p:txBody>
+      </p:sp>
+    </p:spTree>
+    <p:extLst>
+      <p:ext uri="{BB962C8B-B14F-4D97-AF65-F5344CB8AC3E}">
+        <p14:creationId xmlns:p14="http://schemas.microsoft.com/office/powerpoint/2010/main" val="2949923459"/>
+      </p:ext>
+    </p:extLst>
+  </p:cSld>
+  <p:clrMapOvr>
+    <a:masterClrMapping/>
+  </p:clrMapOvr>
+</p:sld>
+</file>
+
+<file path=ppt/slides/slide11.xml><?xml version="1.0" encoding="utf-8"?>
+<p:sld xmlns:a="http://schemas.openxmlformats.org/drawingml/2006/main" xmlns:r="http://schemas.openxmlformats.org/officeDocument/2006/relationships" xmlns:p="http://schemas.openxmlformats.org/presentationml/2006/main">
+  <p:cSld>
+    <p:spTree>
+      <p:nvGrpSpPr>
+        <p:cNvPr id="1" name=""/>
+        <p:cNvGrpSpPr/>
+        <p:nvPr/>
+      </p:nvGrpSpPr>
+      <p:grpSpPr>
+        <a:xfrm>
+          <a:off x="0" y="0"/>
+          <a:ext cx="0" cy="0"/>
+          <a:chOff x="0" y="0"/>
+          <a:chExt cx="0" cy="0"/>
+        </a:xfrm>
+      </p:grpSpPr>
+      <p:sp>
+        <p:nvSpPr>
+          <p:cNvPr id="2" name="タイトル 1"/>
+          <p:cNvSpPr>
+            <a:spLocks noGrp="1"/>
+          </p:cNvSpPr>
+          <p:nvPr>
+            <p:ph type="title"/>
+          </p:nvPr>
+        </p:nvSpPr>
+        <p:spPr/>
+        <p:txBody>
+          <a:bodyPr/>
+          <a:lstStyle/>
+          <a:p>
+            <a:r>
+              <a:rPr kumimoji="1" lang="en-US" altLang="ja-JP" smtClean="0"/>
+              <a:t>WalB</a:t>
+            </a:r>
+            <a:r>
+              <a:rPr kumimoji="1" lang="ja-JP" altLang="en-US" smtClean="0"/>
+              <a:t>ブロックデバイス</a:t>
+            </a:r>
+            <a:r>
+              <a:rPr lang="ja-JP" altLang="en-US" smtClean="0"/>
+              <a:t>（</a:t>
+            </a:r>
+            <a:r>
+              <a:rPr lang="en-US" altLang="ja-JP" smtClean="0"/>
+              <a:t>1/2</a:t>
+            </a:r>
+            <a:r>
+              <a:rPr lang="ja-JP" altLang="en-US" smtClean="0"/>
+              <a:t>）</a:t>
+            </a:r>
+            <a:endParaRPr kumimoji="1" lang="ja-JP" altLang="en-US"/>
+          </a:p>
+        </p:txBody>
+      </p:sp>
+      <p:sp>
+        <p:nvSpPr>
+          <p:cNvPr id="3" name="コンテンツ プレースホルダー 2"/>
+          <p:cNvSpPr>
+            <a:spLocks noGrp="1"/>
+          </p:cNvSpPr>
+          <p:nvPr>
+            <p:ph idx="1"/>
+          </p:nvPr>
+        </p:nvSpPr>
+        <p:spPr/>
+        <p:txBody>
+          <a:bodyPr/>
+          <a:lstStyle/>
+          <a:p>
+            <a:r>
+              <a:rPr kumimoji="1" lang="ja-JP" altLang="en-US" smtClean="0"/>
+              <a:t>ブロックデバイスとして動作する</a:t>
+            </a:r>
+            <a:endParaRPr kumimoji="1" lang="en-US" altLang="ja-JP" smtClean="0"/>
+          </a:p>
+          <a:p>
+            <a:pPr lvl="1"/>
+            <a:r>
+              <a:rPr lang="en-US" altLang="ja-JP" smtClean="0"/>
+              <a:t>Write Ahead Logging Block device</a:t>
+            </a:r>
+            <a:endParaRPr kumimoji="1" lang="en-US" altLang="ja-JP" smtClean="0"/>
+          </a:p>
+          <a:p>
+            <a:pPr lvl="1"/>
+            <a:r>
+              <a:rPr kumimoji="1" lang="ja-JP" altLang="en-US" smtClean="0"/>
+              <a:t>その上に任意のファイルシステム</a:t>
+            </a:r>
+            <a:r>
+              <a:rPr lang="ja-JP" altLang="en-US" smtClean="0"/>
+              <a:t>を作れる</a:t>
+            </a:r>
+            <a:endParaRPr lang="en-US" altLang="ja-JP" smtClean="0"/>
+          </a:p>
+          <a:p>
+            <a:pPr lvl="1"/>
+            <a:r>
+              <a:rPr lang="ja-JP" altLang="en-US" smtClean="0">
+                <a:solidFill>
+                  <a:srgbClr val="FF0000"/>
+                </a:solidFill>
+              </a:rPr>
+              <a:t>全ての書き込みデータの情報を</a:t>
+            </a:r>
+            <a:r>
+              <a:rPr lang="en-US" altLang="ja-JP" smtClean="0">
+                <a:solidFill>
+                  <a:srgbClr val="FF0000"/>
+                </a:solidFill>
+              </a:rPr>
+              <a:t>log</a:t>
+            </a:r>
+            <a:r>
+              <a:rPr lang="ja-JP" altLang="en-US" smtClean="0">
+                <a:solidFill>
+                  <a:srgbClr val="FF0000"/>
+                </a:solidFill>
+              </a:rPr>
+              <a:t>として記録</a:t>
+            </a:r>
+            <a:endParaRPr kumimoji="1" lang="ja-JP" altLang="en-US">
+              <a:solidFill>
+                <a:srgbClr val="FF0000"/>
+              </a:solidFill>
+            </a:endParaRPr>
+          </a:p>
+        </p:txBody>
+      </p:sp>
+      <p:sp>
+        <p:nvSpPr>
+          <p:cNvPr id="4" name="正方形/長方形 3"/>
+          <p:cNvSpPr/>
+          <p:nvPr/>
+        </p:nvSpPr>
+        <p:spPr>
+          <a:xfrm>
+            <a:off x="2735796" y="4293096"/>
+            <a:ext cx="1656184" cy="504056"/>
+          </a:xfrm>
+          <a:prstGeom prst="rect">
+            <a:avLst/>
+          </a:prstGeom>
+          <a:solidFill>
+            <a:schemeClr val="accent5">
+              <a:lumMod val="20000"/>
+              <a:lumOff val="80000"/>
+            </a:schemeClr>
+          </a:solidFill>
+          <a:ln>
+            <a:noFill/>
+          </a:ln>
+        </p:spPr>
+        <p:style>
+          <a:lnRef idx="2">
+            <a:schemeClr val="accent1">
+              <a:shade val="50000"/>
+            </a:schemeClr>
+          </a:lnRef>
+          <a:fillRef idx="1">
+            <a:schemeClr val="accent1"/>
+          </a:fillRef>
+          <a:effectRef idx="0">
+            <a:schemeClr val="accent1"/>
+          </a:effectRef>
+          <a:fontRef idx="minor">
+            <a:schemeClr val="lt1"/>
+          </a:fontRef>
+        </p:style>
+        <p:txBody>
+          <a:bodyPr rtlCol="0" anchor="ctr"/>
+          <a:lstStyle/>
+          <a:p>
+            <a:pPr algn="ctr"/>
+            <a:r>
+              <a:rPr lang="en-US" altLang="ja-JP" sz="2400" smtClean="0">
+                <a:solidFill>
+                  <a:schemeClr val="tx1"/>
+                </a:solidFill>
+              </a:rPr>
+              <a:t>walb dev</a:t>
+            </a:r>
+            <a:endParaRPr kumimoji="1" lang="ja-JP" altLang="en-US" sz="2400">
+              <a:solidFill>
+                <a:schemeClr val="tx1"/>
+              </a:solidFill>
+            </a:endParaRPr>
+          </a:p>
+        </p:txBody>
+      </p:sp>
+      <p:sp>
+        <p:nvSpPr>
+          <p:cNvPr id="5" name="正方形/長方形 4"/>
+          <p:cNvSpPr/>
+          <p:nvPr/>
+        </p:nvSpPr>
+        <p:spPr>
+          <a:xfrm>
+            <a:off x="5422517" y="5301208"/>
+            <a:ext cx="1656184" cy="504056"/>
+          </a:xfrm>
+          <a:prstGeom prst="rect">
+            <a:avLst/>
+          </a:prstGeom>
+          <a:solidFill>
+            <a:schemeClr val="accent5">
+              <a:lumMod val="20000"/>
+              <a:lumOff val="80000"/>
+            </a:schemeClr>
+          </a:solidFill>
+          <a:ln>
+            <a:noFill/>
+          </a:ln>
+        </p:spPr>
+        <p:style>
+          <a:lnRef idx="2">
+            <a:schemeClr val="accent1">
+              <a:shade val="50000"/>
+            </a:schemeClr>
+          </a:lnRef>
+          <a:fillRef idx="1">
+            <a:schemeClr val="accent1"/>
+          </a:fillRef>
+          <a:effectRef idx="0">
+            <a:schemeClr val="accent1"/>
+          </a:effectRef>
+          <a:fontRef idx="minor">
+            <a:schemeClr val="lt1"/>
+          </a:fontRef>
+        </p:style>
+        <p:txBody>
+          <a:bodyPr rtlCol="0" anchor="ctr"/>
+          <a:lstStyle/>
+          <a:p>
+            <a:pPr algn="ctr"/>
+            <a:r>
+              <a:rPr lang="en-US" altLang="ja-JP" sz="2400" smtClean="0">
+                <a:solidFill>
+                  <a:schemeClr val="tx1"/>
+                </a:solidFill>
+              </a:rPr>
+              <a:t>data</a:t>
+            </a:r>
+            <a:r>
+              <a:rPr lang="ja-JP" altLang="en-US" sz="2400" smtClean="0">
+                <a:solidFill>
+                  <a:schemeClr val="tx1"/>
+                </a:solidFill>
+              </a:rPr>
+              <a:t>用</a:t>
+            </a:r>
+            <a:r>
+              <a:rPr lang="en-US" altLang="ja-JP" sz="2400" smtClean="0">
+                <a:solidFill>
+                  <a:schemeClr val="tx1"/>
+                </a:solidFill>
+              </a:rPr>
+              <a:t>disk</a:t>
+            </a:r>
+            <a:endParaRPr kumimoji="1" lang="ja-JP" altLang="en-US" sz="2400">
+              <a:solidFill>
+                <a:schemeClr val="tx1"/>
+              </a:solidFill>
+            </a:endParaRPr>
+          </a:p>
+        </p:txBody>
+      </p:sp>
+      <p:sp>
+        <p:nvSpPr>
+          <p:cNvPr id="6" name="正方形/長方形 5"/>
+          <p:cNvSpPr/>
+          <p:nvPr/>
+        </p:nvSpPr>
+        <p:spPr>
+          <a:xfrm>
+            <a:off x="2736279" y="5301208"/>
+            <a:ext cx="1656184" cy="504056"/>
+          </a:xfrm>
+          <a:prstGeom prst="rect">
+            <a:avLst/>
+          </a:prstGeom>
+          <a:solidFill>
+            <a:schemeClr val="accent5">
+              <a:lumMod val="20000"/>
+              <a:lumOff val="80000"/>
+            </a:schemeClr>
+          </a:solidFill>
+          <a:ln>
+            <a:noFill/>
+          </a:ln>
+        </p:spPr>
+        <p:style>
+          <a:lnRef idx="2">
+            <a:schemeClr val="accent1">
+              <a:shade val="50000"/>
+            </a:schemeClr>
+          </a:lnRef>
+          <a:fillRef idx="1">
+            <a:schemeClr val="accent1"/>
+          </a:fillRef>
+          <a:effectRef idx="0">
+            <a:schemeClr val="accent1"/>
+          </a:effectRef>
+          <a:fontRef idx="minor">
+            <a:schemeClr val="lt1"/>
+          </a:fontRef>
+        </p:style>
+        <p:txBody>
+          <a:bodyPr rtlCol="0" anchor="ctr"/>
+          <a:lstStyle/>
+          <a:p>
+            <a:pPr algn="ctr"/>
+            <a:r>
+              <a:rPr lang="en-US" altLang="ja-JP" sz="2400" smtClean="0">
+                <a:solidFill>
+                  <a:schemeClr val="tx1"/>
+                </a:solidFill>
+              </a:rPr>
+              <a:t>log</a:t>
+            </a:r>
+            <a:r>
+              <a:rPr lang="ja-JP" altLang="en-US" sz="2400" smtClean="0">
+                <a:solidFill>
+                  <a:schemeClr val="tx1"/>
+                </a:solidFill>
+              </a:rPr>
+              <a:t>用</a:t>
+            </a:r>
+            <a:r>
+              <a:rPr lang="en-US" altLang="ja-JP" sz="2400" smtClean="0">
+                <a:solidFill>
+                  <a:schemeClr val="tx1"/>
+                </a:solidFill>
+              </a:rPr>
+              <a:t>disk</a:t>
+            </a:r>
+            <a:endParaRPr kumimoji="1" lang="ja-JP" altLang="en-US" sz="2400">
+              <a:solidFill>
+                <a:schemeClr val="tx1"/>
+              </a:solidFill>
+            </a:endParaRPr>
+          </a:p>
+        </p:txBody>
+      </p:sp>
+      <p:cxnSp>
+        <p:nvCxnSpPr>
+          <p:cNvPr id="8" name="直線矢印コネクタ 7"/>
+          <p:cNvCxnSpPr/>
+          <p:nvPr/>
+        </p:nvCxnSpPr>
+        <p:spPr>
+          <a:xfrm>
+            <a:off x="2915815" y="4005064"/>
+            <a:ext cx="1" cy="1247575"/>
+          </a:xfrm>
+          <a:prstGeom prst="straightConnector1">
+            <a:avLst/>
+          </a:prstGeom>
+          <a:ln w="60325">
+            <a:tailEnd type="arrow"/>
+          </a:ln>
+        </p:spPr>
+        <p:style>
+          <a:lnRef idx="1">
+            <a:schemeClr val="accent1"/>
+          </a:lnRef>
+          <a:fillRef idx="0">
+            <a:schemeClr val="accent1"/>
+          </a:fillRef>
+          <a:effectRef idx="0">
+            <a:schemeClr val="accent1"/>
+          </a:effectRef>
+          <a:fontRef idx="minor">
+            <a:schemeClr val="tx1"/>
+          </a:fontRef>
+        </p:style>
+      </p:cxnSp>
+      <p:cxnSp>
+        <p:nvCxnSpPr>
+          <p:cNvPr id="10" name="直線矢印コネクタ 9"/>
+          <p:cNvCxnSpPr/>
+          <p:nvPr/>
+        </p:nvCxnSpPr>
+        <p:spPr>
+          <a:xfrm>
+            <a:off x="6346400" y="4908790"/>
+            <a:ext cx="0" cy="392418"/>
+          </a:xfrm>
+          <a:prstGeom prst="straightConnector1">
+            <a:avLst/>
+          </a:prstGeom>
+          <a:ln w="60325">
+            <a:tailEnd type="arrow"/>
+          </a:ln>
+        </p:spPr>
+        <p:style>
+          <a:lnRef idx="1">
+            <a:schemeClr val="accent1"/>
+          </a:lnRef>
+          <a:fillRef idx="0">
+            <a:schemeClr val="accent1"/>
+          </a:fillRef>
+          <a:effectRef idx="0">
+            <a:schemeClr val="accent1"/>
+          </a:effectRef>
+          <a:fontRef idx="minor">
+            <a:schemeClr val="tx1"/>
+          </a:fontRef>
+        </p:style>
+      </p:cxnSp>
+      <p:cxnSp>
+        <p:nvCxnSpPr>
+          <p:cNvPr id="12" name="直線矢印コネクタ 11"/>
+          <p:cNvCxnSpPr/>
+          <p:nvPr/>
+        </p:nvCxnSpPr>
+        <p:spPr>
+          <a:xfrm flipH="1" flipV="1">
+            <a:off x="2915816" y="4908790"/>
+            <a:ext cx="3430584" cy="16189"/>
+          </a:xfrm>
+          <a:prstGeom prst="straightConnector1">
+            <a:avLst/>
+          </a:prstGeom>
+          <a:ln w="60325">
+            <a:round/>
+            <a:tailEnd type="none"/>
+          </a:ln>
+        </p:spPr>
+        <p:style>
+          <a:lnRef idx="1">
+            <a:schemeClr val="accent1"/>
+          </a:lnRef>
+          <a:fillRef idx="0">
+            <a:schemeClr val="accent1"/>
+          </a:fillRef>
+          <a:effectRef idx="0">
+            <a:schemeClr val="accent1"/>
+          </a:effectRef>
+          <a:fontRef idx="minor">
+            <a:schemeClr val="tx1"/>
+          </a:fontRef>
+        </p:style>
+      </p:cxnSp>
+      <p:cxnSp>
+        <p:nvCxnSpPr>
+          <p:cNvPr id="18" name="直線矢印コネクタ 17"/>
+          <p:cNvCxnSpPr/>
+          <p:nvPr/>
+        </p:nvCxnSpPr>
+        <p:spPr>
+          <a:xfrm flipV="1">
+            <a:off x="4211960" y="3962673"/>
+            <a:ext cx="0" cy="1097072"/>
+          </a:xfrm>
+          <a:prstGeom prst="straightConnector1">
+            <a:avLst/>
+          </a:prstGeom>
+          <a:ln w="60325">
+            <a:solidFill>
+              <a:schemeClr val="accent2">
+                <a:lumMod val="60000"/>
+                <a:lumOff val="40000"/>
+              </a:schemeClr>
+            </a:solidFill>
+            <a:tailEnd type="arrow"/>
+          </a:ln>
+        </p:spPr>
+        <p:style>
+          <a:lnRef idx="1">
+            <a:schemeClr val="accent1"/>
+          </a:lnRef>
+          <a:fillRef idx="0">
+            <a:schemeClr val="accent1"/>
+          </a:fillRef>
+          <a:effectRef idx="0">
+            <a:schemeClr val="accent1"/>
+          </a:effectRef>
+          <a:fontRef idx="minor">
+            <a:schemeClr val="tx1"/>
+          </a:fontRef>
+        </p:style>
+      </p:cxnSp>
+      <p:sp>
+        <p:nvSpPr>
+          <p:cNvPr id="21" name="テキスト ボックス 20"/>
+          <p:cNvSpPr txBox="1"/>
+          <p:nvPr/>
+        </p:nvSpPr>
+        <p:spPr>
+          <a:xfrm>
+            <a:off x="2498137" y="3615407"/>
+            <a:ext cx="835357" cy="461665"/>
+          </a:xfrm>
+          <a:prstGeom prst="rect">
+            <a:avLst/>
+          </a:prstGeom>
+          <a:noFill/>
+        </p:spPr>
+        <p:txBody>
+          <a:bodyPr wrap="none" rtlCol="0">
+            <a:spAutoFit/>
+          </a:bodyPr>
+          <a:lstStyle/>
+          <a:p>
+            <a:r>
+              <a:rPr kumimoji="1" lang="en-US" altLang="ja-JP" sz="2400" smtClean="0"/>
+              <a:t>write</a:t>
+            </a:r>
+            <a:endParaRPr kumimoji="1" lang="ja-JP" altLang="en-US" sz="2400"/>
+          </a:p>
+        </p:txBody>
+      </p:sp>
+      <p:sp>
+        <p:nvSpPr>
+          <p:cNvPr id="22" name="テキスト ボックス 21"/>
+          <p:cNvSpPr txBox="1"/>
+          <p:nvPr/>
+        </p:nvSpPr>
+        <p:spPr>
+          <a:xfrm>
+            <a:off x="4067944" y="3606213"/>
+            <a:ext cx="751296" cy="461665"/>
+          </a:xfrm>
+          <a:prstGeom prst="rect">
+            <a:avLst/>
+          </a:prstGeom>
+          <a:noFill/>
+        </p:spPr>
+        <p:txBody>
+          <a:bodyPr wrap="none" rtlCol="0">
+            <a:spAutoFit/>
+          </a:bodyPr>
+          <a:lstStyle/>
+          <a:p>
+            <a:r>
+              <a:rPr kumimoji="1" lang="en-US" altLang="ja-JP" sz="2400" smtClean="0"/>
+              <a:t>read</a:t>
+            </a:r>
+            <a:endParaRPr kumimoji="1" lang="ja-JP" altLang="en-US" sz="2400"/>
+          </a:p>
+        </p:txBody>
+      </p:sp>
+      <p:sp>
+        <p:nvSpPr>
+          <p:cNvPr id="23" name="テキスト ボックス 22"/>
+          <p:cNvSpPr txBox="1"/>
+          <p:nvPr/>
+        </p:nvSpPr>
+        <p:spPr>
+          <a:xfrm>
+            <a:off x="1331640" y="5775647"/>
+            <a:ext cx="3829895" cy="461665"/>
+          </a:xfrm>
+          <a:prstGeom prst="rect">
+            <a:avLst/>
+          </a:prstGeom>
+          <a:noFill/>
+        </p:spPr>
+        <p:txBody>
+          <a:bodyPr wrap="none" rtlCol="0">
+            <a:spAutoFit/>
+          </a:bodyPr>
+          <a:lstStyle/>
+          <a:p>
+            <a:r>
+              <a:rPr kumimoji="1" lang="ja-JP" altLang="en-US" sz="2400" smtClean="0"/>
+              <a:t>どのブロックに何を書いたか</a:t>
+            </a:r>
+            <a:endParaRPr kumimoji="1" lang="ja-JP" altLang="en-US" sz="2400"/>
+          </a:p>
+        </p:txBody>
+      </p:sp>
+      <p:sp>
+        <p:nvSpPr>
+          <p:cNvPr id="24" name="テキスト ボックス 23"/>
+          <p:cNvSpPr txBox="1"/>
+          <p:nvPr/>
+        </p:nvSpPr>
+        <p:spPr>
+          <a:xfrm>
+            <a:off x="5422517" y="5775646"/>
+            <a:ext cx="1936749" cy="461665"/>
+          </a:xfrm>
+          <a:prstGeom prst="rect">
+            <a:avLst/>
+          </a:prstGeom>
+          <a:noFill/>
+        </p:spPr>
+        <p:txBody>
+          <a:bodyPr wrap="none" rtlCol="0">
+            <a:spAutoFit/>
+          </a:bodyPr>
+          <a:lstStyle/>
+          <a:p>
+            <a:r>
+              <a:rPr lang="ja-JP" altLang="en-US" sz="2400"/>
+              <a:t>実際</a:t>
+            </a:r>
+            <a:r>
+              <a:rPr lang="ja-JP" altLang="en-US" sz="2400" smtClean="0"/>
+              <a:t>のデータ</a:t>
+            </a:r>
+            <a:endParaRPr kumimoji="1" lang="ja-JP" altLang="en-US" sz="2400"/>
+          </a:p>
+        </p:txBody>
+      </p:sp>
+      <p:cxnSp>
+        <p:nvCxnSpPr>
+          <p:cNvPr id="26" name="直線矢印コネクタ 25"/>
+          <p:cNvCxnSpPr/>
+          <p:nvPr/>
+        </p:nvCxnSpPr>
+        <p:spPr>
+          <a:xfrm flipH="1">
+            <a:off x="4211960" y="5059745"/>
+            <a:ext cx="1656184" cy="0"/>
+          </a:xfrm>
+          <a:prstGeom prst="straightConnector1">
+            <a:avLst/>
+          </a:prstGeom>
+          <a:ln w="60325">
+            <a:solidFill>
+              <a:schemeClr val="accent2">
+                <a:lumMod val="60000"/>
+                <a:lumOff val="40000"/>
+              </a:schemeClr>
+            </a:solidFill>
+            <a:tailEnd type="none"/>
+          </a:ln>
+        </p:spPr>
+        <p:style>
+          <a:lnRef idx="1">
+            <a:schemeClr val="accent1"/>
+          </a:lnRef>
+          <a:fillRef idx="0">
+            <a:schemeClr val="accent1"/>
+          </a:fillRef>
+          <a:effectRef idx="0">
+            <a:schemeClr val="accent1"/>
+          </a:effectRef>
+          <a:fontRef idx="minor">
+            <a:schemeClr val="tx1"/>
+          </a:fontRef>
+        </p:style>
+      </p:cxnSp>
+      <p:cxnSp>
+        <p:nvCxnSpPr>
+          <p:cNvPr id="32" name="直線矢印コネクタ 31"/>
+          <p:cNvCxnSpPr/>
+          <p:nvPr/>
+        </p:nvCxnSpPr>
+        <p:spPr>
+          <a:xfrm flipV="1">
+            <a:off x="5868144" y="5059743"/>
+            <a:ext cx="0" cy="241465"/>
+          </a:xfrm>
+          <a:prstGeom prst="straightConnector1">
+            <a:avLst/>
+          </a:prstGeom>
+          <a:ln w="60325">
+            <a:solidFill>
+              <a:schemeClr val="accent2">
+                <a:lumMod val="60000"/>
+                <a:lumOff val="40000"/>
+              </a:schemeClr>
+            </a:solidFill>
+            <a:tailEnd type="none"/>
+          </a:ln>
+        </p:spPr>
+        <p:style>
+          <a:lnRef idx="1">
+            <a:schemeClr val="accent1"/>
+          </a:lnRef>
+          <a:fillRef idx="0">
+            <a:schemeClr val="accent1"/>
+          </a:fillRef>
+          <a:effectRef idx="0">
+            <a:schemeClr val="accent1"/>
+          </a:effectRef>
+          <a:fontRef idx="minor">
+            <a:schemeClr val="tx1"/>
+          </a:fontRef>
+        </p:style>
+      </p:cxnSp>
+      <p:sp>
+        <p:nvSpPr>
+          <p:cNvPr id="9" name="スライド番号プレースホルダー 8"/>
+          <p:cNvSpPr>
+            <a:spLocks noGrp="1"/>
+          </p:cNvSpPr>
+          <p:nvPr>
+            <p:ph type="sldNum" sz="quarter" idx="12"/>
+          </p:nvPr>
+        </p:nvSpPr>
+        <p:spPr/>
+        <p:txBody>
+          <a:bodyPr/>
+          <a:lstStyle/>
+          <a:p>
+            <a:fld id="{2649E3F5-6F9D-4754-B6F9-50AE10FEA634}" type="slidenum">
+              <a:rPr lang="ja-JP" altLang="en-US" smtClean="0"/>
+              <a:pPr/>
+              <a:t>11</a:t>
+            </a:fld>
+            <a:r>
+              <a:rPr lang="en-US" altLang="ja-JP" smtClean="0"/>
+              <a:t>/30</a:t>
+            </a:r>
+            <a:endParaRPr lang="ja-JP" altLang="en-US"/>
+          </a:p>
+        </p:txBody>
+      </p:sp>
+    </p:spTree>
+    <p:extLst>
+      <p:ext uri="{BB962C8B-B14F-4D97-AF65-F5344CB8AC3E}">
+        <p14:creationId xmlns:p14="http://schemas.microsoft.com/office/powerpoint/2010/main" val="904040552"/>
+      </p:ext>
+    </p:extLst>
+  </p:cSld>
+  <p:clrMapOvr>
+    <a:masterClrMapping/>
+  </p:clrMapOvr>
+  <p:timing>
+    <p:tnLst>
+      <p:par>
+        <p:cTn id="1" dur="indefinite" restart="never" nodeType="tmRoot"/>
+      </p:par>
+    </p:tnLst>
+  </p:timing>
+</p:sld>
+</file>
+
+<file path=ppt/slides/slide12.xml><?xml version="1.0" encoding="utf-8"?>
+<p:sld xmlns:a="http://schemas.openxmlformats.org/drawingml/2006/main" xmlns:r="http://schemas.openxmlformats.org/officeDocument/2006/relationships" xmlns:p="http://schemas.openxmlformats.org/presentationml/2006/main">
+  <p:cSld>
+    <p:spTree>
+      <p:nvGrpSpPr>
+        <p:cNvPr id="1" name=""/>
+        <p:cNvGrpSpPr/>
+        <p:nvPr/>
+      </p:nvGrpSpPr>
+      <p:grpSpPr>
+        <a:xfrm>
+          <a:off x="0" y="0"/>
+          <a:ext cx="0" cy="0"/>
+          <a:chOff x="0" y="0"/>
+          <a:chExt cx="0" cy="0"/>
+        </a:xfrm>
+      </p:grpSpPr>
+      <p:sp>
+        <p:nvSpPr>
+          <p:cNvPr id="2" name="タイトル 1"/>
+          <p:cNvSpPr>
+            <a:spLocks noGrp="1"/>
+          </p:cNvSpPr>
+          <p:nvPr>
+            <p:ph type="title"/>
+          </p:nvPr>
+        </p:nvSpPr>
+        <p:spPr/>
+        <p:txBody>
+          <a:bodyPr/>
+          <a:lstStyle/>
+          <a:p>
+            <a:r>
+              <a:rPr kumimoji="1" lang="en-US" altLang="ja-JP" smtClean="0"/>
+              <a:t>WalB</a:t>
+            </a:r>
+            <a:r>
+              <a:rPr kumimoji="1" lang="ja-JP" altLang="en-US" smtClean="0"/>
+              <a:t>ブロックデバイス</a:t>
+            </a:r>
+            <a:r>
+              <a:rPr lang="ja-JP" altLang="en-US" smtClean="0"/>
+              <a:t>（</a:t>
+            </a:r>
+            <a:r>
+              <a:rPr lang="en-US" altLang="ja-JP"/>
+              <a:t>2</a:t>
+            </a:r>
+            <a:r>
+              <a:rPr lang="en-US" altLang="ja-JP" smtClean="0"/>
+              <a:t>/2</a:t>
+            </a:r>
+            <a:r>
+              <a:rPr lang="ja-JP" altLang="en-US" smtClean="0"/>
+              <a:t>）</a:t>
+            </a:r>
+            <a:endParaRPr kumimoji="1" lang="ja-JP" altLang="en-US"/>
+          </a:p>
+        </p:txBody>
+      </p:sp>
+      <p:sp>
+        <p:nvSpPr>
+          <p:cNvPr id="3" name="コンテンツ プレースホルダー 2"/>
+          <p:cNvSpPr>
+            <a:spLocks noGrp="1"/>
+          </p:cNvSpPr>
+          <p:nvPr>
+            <p:ph idx="1"/>
+          </p:nvPr>
+        </p:nvSpPr>
+        <p:spPr/>
+        <p:txBody>
           <a:bodyPr>
             <a:normAutofit fontScale="92500" lnSpcReduction="10000"/>
           </a:bodyPr>
@@ -3691,7 +4976,23 @@
             <a:pPr lvl="1"/>
             <a:r>
               <a:rPr lang="ja-JP" altLang="en-US" smtClean="0"/>
-              <a:t>ほぼ任意の瞬間のスナップショットを再構成できる</a:t>
+              <a:t>ほぼ任意の瞬間</a:t>
+            </a:r>
+            <a:r>
+              <a:rPr lang="ja-JP" altLang="en-US" smtClean="0"/>
+              <a:t>の</a:t>
+            </a:r>
+            <a:r>
+              <a:rPr lang="en-US" altLang="ja-JP" smtClean="0"/>
+              <a:t>snapshot</a:t>
+            </a:r>
+            <a:r>
+              <a:rPr lang="ja-JP" altLang="en-US" smtClean="0"/>
+              <a:t>を</a:t>
+            </a:r>
+            <a:r>
+              <a:rPr lang="ja-JP" altLang="en-US" smtClean="0"/>
+              <a:t>再構成できる</a:t>
             </a:r>
             <a:endParaRPr lang="en-US" altLang="ja-JP" smtClean="0"/>
           </a:p>
@@ -3699,7 +5000,15 @@
             <a:pPr lvl="1"/>
             <a:r>
               <a:rPr lang="ja-JP" altLang="en-US" smtClean="0"/>
-              <a:t>非同期レプリケーションができる（今から説明）</a:t>
+              <a:t>非同期一方向レプリケーション</a:t>
+            </a:r>
+            <a:r>
+              <a:rPr lang="ja-JP" altLang="en-US" smtClean="0"/>
+              <a:t>ができる</a:t>
+            </a:r>
+            <a:r>
+              <a:rPr lang="ja-JP" altLang="en-US" smtClean="0"/>
+              <a:t>（後述）</a:t>
             </a:r>
             <a:endParaRPr lang="en-US" altLang="ja-JP"/>
           </a:p>
@@ -3745,7 +5054,11 @@
             </a:r>
             <a:r>
               <a:rPr lang="ja-JP" altLang="en-US" smtClean="0"/>
-              <a:t>用で通常の</a:t>
+              <a:t>用で通常</a:t>
+            </a:r>
+            <a:r>
+              <a:rPr lang="ja-JP" altLang="en-US" smtClean="0"/>
+              <a:t>の</a:t>
             </a:r>
             <a:r>
               <a:rPr lang="en-US" altLang="ja-JP" smtClean="0"/>
@@ -3753,9 +5066,37 @@
             </a:r>
             <a:r>
               <a:rPr lang="ja-JP" altLang="en-US" smtClean="0"/>
-              <a:t>倍の容量が必要</a:t>
+              <a:t>倍の書き込み</a:t>
             </a:r>
             <a:endParaRPr lang="en-US" altLang="ja-JP" smtClean="0"/>
+          </a:p>
+        </p:txBody>
+      </p:sp>
+      <p:sp>
+        <p:nvSpPr>
+          <p:cNvPr id="5" name="スライド番号プレースホルダー 4"/>
+          <p:cNvSpPr>
+            <a:spLocks noGrp="1"/>
+          </p:cNvSpPr>
+          <p:nvPr>
+            <p:ph type="sldNum" sz="quarter" idx="12"/>
+          </p:nvPr>
+        </p:nvSpPr>
+        <p:spPr/>
+        <p:txBody>
+          <a:bodyPr/>
+          <a:lstStyle/>
+          <a:p>
+            <a:fld id="{2649E3F5-6F9D-4754-B6F9-50AE10FEA634}" type="slidenum">
+              <a:rPr lang="ja-JP" altLang="en-US" smtClean="0"/>
+              <a:pPr/>
+              <a:t>12</a:t>
+            </a:fld>
+            <a:r>
+              <a:rPr lang="en-US" altLang="ja-JP" smtClean="0"/>
+              <a:t>/30</a:t>
+            </a:r>
+            <a:endParaRPr lang="ja-JP" altLang="en-US"/>
           </a:p>
         </p:txBody>
       </p:sp>
@@ -3779,7 +5120,7 @@
 </p:sld>
 </file>
 
-<file path=ppt/slides/slide11.xml><?xml version="1.0" encoding="utf-8"?>
+<file path=ppt/slides/slide13.xml><?xml version="1.0" encoding="utf-8"?>
 <p:sld xmlns:a="http://schemas.openxmlformats.org/drawingml/2006/main" xmlns:r="http://schemas.openxmlformats.org/officeDocument/2006/relationships" xmlns:p="http://schemas.openxmlformats.org/presentationml/2006/main">
   <p:cSld>
     <p:spTree>
@@ -4361,6 +5702,34 @@
           </p:style>
         </p:cxnSp>
       </p:grpSp>
+      <p:sp>
+        <p:nvSpPr>
+          <p:cNvPr id="10" name="スライド番号プレースホルダー 9"/>
+          <p:cNvSpPr>
+            <a:spLocks noGrp="1"/>
+          </p:cNvSpPr>
+          <p:nvPr>
+            <p:ph type="sldNum" sz="quarter" idx="12"/>
+          </p:nvPr>
+        </p:nvSpPr>
+        <p:spPr/>
+        <p:txBody>
+          <a:bodyPr/>
+          <a:lstStyle/>
+          <a:p>
+            <a:fld id="{2649E3F5-6F9D-4754-B6F9-50AE10FEA634}" type="slidenum">
+              <a:rPr lang="ja-JP" altLang="en-US" smtClean="0"/>
+              <a:pPr/>
+              <a:t>13</a:t>
+            </a:fld>
+            <a:r>
+              <a:rPr lang="en-US" altLang="ja-JP" smtClean="0"/>
+              <a:t>/30</a:t>
+            </a:r>
+            <a:endParaRPr lang="ja-JP" altLang="en-US"/>
+          </a:p>
+        </p:txBody>
+      </p:sp>
     </p:spTree>
     <p:extLst>
       <p:ext uri="{BB962C8B-B14F-4D97-AF65-F5344CB8AC3E}">
@@ -4381,7 +5750,7 @@
 </p:sld>
 </file>
 
-<file path=ppt/slides/slide12.xml><?xml version="1.0" encoding="utf-8"?>
+<file path=ppt/slides/slide14.xml><?xml version="1.0" encoding="utf-8"?>
 <p:sld xmlns:a="http://schemas.openxmlformats.org/drawingml/2006/main" xmlns:r="http://schemas.openxmlformats.org/officeDocument/2006/relationships" xmlns:p="http://schemas.openxmlformats.org/presentationml/2006/main">
   <p:cSld>
     <p:spTree>
@@ -4986,6 +6355,34 @@
           </a:p>
         </p:txBody>
       </p:sp>
+      <p:sp>
+        <p:nvSpPr>
+          <p:cNvPr id="5" name="スライド番号プレースホルダー 4"/>
+          <p:cNvSpPr>
+            <a:spLocks noGrp="1"/>
+          </p:cNvSpPr>
+          <p:nvPr>
+            <p:ph type="sldNum" sz="quarter" idx="12"/>
+          </p:nvPr>
+        </p:nvSpPr>
+        <p:spPr/>
+        <p:txBody>
+          <a:bodyPr/>
+          <a:lstStyle/>
+          <a:p>
+            <a:fld id="{2649E3F5-6F9D-4754-B6F9-50AE10FEA634}" type="slidenum">
+              <a:rPr lang="ja-JP" altLang="en-US" smtClean="0"/>
+              <a:pPr/>
+              <a:t>14</a:t>
+            </a:fld>
+            <a:r>
+              <a:rPr lang="en-US" altLang="ja-JP" smtClean="0"/>
+              <a:t>/30</a:t>
+            </a:r>
+            <a:endParaRPr lang="ja-JP" altLang="en-US"/>
+          </a:p>
+        </p:txBody>
+      </p:sp>
     </p:spTree>
     <p:extLst>
       <p:ext uri="{BB962C8B-B14F-4D97-AF65-F5344CB8AC3E}">
@@ -5006,7 +6403,7 @@
 </p:sld>
 </file>
 
-<file path=ppt/slides/slide13.xml><?xml version="1.0" encoding="utf-8"?>
+<file path=ppt/slides/slide15.xml><?xml version="1.0" encoding="utf-8"?>
 <p:sld xmlns:a="http://schemas.openxmlformats.org/drawingml/2006/main" xmlns:r="http://schemas.openxmlformats.org/officeDocument/2006/relationships" xmlns:p="http://schemas.openxmlformats.org/presentationml/2006/main">
   <p:cSld>
     <p:spTree>
@@ -6377,6 +7774,34 @@
           </a:fontRef>
         </p:style>
       </p:cxnSp>
+      <p:sp>
+        <p:nvSpPr>
+          <p:cNvPr id="5" name="スライド番号プレースホルダー 4"/>
+          <p:cNvSpPr>
+            <a:spLocks noGrp="1"/>
+          </p:cNvSpPr>
+          <p:nvPr>
+            <p:ph type="sldNum" sz="quarter" idx="12"/>
+          </p:nvPr>
+        </p:nvSpPr>
+        <p:spPr/>
+        <p:txBody>
+          <a:bodyPr/>
+          <a:lstStyle/>
+          <a:p>
+            <a:fld id="{2649E3F5-6F9D-4754-B6F9-50AE10FEA634}" type="slidenum">
+              <a:rPr lang="ja-JP" altLang="en-US" smtClean="0"/>
+              <a:pPr/>
+              <a:t>15</a:t>
+            </a:fld>
+            <a:r>
+              <a:rPr lang="en-US" altLang="ja-JP" smtClean="0"/>
+              <a:t>/30</a:t>
+            </a:r>
+            <a:endParaRPr lang="ja-JP" altLang="en-US"/>
+          </a:p>
+        </p:txBody>
+      </p:sp>
     </p:spTree>
     <p:extLst>
       <p:ext uri="{BB962C8B-B14F-4D97-AF65-F5344CB8AC3E}">
@@ -6397,7 +7822,7 @@
 </p:sld>
 </file>
 
-<file path=ppt/slides/slide14.xml><?xml version="1.0" encoding="utf-8"?>
+<file path=ppt/slides/slide16.xml><?xml version="1.0" encoding="utf-8"?>
 <p:sld xmlns:a="http://schemas.openxmlformats.org/drawingml/2006/main" xmlns:r="http://schemas.openxmlformats.org/officeDocument/2006/relationships" xmlns:p="http://schemas.openxmlformats.org/presentationml/2006/main">
   <p:cSld>
     <p:spTree>
@@ -7135,6 +8560,34 @@
           </a:fontRef>
         </p:style>
       </p:cxnSp>
+      <p:sp>
+        <p:nvSpPr>
+          <p:cNvPr id="4" name="スライド番号プレースホルダー 3"/>
+          <p:cNvSpPr>
+            <a:spLocks noGrp="1"/>
+          </p:cNvSpPr>
+          <p:nvPr>
+            <p:ph type="sldNum" sz="quarter" idx="12"/>
+          </p:nvPr>
+        </p:nvSpPr>
+        <p:spPr/>
+        <p:txBody>
+          <a:bodyPr/>
+          <a:lstStyle/>
+          <a:p>
+            <a:fld id="{2649E3F5-6F9D-4754-B6F9-50AE10FEA634}" type="slidenum">
+              <a:rPr lang="ja-JP" altLang="en-US" smtClean="0"/>
+              <a:pPr/>
+              <a:t>16</a:t>
+            </a:fld>
+            <a:r>
+              <a:rPr lang="en-US" altLang="ja-JP" smtClean="0"/>
+              <a:t>/30</a:t>
+            </a:r>
+            <a:endParaRPr lang="ja-JP" altLang="en-US"/>
+          </a:p>
+        </p:txBody>
+      </p:sp>
     </p:spTree>
     <p:extLst>
       <p:ext uri="{BB962C8B-B14F-4D97-AF65-F5344CB8AC3E}">
@@ -7155,7 +8608,7 @@
 </p:sld>
 </file>
 
-<file path=ppt/slides/slide15.xml><?xml version="1.0" encoding="utf-8"?>
+<file path=ppt/slides/slide17.xml><?xml version="1.0" encoding="utf-8"?>
 <p:sld xmlns:a="http://schemas.openxmlformats.org/drawingml/2006/main" xmlns:r="http://schemas.openxmlformats.org/officeDocument/2006/relationships" xmlns:p="http://schemas.openxmlformats.org/presentationml/2006/main">
   <p:cSld>
     <p:spTree>
@@ -8148,6 +9601,34 @@
           </a:p>
         </p:txBody>
       </p:sp>
+      <p:sp>
+        <p:nvSpPr>
+          <p:cNvPr id="11" name="スライド番号プレースホルダー 10"/>
+          <p:cNvSpPr>
+            <a:spLocks noGrp="1"/>
+          </p:cNvSpPr>
+          <p:nvPr>
+            <p:ph type="sldNum" sz="quarter" idx="12"/>
+          </p:nvPr>
+        </p:nvSpPr>
+        <p:spPr/>
+        <p:txBody>
+          <a:bodyPr/>
+          <a:lstStyle/>
+          <a:p>
+            <a:fld id="{2649E3F5-6F9D-4754-B6F9-50AE10FEA634}" type="slidenum">
+              <a:rPr lang="ja-JP" altLang="en-US" smtClean="0"/>
+              <a:pPr/>
+              <a:t>17</a:t>
+            </a:fld>
+            <a:r>
+              <a:rPr lang="en-US" altLang="ja-JP" smtClean="0"/>
+              <a:t>/30</a:t>
+            </a:r>
+            <a:endParaRPr lang="ja-JP" altLang="en-US"/>
+          </a:p>
+        </p:txBody>
+      </p:sp>
     </p:spTree>
     <p:extLst>
       <p:ext uri="{BB962C8B-B14F-4D97-AF65-F5344CB8AC3E}">
@@ -8168,7 +9649,7 @@
 </p:sld>
 </file>
 
-<file path=ppt/slides/slide16.xml><?xml version="1.0" encoding="utf-8"?>
+<file path=ppt/slides/slide18.xml><?xml version="1.0" encoding="utf-8"?>
 <p:sld xmlns:a="http://schemas.openxmlformats.org/drawingml/2006/main" xmlns:r="http://schemas.openxmlformats.org/officeDocument/2006/relationships" xmlns:p="http://schemas.openxmlformats.org/presentationml/2006/main">
   <p:cSld>
     <p:spTree>
@@ -8763,6 +10244,34 @@
           </a:fontRef>
         </p:style>
       </p:cxnSp>
+      <p:sp>
+        <p:nvSpPr>
+          <p:cNvPr id="5" name="スライド番号プレースホルダー 4"/>
+          <p:cNvSpPr>
+            <a:spLocks noGrp="1"/>
+          </p:cNvSpPr>
+          <p:nvPr>
+            <p:ph type="sldNum" sz="quarter" idx="12"/>
+          </p:nvPr>
+        </p:nvSpPr>
+        <p:spPr/>
+        <p:txBody>
+          <a:bodyPr/>
+          <a:lstStyle/>
+          <a:p>
+            <a:fld id="{2649E3F5-6F9D-4754-B6F9-50AE10FEA634}" type="slidenum">
+              <a:rPr lang="ja-JP" altLang="en-US" smtClean="0"/>
+              <a:pPr/>
+              <a:t>18</a:t>
+            </a:fld>
+            <a:r>
+              <a:rPr lang="en-US" altLang="ja-JP" smtClean="0"/>
+              <a:t>/30</a:t>
+            </a:r>
+            <a:endParaRPr lang="ja-JP" altLang="en-US"/>
+          </a:p>
+        </p:txBody>
+      </p:sp>
     </p:spTree>
     <p:extLst>
       <p:ext uri="{BB962C8B-B14F-4D97-AF65-F5344CB8AC3E}">
@@ -8783,7 +10292,7 @@
 </p:sld>
 </file>
 
-<file path=ppt/slides/slide17.xml><?xml version="1.0" encoding="utf-8"?>
+<file path=ppt/slides/slide19.xml><?xml version="1.0" encoding="utf-8"?>
 <p:sld xmlns:a="http://schemas.openxmlformats.org/drawingml/2006/main" xmlns:r="http://schemas.openxmlformats.org/officeDocument/2006/relationships" xmlns:p="http://schemas.openxmlformats.org/presentationml/2006/main">
   <p:cSld>
     <p:spTree>
@@ -9511,1337 +11020,38 @@
           </p:cxnSp>
         </p:grpSp>
       </p:grpSp>
+      <p:sp>
+        <p:nvSpPr>
+          <p:cNvPr id="7" name="スライド番号プレースホルダー 6"/>
+          <p:cNvSpPr>
+            <a:spLocks noGrp="1"/>
+          </p:cNvSpPr>
+          <p:nvPr>
+            <p:ph type="sldNum" sz="quarter" idx="12"/>
+          </p:nvPr>
+        </p:nvSpPr>
+        <p:spPr/>
+        <p:txBody>
+          <a:bodyPr/>
+          <a:lstStyle/>
+          <a:p>
+            <a:fld id="{2649E3F5-6F9D-4754-B6F9-50AE10FEA634}" type="slidenum">
+              <a:rPr lang="ja-JP" altLang="en-US" smtClean="0"/>
+              <a:pPr/>
+              <a:t>19</a:t>
+            </a:fld>
+            <a:r>
+              <a:rPr lang="en-US" altLang="ja-JP" smtClean="0"/>
+              <a:t>/30</a:t>
+            </a:r>
+            <a:endParaRPr lang="ja-JP" altLang="en-US"/>
+          </a:p>
+        </p:txBody>
+      </p:sp>
     </p:spTree>
     <p:extLst>
       <p:ext uri="{BB962C8B-B14F-4D97-AF65-F5344CB8AC3E}">
         <p14:creationId xmlns:p14="http://schemas.microsoft.com/office/powerpoint/2010/main" val="2302781896"/>
-      </p:ext>
-    </p:extLst>
-  </p:cSld>
-  <p:clrMapOvr>
-    <a:masterClrMapping/>
-  </p:clrMapOvr>
-  <p:timing>
-    <p:tnLst>
-      <p:par>
-        <p:cTn id="1" dur="indefinite" restart="never" nodeType="tmRoot"/>
-      </p:par>
-    </p:tnLst>
-  </p:timing>
-</p:sld>
-</file>
-
-<file path=ppt/slides/slide18.xml><?xml version="1.0" encoding="utf-8"?>
-<p:sld xmlns:a="http://schemas.openxmlformats.org/drawingml/2006/main" xmlns:r="http://schemas.openxmlformats.org/officeDocument/2006/relationships" xmlns:p="http://schemas.openxmlformats.org/presentationml/2006/main">
-  <p:cSld>
-    <p:spTree>
-      <p:nvGrpSpPr>
-        <p:cNvPr id="1" name=""/>
-        <p:cNvGrpSpPr/>
-        <p:nvPr/>
-      </p:nvGrpSpPr>
-      <p:grpSpPr>
-        <a:xfrm>
-          <a:off x="0" y="0"/>
-          <a:ext cx="0" cy="0"/>
-          <a:chOff x="0" y="0"/>
-          <a:chExt cx="0" cy="0"/>
-        </a:xfrm>
-      </p:grpSpPr>
-      <p:sp>
-        <p:nvSpPr>
-          <p:cNvPr id="2" name="タイトル 1"/>
-          <p:cNvSpPr>
-            <a:spLocks noGrp="1"/>
-          </p:cNvSpPr>
-          <p:nvPr>
-            <p:ph type="title"/>
-          </p:nvPr>
-        </p:nvSpPr>
-        <p:spPr/>
-        <p:txBody>
-          <a:bodyPr/>
-          <a:lstStyle/>
-          <a:p>
-            <a:r>
-              <a:rPr kumimoji="1" lang="en-US" altLang="ja-JP" smtClean="0"/>
-              <a:t>storage-proxy-archive</a:t>
-            </a:r>
-            <a:endParaRPr kumimoji="1" lang="ja-JP" altLang="en-US"/>
-          </a:p>
-        </p:txBody>
-      </p:sp>
-      <p:sp>
-        <p:nvSpPr>
-          <p:cNvPr id="3" name="コンテンツ プレースホルダー 2"/>
-          <p:cNvSpPr>
-            <a:spLocks noGrp="1"/>
-          </p:cNvSpPr>
-          <p:nvPr>
-            <p:ph idx="1"/>
-          </p:nvPr>
-        </p:nvSpPr>
-        <p:spPr/>
-        <p:txBody>
-          <a:bodyPr/>
-          <a:lstStyle/>
-          <a:p>
-            <a:r>
-              <a:rPr lang="en-US" altLang="ja-JP" smtClean="0"/>
-              <a:t>Full backup</a:t>
-            </a:r>
-            <a:r>
-              <a:rPr lang="ja-JP" altLang="en-US" smtClean="0"/>
-              <a:t>は</a:t>
-            </a:r>
-            <a:r>
-              <a:rPr lang="en-US" altLang="ja-JP" smtClean="0"/>
-              <a:t>storage-archive</a:t>
-            </a:r>
-            <a:r>
-              <a:rPr lang="ja-JP" altLang="en-US" smtClean="0"/>
-              <a:t>間</a:t>
-            </a:r>
-            <a:endParaRPr lang="en-US" altLang="ja-JP" smtClean="0"/>
-          </a:p>
-          <a:p>
-            <a:r>
-              <a:rPr lang="en-US" altLang="ja-JP" smtClean="0"/>
-              <a:t>log</a:t>
-            </a:r>
-            <a:r>
-              <a:rPr lang="ja-JP" altLang="en-US" smtClean="0"/>
-              <a:t>は</a:t>
-            </a:r>
-            <a:r>
-              <a:rPr lang="en-US" altLang="ja-JP" smtClean="0"/>
-              <a:t>proxy</a:t>
-            </a:r>
-            <a:r>
-              <a:rPr lang="ja-JP" altLang="en-US" smtClean="0"/>
-              <a:t>経由</a:t>
-            </a:r>
-            <a:endParaRPr lang="en-US" altLang="ja-JP" smtClean="0"/>
-          </a:p>
-          <a:p>
-            <a:r>
-              <a:rPr lang="en-US" altLang="ja-JP" smtClean="0"/>
-              <a:t>archive</a:t>
-            </a:r>
-            <a:r>
-              <a:rPr lang="ja-JP" altLang="en-US" smtClean="0"/>
-              <a:t>間も同様</a:t>
-            </a:r>
-            <a:endParaRPr lang="en-US" altLang="ja-JP" smtClean="0"/>
-          </a:p>
-        </p:txBody>
-      </p:sp>
-      <p:sp>
-        <p:nvSpPr>
-          <p:cNvPr id="15" name="正方形/長方形 14"/>
-          <p:cNvSpPr/>
-          <p:nvPr/>
-        </p:nvSpPr>
-        <p:spPr>
-          <a:xfrm>
-            <a:off x="1135839" y="3399383"/>
-            <a:ext cx="1656184" cy="389657"/>
-          </a:xfrm>
-          <a:prstGeom prst="rect">
-            <a:avLst/>
-          </a:prstGeom>
-          <a:solidFill>
-            <a:schemeClr val="accent5">
-              <a:lumMod val="20000"/>
-              <a:lumOff val="80000"/>
-            </a:schemeClr>
-          </a:solidFill>
-          <a:ln>
-            <a:noFill/>
-          </a:ln>
-        </p:spPr>
-        <p:style>
-          <a:lnRef idx="2">
-            <a:schemeClr val="accent1">
-              <a:shade val="50000"/>
-            </a:schemeClr>
-          </a:lnRef>
-          <a:fillRef idx="1">
-            <a:schemeClr val="accent1"/>
-          </a:fillRef>
-          <a:effectRef idx="0">
-            <a:schemeClr val="accent1"/>
-          </a:effectRef>
-          <a:fontRef idx="minor">
-            <a:schemeClr val="lt1"/>
-          </a:fontRef>
-        </p:style>
-        <p:txBody>
-          <a:bodyPr rtlCol="0" anchor="ctr"/>
-          <a:lstStyle/>
-          <a:p>
-            <a:pPr algn="ctr"/>
-            <a:r>
-              <a:rPr lang="en-US" altLang="ja-JP" sz="2400" smtClean="0">
-                <a:solidFill>
-                  <a:schemeClr val="tx1"/>
-                </a:solidFill>
-              </a:rPr>
-              <a:t>cybozu.com</a:t>
-            </a:r>
-            <a:endParaRPr kumimoji="1" lang="ja-JP" altLang="en-US" sz="2400">
-              <a:solidFill>
-                <a:schemeClr val="tx1"/>
-              </a:solidFill>
-            </a:endParaRPr>
-          </a:p>
-        </p:txBody>
-      </p:sp>
-      <p:cxnSp>
-        <p:nvCxnSpPr>
-          <p:cNvPr id="16" name="直線矢印コネクタ 15"/>
-          <p:cNvCxnSpPr/>
-          <p:nvPr/>
-        </p:nvCxnSpPr>
-        <p:spPr>
-          <a:xfrm>
-            <a:off x="1332637" y="3789040"/>
-            <a:ext cx="0" cy="518659"/>
-          </a:xfrm>
-          <a:prstGeom prst="straightConnector1">
-            <a:avLst/>
-          </a:prstGeom>
-          <a:ln w="60325">
-            <a:tailEnd type="arrow"/>
-          </a:ln>
-        </p:spPr>
-        <p:style>
-          <a:lnRef idx="1">
-            <a:schemeClr val="accent1"/>
-          </a:lnRef>
-          <a:fillRef idx="0">
-            <a:schemeClr val="accent1"/>
-          </a:fillRef>
-          <a:effectRef idx="0">
-            <a:schemeClr val="accent1"/>
-          </a:effectRef>
-          <a:fontRef idx="minor">
-            <a:schemeClr val="tx1"/>
-          </a:fontRef>
-        </p:style>
-      </p:cxnSp>
-      <p:cxnSp>
-        <p:nvCxnSpPr>
-          <p:cNvPr id="17" name="直線矢印コネクタ 16"/>
-          <p:cNvCxnSpPr>
-            <a:stCxn id="20" idx="3"/>
-            <a:endCxn id="27" idx="1"/>
-          </p:cNvCxnSpPr>
-          <p:nvPr/>
-        </p:nvCxnSpPr>
-        <p:spPr>
-          <a:xfrm flipV="1">
-            <a:off x="2766679" y="3695837"/>
-            <a:ext cx="1445281" cy="806691"/>
-          </a:xfrm>
-          <a:prstGeom prst="straightConnector1">
-            <a:avLst/>
-          </a:prstGeom>
-          <a:ln w="60325">
-            <a:solidFill>
-              <a:schemeClr val="accent1">
-                <a:lumMod val="20000"/>
-                <a:lumOff val="80000"/>
-              </a:schemeClr>
-            </a:solidFill>
-            <a:tailEnd type="arrow"/>
-          </a:ln>
-        </p:spPr>
-        <p:style>
-          <a:lnRef idx="1">
-            <a:schemeClr val="accent1"/>
-          </a:lnRef>
-          <a:fillRef idx="0">
-            <a:schemeClr val="accent1"/>
-          </a:fillRef>
-          <a:effectRef idx="0">
-            <a:schemeClr val="accent1"/>
-          </a:effectRef>
-          <a:fontRef idx="minor">
-            <a:schemeClr val="tx1"/>
-          </a:fontRef>
-        </p:style>
-      </p:cxnSp>
-      <p:cxnSp>
-        <p:nvCxnSpPr>
-          <p:cNvPr id="21" name="直線矢印コネクタ 20"/>
-          <p:cNvCxnSpPr/>
-          <p:nvPr/>
-        </p:nvCxnSpPr>
-        <p:spPr>
-          <a:xfrm flipV="1">
-            <a:off x="2556773" y="3789041"/>
-            <a:ext cx="0" cy="510040"/>
-          </a:xfrm>
-          <a:prstGeom prst="straightConnector1">
-            <a:avLst/>
-          </a:prstGeom>
-          <a:ln w="60325">
-            <a:solidFill>
-              <a:schemeClr val="accent2">
-                <a:lumMod val="60000"/>
-                <a:lumOff val="40000"/>
-              </a:schemeClr>
-            </a:solidFill>
-            <a:tailEnd type="arrow"/>
-          </a:ln>
-        </p:spPr>
-        <p:style>
-          <a:lnRef idx="1">
-            <a:schemeClr val="accent1"/>
-          </a:lnRef>
-          <a:fillRef idx="0">
-            <a:schemeClr val="accent1"/>
-          </a:fillRef>
-          <a:effectRef idx="0">
-            <a:schemeClr val="accent1"/>
-          </a:effectRef>
-          <a:fontRef idx="minor">
-            <a:schemeClr val="tx1"/>
-          </a:fontRef>
-        </p:style>
-      </p:cxnSp>
-      <p:cxnSp>
-        <p:nvCxnSpPr>
-          <p:cNvPr id="22" name="直線矢印コネクタ 21"/>
-          <p:cNvCxnSpPr>
-            <a:stCxn id="20" idx="3"/>
-            <a:endCxn id="29" idx="1"/>
-          </p:cNvCxnSpPr>
-          <p:nvPr/>
-        </p:nvCxnSpPr>
-        <p:spPr>
-          <a:xfrm>
-            <a:off x="2766679" y="4502528"/>
-            <a:ext cx="1449546" cy="0"/>
-          </a:xfrm>
-          <a:prstGeom prst="straightConnector1">
-            <a:avLst/>
-          </a:prstGeom>
-          <a:ln w="60325">
-            <a:tailEnd type="arrow"/>
-          </a:ln>
-        </p:spPr>
-        <p:style>
-          <a:lnRef idx="1">
-            <a:schemeClr val="accent1"/>
-          </a:lnRef>
-          <a:fillRef idx="0">
-            <a:schemeClr val="accent1"/>
-          </a:fillRef>
-          <a:effectRef idx="0">
-            <a:schemeClr val="accent1"/>
-          </a:effectRef>
-          <a:fontRef idx="minor">
-            <a:schemeClr val="tx1"/>
-          </a:fontRef>
-        </p:style>
-      </p:cxnSp>
-      <p:cxnSp>
-        <p:nvCxnSpPr>
-          <p:cNvPr id="25" name="直線矢印コネクタ 24"/>
-          <p:cNvCxnSpPr>
-            <a:stCxn id="29" idx="2"/>
-            <a:endCxn id="30" idx="0"/>
-          </p:cNvCxnSpPr>
-          <p:nvPr/>
-        </p:nvCxnSpPr>
-        <p:spPr>
-          <a:xfrm flipH="1">
-            <a:off x="3023828" y="4697356"/>
-            <a:ext cx="2020489" cy="841070"/>
-          </a:xfrm>
-          <a:prstGeom prst="straightConnector1">
-            <a:avLst/>
-          </a:prstGeom>
-          <a:ln w="60325">
-            <a:tailEnd type="arrow"/>
-          </a:ln>
-        </p:spPr>
-        <p:style>
-          <a:lnRef idx="1">
-            <a:schemeClr val="accent1"/>
-          </a:lnRef>
-          <a:fillRef idx="0">
-            <a:schemeClr val="accent1"/>
-          </a:fillRef>
-          <a:effectRef idx="0">
-            <a:schemeClr val="accent1"/>
-          </a:effectRef>
-          <a:fontRef idx="minor">
-            <a:schemeClr val="tx1"/>
-          </a:fontRef>
-        </p:style>
-      </p:cxnSp>
-      <p:sp>
-        <p:nvSpPr>
-          <p:cNvPr id="20" name="正方形/長方形 19"/>
-          <p:cNvSpPr/>
-          <p:nvPr/>
-        </p:nvSpPr>
-        <p:spPr>
-          <a:xfrm>
-            <a:off x="1110495" y="4307699"/>
-            <a:ext cx="1656184" cy="389657"/>
-          </a:xfrm>
-          <a:prstGeom prst="rect">
-            <a:avLst/>
-          </a:prstGeom>
-          <a:solidFill>
-            <a:schemeClr val="accent5">
-              <a:lumMod val="20000"/>
-              <a:lumOff val="80000"/>
-            </a:schemeClr>
-          </a:solidFill>
-          <a:ln>
-            <a:noFill/>
-          </a:ln>
-        </p:spPr>
-        <p:style>
-          <a:lnRef idx="2">
-            <a:schemeClr val="accent1">
-              <a:shade val="50000"/>
-            </a:schemeClr>
-          </a:lnRef>
-          <a:fillRef idx="1">
-            <a:schemeClr val="accent1"/>
-          </a:fillRef>
-          <a:effectRef idx="0">
-            <a:schemeClr val="accent1"/>
-          </a:effectRef>
-          <a:fontRef idx="minor">
-            <a:schemeClr val="lt1"/>
-          </a:fontRef>
-        </p:style>
-        <p:txBody>
-          <a:bodyPr rtlCol="0" anchor="ctr"/>
-          <a:lstStyle/>
-          <a:p>
-            <a:pPr algn="ctr"/>
-            <a:r>
-              <a:rPr lang="en-US" altLang="ja-JP" sz="2400" smtClean="0">
-                <a:solidFill>
-                  <a:schemeClr val="tx1"/>
-                </a:solidFill>
-              </a:rPr>
-              <a:t>storage</a:t>
-            </a:r>
-            <a:endParaRPr kumimoji="1" lang="ja-JP" altLang="en-US" sz="2400">
-              <a:solidFill>
-                <a:schemeClr val="tx1"/>
-              </a:solidFill>
-            </a:endParaRPr>
-          </a:p>
-        </p:txBody>
-      </p:sp>
-      <p:sp>
-        <p:nvSpPr>
-          <p:cNvPr id="27" name="正方形/長方形 26"/>
-          <p:cNvSpPr/>
-          <p:nvPr/>
-        </p:nvSpPr>
-        <p:spPr>
-          <a:xfrm>
-            <a:off x="4211960" y="3501008"/>
-            <a:ext cx="1656184" cy="389657"/>
-          </a:xfrm>
-          <a:prstGeom prst="rect">
-            <a:avLst/>
-          </a:prstGeom>
-          <a:solidFill>
-            <a:schemeClr val="accent5">
-              <a:lumMod val="20000"/>
-              <a:lumOff val="80000"/>
-            </a:schemeClr>
-          </a:solidFill>
-          <a:ln>
-            <a:noFill/>
-          </a:ln>
-        </p:spPr>
-        <p:style>
-          <a:lnRef idx="2">
-            <a:schemeClr val="accent1">
-              <a:shade val="50000"/>
-            </a:schemeClr>
-          </a:lnRef>
-          <a:fillRef idx="1">
-            <a:schemeClr val="accent1"/>
-          </a:fillRef>
-          <a:effectRef idx="0">
-            <a:schemeClr val="accent1"/>
-          </a:effectRef>
-          <a:fontRef idx="minor">
-            <a:schemeClr val="lt1"/>
-          </a:fontRef>
-        </p:style>
-        <p:txBody>
-          <a:bodyPr rtlCol="0" anchor="ctr"/>
-          <a:lstStyle/>
-          <a:p>
-            <a:pPr algn="ctr"/>
-            <a:r>
-              <a:rPr lang="en-US" altLang="ja-JP" sz="2400" smtClean="0">
-                <a:solidFill>
-                  <a:schemeClr val="tx1"/>
-                </a:solidFill>
-              </a:rPr>
-              <a:t>proxy2</a:t>
-            </a:r>
-            <a:endParaRPr kumimoji="1" lang="ja-JP" altLang="en-US" sz="2400">
-              <a:solidFill>
-                <a:schemeClr val="tx1"/>
-              </a:solidFill>
-            </a:endParaRPr>
-          </a:p>
-        </p:txBody>
-      </p:sp>
-      <p:sp>
-        <p:nvSpPr>
-          <p:cNvPr id="29" name="正方形/長方形 28"/>
-          <p:cNvSpPr/>
-          <p:nvPr/>
-        </p:nvSpPr>
-        <p:spPr>
-          <a:xfrm>
-            <a:off x="4216225" y="4307699"/>
-            <a:ext cx="1656184" cy="389657"/>
-          </a:xfrm>
-          <a:prstGeom prst="rect">
-            <a:avLst/>
-          </a:prstGeom>
-          <a:solidFill>
-            <a:schemeClr val="accent5">
-              <a:lumMod val="20000"/>
-              <a:lumOff val="80000"/>
-            </a:schemeClr>
-          </a:solidFill>
-          <a:ln>
-            <a:noFill/>
-          </a:ln>
-        </p:spPr>
-        <p:style>
-          <a:lnRef idx="2">
-            <a:schemeClr val="accent1">
-              <a:shade val="50000"/>
-            </a:schemeClr>
-          </a:lnRef>
-          <a:fillRef idx="1">
-            <a:schemeClr val="accent1"/>
-          </a:fillRef>
-          <a:effectRef idx="0">
-            <a:schemeClr val="accent1"/>
-          </a:effectRef>
-          <a:fontRef idx="minor">
-            <a:schemeClr val="lt1"/>
-          </a:fontRef>
-        </p:style>
-        <p:txBody>
-          <a:bodyPr rtlCol="0" anchor="ctr"/>
-          <a:lstStyle/>
-          <a:p>
-            <a:pPr algn="ctr"/>
-            <a:r>
-              <a:rPr lang="en-US" altLang="ja-JP" sz="2400" smtClean="0">
-                <a:solidFill>
-                  <a:schemeClr val="tx1"/>
-                </a:solidFill>
-              </a:rPr>
-              <a:t>proxy1</a:t>
-            </a:r>
-            <a:endParaRPr kumimoji="1" lang="ja-JP" altLang="en-US" sz="2400">
-              <a:solidFill>
-                <a:schemeClr val="tx1"/>
-              </a:solidFill>
-            </a:endParaRPr>
-          </a:p>
-        </p:txBody>
-      </p:sp>
-      <p:sp>
-        <p:nvSpPr>
-          <p:cNvPr id="30" name="正方形/長方形 29"/>
-          <p:cNvSpPr/>
-          <p:nvPr/>
-        </p:nvSpPr>
-        <p:spPr>
-          <a:xfrm>
-            <a:off x="2195736" y="5538426"/>
-            <a:ext cx="1656184" cy="389657"/>
-          </a:xfrm>
-          <a:prstGeom prst="rect">
-            <a:avLst/>
-          </a:prstGeom>
-          <a:solidFill>
-            <a:schemeClr val="accent5">
-              <a:lumMod val="20000"/>
-              <a:lumOff val="80000"/>
-            </a:schemeClr>
-          </a:solidFill>
-          <a:ln>
-            <a:noFill/>
-          </a:ln>
-        </p:spPr>
-        <p:style>
-          <a:lnRef idx="2">
-            <a:schemeClr val="accent1">
-              <a:shade val="50000"/>
-            </a:schemeClr>
-          </a:lnRef>
-          <a:fillRef idx="1">
-            <a:schemeClr val="accent1"/>
-          </a:fillRef>
-          <a:effectRef idx="0">
-            <a:schemeClr val="accent1"/>
-          </a:effectRef>
-          <a:fontRef idx="minor">
-            <a:schemeClr val="lt1"/>
-          </a:fontRef>
-        </p:style>
-        <p:txBody>
-          <a:bodyPr rtlCol="0" anchor="ctr"/>
-          <a:lstStyle/>
-          <a:p>
-            <a:pPr algn="ctr"/>
-            <a:r>
-              <a:rPr lang="en-US" altLang="ja-JP" sz="2400" smtClean="0">
-                <a:solidFill>
-                  <a:schemeClr val="tx1"/>
-                </a:solidFill>
-              </a:rPr>
-              <a:t>archive1</a:t>
-            </a:r>
-            <a:endParaRPr kumimoji="1" lang="ja-JP" altLang="en-US" sz="2400">
-              <a:solidFill>
-                <a:schemeClr val="tx1"/>
-              </a:solidFill>
-            </a:endParaRPr>
-          </a:p>
-        </p:txBody>
-      </p:sp>
-      <p:sp>
-        <p:nvSpPr>
-          <p:cNvPr id="31" name="正方形/長方形 30"/>
-          <p:cNvSpPr/>
-          <p:nvPr/>
-        </p:nvSpPr>
-        <p:spPr>
-          <a:xfrm>
-            <a:off x="5292080" y="5538425"/>
-            <a:ext cx="1656184" cy="389657"/>
-          </a:xfrm>
-          <a:prstGeom prst="rect">
-            <a:avLst/>
-          </a:prstGeom>
-          <a:solidFill>
-            <a:schemeClr val="accent5">
-              <a:lumMod val="20000"/>
-              <a:lumOff val="80000"/>
-            </a:schemeClr>
-          </a:solidFill>
-          <a:ln>
-            <a:noFill/>
-          </a:ln>
-        </p:spPr>
-        <p:style>
-          <a:lnRef idx="2">
-            <a:schemeClr val="accent1">
-              <a:shade val="50000"/>
-            </a:schemeClr>
-          </a:lnRef>
-          <a:fillRef idx="1">
-            <a:schemeClr val="accent1"/>
-          </a:fillRef>
-          <a:effectRef idx="0">
-            <a:schemeClr val="accent1"/>
-          </a:effectRef>
-          <a:fontRef idx="minor">
-            <a:schemeClr val="lt1"/>
-          </a:fontRef>
-        </p:style>
-        <p:txBody>
-          <a:bodyPr rtlCol="0" anchor="ctr"/>
-          <a:lstStyle/>
-          <a:p>
-            <a:pPr algn="ctr"/>
-            <a:r>
-              <a:rPr lang="en-US" altLang="ja-JP" sz="2400" smtClean="0">
-                <a:solidFill>
-                  <a:schemeClr val="tx1"/>
-                </a:solidFill>
-              </a:rPr>
-              <a:t>archive2</a:t>
-            </a:r>
-            <a:endParaRPr kumimoji="1" lang="ja-JP" altLang="en-US" sz="2400">
-              <a:solidFill>
-                <a:schemeClr val="tx1"/>
-              </a:solidFill>
-            </a:endParaRPr>
-          </a:p>
-        </p:txBody>
-      </p:sp>
-      <p:cxnSp>
-        <p:nvCxnSpPr>
-          <p:cNvPr id="32" name="直線矢印コネクタ 31"/>
-          <p:cNvCxnSpPr>
-            <a:endCxn id="30" idx="0"/>
-          </p:cNvCxnSpPr>
-          <p:nvPr/>
-        </p:nvCxnSpPr>
-        <p:spPr>
-          <a:xfrm>
-            <a:off x="1966157" y="4697356"/>
-            <a:ext cx="1057671" cy="841070"/>
-          </a:xfrm>
-          <a:prstGeom prst="straightConnector1">
-            <a:avLst/>
-          </a:prstGeom>
-          <a:ln w="60325">
-            <a:tailEnd type="arrow"/>
-          </a:ln>
-        </p:spPr>
-        <p:style>
-          <a:lnRef idx="1">
-            <a:schemeClr val="accent1"/>
-          </a:lnRef>
-          <a:fillRef idx="0">
-            <a:schemeClr val="accent1"/>
-          </a:fillRef>
-          <a:effectRef idx="0">
-            <a:schemeClr val="accent1"/>
-          </a:effectRef>
-          <a:fontRef idx="minor">
-            <a:schemeClr val="tx1"/>
-          </a:fontRef>
-        </p:style>
-      </p:cxnSp>
-      <p:sp>
-        <p:nvSpPr>
-          <p:cNvPr id="36" name="テキスト ボックス 35"/>
-          <p:cNvSpPr txBox="1"/>
-          <p:nvPr/>
-        </p:nvSpPr>
-        <p:spPr>
-          <a:xfrm>
-            <a:off x="3208633" y="4502527"/>
-            <a:ext cx="561372" cy="461665"/>
-          </a:xfrm>
-          <a:prstGeom prst="rect">
-            <a:avLst/>
-          </a:prstGeom>
-          <a:noFill/>
-        </p:spPr>
-        <p:txBody>
-          <a:bodyPr wrap="none" rtlCol="0">
-            <a:spAutoFit/>
-          </a:bodyPr>
-          <a:lstStyle/>
-          <a:p>
-            <a:r>
-              <a:rPr kumimoji="1" lang="en-US" altLang="ja-JP" sz="2400" smtClean="0"/>
-              <a:t>log</a:t>
-            </a:r>
-            <a:endParaRPr kumimoji="1" lang="ja-JP" altLang="en-US" sz="2400"/>
-          </a:p>
-        </p:txBody>
-      </p:sp>
-      <p:sp>
-        <p:nvSpPr>
-          <p:cNvPr id="37" name="テキスト ボックス 36"/>
-          <p:cNvSpPr txBox="1"/>
-          <p:nvPr/>
-        </p:nvSpPr>
-        <p:spPr>
-          <a:xfrm>
-            <a:off x="827584" y="4957021"/>
-            <a:ext cx="1549720" cy="461665"/>
-          </a:xfrm>
-          <a:prstGeom prst="rect">
-            <a:avLst/>
-          </a:prstGeom>
-          <a:noFill/>
-        </p:spPr>
-        <p:txBody>
-          <a:bodyPr wrap="none" rtlCol="0">
-            <a:spAutoFit/>
-          </a:bodyPr>
-          <a:lstStyle/>
-          <a:p>
-            <a:r>
-              <a:rPr kumimoji="1" lang="en-US" altLang="ja-JP" sz="2400" smtClean="0"/>
-              <a:t>full backup</a:t>
-            </a:r>
-          </a:p>
-        </p:txBody>
-      </p:sp>
-      <p:sp>
-        <p:nvSpPr>
-          <p:cNvPr id="38" name="テキスト ボックス 37"/>
-          <p:cNvSpPr txBox="1"/>
-          <p:nvPr/>
-        </p:nvSpPr>
-        <p:spPr>
-          <a:xfrm>
-            <a:off x="4139952" y="4911551"/>
-            <a:ext cx="603242" cy="461665"/>
-          </a:xfrm>
-          <a:prstGeom prst="rect">
-            <a:avLst/>
-          </a:prstGeom>
-          <a:noFill/>
-        </p:spPr>
-        <p:txBody>
-          <a:bodyPr wrap="none" rtlCol="0">
-            <a:spAutoFit/>
-          </a:bodyPr>
-          <a:lstStyle/>
-          <a:p>
-            <a:r>
-              <a:rPr kumimoji="1" lang="en-US" altLang="ja-JP" sz="2400" smtClean="0"/>
-              <a:t>diff</a:t>
-            </a:r>
-            <a:endParaRPr kumimoji="1" lang="ja-JP" altLang="en-US" sz="2400"/>
-          </a:p>
-        </p:txBody>
-      </p:sp>
-      <p:cxnSp>
-        <p:nvCxnSpPr>
-          <p:cNvPr id="42" name="直線矢印コネクタ 41"/>
-          <p:cNvCxnSpPr>
-            <a:stCxn id="30" idx="3"/>
-            <a:endCxn id="31" idx="1"/>
-          </p:cNvCxnSpPr>
-          <p:nvPr/>
-        </p:nvCxnSpPr>
-        <p:spPr>
-          <a:xfrm flipV="1">
-            <a:off x="3851920" y="5733254"/>
-            <a:ext cx="1440160" cy="1"/>
-          </a:xfrm>
-          <a:prstGeom prst="straightConnector1">
-            <a:avLst/>
-          </a:prstGeom>
-          <a:ln w="60325">
-            <a:tailEnd type="arrow"/>
-          </a:ln>
-        </p:spPr>
-        <p:style>
-          <a:lnRef idx="1">
-            <a:schemeClr val="accent1"/>
-          </a:lnRef>
-          <a:fillRef idx="0">
-            <a:schemeClr val="accent1"/>
-          </a:fillRef>
-          <a:effectRef idx="0">
-            <a:schemeClr val="accent1"/>
-          </a:effectRef>
-          <a:fontRef idx="minor">
-            <a:schemeClr val="tx1"/>
-          </a:fontRef>
-        </p:style>
-      </p:cxnSp>
-      <p:sp>
-        <p:nvSpPr>
-          <p:cNvPr id="45" name="テキスト ボックス 44"/>
-          <p:cNvSpPr txBox="1"/>
-          <p:nvPr/>
-        </p:nvSpPr>
-        <p:spPr>
-          <a:xfrm>
-            <a:off x="4242443" y="5790829"/>
-            <a:ext cx="603242" cy="461665"/>
-          </a:xfrm>
-          <a:prstGeom prst="rect">
-            <a:avLst/>
-          </a:prstGeom>
-          <a:noFill/>
-        </p:spPr>
-        <p:txBody>
-          <a:bodyPr wrap="none" rtlCol="0">
-            <a:spAutoFit/>
-          </a:bodyPr>
-          <a:lstStyle/>
-          <a:p>
-            <a:r>
-              <a:rPr kumimoji="1" lang="en-US" altLang="ja-JP" sz="2400" smtClean="0"/>
-              <a:t>diff</a:t>
-            </a:r>
-            <a:endParaRPr kumimoji="1" lang="ja-JP" altLang="en-US" sz="2400"/>
-          </a:p>
-        </p:txBody>
-      </p:sp>
-    </p:spTree>
-    <p:extLst>
-      <p:ext uri="{BB962C8B-B14F-4D97-AF65-F5344CB8AC3E}">
-        <p14:creationId xmlns:p14="http://schemas.microsoft.com/office/powerpoint/2010/main" val="3596228185"/>
-      </p:ext>
-    </p:extLst>
-  </p:cSld>
-  <p:clrMapOvr>
-    <a:masterClrMapping/>
-  </p:clrMapOvr>
-  <p:timing>
-    <p:tnLst>
-      <p:par>
-        <p:cTn id="1" dur="indefinite" restart="never" nodeType="tmRoot"/>
-      </p:par>
-    </p:tnLst>
-  </p:timing>
-</p:sld>
-</file>
-
-<file path=ppt/slides/slide19.xml><?xml version="1.0" encoding="utf-8"?>
-<p:sld xmlns:a="http://schemas.openxmlformats.org/drawingml/2006/main" xmlns:r="http://schemas.openxmlformats.org/officeDocument/2006/relationships" xmlns:p="http://schemas.openxmlformats.org/presentationml/2006/main">
-  <p:cSld>
-    <p:spTree>
-      <p:nvGrpSpPr>
-        <p:cNvPr id="1" name=""/>
-        <p:cNvGrpSpPr/>
-        <p:nvPr/>
-      </p:nvGrpSpPr>
-      <p:grpSpPr>
-        <a:xfrm>
-          <a:off x="0" y="0"/>
-          <a:ext cx="0" cy="0"/>
-          <a:chOff x="0" y="0"/>
-          <a:chExt cx="0" cy="0"/>
-        </a:xfrm>
-      </p:grpSpPr>
-      <p:sp>
-        <p:nvSpPr>
-          <p:cNvPr id="2" name="タイトル 1"/>
-          <p:cNvSpPr>
-            <a:spLocks noGrp="1"/>
-          </p:cNvSpPr>
-          <p:nvPr>
-            <p:ph type="title"/>
-          </p:nvPr>
-        </p:nvSpPr>
-        <p:spPr/>
-        <p:txBody>
-          <a:bodyPr>
-            <a:normAutofit/>
-          </a:bodyPr>
-          <a:lstStyle/>
-          <a:p>
-            <a:r>
-              <a:rPr kumimoji="1" lang="en-US" altLang="ja-JP" smtClean="0"/>
-              <a:t>Hash </a:t>
-            </a:r>
-            <a:r>
-              <a:rPr lang="en-US" altLang="ja-JP" smtClean="0"/>
-              <a:t>backup</a:t>
-            </a:r>
-            <a:endParaRPr kumimoji="1" lang="ja-JP" altLang="en-US"/>
-          </a:p>
-        </p:txBody>
-      </p:sp>
-      <p:sp>
-        <p:nvSpPr>
-          <p:cNvPr id="3" name="コンテンツ プレースホルダー 2"/>
-          <p:cNvSpPr>
-            <a:spLocks noGrp="1"/>
-          </p:cNvSpPr>
-          <p:nvPr>
-            <p:ph idx="1"/>
-          </p:nvPr>
-        </p:nvSpPr>
-        <p:spPr/>
-        <p:txBody>
-          <a:bodyPr>
-            <a:normAutofit/>
-          </a:bodyPr>
-          <a:lstStyle/>
-          <a:p>
-            <a:r>
-              <a:rPr lang="ja-JP" altLang="en-US"/>
-              <a:t>滅多</a:t>
-            </a:r>
-            <a:r>
-              <a:rPr lang="ja-JP" altLang="en-US" smtClean="0"/>
-              <a:t>に起こらないが</a:t>
-            </a:r>
-            <a:endParaRPr lang="en-US" altLang="ja-JP" smtClean="0"/>
-          </a:p>
-          <a:p>
-            <a:pPr lvl="1"/>
-            <a:r>
-              <a:rPr lang="en-US" altLang="ja-JP"/>
-              <a:t>proxy</a:t>
-            </a:r>
-            <a:r>
-              <a:rPr lang="ja-JP" altLang="en-US"/>
-              <a:t>で一時退避したデータが飛んだ</a:t>
-            </a:r>
-            <a:endParaRPr lang="en-US" altLang="ja-JP"/>
-          </a:p>
-          <a:p>
-            <a:pPr lvl="1"/>
-            <a:r>
-              <a:rPr lang="en-US" altLang="ja-JP" smtClean="0"/>
-              <a:t>proxy</a:t>
-            </a:r>
-            <a:r>
-              <a:rPr lang="ja-JP" altLang="en-US" smtClean="0"/>
-              <a:t>が</a:t>
-            </a:r>
-            <a:r>
-              <a:rPr lang="ja-JP" altLang="en-US"/>
-              <a:t>全て</a:t>
-            </a:r>
-            <a:r>
-              <a:rPr lang="ja-JP" altLang="en-US" smtClean="0"/>
-              <a:t>止まり</a:t>
-            </a:r>
-            <a:r>
-              <a:rPr lang="ja-JP" altLang="en-US"/>
-              <a:t>復旧できずに</a:t>
-            </a:r>
-            <a:r>
-              <a:rPr lang="en-US" altLang="ja-JP" smtClean="0"/>
-              <a:t>log</a:t>
-            </a:r>
-            <a:r>
-              <a:rPr lang="ja-JP" altLang="en-US" smtClean="0"/>
-              <a:t>が溢れる</a:t>
-            </a:r>
-            <a:endParaRPr lang="en-US" altLang="ja-JP" smtClean="0"/>
-          </a:p>
-          <a:p>
-            <a:pPr lvl="2"/>
-            <a:r>
-              <a:rPr kumimoji="1" lang="en-US" altLang="ja-JP" smtClean="0"/>
-              <a:t>archive</a:t>
-            </a:r>
-            <a:r>
-              <a:rPr kumimoji="1" lang="ja-JP" altLang="en-US" smtClean="0"/>
-              <a:t>のデータが飛ぶと</a:t>
-            </a:r>
-            <a:r>
-              <a:rPr kumimoji="1" lang="en-US" altLang="ja-JP" smtClean="0"/>
-              <a:t>Full backup</a:t>
-            </a:r>
-            <a:r>
-              <a:rPr kumimoji="1" lang="ja-JP" altLang="en-US" smtClean="0"/>
-              <a:t>からやり直し</a:t>
-            </a:r>
-            <a:endParaRPr kumimoji="1" lang="en-US" altLang="ja-JP" smtClean="0"/>
-          </a:p>
-          <a:p>
-            <a:pPr lvl="1"/>
-            <a:r>
-              <a:rPr lang="ja-JP" altLang="en-US" smtClean="0"/>
-              <a:t>バックアップ</a:t>
-            </a:r>
-            <a:r>
-              <a:rPr lang="ja-JP" altLang="en-US"/>
-              <a:t>対象</a:t>
-            </a:r>
-            <a:r>
-              <a:rPr lang="ja-JP" altLang="en-US" smtClean="0"/>
-              <a:t>を切り換えるとき（後述）</a:t>
-            </a:r>
-            <a:endParaRPr lang="en-US" altLang="ja-JP" smtClean="0"/>
-          </a:p>
-          <a:p>
-            <a:r>
-              <a:rPr kumimoji="1" lang="en-US" altLang="ja-JP" smtClean="0"/>
-              <a:t>storage</a:t>
-            </a:r>
-            <a:r>
-              <a:rPr kumimoji="1" lang="ja-JP" altLang="en-US" smtClean="0"/>
-              <a:t>と</a:t>
-            </a:r>
-            <a:r>
-              <a:rPr kumimoji="1" lang="en-US" altLang="ja-JP" smtClean="0"/>
-              <a:t>archive</a:t>
-            </a:r>
-            <a:r>
-              <a:rPr kumimoji="1" lang="ja-JP" altLang="en-US" smtClean="0"/>
-              <a:t>間で持ってるデータの</a:t>
-            </a:r>
-            <a:r>
-              <a:rPr kumimoji="1" lang="en-US" altLang="ja-JP" smtClean="0"/>
-              <a:t>hash</a:t>
-            </a:r>
-            <a:r>
-              <a:rPr kumimoji="1" lang="ja-JP" altLang="en-US" smtClean="0"/>
-              <a:t>を比較し異なるものだけ転送</a:t>
-            </a:r>
-            <a:endParaRPr kumimoji="1" lang="en-US" altLang="ja-JP" smtClean="0"/>
-          </a:p>
-          <a:p>
-            <a:pPr marL="0" indent="0">
-              <a:buNone/>
-            </a:pPr>
-            <a:endParaRPr kumimoji="1" lang="ja-JP" altLang="en-US"/>
-          </a:p>
-        </p:txBody>
-      </p:sp>
-      <p:sp>
-        <p:nvSpPr>
-          <p:cNvPr id="19" name="正方形/長方形 18"/>
-          <p:cNvSpPr/>
-          <p:nvPr/>
-        </p:nvSpPr>
-        <p:spPr>
-          <a:xfrm>
-            <a:off x="755576" y="5517232"/>
-            <a:ext cx="1656184" cy="720080"/>
-          </a:xfrm>
-          <a:prstGeom prst="rect">
-            <a:avLst/>
-          </a:prstGeom>
-          <a:solidFill>
-            <a:schemeClr val="accent5">
-              <a:lumMod val="20000"/>
-              <a:lumOff val="80000"/>
-            </a:schemeClr>
-          </a:solidFill>
-          <a:ln>
-            <a:noFill/>
-          </a:ln>
-        </p:spPr>
-        <p:style>
-          <a:lnRef idx="2">
-            <a:schemeClr val="accent1">
-              <a:shade val="50000"/>
-            </a:schemeClr>
-          </a:lnRef>
-          <a:fillRef idx="1">
-            <a:schemeClr val="accent1"/>
-          </a:fillRef>
-          <a:effectRef idx="0">
-            <a:schemeClr val="accent1"/>
-          </a:effectRef>
-          <a:fontRef idx="minor">
-            <a:schemeClr val="lt1"/>
-          </a:fontRef>
-        </p:style>
-        <p:txBody>
-          <a:bodyPr rtlCol="0" anchor="ctr"/>
-          <a:lstStyle/>
-          <a:p>
-            <a:pPr algn="ctr"/>
-            <a:r>
-              <a:rPr lang="en-US" altLang="ja-JP" sz="2400" smtClean="0">
-                <a:solidFill>
-                  <a:schemeClr val="tx1"/>
-                </a:solidFill>
-              </a:rPr>
-              <a:t>storage</a:t>
-            </a:r>
-            <a:endParaRPr kumimoji="1" lang="ja-JP" altLang="en-US" sz="2400">
-              <a:solidFill>
-                <a:schemeClr val="tx1"/>
-              </a:solidFill>
-            </a:endParaRPr>
-          </a:p>
-        </p:txBody>
-      </p:sp>
-      <p:sp>
-        <p:nvSpPr>
-          <p:cNvPr id="20" name="正方形/長方形 19"/>
-          <p:cNvSpPr/>
-          <p:nvPr/>
-        </p:nvSpPr>
-        <p:spPr>
-          <a:xfrm>
-            <a:off x="6516837" y="5517232"/>
-            <a:ext cx="1656184" cy="720080"/>
-          </a:xfrm>
-          <a:prstGeom prst="rect">
-            <a:avLst/>
-          </a:prstGeom>
-          <a:solidFill>
-            <a:schemeClr val="accent5">
-              <a:lumMod val="20000"/>
-              <a:lumOff val="80000"/>
-            </a:schemeClr>
-          </a:solidFill>
-          <a:ln>
-            <a:noFill/>
-          </a:ln>
-        </p:spPr>
-        <p:style>
-          <a:lnRef idx="2">
-            <a:schemeClr val="accent1">
-              <a:shade val="50000"/>
-            </a:schemeClr>
-          </a:lnRef>
-          <a:fillRef idx="1">
-            <a:schemeClr val="accent1"/>
-          </a:fillRef>
-          <a:effectRef idx="0">
-            <a:schemeClr val="accent1"/>
-          </a:effectRef>
-          <a:fontRef idx="minor">
-            <a:schemeClr val="lt1"/>
-          </a:fontRef>
-        </p:style>
-        <p:txBody>
-          <a:bodyPr rtlCol="0" anchor="ctr"/>
-          <a:lstStyle/>
-          <a:p>
-            <a:pPr algn="ctr"/>
-            <a:r>
-              <a:rPr lang="en-US" altLang="ja-JP" sz="2400" smtClean="0">
-                <a:solidFill>
-                  <a:schemeClr val="tx1"/>
-                </a:solidFill>
-              </a:rPr>
-              <a:t>archive</a:t>
-            </a:r>
-            <a:endParaRPr kumimoji="1" lang="ja-JP" altLang="en-US" sz="2400">
-              <a:solidFill>
-                <a:schemeClr val="tx1"/>
-              </a:solidFill>
-            </a:endParaRPr>
-          </a:p>
-        </p:txBody>
-      </p:sp>
-      <p:cxnSp>
-        <p:nvCxnSpPr>
-          <p:cNvPr id="21" name="直線矢印コネクタ 20"/>
-          <p:cNvCxnSpPr/>
-          <p:nvPr/>
-        </p:nvCxnSpPr>
-        <p:spPr>
-          <a:xfrm>
-            <a:off x="2411760" y="5740649"/>
-            <a:ext cx="4105077" cy="0"/>
-          </a:xfrm>
-          <a:prstGeom prst="straightConnector1">
-            <a:avLst/>
-          </a:prstGeom>
-          <a:ln w="76200">
-            <a:tailEnd type="arrow"/>
-          </a:ln>
-        </p:spPr>
-        <p:style>
-          <a:lnRef idx="1">
-            <a:schemeClr val="accent1"/>
-          </a:lnRef>
-          <a:fillRef idx="0">
-            <a:schemeClr val="accent1"/>
-          </a:fillRef>
-          <a:effectRef idx="0">
-            <a:schemeClr val="accent1"/>
-          </a:effectRef>
-          <a:fontRef idx="minor">
-            <a:schemeClr val="tx1"/>
-          </a:fontRef>
-        </p:style>
-      </p:cxnSp>
-      <p:cxnSp>
-        <p:nvCxnSpPr>
-          <p:cNvPr id="24" name="直線矢印コネクタ 23"/>
-          <p:cNvCxnSpPr/>
-          <p:nvPr/>
-        </p:nvCxnSpPr>
-        <p:spPr>
-          <a:xfrm flipH="1">
-            <a:off x="2411760" y="6093296"/>
-            <a:ext cx="4080277" cy="0"/>
-          </a:xfrm>
-          <a:prstGeom prst="straightConnector1">
-            <a:avLst/>
-          </a:prstGeom>
-          <a:ln w="44450">
-            <a:tailEnd type="arrow"/>
-          </a:ln>
-        </p:spPr>
-        <p:style>
-          <a:lnRef idx="1">
-            <a:schemeClr val="accent1"/>
-          </a:lnRef>
-          <a:fillRef idx="0">
-            <a:schemeClr val="accent1"/>
-          </a:fillRef>
-          <a:effectRef idx="0">
-            <a:schemeClr val="accent1"/>
-          </a:effectRef>
-          <a:fontRef idx="minor">
-            <a:schemeClr val="tx1"/>
-          </a:fontRef>
-        </p:style>
-      </p:cxnSp>
-      <p:sp>
-        <p:nvSpPr>
-          <p:cNvPr id="8" name="テキスト ボックス 7"/>
-          <p:cNvSpPr txBox="1"/>
-          <p:nvPr/>
-        </p:nvSpPr>
-        <p:spPr>
-          <a:xfrm>
-            <a:off x="4162677" y="5278984"/>
-            <a:ext cx="603242" cy="461665"/>
-          </a:xfrm>
-          <a:prstGeom prst="rect">
-            <a:avLst/>
-          </a:prstGeom>
-          <a:noFill/>
-        </p:spPr>
-        <p:txBody>
-          <a:bodyPr wrap="none" rtlCol="0">
-            <a:spAutoFit/>
-          </a:bodyPr>
-          <a:lstStyle/>
-          <a:p>
-            <a:r>
-              <a:rPr kumimoji="1" lang="en-US" altLang="ja-JP" sz="2400" smtClean="0"/>
-              <a:t>diff</a:t>
-            </a:r>
-            <a:endParaRPr kumimoji="1" lang="ja-JP" altLang="en-US" sz="2400"/>
-          </a:p>
-        </p:txBody>
-      </p:sp>
-      <p:sp>
-        <p:nvSpPr>
-          <p:cNvPr id="9" name="テキスト ボックス 8"/>
-          <p:cNvSpPr txBox="1"/>
-          <p:nvPr/>
-        </p:nvSpPr>
-        <p:spPr>
-          <a:xfrm>
-            <a:off x="3563888" y="6093296"/>
-            <a:ext cx="2129109" cy="461665"/>
-          </a:xfrm>
-          <a:prstGeom prst="rect">
-            <a:avLst/>
-          </a:prstGeom>
-          <a:noFill/>
-        </p:spPr>
-        <p:txBody>
-          <a:bodyPr wrap="none" rtlCol="0">
-            <a:spAutoFit/>
-          </a:bodyPr>
-          <a:lstStyle/>
-          <a:p>
-            <a:r>
-              <a:rPr kumimoji="1" lang="en-US" altLang="ja-JP" sz="2400" smtClean="0"/>
-              <a:t>Hash</a:t>
-            </a:r>
-            <a:r>
-              <a:rPr kumimoji="1" lang="ja-JP" altLang="en-US" sz="2400" smtClean="0"/>
-              <a:t>値のリスト</a:t>
-            </a:r>
-            <a:endParaRPr kumimoji="1" lang="ja-JP" altLang="en-US" sz="2400"/>
-          </a:p>
-        </p:txBody>
-      </p:sp>
-    </p:spTree>
-    <p:extLst>
-      <p:ext uri="{BB962C8B-B14F-4D97-AF65-F5344CB8AC3E}">
-        <p14:creationId xmlns:p14="http://schemas.microsoft.com/office/powerpoint/2010/main" val="1574473057"/>
       </p:ext>
     </p:extLst>
   </p:cSld>
@@ -10925,7 +11135,7 @@
           <a:p>
             <a:r>
               <a:rPr kumimoji="1" lang="ja-JP" altLang="en-US" smtClean="0"/>
-              <a:t>バックアップ・レプリケーション</a:t>
+              <a:t>ブロックレベルのバックアップ</a:t>
             </a:r>
             <a:r>
               <a:rPr lang="ja-JP" altLang="en-US" smtClean="0"/>
@@ -10937,7 +11147,11 @@
             <a:pPr lvl="1"/>
             <a:r>
               <a:rPr kumimoji="1" lang="ja-JP" altLang="en-US" smtClean="0"/>
-              <a:t>デバイスドライバ、サービス、コマンド群</a:t>
+              <a:t>デバイスドライバ</a:t>
+            </a:r>
+            <a:r>
+              <a:rPr kumimoji="1" lang="ja-JP" altLang="en-US" smtClean="0"/>
+              <a:t>、サービス、コマンド群</a:t>
             </a:r>
             <a:r>
               <a:rPr lang="ja-JP" altLang="en-US" smtClean="0"/>
@@ -10946,11 +11160,9 @@
             <a:endParaRPr lang="en-US" altLang="ja-JP" smtClean="0"/>
           </a:p>
           <a:p>
-            <a:pPr lvl="1"/>
-            <a:endParaRPr lang="en-US" altLang="ja-JP"/>
-          </a:p>
-          <a:p>
-            <a:pPr lvl="1"/>
+            <a:pPr marL="457200" lvl="1" indent="0">
+              <a:buNone/>
+            </a:pPr>
             <a:endParaRPr lang="en-US" altLang="ja-JP" smtClean="0"/>
           </a:p>
           <a:p>
@@ -10977,7 +11189,31 @@
             </a:r>
             <a:r>
               <a:rPr lang="ja-JP" altLang="en-US" smtClean="0"/>
-              <a:t>月頃からシステムに仕上げるために参加</a:t>
+              <a:t>月頃</a:t>
+            </a:r>
+            <a:r>
+              <a:rPr lang="ja-JP" altLang="en-US" smtClean="0"/>
+              <a:t>から</a:t>
+            </a:r>
+            <a:r>
+              <a:rPr lang="ja-JP" altLang="en-US"/>
+              <a:t>ユーザ</a:t>
+            </a:r>
+            <a:r>
+              <a:rPr lang="ja-JP" altLang="en-US"/>
+              <a:t>回り</a:t>
+            </a:r>
+            <a:r>
+              <a:rPr lang="ja-JP" altLang="en-US" smtClean="0"/>
+              <a:t>の</a:t>
+            </a:r>
+            <a:r>
+              <a:rPr lang="ja-JP" altLang="en-US"/>
+              <a:t>開発</a:t>
+            </a:r>
+            <a:r>
+              <a:rPr lang="ja-JP" altLang="en-US" smtClean="0"/>
+              <a:t>に合流</a:t>
             </a:r>
             <a:endParaRPr lang="en-US" altLang="ja-JP" smtClean="0"/>
           </a:p>
@@ -11012,6 +11248,34 @@
               <a:t>チームに評価してもらう予定</a:t>
             </a:r>
             <a:endParaRPr lang="en-US" altLang="ja-JP" smtClean="0"/>
+          </a:p>
+        </p:txBody>
+      </p:sp>
+      <p:sp>
+        <p:nvSpPr>
+          <p:cNvPr id="5" name="スライド番号プレースホルダー 4"/>
+          <p:cNvSpPr>
+            <a:spLocks noGrp="1"/>
+          </p:cNvSpPr>
+          <p:nvPr>
+            <p:ph type="sldNum" sz="quarter" idx="12"/>
+          </p:nvPr>
+        </p:nvSpPr>
+        <p:spPr/>
+        <p:txBody>
+          <a:bodyPr/>
+          <a:lstStyle/>
+          <a:p>
+            <a:fld id="{2649E3F5-6F9D-4754-B6F9-50AE10FEA634}" type="slidenum">
+              <a:rPr lang="ja-JP" altLang="en-US" smtClean="0"/>
+              <a:pPr/>
+              <a:t>2</a:t>
+            </a:fld>
+            <a:r>
+              <a:rPr lang="en-US" altLang="ja-JP" smtClean="0"/>
+              <a:t>/30</a:t>
+            </a:r>
+            <a:endParaRPr lang="ja-JP" altLang="en-US"/>
           </a:p>
         </p:txBody>
       </p:sp>
@@ -11068,6 +11332,1389 @@
           <a:lstStyle/>
           <a:p>
             <a:r>
+              <a:rPr kumimoji="1" lang="en-US" altLang="ja-JP" smtClean="0"/>
+              <a:t>storage-proxy-archive</a:t>
+            </a:r>
+            <a:endParaRPr kumimoji="1" lang="ja-JP" altLang="en-US"/>
+          </a:p>
+        </p:txBody>
+      </p:sp>
+      <p:sp>
+        <p:nvSpPr>
+          <p:cNvPr id="3" name="コンテンツ プレースホルダー 2"/>
+          <p:cNvSpPr>
+            <a:spLocks noGrp="1"/>
+          </p:cNvSpPr>
+          <p:nvPr>
+            <p:ph idx="1"/>
+          </p:nvPr>
+        </p:nvSpPr>
+        <p:spPr/>
+        <p:txBody>
+          <a:bodyPr/>
+          <a:lstStyle/>
+          <a:p>
+            <a:r>
+              <a:rPr lang="en-US" altLang="ja-JP" smtClean="0"/>
+              <a:t>Full backup</a:t>
+            </a:r>
+            <a:r>
+              <a:rPr lang="ja-JP" altLang="en-US" smtClean="0"/>
+              <a:t>は</a:t>
+            </a:r>
+            <a:r>
+              <a:rPr lang="en-US" altLang="ja-JP" smtClean="0"/>
+              <a:t>storage-archive</a:t>
+            </a:r>
+            <a:r>
+              <a:rPr lang="ja-JP" altLang="en-US" smtClean="0"/>
+              <a:t>間</a:t>
+            </a:r>
+            <a:endParaRPr lang="en-US" altLang="ja-JP" smtClean="0"/>
+          </a:p>
+          <a:p>
+            <a:r>
+              <a:rPr lang="en-US" altLang="ja-JP" smtClean="0"/>
+              <a:t>log</a:t>
+            </a:r>
+            <a:r>
+              <a:rPr lang="ja-JP" altLang="en-US" smtClean="0"/>
+              <a:t>は</a:t>
+            </a:r>
+            <a:r>
+              <a:rPr lang="en-US" altLang="ja-JP" smtClean="0"/>
+              <a:t>proxy</a:t>
+            </a:r>
+            <a:r>
+              <a:rPr lang="ja-JP" altLang="en-US" smtClean="0"/>
+              <a:t>経由</a:t>
+            </a:r>
+            <a:endParaRPr lang="en-US" altLang="ja-JP" smtClean="0"/>
+          </a:p>
+          <a:p>
+            <a:r>
+              <a:rPr lang="en-US" altLang="ja-JP" smtClean="0"/>
+              <a:t>archive</a:t>
+            </a:r>
+            <a:r>
+              <a:rPr lang="ja-JP" altLang="en-US" smtClean="0"/>
+              <a:t>間も同様</a:t>
+            </a:r>
+            <a:endParaRPr lang="en-US" altLang="ja-JP" smtClean="0"/>
+          </a:p>
+        </p:txBody>
+      </p:sp>
+      <p:sp>
+        <p:nvSpPr>
+          <p:cNvPr id="15" name="正方形/長方形 14"/>
+          <p:cNvSpPr/>
+          <p:nvPr/>
+        </p:nvSpPr>
+        <p:spPr>
+          <a:xfrm>
+            <a:off x="1135839" y="3399383"/>
+            <a:ext cx="1656184" cy="389657"/>
+          </a:xfrm>
+          <a:prstGeom prst="rect">
+            <a:avLst/>
+          </a:prstGeom>
+          <a:solidFill>
+            <a:schemeClr val="accent5">
+              <a:lumMod val="20000"/>
+              <a:lumOff val="80000"/>
+            </a:schemeClr>
+          </a:solidFill>
+          <a:ln>
+            <a:noFill/>
+          </a:ln>
+        </p:spPr>
+        <p:style>
+          <a:lnRef idx="2">
+            <a:schemeClr val="accent1">
+              <a:shade val="50000"/>
+            </a:schemeClr>
+          </a:lnRef>
+          <a:fillRef idx="1">
+            <a:schemeClr val="accent1"/>
+          </a:fillRef>
+          <a:effectRef idx="0">
+            <a:schemeClr val="accent1"/>
+          </a:effectRef>
+          <a:fontRef idx="minor">
+            <a:schemeClr val="lt1"/>
+          </a:fontRef>
+        </p:style>
+        <p:txBody>
+          <a:bodyPr rtlCol="0" anchor="ctr"/>
+          <a:lstStyle/>
+          <a:p>
+            <a:pPr algn="ctr"/>
+            <a:r>
+              <a:rPr lang="en-US" altLang="ja-JP" sz="2400" smtClean="0">
+                <a:solidFill>
+                  <a:schemeClr val="tx1"/>
+                </a:solidFill>
+              </a:rPr>
+              <a:t>cybozu.com</a:t>
+            </a:r>
+            <a:endParaRPr kumimoji="1" lang="ja-JP" altLang="en-US" sz="2400">
+              <a:solidFill>
+                <a:schemeClr val="tx1"/>
+              </a:solidFill>
+            </a:endParaRPr>
+          </a:p>
+        </p:txBody>
+      </p:sp>
+      <p:cxnSp>
+        <p:nvCxnSpPr>
+          <p:cNvPr id="16" name="直線矢印コネクタ 15"/>
+          <p:cNvCxnSpPr/>
+          <p:nvPr/>
+        </p:nvCxnSpPr>
+        <p:spPr>
+          <a:xfrm>
+            <a:off x="1332637" y="3789040"/>
+            <a:ext cx="0" cy="518659"/>
+          </a:xfrm>
+          <a:prstGeom prst="straightConnector1">
+            <a:avLst/>
+          </a:prstGeom>
+          <a:ln w="60325">
+            <a:tailEnd type="arrow"/>
+          </a:ln>
+        </p:spPr>
+        <p:style>
+          <a:lnRef idx="1">
+            <a:schemeClr val="accent1"/>
+          </a:lnRef>
+          <a:fillRef idx="0">
+            <a:schemeClr val="accent1"/>
+          </a:fillRef>
+          <a:effectRef idx="0">
+            <a:schemeClr val="accent1"/>
+          </a:effectRef>
+          <a:fontRef idx="minor">
+            <a:schemeClr val="tx1"/>
+          </a:fontRef>
+        </p:style>
+      </p:cxnSp>
+      <p:cxnSp>
+        <p:nvCxnSpPr>
+          <p:cNvPr id="17" name="直線矢印コネクタ 16"/>
+          <p:cNvCxnSpPr>
+            <a:stCxn id="20" idx="3"/>
+            <a:endCxn id="27" idx="1"/>
+          </p:cNvCxnSpPr>
+          <p:nvPr/>
+        </p:nvCxnSpPr>
+        <p:spPr>
+          <a:xfrm flipV="1">
+            <a:off x="2766679" y="3695837"/>
+            <a:ext cx="1445281" cy="806691"/>
+          </a:xfrm>
+          <a:prstGeom prst="straightConnector1">
+            <a:avLst/>
+          </a:prstGeom>
+          <a:ln w="60325">
+            <a:solidFill>
+              <a:schemeClr val="accent1">
+                <a:lumMod val="20000"/>
+                <a:lumOff val="80000"/>
+              </a:schemeClr>
+            </a:solidFill>
+            <a:tailEnd type="arrow"/>
+          </a:ln>
+        </p:spPr>
+        <p:style>
+          <a:lnRef idx="1">
+            <a:schemeClr val="accent1"/>
+          </a:lnRef>
+          <a:fillRef idx="0">
+            <a:schemeClr val="accent1"/>
+          </a:fillRef>
+          <a:effectRef idx="0">
+            <a:schemeClr val="accent1"/>
+          </a:effectRef>
+          <a:fontRef idx="minor">
+            <a:schemeClr val="tx1"/>
+          </a:fontRef>
+        </p:style>
+      </p:cxnSp>
+      <p:cxnSp>
+        <p:nvCxnSpPr>
+          <p:cNvPr id="21" name="直線矢印コネクタ 20"/>
+          <p:cNvCxnSpPr/>
+          <p:nvPr/>
+        </p:nvCxnSpPr>
+        <p:spPr>
+          <a:xfrm flipV="1">
+            <a:off x="2556773" y="3789041"/>
+            <a:ext cx="0" cy="510040"/>
+          </a:xfrm>
+          <a:prstGeom prst="straightConnector1">
+            <a:avLst/>
+          </a:prstGeom>
+          <a:ln w="60325">
+            <a:solidFill>
+              <a:schemeClr val="accent2">
+                <a:lumMod val="60000"/>
+                <a:lumOff val="40000"/>
+              </a:schemeClr>
+            </a:solidFill>
+            <a:tailEnd type="arrow"/>
+          </a:ln>
+        </p:spPr>
+        <p:style>
+          <a:lnRef idx="1">
+            <a:schemeClr val="accent1"/>
+          </a:lnRef>
+          <a:fillRef idx="0">
+            <a:schemeClr val="accent1"/>
+          </a:fillRef>
+          <a:effectRef idx="0">
+            <a:schemeClr val="accent1"/>
+          </a:effectRef>
+          <a:fontRef idx="minor">
+            <a:schemeClr val="tx1"/>
+          </a:fontRef>
+        </p:style>
+      </p:cxnSp>
+      <p:cxnSp>
+        <p:nvCxnSpPr>
+          <p:cNvPr id="22" name="直線矢印コネクタ 21"/>
+          <p:cNvCxnSpPr>
+            <a:stCxn id="20" idx="3"/>
+            <a:endCxn id="29" idx="1"/>
+          </p:cNvCxnSpPr>
+          <p:nvPr/>
+        </p:nvCxnSpPr>
+        <p:spPr>
+          <a:xfrm>
+            <a:off x="2766679" y="4502528"/>
+            <a:ext cx="1449546" cy="0"/>
+          </a:xfrm>
+          <a:prstGeom prst="straightConnector1">
+            <a:avLst/>
+          </a:prstGeom>
+          <a:ln w="60325">
+            <a:tailEnd type="arrow"/>
+          </a:ln>
+        </p:spPr>
+        <p:style>
+          <a:lnRef idx="1">
+            <a:schemeClr val="accent1"/>
+          </a:lnRef>
+          <a:fillRef idx="0">
+            <a:schemeClr val="accent1"/>
+          </a:fillRef>
+          <a:effectRef idx="0">
+            <a:schemeClr val="accent1"/>
+          </a:effectRef>
+          <a:fontRef idx="minor">
+            <a:schemeClr val="tx1"/>
+          </a:fontRef>
+        </p:style>
+      </p:cxnSp>
+      <p:cxnSp>
+        <p:nvCxnSpPr>
+          <p:cNvPr id="25" name="直線矢印コネクタ 24"/>
+          <p:cNvCxnSpPr>
+            <a:stCxn id="29" idx="2"/>
+            <a:endCxn id="30" idx="0"/>
+          </p:cNvCxnSpPr>
+          <p:nvPr/>
+        </p:nvCxnSpPr>
+        <p:spPr>
+          <a:xfrm flipH="1">
+            <a:off x="3023828" y="4697356"/>
+            <a:ext cx="2020489" cy="841070"/>
+          </a:xfrm>
+          <a:prstGeom prst="straightConnector1">
+            <a:avLst/>
+          </a:prstGeom>
+          <a:ln w="60325">
+            <a:tailEnd type="arrow"/>
+          </a:ln>
+        </p:spPr>
+        <p:style>
+          <a:lnRef idx="1">
+            <a:schemeClr val="accent1"/>
+          </a:lnRef>
+          <a:fillRef idx="0">
+            <a:schemeClr val="accent1"/>
+          </a:fillRef>
+          <a:effectRef idx="0">
+            <a:schemeClr val="accent1"/>
+          </a:effectRef>
+          <a:fontRef idx="minor">
+            <a:schemeClr val="tx1"/>
+          </a:fontRef>
+        </p:style>
+      </p:cxnSp>
+      <p:sp>
+        <p:nvSpPr>
+          <p:cNvPr id="20" name="正方形/長方形 19"/>
+          <p:cNvSpPr/>
+          <p:nvPr/>
+        </p:nvSpPr>
+        <p:spPr>
+          <a:xfrm>
+            <a:off x="1110495" y="4307699"/>
+            <a:ext cx="1656184" cy="389657"/>
+          </a:xfrm>
+          <a:prstGeom prst="rect">
+            <a:avLst/>
+          </a:prstGeom>
+          <a:solidFill>
+            <a:schemeClr val="accent5">
+              <a:lumMod val="20000"/>
+              <a:lumOff val="80000"/>
+            </a:schemeClr>
+          </a:solidFill>
+          <a:ln>
+            <a:noFill/>
+          </a:ln>
+        </p:spPr>
+        <p:style>
+          <a:lnRef idx="2">
+            <a:schemeClr val="accent1">
+              <a:shade val="50000"/>
+            </a:schemeClr>
+          </a:lnRef>
+          <a:fillRef idx="1">
+            <a:schemeClr val="accent1"/>
+          </a:fillRef>
+          <a:effectRef idx="0">
+            <a:schemeClr val="accent1"/>
+          </a:effectRef>
+          <a:fontRef idx="minor">
+            <a:schemeClr val="lt1"/>
+          </a:fontRef>
+        </p:style>
+        <p:txBody>
+          <a:bodyPr rtlCol="0" anchor="ctr"/>
+          <a:lstStyle/>
+          <a:p>
+            <a:pPr algn="ctr"/>
+            <a:r>
+              <a:rPr lang="en-US" altLang="ja-JP" sz="2400" smtClean="0">
+                <a:solidFill>
+                  <a:schemeClr val="tx1"/>
+                </a:solidFill>
+              </a:rPr>
+              <a:t>storage</a:t>
+            </a:r>
+            <a:endParaRPr kumimoji="1" lang="ja-JP" altLang="en-US" sz="2400">
+              <a:solidFill>
+                <a:schemeClr val="tx1"/>
+              </a:solidFill>
+            </a:endParaRPr>
+          </a:p>
+        </p:txBody>
+      </p:sp>
+      <p:sp>
+        <p:nvSpPr>
+          <p:cNvPr id="27" name="正方形/長方形 26"/>
+          <p:cNvSpPr/>
+          <p:nvPr/>
+        </p:nvSpPr>
+        <p:spPr>
+          <a:xfrm>
+            <a:off x="4211960" y="3501008"/>
+            <a:ext cx="1656184" cy="389657"/>
+          </a:xfrm>
+          <a:prstGeom prst="rect">
+            <a:avLst/>
+          </a:prstGeom>
+          <a:solidFill>
+            <a:schemeClr val="accent5">
+              <a:lumMod val="20000"/>
+              <a:lumOff val="80000"/>
+            </a:schemeClr>
+          </a:solidFill>
+          <a:ln>
+            <a:noFill/>
+          </a:ln>
+        </p:spPr>
+        <p:style>
+          <a:lnRef idx="2">
+            <a:schemeClr val="accent1">
+              <a:shade val="50000"/>
+            </a:schemeClr>
+          </a:lnRef>
+          <a:fillRef idx="1">
+            <a:schemeClr val="accent1"/>
+          </a:fillRef>
+          <a:effectRef idx="0">
+            <a:schemeClr val="accent1"/>
+          </a:effectRef>
+          <a:fontRef idx="minor">
+            <a:schemeClr val="lt1"/>
+          </a:fontRef>
+        </p:style>
+        <p:txBody>
+          <a:bodyPr rtlCol="0" anchor="ctr"/>
+          <a:lstStyle/>
+          <a:p>
+            <a:pPr algn="ctr"/>
+            <a:r>
+              <a:rPr lang="en-US" altLang="ja-JP" sz="2400" smtClean="0">
+                <a:solidFill>
+                  <a:schemeClr val="tx1"/>
+                </a:solidFill>
+              </a:rPr>
+              <a:t>proxy2</a:t>
+            </a:r>
+            <a:endParaRPr kumimoji="1" lang="ja-JP" altLang="en-US" sz="2400">
+              <a:solidFill>
+                <a:schemeClr val="tx1"/>
+              </a:solidFill>
+            </a:endParaRPr>
+          </a:p>
+        </p:txBody>
+      </p:sp>
+      <p:sp>
+        <p:nvSpPr>
+          <p:cNvPr id="29" name="正方形/長方形 28"/>
+          <p:cNvSpPr/>
+          <p:nvPr/>
+        </p:nvSpPr>
+        <p:spPr>
+          <a:xfrm>
+            <a:off x="4216225" y="4307699"/>
+            <a:ext cx="1656184" cy="389657"/>
+          </a:xfrm>
+          <a:prstGeom prst="rect">
+            <a:avLst/>
+          </a:prstGeom>
+          <a:solidFill>
+            <a:schemeClr val="accent5">
+              <a:lumMod val="20000"/>
+              <a:lumOff val="80000"/>
+            </a:schemeClr>
+          </a:solidFill>
+          <a:ln>
+            <a:noFill/>
+          </a:ln>
+        </p:spPr>
+        <p:style>
+          <a:lnRef idx="2">
+            <a:schemeClr val="accent1">
+              <a:shade val="50000"/>
+            </a:schemeClr>
+          </a:lnRef>
+          <a:fillRef idx="1">
+            <a:schemeClr val="accent1"/>
+          </a:fillRef>
+          <a:effectRef idx="0">
+            <a:schemeClr val="accent1"/>
+          </a:effectRef>
+          <a:fontRef idx="minor">
+            <a:schemeClr val="lt1"/>
+          </a:fontRef>
+        </p:style>
+        <p:txBody>
+          <a:bodyPr rtlCol="0" anchor="ctr"/>
+          <a:lstStyle/>
+          <a:p>
+            <a:pPr algn="ctr"/>
+            <a:r>
+              <a:rPr lang="en-US" altLang="ja-JP" sz="2400" smtClean="0">
+                <a:solidFill>
+                  <a:schemeClr val="tx1"/>
+                </a:solidFill>
+              </a:rPr>
+              <a:t>proxy1</a:t>
+            </a:r>
+            <a:endParaRPr kumimoji="1" lang="ja-JP" altLang="en-US" sz="2400">
+              <a:solidFill>
+                <a:schemeClr val="tx1"/>
+              </a:solidFill>
+            </a:endParaRPr>
+          </a:p>
+        </p:txBody>
+      </p:sp>
+      <p:sp>
+        <p:nvSpPr>
+          <p:cNvPr id="30" name="正方形/長方形 29"/>
+          <p:cNvSpPr/>
+          <p:nvPr/>
+        </p:nvSpPr>
+        <p:spPr>
+          <a:xfrm>
+            <a:off x="2195736" y="5538426"/>
+            <a:ext cx="1656184" cy="389657"/>
+          </a:xfrm>
+          <a:prstGeom prst="rect">
+            <a:avLst/>
+          </a:prstGeom>
+          <a:solidFill>
+            <a:schemeClr val="accent5">
+              <a:lumMod val="20000"/>
+              <a:lumOff val="80000"/>
+            </a:schemeClr>
+          </a:solidFill>
+          <a:ln>
+            <a:noFill/>
+          </a:ln>
+        </p:spPr>
+        <p:style>
+          <a:lnRef idx="2">
+            <a:schemeClr val="accent1">
+              <a:shade val="50000"/>
+            </a:schemeClr>
+          </a:lnRef>
+          <a:fillRef idx="1">
+            <a:schemeClr val="accent1"/>
+          </a:fillRef>
+          <a:effectRef idx="0">
+            <a:schemeClr val="accent1"/>
+          </a:effectRef>
+          <a:fontRef idx="minor">
+            <a:schemeClr val="lt1"/>
+          </a:fontRef>
+        </p:style>
+        <p:txBody>
+          <a:bodyPr rtlCol="0" anchor="ctr"/>
+          <a:lstStyle/>
+          <a:p>
+            <a:pPr algn="ctr"/>
+            <a:r>
+              <a:rPr lang="en-US" altLang="ja-JP" sz="2400" smtClean="0">
+                <a:solidFill>
+                  <a:schemeClr val="tx1"/>
+                </a:solidFill>
+              </a:rPr>
+              <a:t>archive1</a:t>
+            </a:r>
+            <a:endParaRPr kumimoji="1" lang="ja-JP" altLang="en-US" sz="2400">
+              <a:solidFill>
+                <a:schemeClr val="tx1"/>
+              </a:solidFill>
+            </a:endParaRPr>
+          </a:p>
+        </p:txBody>
+      </p:sp>
+      <p:sp>
+        <p:nvSpPr>
+          <p:cNvPr id="31" name="正方形/長方形 30"/>
+          <p:cNvSpPr/>
+          <p:nvPr/>
+        </p:nvSpPr>
+        <p:spPr>
+          <a:xfrm>
+            <a:off x="5292080" y="5538425"/>
+            <a:ext cx="1656184" cy="389657"/>
+          </a:xfrm>
+          <a:prstGeom prst="rect">
+            <a:avLst/>
+          </a:prstGeom>
+          <a:solidFill>
+            <a:schemeClr val="accent5">
+              <a:lumMod val="20000"/>
+              <a:lumOff val="80000"/>
+            </a:schemeClr>
+          </a:solidFill>
+          <a:ln>
+            <a:noFill/>
+          </a:ln>
+        </p:spPr>
+        <p:style>
+          <a:lnRef idx="2">
+            <a:schemeClr val="accent1">
+              <a:shade val="50000"/>
+            </a:schemeClr>
+          </a:lnRef>
+          <a:fillRef idx="1">
+            <a:schemeClr val="accent1"/>
+          </a:fillRef>
+          <a:effectRef idx="0">
+            <a:schemeClr val="accent1"/>
+          </a:effectRef>
+          <a:fontRef idx="minor">
+            <a:schemeClr val="lt1"/>
+          </a:fontRef>
+        </p:style>
+        <p:txBody>
+          <a:bodyPr rtlCol="0" anchor="ctr"/>
+          <a:lstStyle/>
+          <a:p>
+            <a:pPr algn="ctr"/>
+            <a:r>
+              <a:rPr lang="en-US" altLang="ja-JP" sz="2400" smtClean="0">
+                <a:solidFill>
+                  <a:schemeClr val="tx1"/>
+                </a:solidFill>
+              </a:rPr>
+              <a:t>archive2</a:t>
+            </a:r>
+            <a:endParaRPr kumimoji="1" lang="ja-JP" altLang="en-US" sz="2400">
+              <a:solidFill>
+                <a:schemeClr val="tx1"/>
+              </a:solidFill>
+            </a:endParaRPr>
+          </a:p>
+        </p:txBody>
+      </p:sp>
+      <p:cxnSp>
+        <p:nvCxnSpPr>
+          <p:cNvPr id="32" name="直線矢印コネクタ 31"/>
+          <p:cNvCxnSpPr>
+            <a:endCxn id="30" idx="0"/>
+          </p:cNvCxnSpPr>
+          <p:nvPr/>
+        </p:nvCxnSpPr>
+        <p:spPr>
+          <a:xfrm>
+            <a:off x="1966157" y="4697356"/>
+            <a:ext cx="1057671" cy="841070"/>
+          </a:xfrm>
+          <a:prstGeom prst="straightConnector1">
+            <a:avLst/>
+          </a:prstGeom>
+          <a:ln w="60325">
+            <a:tailEnd type="arrow"/>
+          </a:ln>
+        </p:spPr>
+        <p:style>
+          <a:lnRef idx="1">
+            <a:schemeClr val="accent1"/>
+          </a:lnRef>
+          <a:fillRef idx="0">
+            <a:schemeClr val="accent1"/>
+          </a:fillRef>
+          <a:effectRef idx="0">
+            <a:schemeClr val="accent1"/>
+          </a:effectRef>
+          <a:fontRef idx="minor">
+            <a:schemeClr val="tx1"/>
+          </a:fontRef>
+        </p:style>
+      </p:cxnSp>
+      <p:sp>
+        <p:nvSpPr>
+          <p:cNvPr id="36" name="テキスト ボックス 35"/>
+          <p:cNvSpPr txBox="1"/>
+          <p:nvPr/>
+        </p:nvSpPr>
+        <p:spPr>
+          <a:xfrm>
+            <a:off x="3208633" y="4502527"/>
+            <a:ext cx="561372" cy="461665"/>
+          </a:xfrm>
+          <a:prstGeom prst="rect">
+            <a:avLst/>
+          </a:prstGeom>
+          <a:noFill/>
+        </p:spPr>
+        <p:txBody>
+          <a:bodyPr wrap="none" rtlCol="0">
+            <a:spAutoFit/>
+          </a:bodyPr>
+          <a:lstStyle/>
+          <a:p>
+            <a:r>
+              <a:rPr kumimoji="1" lang="en-US" altLang="ja-JP" sz="2400" smtClean="0"/>
+              <a:t>log</a:t>
+            </a:r>
+            <a:endParaRPr kumimoji="1" lang="ja-JP" altLang="en-US" sz="2400"/>
+          </a:p>
+        </p:txBody>
+      </p:sp>
+      <p:sp>
+        <p:nvSpPr>
+          <p:cNvPr id="37" name="テキスト ボックス 36"/>
+          <p:cNvSpPr txBox="1"/>
+          <p:nvPr/>
+        </p:nvSpPr>
+        <p:spPr>
+          <a:xfrm>
+            <a:off x="827584" y="4957021"/>
+            <a:ext cx="1549720" cy="461665"/>
+          </a:xfrm>
+          <a:prstGeom prst="rect">
+            <a:avLst/>
+          </a:prstGeom>
+          <a:noFill/>
+        </p:spPr>
+        <p:txBody>
+          <a:bodyPr wrap="none" rtlCol="0">
+            <a:spAutoFit/>
+          </a:bodyPr>
+          <a:lstStyle/>
+          <a:p>
+            <a:r>
+              <a:rPr kumimoji="1" lang="en-US" altLang="ja-JP" sz="2400" smtClean="0"/>
+              <a:t>full backup</a:t>
+            </a:r>
+          </a:p>
+        </p:txBody>
+      </p:sp>
+      <p:sp>
+        <p:nvSpPr>
+          <p:cNvPr id="38" name="テキスト ボックス 37"/>
+          <p:cNvSpPr txBox="1"/>
+          <p:nvPr/>
+        </p:nvSpPr>
+        <p:spPr>
+          <a:xfrm>
+            <a:off x="4139952" y="4911551"/>
+            <a:ext cx="603242" cy="461665"/>
+          </a:xfrm>
+          <a:prstGeom prst="rect">
+            <a:avLst/>
+          </a:prstGeom>
+          <a:noFill/>
+        </p:spPr>
+        <p:txBody>
+          <a:bodyPr wrap="none" rtlCol="0">
+            <a:spAutoFit/>
+          </a:bodyPr>
+          <a:lstStyle/>
+          <a:p>
+            <a:r>
+              <a:rPr kumimoji="1" lang="en-US" altLang="ja-JP" sz="2400" smtClean="0"/>
+              <a:t>diff</a:t>
+            </a:r>
+            <a:endParaRPr kumimoji="1" lang="ja-JP" altLang="en-US" sz="2400"/>
+          </a:p>
+        </p:txBody>
+      </p:sp>
+      <p:cxnSp>
+        <p:nvCxnSpPr>
+          <p:cNvPr id="42" name="直線矢印コネクタ 41"/>
+          <p:cNvCxnSpPr>
+            <a:stCxn id="30" idx="3"/>
+            <a:endCxn id="31" idx="1"/>
+          </p:cNvCxnSpPr>
+          <p:nvPr/>
+        </p:nvCxnSpPr>
+        <p:spPr>
+          <a:xfrm flipV="1">
+            <a:off x="3851920" y="5733254"/>
+            <a:ext cx="1440160" cy="1"/>
+          </a:xfrm>
+          <a:prstGeom prst="straightConnector1">
+            <a:avLst/>
+          </a:prstGeom>
+          <a:ln w="60325">
+            <a:tailEnd type="arrow"/>
+          </a:ln>
+        </p:spPr>
+        <p:style>
+          <a:lnRef idx="1">
+            <a:schemeClr val="accent1"/>
+          </a:lnRef>
+          <a:fillRef idx="0">
+            <a:schemeClr val="accent1"/>
+          </a:fillRef>
+          <a:effectRef idx="0">
+            <a:schemeClr val="accent1"/>
+          </a:effectRef>
+          <a:fontRef idx="minor">
+            <a:schemeClr val="tx1"/>
+          </a:fontRef>
+        </p:style>
+      </p:cxnSp>
+      <p:sp>
+        <p:nvSpPr>
+          <p:cNvPr id="45" name="テキスト ボックス 44"/>
+          <p:cNvSpPr txBox="1"/>
+          <p:nvPr/>
+        </p:nvSpPr>
+        <p:spPr>
+          <a:xfrm>
+            <a:off x="4242443" y="5790829"/>
+            <a:ext cx="603242" cy="461665"/>
+          </a:xfrm>
+          <a:prstGeom prst="rect">
+            <a:avLst/>
+          </a:prstGeom>
+          <a:noFill/>
+        </p:spPr>
+        <p:txBody>
+          <a:bodyPr wrap="none" rtlCol="0">
+            <a:spAutoFit/>
+          </a:bodyPr>
+          <a:lstStyle/>
+          <a:p>
+            <a:r>
+              <a:rPr kumimoji="1" lang="en-US" altLang="ja-JP" sz="2400" smtClean="0"/>
+              <a:t>diff</a:t>
+            </a:r>
+            <a:endParaRPr kumimoji="1" lang="ja-JP" altLang="en-US" sz="2400"/>
+          </a:p>
+        </p:txBody>
+      </p:sp>
+      <p:sp>
+        <p:nvSpPr>
+          <p:cNvPr id="5" name="スライド番号プレースホルダー 4"/>
+          <p:cNvSpPr>
+            <a:spLocks noGrp="1"/>
+          </p:cNvSpPr>
+          <p:nvPr>
+            <p:ph type="sldNum" sz="quarter" idx="12"/>
+          </p:nvPr>
+        </p:nvSpPr>
+        <p:spPr/>
+        <p:txBody>
+          <a:bodyPr/>
+          <a:lstStyle/>
+          <a:p>
+            <a:fld id="{2649E3F5-6F9D-4754-B6F9-50AE10FEA634}" type="slidenum">
+              <a:rPr lang="ja-JP" altLang="en-US" smtClean="0"/>
+              <a:pPr/>
+              <a:t>20</a:t>
+            </a:fld>
+            <a:r>
+              <a:rPr lang="en-US" altLang="ja-JP" smtClean="0"/>
+              <a:t>/30</a:t>
+            </a:r>
+            <a:endParaRPr lang="ja-JP" altLang="en-US"/>
+          </a:p>
+        </p:txBody>
+      </p:sp>
+    </p:spTree>
+    <p:extLst>
+      <p:ext uri="{BB962C8B-B14F-4D97-AF65-F5344CB8AC3E}">
+        <p14:creationId xmlns:p14="http://schemas.microsoft.com/office/powerpoint/2010/main" val="3596228185"/>
+      </p:ext>
+    </p:extLst>
+  </p:cSld>
+  <p:clrMapOvr>
+    <a:masterClrMapping/>
+  </p:clrMapOvr>
+  <p:timing>
+    <p:tnLst>
+      <p:par>
+        <p:cTn id="1" dur="indefinite" restart="never" nodeType="tmRoot"/>
+      </p:par>
+    </p:tnLst>
+  </p:timing>
+</p:sld>
+</file>
+
+<file path=ppt/slides/slide21.xml><?xml version="1.0" encoding="utf-8"?>
+<p:sld xmlns:a="http://schemas.openxmlformats.org/drawingml/2006/main" xmlns:r="http://schemas.openxmlformats.org/officeDocument/2006/relationships" xmlns:p="http://schemas.openxmlformats.org/presentationml/2006/main">
+  <p:cSld>
+    <p:spTree>
+      <p:nvGrpSpPr>
+        <p:cNvPr id="1" name=""/>
+        <p:cNvGrpSpPr/>
+        <p:nvPr/>
+      </p:nvGrpSpPr>
+      <p:grpSpPr>
+        <a:xfrm>
+          <a:off x="0" y="0"/>
+          <a:ext cx="0" cy="0"/>
+          <a:chOff x="0" y="0"/>
+          <a:chExt cx="0" cy="0"/>
+        </a:xfrm>
+      </p:grpSpPr>
+      <p:sp>
+        <p:nvSpPr>
+          <p:cNvPr id="2" name="タイトル 1"/>
+          <p:cNvSpPr>
+            <a:spLocks noGrp="1"/>
+          </p:cNvSpPr>
+          <p:nvPr>
+            <p:ph type="title"/>
+          </p:nvPr>
+        </p:nvSpPr>
+        <p:spPr/>
+        <p:txBody>
+          <a:bodyPr>
+            <a:normAutofit/>
+          </a:bodyPr>
+          <a:lstStyle/>
+          <a:p>
+            <a:r>
+              <a:rPr kumimoji="1" lang="en-US" altLang="ja-JP" smtClean="0"/>
+              <a:t>Hash </a:t>
+            </a:r>
+            <a:r>
+              <a:rPr lang="en-US" altLang="ja-JP" smtClean="0"/>
+              <a:t>backup</a:t>
+            </a:r>
+            <a:endParaRPr kumimoji="1" lang="ja-JP" altLang="en-US"/>
+          </a:p>
+        </p:txBody>
+      </p:sp>
+      <p:sp>
+        <p:nvSpPr>
+          <p:cNvPr id="3" name="コンテンツ プレースホルダー 2"/>
+          <p:cNvSpPr>
+            <a:spLocks noGrp="1"/>
+          </p:cNvSpPr>
+          <p:nvPr>
+            <p:ph idx="1"/>
+          </p:nvPr>
+        </p:nvSpPr>
+        <p:spPr/>
+        <p:txBody>
+          <a:bodyPr>
+            <a:normAutofit/>
+          </a:bodyPr>
+          <a:lstStyle/>
+          <a:p>
+            <a:r>
+              <a:rPr lang="ja-JP" altLang="en-US"/>
+              <a:t>滅多</a:t>
+            </a:r>
+            <a:r>
+              <a:rPr lang="ja-JP" altLang="en-US" smtClean="0"/>
+              <a:t>に起こらないが</a:t>
+            </a:r>
+            <a:endParaRPr lang="en-US" altLang="ja-JP" smtClean="0"/>
+          </a:p>
+          <a:p>
+            <a:pPr lvl="1"/>
+            <a:r>
+              <a:rPr lang="en-US" altLang="ja-JP"/>
+              <a:t>proxy</a:t>
+            </a:r>
+            <a:r>
+              <a:rPr lang="ja-JP" altLang="en-US"/>
+              <a:t>で一時退避したデータが飛んだ</a:t>
+            </a:r>
+            <a:endParaRPr lang="en-US" altLang="ja-JP"/>
+          </a:p>
+          <a:p>
+            <a:pPr lvl="1"/>
+            <a:r>
+              <a:rPr lang="en-US" altLang="ja-JP" smtClean="0"/>
+              <a:t>proxy</a:t>
+            </a:r>
+            <a:r>
+              <a:rPr lang="ja-JP" altLang="en-US" smtClean="0"/>
+              <a:t>が</a:t>
+            </a:r>
+            <a:r>
+              <a:rPr lang="ja-JP" altLang="en-US"/>
+              <a:t>全て</a:t>
+            </a:r>
+            <a:r>
+              <a:rPr lang="ja-JP" altLang="en-US" smtClean="0"/>
+              <a:t>止まり</a:t>
+            </a:r>
+            <a:r>
+              <a:rPr lang="ja-JP" altLang="en-US"/>
+              <a:t>復旧できずに</a:t>
+            </a:r>
+            <a:r>
+              <a:rPr lang="en-US" altLang="ja-JP" smtClean="0"/>
+              <a:t>log</a:t>
+            </a:r>
+            <a:r>
+              <a:rPr lang="ja-JP" altLang="en-US" smtClean="0"/>
+              <a:t>が溢れる</a:t>
+            </a:r>
+            <a:endParaRPr lang="en-US" altLang="ja-JP" smtClean="0"/>
+          </a:p>
+          <a:p>
+            <a:pPr lvl="2"/>
+            <a:r>
+              <a:rPr kumimoji="1" lang="en-US" altLang="ja-JP" smtClean="0"/>
+              <a:t>archive</a:t>
+            </a:r>
+            <a:r>
+              <a:rPr kumimoji="1" lang="ja-JP" altLang="en-US" smtClean="0"/>
+              <a:t>のデータが飛ぶと</a:t>
+            </a:r>
+            <a:r>
+              <a:rPr kumimoji="1" lang="en-US" altLang="ja-JP" smtClean="0"/>
+              <a:t>Full backup</a:t>
+            </a:r>
+            <a:r>
+              <a:rPr kumimoji="1" lang="ja-JP" altLang="en-US" smtClean="0"/>
+              <a:t>からやり直し</a:t>
+            </a:r>
+            <a:endParaRPr kumimoji="1" lang="en-US" altLang="ja-JP" smtClean="0"/>
+          </a:p>
+          <a:p>
+            <a:pPr lvl="1"/>
+            <a:r>
+              <a:rPr lang="ja-JP" altLang="en-US" smtClean="0"/>
+              <a:t>バックアップ</a:t>
+            </a:r>
+            <a:r>
+              <a:rPr lang="ja-JP" altLang="en-US"/>
+              <a:t>対象</a:t>
+            </a:r>
+            <a:r>
+              <a:rPr lang="ja-JP" altLang="en-US" smtClean="0"/>
+              <a:t>を切り換えるとき（後述）</a:t>
+            </a:r>
+            <a:endParaRPr lang="en-US" altLang="ja-JP" smtClean="0"/>
+          </a:p>
+          <a:p>
+            <a:r>
+              <a:rPr kumimoji="1" lang="en-US" altLang="ja-JP" smtClean="0"/>
+              <a:t>storage</a:t>
+            </a:r>
+            <a:r>
+              <a:rPr kumimoji="1" lang="ja-JP" altLang="en-US" smtClean="0"/>
+              <a:t>と</a:t>
+            </a:r>
+            <a:r>
+              <a:rPr kumimoji="1" lang="en-US" altLang="ja-JP" smtClean="0"/>
+              <a:t>archive</a:t>
+            </a:r>
+            <a:r>
+              <a:rPr kumimoji="1" lang="ja-JP" altLang="en-US" smtClean="0"/>
+              <a:t>間で持ってるデータの</a:t>
+            </a:r>
+            <a:r>
+              <a:rPr kumimoji="1" lang="en-US" altLang="ja-JP" smtClean="0"/>
+              <a:t>hash</a:t>
+            </a:r>
+            <a:r>
+              <a:rPr kumimoji="1" lang="ja-JP" altLang="en-US" smtClean="0"/>
+              <a:t>を比較し異なるものだけ転送</a:t>
+            </a:r>
+            <a:endParaRPr kumimoji="1" lang="en-US" altLang="ja-JP" smtClean="0"/>
+          </a:p>
+          <a:p>
+            <a:pPr marL="0" indent="0">
+              <a:buNone/>
+            </a:pPr>
+            <a:endParaRPr kumimoji="1" lang="ja-JP" altLang="en-US"/>
+          </a:p>
+        </p:txBody>
+      </p:sp>
+      <p:sp>
+        <p:nvSpPr>
+          <p:cNvPr id="19" name="正方形/長方形 18"/>
+          <p:cNvSpPr/>
+          <p:nvPr/>
+        </p:nvSpPr>
+        <p:spPr>
+          <a:xfrm>
+            <a:off x="755576" y="5517232"/>
+            <a:ext cx="1656184" cy="720080"/>
+          </a:xfrm>
+          <a:prstGeom prst="rect">
+            <a:avLst/>
+          </a:prstGeom>
+          <a:solidFill>
+            <a:schemeClr val="accent5">
+              <a:lumMod val="20000"/>
+              <a:lumOff val="80000"/>
+            </a:schemeClr>
+          </a:solidFill>
+          <a:ln>
+            <a:noFill/>
+          </a:ln>
+        </p:spPr>
+        <p:style>
+          <a:lnRef idx="2">
+            <a:schemeClr val="accent1">
+              <a:shade val="50000"/>
+            </a:schemeClr>
+          </a:lnRef>
+          <a:fillRef idx="1">
+            <a:schemeClr val="accent1"/>
+          </a:fillRef>
+          <a:effectRef idx="0">
+            <a:schemeClr val="accent1"/>
+          </a:effectRef>
+          <a:fontRef idx="minor">
+            <a:schemeClr val="lt1"/>
+          </a:fontRef>
+        </p:style>
+        <p:txBody>
+          <a:bodyPr rtlCol="0" anchor="ctr"/>
+          <a:lstStyle/>
+          <a:p>
+            <a:pPr algn="ctr"/>
+            <a:r>
+              <a:rPr lang="en-US" altLang="ja-JP" sz="2400" smtClean="0">
+                <a:solidFill>
+                  <a:schemeClr val="tx1"/>
+                </a:solidFill>
+              </a:rPr>
+              <a:t>storage</a:t>
+            </a:r>
+            <a:endParaRPr kumimoji="1" lang="ja-JP" altLang="en-US" sz="2400">
+              <a:solidFill>
+                <a:schemeClr val="tx1"/>
+              </a:solidFill>
+            </a:endParaRPr>
+          </a:p>
+        </p:txBody>
+      </p:sp>
+      <p:sp>
+        <p:nvSpPr>
+          <p:cNvPr id="20" name="正方形/長方形 19"/>
+          <p:cNvSpPr/>
+          <p:nvPr/>
+        </p:nvSpPr>
+        <p:spPr>
+          <a:xfrm>
+            <a:off x="6516837" y="5517232"/>
+            <a:ext cx="1656184" cy="720080"/>
+          </a:xfrm>
+          <a:prstGeom prst="rect">
+            <a:avLst/>
+          </a:prstGeom>
+          <a:solidFill>
+            <a:schemeClr val="accent5">
+              <a:lumMod val="20000"/>
+              <a:lumOff val="80000"/>
+            </a:schemeClr>
+          </a:solidFill>
+          <a:ln>
+            <a:noFill/>
+          </a:ln>
+        </p:spPr>
+        <p:style>
+          <a:lnRef idx="2">
+            <a:schemeClr val="accent1">
+              <a:shade val="50000"/>
+            </a:schemeClr>
+          </a:lnRef>
+          <a:fillRef idx="1">
+            <a:schemeClr val="accent1"/>
+          </a:fillRef>
+          <a:effectRef idx="0">
+            <a:schemeClr val="accent1"/>
+          </a:effectRef>
+          <a:fontRef idx="minor">
+            <a:schemeClr val="lt1"/>
+          </a:fontRef>
+        </p:style>
+        <p:txBody>
+          <a:bodyPr rtlCol="0" anchor="ctr"/>
+          <a:lstStyle/>
+          <a:p>
+            <a:pPr algn="ctr"/>
+            <a:r>
+              <a:rPr lang="en-US" altLang="ja-JP" sz="2400" smtClean="0">
+                <a:solidFill>
+                  <a:schemeClr val="tx1"/>
+                </a:solidFill>
+              </a:rPr>
+              <a:t>archive</a:t>
+            </a:r>
+            <a:endParaRPr kumimoji="1" lang="ja-JP" altLang="en-US" sz="2400">
+              <a:solidFill>
+                <a:schemeClr val="tx1"/>
+              </a:solidFill>
+            </a:endParaRPr>
+          </a:p>
+        </p:txBody>
+      </p:sp>
+      <p:cxnSp>
+        <p:nvCxnSpPr>
+          <p:cNvPr id="21" name="直線矢印コネクタ 20"/>
+          <p:cNvCxnSpPr/>
+          <p:nvPr/>
+        </p:nvCxnSpPr>
+        <p:spPr>
+          <a:xfrm>
+            <a:off x="2411760" y="5740649"/>
+            <a:ext cx="4105077" cy="0"/>
+          </a:xfrm>
+          <a:prstGeom prst="straightConnector1">
+            <a:avLst/>
+          </a:prstGeom>
+          <a:ln w="76200">
+            <a:tailEnd type="arrow"/>
+          </a:ln>
+        </p:spPr>
+        <p:style>
+          <a:lnRef idx="1">
+            <a:schemeClr val="accent1"/>
+          </a:lnRef>
+          <a:fillRef idx="0">
+            <a:schemeClr val="accent1"/>
+          </a:fillRef>
+          <a:effectRef idx="0">
+            <a:schemeClr val="accent1"/>
+          </a:effectRef>
+          <a:fontRef idx="minor">
+            <a:schemeClr val="tx1"/>
+          </a:fontRef>
+        </p:style>
+      </p:cxnSp>
+      <p:cxnSp>
+        <p:nvCxnSpPr>
+          <p:cNvPr id="24" name="直線矢印コネクタ 23"/>
+          <p:cNvCxnSpPr/>
+          <p:nvPr/>
+        </p:nvCxnSpPr>
+        <p:spPr>
+          <a:xfrm flipH="1">
+            <a:off x="2411760" y="6093296"/>
+            <a:ext cx="4080277" cy="0"/>
+          </a:xfrm>
+          <a:prstGeom prst="straightConnector1">
+            <a:avLst/>
+          </a:prstGeom>
+          <a:ln w="44450">
+            <a:tailEnd type="arrow"/>
+          </a:ln>
+        </p:spPr>
+        <p:style>
+          <a:lnRef idx="1">
+            <a:schemeClr val="accent1"/>
+          </a:lnRef>
+          <a:fillRef idx="0">
+            <a:schemeClr val="accent1"/>
+          </a:fillRef>
+          <a:effectRef idx="0">
+            <a:schemeClr val="accent1"/>
+          </a:effectRef>
+          <a:fontRef idx="minor">
+            <a:schemeClr val="tx1"/>
+          </a:fontRef>
+        </p:style>
+      </p:cxnSp>
+      <p:sp>
+        <p:nvSpPr>
+          <p:cNvPr id="8" name="テキスト ボックス 7"/>
+          <p:cNvSpPr txBox="1"/>
+          <p:nvPr/>
+        </p:nvSpPr>
+        <p:spPr>
+          <a:xfrm>
+            <a:off x="4162677" y="5278984"/>
+            <a:ext cx="603242" cy="461665"/>
+          </a:xfrm>
+          <a:prstGeom prst="rect">
+            <a:avLst/>
+          </a:prstGeom>
+          <a:noFill/>
+        </p:spPr>
+        <p:txBody>
+          <a:bodyPr wrap="none" rtlCol="0">
+            <a:spAutoFit/>
+          </a:bodyPr>
+          <a:lstStyle/>
+          <a:p>
+            <a:r>
+              <a:rPr kumimoji="1" lang="en-US" altLang="ja-JP" sz="2400" smtClean="0"/>
+              <a:t>diff</a:t>
+            </a:r>
+            <a:endParaRPr kumimoji="1" lang="ja-JP" altLang="en-US" sz="2400"/>
+          </a:p>
+        </p:txBody>
+      </p:sp>
+      <p:sp>
+        <p:nvSpPr>
+          <p:cNvPr id="9" name="テキスト ボックス 8"/>
+          <p:cNvSpPr txBox="1"/>
+          <p:nvPr/>
+        </p:nvSpPr>
+        <p:spPr>
+          <a:xfrm>
+            <a:off x="3563888" y="6093296"/>
+            <a:ext cx="2129109" cy="461665"/>
+          </a:xfrm>
+          <a:prstGeom prst="rect">
+            <a:avLst/>
+          </a:prstGeom>
+          <a:noFill/>
+        </p:spPr>
+        <p:txBody>
+          <a:bodyPr wrap="none" rtlCol="0">
+            <a:spAutoFit/>
+          </a:bodyPr>
+          <a:lstStyle/>
+          <a:p>
+            <a:r>
+              <a:rPr kumimoji="1" lang="en-US" altLang="ja-JP" sz="2400" smtClean="0"/>
+              <a:t>Hash</a:t>
+            </a:r>
+            <a:r>
+              <a:rPr kumimoji="1" lang="ja-JP" altLang="en-US" sz="2400" smtClean="0"/>
+              <a:t>値のリスト</a:t>
+            </a:r>
+            <a:endParaRPr kumimoji="1" lang="ja-JP" altLang="en-US" sz="2400"/>
+          </a:p>
+        </p:txBody>
+      </p:sp>
+      <p:sp>
+        <p:nvSpPr>
+          <p:cNvPr id="5" name="スライド番号プレースホルダー 4"/>
+          <p:cNvSpPr>
+            <a:spLocks noGrp="1"/>
+          </p:cNvSpPr>
+          <p:nvPr>
+            <p:ph type="sldNum" sz="quarter" idx="12"/>
+          </p:nvPr>
+        </p:nvSpPr>
+        <p:spPr/>
+        <p:txBody>
+          <a:bodyPr/>
+          <a:lstStyle/>
+          <a:p>
+            <a:fld id="{2649E3F5-6F9D-4754-B6F9-50AE10FEA634}" type="slidenum">
+              <a:rPr lang="ja-JP" altLang="en-US" smtClean="0"/>
+              <a:pPr/>
+              <a:t>21</a:t>
+            </a:fld>
+            <a:r>
+              <a:rPr lang="en-US" altLang="ja-JP" smtClean="0"/>
+              <a:t>/30</a:t>
+            </a:r>
+            <a:endParaRPr lang="ja-JP" altLang="en-US"/>
+          </a:p>
+        </p:txBody>
+      </p:sp>
+    </p:spTree>
+    <p:extLst>
+      <p:ext uri="{BB962C8B-B14F-4D97-AF65-F5344CB8AC3E}">
+        <p14:creationId xmlns:p14="http://schemas.microsoft.com/office/powerpoint/2010/main" val="1574473057"/>
+      </p:ext>
+    </p:extLst>
+  </p:cSld>
+  <p:clrMapOvr>
+    <a:masterClrMapping/>
+  </p:clrMapOvr>
+  <p:timing>
+    <p:tnLst>
+      <p:par>
+        <p:cTn id="1" dur="indefinite" restart="never" nodeType="tmRoot"/>
+      </p:par>
+    </p:tnLst>
+  </p:timing>
+</p:sld>
+</file>
+
+<file path=ppt/slides/slide22.xml><?xml version="1.0" encoding="utf-8"?>
+<p:sld xmlns:a="http://schemas.openxmlformats.org/drawingml/2006/main" xmlns:r="http://schemas.openxmlformats.org/officeDocument/2006/relationships" xmlns:p="http://schemas.openxmlformats.org/presentationml/2006/main">
+  <p:cSld>
+    <p:spTree>
+      <p:nvGrpSpPr>
+        <p:cNvPr id="1" name=""/>
+        <p:cNvGrpSpPr/>
+        <p:nvPr/>
+      </p:nvGrpSpPr>
+      <p:grpSpPr>
+        <a:xfrm>
+          <a:off x="0" y="0"/>
+          <a:ext cx="0" cy="0"/>
+          <a:chOff x="0" y="0"/>
+          <a:chExt cx="0" cy="0"/>
+        </a:xfrm>
+      </p:grpSpPr>
+      <p:sp>
+        <p:nvSpPr>
+          <p:cNvPr id="2" name="タイトル 1"/>
+          <p:cNvSpPr>
+            <a:spLocks noGrp="1"/>
+          </p:cNvSpPr>
+          <p:nvPr>
+            <p:ph type="title"/>
+          </p:nvPr>
+        </p:nvSpPr>
+        <p:spPr/>
+        <p:txBody>
+          <a:bodyPr/>
+          <a:lstStyle/>
+          <a:p>
+            <a:r>
               <a:rPr kumimoji="1" lang="ja-JP" altLang="en-US" smtClean="0"/>
               <a:t>全体構成</a:t>
             </a:r>
@@ -12225,6 +13872,34 @@
           </a:fontRef>
         </p:style>
       </p:cxnSp>
+      <p:sp>
+        <p:nvSpPr>
+          <p:cNvPr id="9" name="スライド番号プレースホルダー 8"/>
+          <p:cNvSpPr>
+            <a:spLocks noGrp="1"/>
+          </p:cNvSpPr>
+          <p:nvPr>
+            <p:ph type="sldNum" sz="quarter" idx="12"/>
+          </p:nvPr>
+        </p:nvSpPr>
+        <p:spPr/>
+        <p:txBody>
+          <a:bodyPr/>
+          <a:lstStyle/>
+          <a:p>
+            <a:fld id="{2649E3F5-6F9D-4754-B6F9-50AE10FEA634}" type="slidenum">
+              <a:rPr lang="ja-JP" altLang="en-US" smtClean="0"/>
+              <a:pPr/>
+              <a:t>22</a:t>
+            </a:fld>
+            <a:r>
+              <a:rPr lang="en-US" altLang="ja-JP" smtClean="0"/>
+              <a:t>/30</a:t>
+            </a:r>
+            <a:endParaRPr lang="ja-JP" altLang="en-US"/>
+          </a:p>
+        </p:txBody>
+      </p:sp>
     </p:spTree>
     <p:extLst>
       <p:ext uri="{BB962C8B-B14F-4D97-AF65-F5344CB8AC3E}">
@@ -12245,7 +13920,7 @@
 </p:sld>
 </file>
 
-<file path=ppt/slides/slide21.xml><?xml version="1.0" encoding="utf-8"?>
+<file path=ppt/slides/slide23.xml><?xml version="1.0" encoding="utf-8"?>
 <p:sld xmlns:a="http://schemas.openxmlformats.org/drawingml/2006/main" xmlns:r="http://schemas.openxmlformats.org/officeDocument/2006/relationships" xmlns:p="http://schemas.openxmlformats.org/presentationml/2006/main">
   <p:cSld>
     <p:spTree>
@@ -13141,6 +14816,34 @@
           </p:sp>
         </mc:Fallback>
       </mc:AlternateContent>
+      <p:sp>
+        <p:nvSpPr>
+          <p:cNvPr id="21" name="スライド番号プレースホルダー 20"/>
+          <p:cNvSpPr>
+            <a:spLocks noGrp="1"/>
+          </p:cNvSpPr>
+          <p:nvPr>
+            <p:ph type="sldNum" sz="quarter" idx="12"/>
+          </p:nvPr>
+        </p:nvSpPr>
+        <p:spPr/>
+        <p:txBody>
+          <a:bodyPr/>
+          <a:lstStyle/>
+          <a:p>
+            <a:fld id="{2649E3F5-6F9D-4754-B6F9-50AE10FEA634}" type="slidenum">
+              <a:rPr lang="ja-JP" altLang="en-US" smtClean="0"/>
+              <a:pPr/>
+              <a:t>23</a:t>
+            </a:fld>
+            <a:r>
+              <a:rPr lang="en-US" altLang="ja-JP" smtClean="0"/>
+              <a:t>/30</a:t>
+            </a:r>
+            <a:endParaRPr lang="ja-JP" altLang="en-US"/>
+          </a:p>
+        </p:txBody>
+      </p:sp>
     </p:spTree>
     <p:extLst>
       <p:ext uri="{BB962C8B-B14F-4D97-AF65-F5344CB8AC3E}">
@@ -13154,7 +14857,7 @@
 </p:sld>
 </file>
 
-<file path=ppt/slides/slide22.xml><?xml version="1.0" encoding="utf-8"?>
+<file path=ppt/slides/slide24.xml><?xml version="1.0" encoding="utf-8"?>
 <p:sld xmlns:a="http://schemas.openxmlformats.org/drawingml/2006/main" xmlns:r="http://schemas.openxmlformats.org/officeDocument/2006/relationships" xmlns:p="http://schemas.openxmlformats.org/presentationml/2006/main">
   <p:cSld>
     <p:spTree>
@@ -13296,6 +14999,34 @@
               <a:t>協調動作</a:t>
             </a:r>
             <a:endParaRPr kumimoji="1" lang="ja-JP" altLang="en-US"/>
+          </a:p>
+        </p:txBody>
+      </p:sp>
+      <p:sp>
+        <p:nvSpPr>
+          <p:cNvPr id="5" name="スライド番号プレースホルダー 4"/>
+          <p:cNvSpPr>
+            <a:spLocks noGrp="1"/>
+          </p:cNvSpPr>
+          <p:nvPr>
+            <p:ph type="sldNum" sz="quarter" idx="12"/>
+          </p:nvPr>
+        </p:nvSpPr>
+        <p:spPr/>
+        <p:txBody>
+          <a:bodyPr/>
+          <a:lstStyle/>
+          <a:p>
+            <a:fld id="{2649E3F5-6F9D-4754-B6F9-50AE10FEA634}" type="slidenum">
+              <a:rPr lang="ja-JP" altLang="en-US" smtClean="0"/>
+              <a:pPr/>
+              <a:t>24</a:t>
+            </a:fld>
+            <a:r>
+              <a:rPr lang="en-US" altLang="ja-JP" smtClean="0"/>
+              <a:t>/30</a:t>
+            </a:r>
+            <a:endParaRPr lang="ja-JP" altLang="en-US"/>
           </a:p>
         </p:txBody>
       </p:sp>
@@ -13319,7 +15050,268 @@
 </p:sld>
 </file>
 
-<file path=ppt/slides/slide23.xml><?xml version="1.0" encoding="utf-8"?>
+<file path=ppt/slides/slide25.xml><?xml version="1.0" encoding="utf-8"?>
+<p:sld xmlns:a="http://schemas.openxmlformats.org/drawingml/2006/main" xmlns:r="http://schemas.openxmlformats.org/officeDocument/2006/relationships" xmlns:p="http://schemas.openxmlformats.org/presentationml/2006/main">
+  <p:cSld>
+    <p:spTree>
+      <p:nvGrpSpPr>
+        <p:cNvPr id="1" name=""/>
+        <p:cNvGrpSpPr/>
+        <p:nvPr/>
+      </p:nvGrpSpPr>
+      <p:grpSpPr>
+        <a:xfrm>
+          <a:off x="0" y="0"/>
+          <a:ext cx="0" cy="0"/>
+          <a:chOff x="0" y="0"/>
+          <a:chExt cx="0" cy="0"/>
+        </a:xfrm>
+      </p:grpSpPr>
+      <p:sp>
+        <p:nvSpPr>
+          <p:cNvPr id="2" name="タイトル 1"/>
+          <p:cNvSpPr>
+            <a:spLocks noGrp="1"/>
+          </p:cNvSpPr>
+          <p:nvPr>
+            <p:ph type="title"/>
+          </p:nvPr>
+        </p:nvSpPr>
+        <p:spPr/>
+        <p:txBody>
+          <a:bodyPr/>
+          <a:lstStyle/>
+          <a:p>
+            <a:r>
+              <a:rPr kumimoji="1" lang="ja-JP" altLang="en-US" smtClean="0"/>
+              <a:t>バグがいっぱい</a:t>
+            </a:r>
+            <a:endParaRPr kumimoji="1" lang="ja-JP" altLang="en-US"/>
+          </a:p>
+        </p:txBody>
+      </p:sp>
+      <p:sp>
+        <p:nvSpPr>
+          <p:cNvPr id="3" name="コンテンツ プレースホルダー 2"/>
+          <p:cNvSpPr>
+            <a:spLocks noGrp="1"/>
+          </p:cNvSpPr>
+          <p:nvPr>
+            <p:ph idx="1"/>
+          </p:nvPr>
+        </p:nvSpPr>
+        <p:spPr/>
+        <p:txBody>
+          <a:bodyPr>
+            <a:normAutofit fontScale="92500" lnSpcReduction="10000"/>
+          </a:bodyPr>
+          <a:lstStyle/>
+          <a:p>
+            <a:r>
+              <a:rPr lang="ja-JP" altLang="en-US"/>
+              <a:t>テストする</a:t>
+            </a:r>
+            <a:r>
+              <a:rPr lang="ja-JP" altLang="en-US"/>
+              <a:t>たび</a:t>
+            </a:r>
+            <a:r>
+              <a:rPr lang="ja-JP" altLang="en-US" smtClean="0"/>
+              <a:t>に</a:t>
+            </a:r>
+            <a:r>
+              <a:rPr lang="ja-JP" altLang="en-US"/>
+              <a:t>新た</a:t>
+            </a:r>
+            <a:r>
+              <a:rPr lang="ja-JP" altLang="en-US" smtClean="0"/>
+              <a:t>なバグ</a:t>
+            </a:r>
+            <a:endParaRPr lang="en-US" altLang="ja-JP" smtClean="0"/>
+          </a:p>
+          <a:p>
+            <a:pPr lvl="1"/>
+            <a:r>
+              <a:rPr kumimoji="1" lang="en-US" altLang="ja-JP" smtClean="0"/>
+              <a:t>WalB</a:t>
+            </a:r>
+            <a:r>
+              <a:rPr kumimoji="1" lang="ja-JP" altLang="en-US" smtClean="0"/>
+              <a:t>自体のバグ</a:t>
+            </a:r>
+            <a:endParaRPr kumimoji="1" lang="en-US" altLang="ja-JP" smtClean="0"/>
+          </a:p>
+          <a:p>
+            <a:pPr lvl="1"/>
+            <a:r>
+              <a:rPr lang="en-US" altLang="ja-JP" smtClean="0"/>
+              <a:t>kernel</a:t>
+            </a:r>
+            <a:r>
+              <a:rPr lang="ja-JP" altLang="en-US" smtClean="0"/>
+              <a:t>が新しくなると</a:t>
+            </a:r>
+            <a:r>
+              <a:rPr lang="en-US" altLang="ja-JP" smtClean="0"/>
+              <a:t>driver</a:t>
+            </a:r>
+            <a:r>
+              <a:rPr lang="ja-JP" altLang="en-US" smtClean="0"/>
+              <a:t>をコンパイルできない</a:t>
+            </a:r>
+            <a:endParaRPr lang="en-US" altLang="ja-JP" smtClean="0"/>
+          </a:p>
+          <a:p>
+            <a:pPr lvl="1"/>
+            <a:r>
+              <a:rPr lang="en-US" altLang="ja-JP" smtClean="0"/>
+              <a:t>kernel</a:t>
+            </a:r>
+            <a:r>
+              <a:rPr lang="ja-JP" altLang="en-US" smtClean="0"/>
+              <a:t>のバグ</a:t>
+            </a:r>
+            <a:endParaRPr lang="en-US" altLang="ja-JP" smtClean="0"/>
+          </a:p>
+          <a:p>
+            <a:pPr lvl="2"/>
+            <a:r>
+              <a:rPr lang="en-US" altLang="ja-JP" smtClean="0"/>
+              <a:t>LVM</a:t>
+            </a:r>
+            <a:r>
+              <a:rPr lang="ja-JP" altLang="en-US" smtClean="0"/>
+              <a:t>のバグ</a:t>
+            </a:r>
+            <a:endParaRPr lang="en-US" altLang="ja-JP" smtClean="0"/>
+          </a:p>
+          <a:p>
+            <a:pPr lvl="2"/>
+            <a:r>
+              <a:rPr lang="en-US" altLang="ja-JP" smtClean="0"/>
+              <a:t>KVM</a:t>
+            </a:r>
+            <a:r>
+              <a:rPr lang="ja-JP" altLang="en-US" smtClean="0"/>
+              <a:t>のバグ</a:t>
+            </a:r>
+            <a:endParaRPr lang="en-US" altLang="ja-JP" smtClean="0"/>
+          </a:p>
+          <a:p>
+            <a:pPr lvl="2"/>
+            <a:r>
+              <a:rPr lang="en-US" altLang="ja-JP" smtClean="0"/>
+              <a:t>ext4</a:t>
+            </a:r>
+            <a:r>
+              <a:rPr lang="ja-JP" altLang="en-US" smtClean="0"/>
+              <a:t>のバグっぽい挙動（</a:t>
+            </a:r>
+            <a:r>
+              <a:rPr lang="en-US" altLang="ja-JP" smtClean="0"/>
+              <a:t>?</a:t>
+            </a:r>
+            <a:r>
+              <a:rPr lang="ja-JP" altLang="en-US" smtClean="0"/>
+              <a:t>）</a:t>
+            </a:r>
+            <a:endParaRPr lang="en-US" altLang="ja-JP" smtClean="0"/>
+          </a:p>
+          <a:p>
+            <a:pPr lvl="1"/>
+            <a:r>
+              <a:rPr lang="en-US" altLang="ja-JP" smtClean="0"/>
+              <a:t>gdb</a:t>
+            </a:r>
+            <a:r>
+              <a:rPr lang="ja-JP" altLang="en-US" smtClean="0"/>
+              <a:t>のバグ</a:t>
+            </a:r>
+            <a:endParaRPr lang="en-US" altLang="ja-JP" smtClean="0"/>
+          </a:p>
+          <a:p>
+            <a:pPr lvl="2"/>
+            <a:r>
+              <a:rPr lang="ja-JP" altLang="en-US"/>
+              <a:t>起動</a:t>
+            </a:r>
+            <a:r>
+              <a:rPr lang="ja-JP" altLang="en-US"/>
+              <a:t>する</a:t>
+            </a:r>
+            <a:r>
+              <a:rPr lang="ja-JP" altLang="en-US" smtClean="0"/>
+              <a:t>だけで</a:t>
+            </a:r>
+            <a:r>
+              <a:rPr lang="en-US" altLang="ja-JP" smtClean="0"/>
+              <a:t>gdb</a:t>
+            </a:r>
+            <a:r>
+              <a:rPr lang="ja-JP" altLang="en-US" smtClean="0"/>
+              <a:t>が</a:t>
+            </a:r>
+            <a:r>
+              <a:rPr lang="en-US" altLang="ja-JP" smtClean="0"/>
+              <a:t>SEGV</a:t>
+            </a:r>
+          </a:p>
+          <a:p>
+            <a:pPr lvl="1"/>
+            <a:r>
+              <a:rPr lang="en-US" altLang="ja-JP" smtClean="0"/>
+              <a:t>gcc</a:t>
+            </a:r>
+            <a:r>
+              <a:rPr lang="ja-JP" altLang="en-US" smtClean="0"/>
+              <a:t>のバグ</a:t>
+            </a:r>
+            <a:endParaRPr lang="en-US" altLang="ja-JP" smtClean="0"/>
+          </a:p>
+        </p:txBody>
+      </p:sp>
+      <p:sp>
+        <p:nvSpPr>
+          <p:cNvPr id="5" name="スライド番号プレースホルダー 4"/>
+          <p:cNvSpPr>
+            <a:spLocks noGrp="1"/>
+          </p:cNvSpPr>
+          <p:nvPr>
+            <p:ph type="sldNum" sz="quarter" idx="12"/>
+          </p:nvPr>
+        </p:nvSpPr>
+        <p:spPr/>
+        <p:txBody>
+          <a:bodyPr/>
+          <a:lstStyle/>
+          <a:p>
+            <a:fld id="{2649E3F5-6F9D-4754-B6F9-50AE10FEA634}" type="slidenum">
+              <a:rPr lang="ja-JP" altLang="en-US" smtClean="0"/>
+              <a:pPr/>
+              <a:t>25</a:t>
+            </a:fld>
+            <a:r>
+              <a:rPr lang="en-US" altLang="ja-JP" smtClean="0"/>
+              <a:t>/30</a:t>
+            </a:r>
+            <a:endParaRPr lang="ja-JP" altLang="en-US"/>
+          </a:p>
+        </p:txBody>
+      </p:sp>
+    </p:spTree>
+    <p:extLst>
+      <p:ext uri="{BB962C8B-B14F-4D97-AF65-F5344CB8AC3E}">
+        <p14:creationId xmlns:p14="http://schemas.microsoft.com/office/powerpoint/2010/main" val="110683992"/>
+      </p:ext>
+    </p:extLst>
+  </p:cSld>
+  <p:clrMapOvr>
+    <a:masterClrMapping/>
+  </p:clrMapOvr>
+</p:sld>
+</file>
+
+<file path=ppt/slides/slide26.xml><?xml version="1.0" encoding="utf-8"?>
 <p:sld xmlns:a="http://schemas.openxmlformats.org/drawingml/2006/main" xmlns:r="http://schemas.openxmlformats.org/officeDocument/2006/relationships" xmlns:p="http://schemas.openxmlformats.org/presentationml/2006/main">
   <p:cSld>
     <p:spTree>
@@ -14322,6 +16314,34 @@
           </a:p>
         </p:txBody>
       </p:sp>
+      <p:sp>
+        <p:nvSpPr>
+          <p:cNvPr id="4" name="スライド番号プレースホルダー 3"/>
+          <p:cNvSpPr>
+            <a:spLocks noGrp="1"/>
+          </p:cNvSpPr>
+          <p:nvPr>
+            <p:ph type="sldNum" sz="quarter" idx="12"/>
+          </p:nvPr>
+        </p:nvSpPr>
+        <p:spPr/>
+        <p:txBody>
+          <a:bodyPr/>
+          <a:lstStyle/>
+          <a:p>
+            <a:fld id="{2649E3F5-6F9D-4754-B6F9-50AE10FEA634}" type="slidenum">
+              <a:rPr lang="ja-JP" altLang="en-US" smtClean="0"/>
+              <a:pPr/>
+              <a:t>26</a:t>
+            </a:fld>
+            <a:r>
+              <a:rPr lang="en-US" altLang="ja-JP" smtClean="0"/>
+              <a:t>/30</a:t>
+            </a:r>
+            <a:endParaRPr lang="ja-JP" altLang="en-US"/>
+          </a:p>
+        </p:txBody>
+      </p:sp>
     </p:spTree>
     <p:extLst>
       <p:ext uri="{BB962C8B-B14F-4D97-AF65-F5344CB8AC3E}">
@@ -14342,7 +16362,7 @@
 </p:sld>
 </file>
 
-<file path=ppt/slides/slide24.xml><?xml version="1.0" encoding="utf-8"?>
+<file path=ppt/slides/slide27.xml><?xml version="1.0" encoding="utf-8"?>
 <p:sld xmlns:a="http://schemas.openxmlformats.org/drawingml/2006/main" xmlns:r="http://schemas.openxmlformats.org/officeDocument/2006/relationships" xmlns:p="http://schemas.openxmlformats.org/presentationml/2006/main">
   <p:cSld>
     <p:spTree>
@@ -15037,6 +17057,34 @@
           </a:p>
         </p:txBody>
       </p:sp>
+      <p:sp>
+        <p:nvSpPr>
+          <p:cNvPr id="11" name="スライド番号プレースホルダー 10"/>
+          <p:cNvSpPr>
+            <a:spLocks noGrp="1"/>
+          </p:cNvSpPr>
+          <p:nvPr>
+            <p:ph type="sldNum" sz="quarter" idx="12"/>
+          </p:nvPr>
+        </p:nvSpPr>
+        <p:spPr/>
+        <p:txBody>
+          <a:bodyPr/>
+          <a:lstStyle/>
+          <a:p>
+            <a:fld id="{2649E3F5-6F9D-4754-B6F9-50AE10FEA634}" type="slidenum">
+              <a:rPr lang="ja-JP" altLang="en-US" smtClean="0"/>
+              <a:pPr/>
+              <a:t>27</a:t>
+            </a:fld>
+            <a:r>
+              <a:rPr lang="en-US" altLang="ja-JP" smtClean="0"/>
+              <a:t>/30</a:t>
+            </a:r>
+            <a:endParaRPr lang="ja-JP" altLang="en-US"/>
+          </a:p>
+        </p:txBody>
+      </p:sp>
     </p:spTree>
     <p:extLst>
       <p:ext uri="{BB962C8B-B14F-4D97-AF65-F5344CB8AC3E}">
@@ -15057,7 +17105,7 @@
 </p:sld>
 </file>
 
-<file path=ppt/slides/slide25.xml><?xml version="1.0" encoding="utf-8"?>
+<file path=ppt/slides/slide28.xml><?xml version="1.0" encoding="utf-8"?>
 <p:sld xmlns:a="http://schemas.openxmlformats.org/drawingml/2006/main" xmlns:r="http://schemas.openxmlformats.org/officeDocument/2006/relationships" xmlns:p="http://schemas.openxmlformats.org/presentationml/2006/main">
   <p:cSld>
     <p:spTree>
@@ -15357,6 +17405,34 @@
           </a:p>
         </p:txBody>
       </p:sp>
+      <p:sp>
+        <p:nvSpPr>
+          <p:cNvPr id="5" name="スライド番号プレースホルダー 4"/>
+          <p:cNvSpPr>
+            <a:spLocks noGrp="1"/>
+          </p:cNvSpPr>
+          <p:nvPr>
+            <p:ph type="sldNum" sz="quarter" idx="12"/>
+          </p:nvPr>
+        </p:nvSpPr>
+        <p:spPr/>
+        <p:txBody>
+          <a:bodyPr/>
+          <a:lstStyle/>
+          <a:p>
+            <a:fld id="{2649E3F5-6F9D-4754-B6F9-50AE10FEA634}" type="slidenum">
+              <a:rPr lang="ja-JP" altLang="en-US" smtClean="0"/>
+              <a:pPr/>
+              <a:t>28</a:t>
+            </a:fld>
+            <a:r>
+              <a:rPr lang="en-US" altLang="ja-JP" smtClean="0"/>
+              <a:t>/30</a:t>
+            </a:r>
+            <a:endParaRPr lang="ja-JP" altLang="en-US"/>
+          </a:p>
+        </p:txBody>
+      </p:sp>
     </p:spTree>
     <p:extLst>
       <p:ext uri="{BB962C8B-B14F-4D97-AF65-F5344CB8AC3E}">
@@ -15370,7 +17446,7 @@
 </p:sld>
 </file>
 
-<file path=ppt/slides/slide26.xml><?xml version="1.0" encoding="utf-8"?>
+<file path=ppt/slides/slide29.xml><?xml version="1.0" encoding="utf-8"?>
 <p:sld xmlns:a="http://schemas.openxmlformats.org/drawingml/2006/main" xmlns:r="http://schemas.openxmlformats.org/officeDocument/2006/relationships" xmlns:p="http://schemas.openxmlformats.org/presentationml/2006/main">
   <p:cSld>
     <p:spTree>
@@ -15513,6 +17589,34 @@
               <a:t>たちと話す</a:t>
             </a:r>
             <a:endParaRPr kumimoji="1" lang="ja-JP" altLang="en-US"/>
+          </a:p>
+        </p:txBody>
+      </p:sp>
+      <p:sp>
+        <p:nvSpPr>
+          <p:cNvPr id="5" name="スライド番号プレースホルダー 4"/>
+          <p:cNvSpPr>
+            <a:spLocks noGrp="1"/>
+          </p:cNvSpPr>
+          <p:nvPr>
+            <p:ph type="sldNum" sz="quarter" idx="12"/>
+          </p:nvPr>
+        </p:nvSpPr>
+        <p:spPr/>
+        <p:txBody>
+          <a:bodyPr/>
+          <a:lstStyle/>
+          <a:p>
+            <a:fld id="{2649E3F5-6F9D-4754-B6F9-50AE10FEA634}" type="slidenum">
+              <a:rPr lang="ja-JP" altLang="en-US" smtClean="0"/>
+              <a:pPr/>
+              <a:t>29</a:t>
+            </a:fld>
+            <a:r>
+              <a:rPr lang="en-US" altLang="ja-JP" smtClean="0"/>
+              <a:t>/30</a:t>
+            </a:r>
+            <a:endParaRPr lang="ja-JP" altLang="en-US"/>
           </a:p>
         </p:txBody>
       </p:sp>
@@ -15536,7 +17640,500 @@
 </p:sld>
 </file>
 
-<file path=ppt/slides/slide27.xml><?xml version="1.0" encoding="utf-8"?>
+<file path=ppt/slides/slide3.xml><?xml version="1.0" encoding="utf-8"?>
+<p:sld xmlns:a="http://schemas.openxmlformats.org/drawingml/2006/main" xmlns:r="http://schemas.openxmlformats.org/officeDocument/2006/relationships" xmlns:p="http://schemas.openxmlformats.org/presentationml/2006/main">
+  <p:cSld>
+    <p:spTree>
+      <p:nvGrpSpPr>
+        <p:cNvPr id="1" name=""/>
+        <p:cNvGrpSpPr/>
+        <p:nvPr/>
+      </p:nvGrpSpPr>
+      <p:grpSpPr>
+        <a:xfrm>
+          <a:off x="0" y="0"/>
+          <a:ext cx="0" cy="0"/>
+          <a:chOff x="0" y="0"/>
+          <a:chExt cx="0" cy="0"/>
+        </a:xfrm>
+      </p:grpSpPr>
+      <p:sp>
+        <p:nvSpPr>
+          <p:cNvPr id="2" name="タイトル 1"/>
+          <p:cNvSpPr>
+            <a:spLocks noGrp="1"/>
+          </p:cNvSpPr>
+          <p:nvPr>
+            <p:ph type="title"/>
+          </p:nvPr>
+        </p:nvSpPr>
+        <p:spPr/>
+        <p:txBody>
+          <a:bodyPr/>
+          <a:lstStyle/>
+          <a:p>
+            <a:r>
+              <a:rPr lang="ja-JP" altLang="en-US" smtClean="0"/>
+              <a:t>バックアップ</a:t>
+            </a:r>
+            <a:endParaRPr kumimoji="1" lang="ja-JP" altLang="en-US"/>
+          </a:p>
+        </p:txBody>
+      </p:sp>
+      <p:sp>
+        <p:nvSpPr>
+          <p:cNvPr id="3" name="コンテンツ プレースホルダー 2"/>
+          <p:cNvSpPr>
+            <a:spLocks noGrp="1"/>
+          </p:cNvSpPr>
+          <p:nvPr>
+            <p:ph idx="1"/>
+          </p:nvPr>
+        </p:nvSpPr>
+        <p:spPr/>
+        <p:txBody>
+          <a:bodyPr>
+            <a:normAutofit/>
+          </a:bodyPr>
+          <a:lstStyle/>
+          <a:p>
+            <a:r>
+              <a:rPr lang="ja-JP" altLang="en-US" smtClean="0"/>
+              <a:t>障害</a:t>
+            </a:r>
+            <a:r>
+              <a:rPr lang="ja-JP" altLang="en-US"/>
+              <a:t>に備えた</a:t>
+            </a:r>
+            <a:r>
+              <a:rPr kumimoji="1" lang="ja-JP" altLang="en-US" smtClean="0"/>
+              <a:t>データの複製</a:t>
+            </a:r>
+            <a:endParaRPr kumimoji="1" lang="en-US" altLang="ja-JP" smtClean="0"/>
+          </a:p>
+          <a:p>
+            <a:pPr lvl="1"/>
+            <a:r>
+              <a:rPr lang="en-US" altLang="ja-JP" smtClean="0"/>
+              <a:t>RAID</a:t>
+            </a:r>
+            <a:r>
+              <a:rPr lang="ja-JP" altLang="en-US" smtClean="0"/>
+              <a:t>はシステムの多重化</a:t>
+            </a:r>
+            <a:endParaRPr lang="en-US" altLang="ja-JP" smtClean="0"/>
+          </a:p>
+          <a:p>
+            <a:pPr lvl="2"/>
+            <a:r>
+              <a:rPr kumimoji="1" lang="ja-JP" altLang="en-US" smtClean="0"/>
+              <a:t>壊れたらデータは復元できない</a:t>
+            </a:r>
+            <a:endParaRPr kumimoji="1" lang="en-US" altLang="ja-JP" smtClean="0"/>
+          </a:p>
+          <a:p>
+            <a:r>
+              <a:rPr kumimoji="1" lang="ja-JP" altLang="en-US" smtClean="0"/>
+              <a:t>ある瞬間の状態（スナップショット）に戻せる</a:t>
+            </a:r>
+            <a:endParaRPr kumimoji="1" lang="en-US" altLang="ja-JP" smtClean="0"/>
+          </a:p>
+          <a:p>
+            <a:pPr lvl="1"/>
+            <a:r>
+              <a:rPr kumimoji="1" lang="ja-JP" altLang="en-US" smtClean="0"/>
+              <a:t>うっかりデータ消したのでなんとかして</a:t>
+            </a:r>
+            <a:endParaRPr kumimoji="1" lang="en-US" altLang="ja-JP" smtClean="0"/>
+          </a:p>
+        </p:txBody>
+      </p:sp>
+      <p:sp>
+        <p:nvSpPr>
+          <p:cNvPr id="4" name="円柱 3"/>
+          <p:cNvSpPr/>
+          <p:nvPr/>
+        </p:nvSpPr>
+        <p:spPr>
+          <a:xfrm>
+            <a:off x="1979712" y="4437112"/>
+            <a:ext cx="914400" cy="1216152"/>
+          </a:xfrm>
+          <a:prstGeom prst="can">
+            <a:avLst/>
+          </a:prstGeom>
+          <a:ln>
+            <a:noFill/>
+          </a:ln>
+        </p:spPr>
+        <p:style>
+          <a:lnRef idx="2">
+            <a:schemeClr val="accent1">
+              <a:shade val="50000"/>
+            </a:schemeClr>
+          </a:lnRef>
+          <a:fillRef idx="1">
+            <a:schemeClr val="accent1"/>
+          </a:fillRef>
+          <a:effectRef idx="0">
+            <a:schemeClr val="accent1"/>
+          </a:effectRef>
+          <a:fontRef idx="minor">
+            <a:schemeClr val="lt1"/>
+          </a:fontRef>
+        </p:style>
+        <p:txBody>
+          <a:bodyPr rtlCol="0" anchor="ctr"/>
+          <a:lstStyle/>
+          <a:p>
+            <a:pPr algn="ctr"/>
+            <a:endParaRPr kumimoji="1" lang="ja-JP" altLang="en-US"/>
+          </a:p>
+        </p:txBody>
+      </p:sp>
+      <p:sp>
+        <p:nvSpPr>
+          <p:cNvPr id="5" name="テキスト ボックス 4"/>
+          <p:cNvSpPr txBox="1"/>
+          <p:nvPr/>
+        </p:nvSpPr>
+        <p:spPr>
+          <a:xfrm>
+            <a:off x="1411115" y="5723146"/>
+            <a:ext cx="1936749" cy="461665"/>
+          </a:xfrm>
+          <a:prstGeom prst="rect">
+            <a:avLst/>
+          </a:prstGeom>
+          <a:noFill/>
+        </p:spPr>
+        <p:txBody>
+          <a:bodyPr wrap="none" rtlCol="0">
+            <a:spAutoFit/>
+          </a:bodyPr>
+          <a:lstStyle/>
+          <a:p>
+            <a:r>
+              <a:rPr lang="ja-JP" altLang="en-US" sz="2400"/>
+              <a:t>今日</a:t>
+            </a:r>
+            <a:r>
+              <a:rPr lang="ja-JP" altLang="en-US" sz="2400" smtClean="0"/>
+              <a:t>のデータ</a:t>
+            </a:r>
+            <a:endParaRPr kumimoji="1" lang="ja-JP" altLang="en-US" sz="2400"/>
+          </a:p>
+        </p:txBody>
+      </p:sp>
+      <p:sp>
+        <p:nvSpPr>
+          <p:cNvPr id="6" name="円柱 5"/>
+          <p:cNvSpPr/>
+          <p:nvPr/>
+        </p:nvSpPr>
+        <p:spPr>
+          <a:xfrm>
+            <a:off x="3779912" y="4437112"/>
+            <a:ext cx="914400" cy="1216152"/>
+          </a:xfrm>
+          <a:prstGeom prst="can">
+            <a:avLst/>
+          </a:prstGeom>
+          <a:ln>
+            <a:noFill/>
+          </a:ln>
+        </p:spPr>
+        <p:style>
+          <a:lnRef idx="2">
+            <a:schemeClr val="accent1">
+              <a:shade val="50000"/>
+            </a:schemeClr>
+          </a:lnRef>
+          <a:fillRef idx="1">
+            <a:schemeClr val="accent1"/>
+          </a:fillRef>
+          <a:effectRef idx="0">
+            <a:schemeClr val="accent1"/>
+          </a:effectRef>
+          <a:fontRef idx="minor">
+            <a:schemeClr val="lt1"/>
+          </a:fontRef>
+        </p:style>
+        <p:txBody>
+          <a:bodyPr rtlCol="0" anchor="ctr"/>
+          <a:lstStyle/>
+          <a:p>
+            <a:pPr algn="ctr"/>
+            <a:endParaRPr kumimoji="1" lang="ja-JP" altLang="en-US"/>
+          </a:p>
+        </p:txBody>
+      </p:sp>
+      <p:sp>
+        <p:nvSpPr>
+          <p:cNvPr id="7" name="テキスト ボックス 6"/>
+          <p:cNvSpPr txBox="1"/>
+          <p:nvPr/>
+        </p:nvSpPr>
+        <p:spPr>
+          <a:xfrm>
+            <a:off x="3837002" y="5721341"/>
+            <a:ext cx="1263487" cy="461665"/>
+          </a:xfrm>
+          <a:prstGeom prst="rect">
+            <a:avLst/>
+          </a:prstGeom>
+          <a:noFill/>
+        </p:spPr>
+        <p:txBody>
+          <a:bodyPr wrap="none" rtlCol="0">
+            <a:spAutoFit/>
+          </a:bodyPr>
+          <a:lstStyle/>
+          <a:p>
+            <a:r>
+              <a:rPr lang="en-US" altLang="ja-JP" sz="2400" smtClean="0"/>
+              <a:t>1</a:t>
+            </a:r>
+            <a:r>
+              <a:rPr lang="ja-JP" altLang="en-US" sz="2400" smtClean="0"/>
+              <a:t>時間前</a:t>
+            </a:r>
+            <a:endParaRPr kumimoji="1" lang="ja-JP" altLang="en-US" sz="2400"/>
+          </a:p>
+        </p:txBody>
+      </p:sp>
+      <p:sp>
+        <p:nvSpPr>
+          <p:cNvPr id="8" name="円柱 7"/>
+          <p:cNvSpPr/>
+          <p:nvPr/>
+        </p:nvSpPr>
+        <p:spPr>
+          <a:xfrm>
+            <a:off x="5169768" y="4437112"/>
+            <a:ext cx="914400" cy="1216152"/>
+          </a:xfrm>
+          <a:prstGeom prst="can">
+            <a:avLst/>
+          </a:prstGeom>
+          <a:ln>
+            <a:noFill/>
+          </a:ln>
+        </p:spPr>
+        <p:style>
+          <a:lnRef idx="2">
+            <a:schemeClr val="accent1">
+              <a:shade val="50000"/>
+            </a:schemeClr>
+          </a:lnRef>
+          <a:fillRef idx="1">
+            <a:schemeClr val="accent1"/>
+          </a:fillRef>
+          <a:effectRef idx="0">
+            <a:schemeClr val="accent1"/>
+          </a:effectRef>
+          <a:fontRef idx="minor">
+            <a:schemeClr val="lt1"/>
+          </a:fontRef>
+        </p:style>
+        <p:txBody>
+          <a:bodyPr rtlCol="0" anchor="ctr"/>
+          <a:lstStyle/>
+          <a:p>
+            <a:pPr algn="ctr"/>
+            <a:endParaRPr kumimoji="1" lang="ja-JP" altLang="en-US"/>
+          </a:p>
+        </p:txBody>
+      </p:sp>
+      <p:sp>
+        <p:nvSpPr>
+          <p:cNvPr id="9" name="テキスト ボックス 8"/>
+          <p:cNvSpPr txBox="1"/>
+          <p:nvPr/>
+        </p:nvSpPr>
+        <p:spPr>
+          <a:xfrm>
+            <a:off x="5226858" y="5721341"/>
+            <a:ext cx="1107996" cy="461665"/>
+          </a:xfrm>
+          <a:prstGeom prst="rect">
+            <a:avLst/>
+          </a:prstGeom>
+          <a:noFill/>
+        </p:spPr>
+        <p:txBody>
+          <a:bodyPr wrap="none" rtlCol="0">
+            <a:spAutoFit/>
+          </a:bodyPr>
+          <a:lstStyle/>
+          <a:p>
+            <a:r>
+              <a:rPr lang="ja-JP" altLang="en-US" sz="2400" smtClean="0"/>
+              <a:t>半日前</a:t>
+            </a:r>
+            <a:endParaRPr kumimoji="1" lang="ja-JP" altLang="en-US" sz="2400"/>
+          </a:p>
+        </p:txBody>
+      </p:sp>
+      <p:sp>
+        <p:nvSpPr>
+          <p:cNvPr id="10" name="円柱 9"/>
+          <p:cNvSpPr/>
+          <p:nvPr/>
+        </p:nvSpPr>
+        <p:spPr>
+          <a:xfrm>
+            <a:off x="6537920" y="4437112"/>
+            <a:ext cx="914400" cy="1216152"/>
+          </a:xfrm>
+          <a:prstGeom prst="can">
+            <a:avLst/>
+          </a:prstGeom>
+          <a:ln>
+            <a:noFill/>
+          </a:ln>
+        </p:spPr>
+        <p:style>
+          <a:lnRef idx="2">
+            <a:schemeClr val="accent1">
+              <a:shade val="50000"/>
+            </a:schemeClr>
+          </a:lnRef>
+          <a:fillRef idx="1">
+            <a:schemeClr val="accent1"/>
+          </a:fillRef>
+          <a:effectRef idx="0">
+            <a:schemeClr val="accent1"/>
+          </a:effectRef>
+          <a:fontRef idx="minor">
+            <a:schemeClr val="lt1"/>
+          </a:fontRef>
+        </p:style>
+        <p:txBody>
+          <a:bodyPr rtlCol="0" anchor="ctr"/>
+          <a:lstStyle/>
+          <a:p>
+            <a:pPr algn="ctr"/>
+            <a:endParaRPr kumimoji="1" lang="ja-JP" altLang="en-US"/>
+          </a:p>
+        </p:txBody>
+      </p:sp>
+      <p:sp>
+        <p:nvSpPr>
+          <p:cNvPr id="11" name="テキスト ボックス 10"/>
+          <p:cNvSpPr txBox="1"/>
+          <p:nvPr/>
+        </p:nvSpPr>
+        <p:spPr>
+          <a:xfrm>
+            <a:off x="6595010" y="5721341"/>
+            <a:ext cx="1031051" cy="461665"/>
+          </a:xfrm>
+          <a:prstGeom prst="rect">
+            <a:avLst/>
+          </a:prstGeom>
+          <a:noFill/>
+        </p:spPr>
+        <p:txBody>
+          <a:bodyPr wrap="none" rtlCol="0">
+            <a:spAutoFit/>
+          </a:bodyPr>
+          <a:lstStyle/>
+          <a:p>
+            <a:r>
+              <a:rPr lang="ja-JP" altLang="en-US" sz="2400" smtClean="0"/>
+              <a:t>昨日</a:t>
+            </a:r>
+            <a:r>
+              <a:rPr lang="en-US" altLang="ja-JP" sz="2400" smtClean="0"/>
+              <a:t>...</a:t>
+            </a:r>
+            <a:endParaRPr kumimoji="1" lang="ja-JP" altLang="en-US" sz="2400"/>
+          </a:p>
+        </p:txBody>
+      </p:sp>
+      <p:cxnSp>
+        <p:nvCxnSpPr>
+          <p:cNvPr id="12" name="直線矢印コネクタ 11"/>
+          <p:cNvCxnSpPr/>
+          <p:nvPr/>
+        </p:nvCxnSpPr>
+        <p:spPr>
+          <a:xfrm>
+            <a:off x="3078370" y="5085184"/>
+            <a:ext cx="534282" cy="0"/>
+          </a:xfrm>
+          <a:prstGeom prst="straightConnector1">
+            <a:avLst/>
+          </a:prstGeom>
+          <a:ln w="60325">
+            <a:tailEnd type="arrow"/>
+          </a:ln>
+        </p:spPr>
+        <p:style>
+          <a:lnRef idx="1">
+            <a:schemeClr val="accent1"/>
+          </a:lnRef>
+          <a:fillRef idx="0">
+            <a:schemeClr val="accent1"/>
+          </a:fillRef>
+          <a:effectRef idx="0">
+            <a:schemeClr val="accent1"/>
+          </a:effectRef>
+          <a:fontRef idx="minor">
+            <a:schemeClr val="tx1"/>
+          </a:fontRef>
+        </p:style>
+      </p:cxnSp>
+      <p:sp>
+        <p:nvSpPr>
+          <p:cNvPr id="14" name="スライド番号プレースホルダー 13"/>
+          <p:cNvSpPr>
+            <a:spLocks noGrp="1"/>
+          </p:cNvSpPr>
+          <p:nvPr>
+            <p:ph type="sldNum" sz="quarter" idx="12"/>
+          </p:nvPr>
+        </p:nvSpPr>
+        <p:spPr/>
+        <p:txBody>
+          <a:bodyPr/>
+          <a:lstStyle/>
+          <a:p>
+            <a:fld id="{2649E3F5-6F9D-4754-B6F9-50AE10FEA634}" type="slidenum">
+              <a:rPr lang="ja-JP" altLang="en-US" smtClean="0"/>
+              <a:pPr/>
+              <a:t>3</a:t>
+            </a:fld>
+            <a:r>
+              <a:rPr lang="en-US" altLang="ja-JP" smtClean="0"/>
+              <a:t>/30</a:t>
+            </a:r>
+            <a:endParaRPr lang="ja-JP" altLang="en-US"/>
+          </a:p>
+        </p:txBody>
+      </p:sp>
+    </p:spTree>
+    <p:extLst>
+      <p:ext uri="{BB962C8B-B14F-4D97-AF65-F5344CB8AC3E}">
+        <p14:creationId xmlns:p14="http://schemas.microsoft.com/office/powerpoint/2010/main" val="3262723324"/>
+      </p:ext>
+    </p:extLst>
+  </p:cSld>
+  <p:clrMapOvr>
+    <a:masterClrMapping/>
+  </p:clrMapOvr>
+  <p:timing>
+    <p:tnLst>
+      <p:par>
+        <p:cTn id="1" dur="indefinite" restart="never" nodeType="tmRoot"/>
+      </p:par>
+    </p:tnLst>
+  </p:timing>
+</p:sld>
+</file>
+
+<file path=ppt/slides/slide30.xml><?xml version="1.0" encoding="utf-8"?>
 <p:sld xmlns:a="http://schemas.openxmlformats.org/drawingml/2006/main" xmlns:r="http://schemas.openxmlformats.org/officeDocument/2006/relationships" xmlns:p="http://schemas.openxmlformats.org/presentationml/2006/main">
   <p:cSld>
     <p:spTree>
@@ -18210,475 +20807,38 @@
           </a:p>
         </p:txBody>
       </p:sp>
+      <p:sp>
+        <p:nvSpPr>
+          <p:cNvPr id="4" name="スライド番号プレースホルダー 3"/>
+          <p:cNvSpPr>
+            <a:spLocks noGrp="1"/>
+          </p:cNvSpPr>
+          <p:nvPr>
+            <p:ph type="sldNum" sz="quarter" idx="12"/>
+          </p:nvPr>
+        </p:nvSpPr>
+        <p:spPr/>
+        <p:txBody>
+          <a:bodyPr/>
+          <a:lstStyle/>
+          <a:p>
+            <a:fld id="{2649E3F5-6F9D-4754-B6F9-50AE10FEA634}" type="slidenum">
+              <a:rPr lang="ja-JP" altLang="en-US" smtClean="0"/>
+              <a:pPr/>
+              <a:t>30</a:t>
+            </a:fld>
+            <a:r>
+              <a:rPr lang="en-US" altLang="ja-JP" smtClean="0"/>
+              <a:t>/30</a:t>
+            </a:r>
+            <a:endParaRPr lang="ja-JP" altLang="en-US"/>
+          </a:p>
+        </p:txBody>
+      </p:sp>
     </p:spTree>
     <p:extLst>
       <p:ext uri="{BB962C8B-B14F-4D97-AF65-F5344CB8AC3E}">
         <p14:creationId xmlns:p14="http://schemas.microsoft.com/office/powerpoint/2010/main" val="1410845993"/>
-      </p:ext>
-    </p:extLst>
-  </p:cSld>
-  <p:clrMapOvr>
-    <a:masterClrMapping/>
-  </p:clrMapOvr>
-  <p:timing>
-    <p:tnLst>
-      <p:par>
-        <p:cTn id="1" dur="indefinite" restart="never" nodeType="tmRoot"/>
-      </p:par>
-    </p:tnLst>
-  </p:timing>
-</p:sld>
-</file>
-
-<file path=ppt/slides/slide3.xml><?xml version="1.0" encoding="utf-8"?>
-<p:sld xmlns:a="http://schemas.openxmlformats.org/drawingml/2006/main" xmlns:r="http://schemas.openxmlformats.org/officeDocument/2006/relationships" xmlns:p="http://schemas.openxmlformats.org/presentationml/2006/main">
-  <p:cSld>
-    <p:spTree>
-      <p:nvGrpSpPr>
-        <p:cNvPr id="1" name=""/>
-        <p:cNvGrpSpPr/>
-        <p:nvPr/>
-      </p:nvGrpSpPr>
-      <p:grpSpPr>
-        <a:xfrm>
-          <a:off x="0" y="0"/>
-          <a:ext cx="0" cy="0"/>
-          <a:chOff x="0" y="0"/>
-          <a:chExt cx="0" cy="0"/>
-        </a:xfrm>
-      </p:grpSpPr>
-      <p:sp>
-        <p:nvSpPr>
-          <p:cNvPr id="2" name="タイトル 1"/>
-          <p:cNvSpPr>
-            <a:spLocks noGrp="1"/>
-          </p:cNvSpPr>
-          <p:nvPr>
-            <p:ph type="title"/>
-          </p:nvPr>
-        </p:nvSpPr>
-        <p:spPr/>
-        <p:txBody>
-          <a:bodyPr/>
-          <a:lstStyle/>
-          <a:p>
-            <a:r>
-              <a:rPr lang="ja-JP" altLang="en-US" smtClean="0"/>
-              <a:t>バックアップ</a:t>
-            </a:r>
-            <a:endParaRPr kumimoji="1" lang="ja-JP" altLang="en-US"/>
-          </a:p>
-        </p:txBody>
-      </p:sp>
-      <p:sp>
-        <p:nvSpPr>
-          <p:cNvPr id="3" name="コンテンツ プレースホルダー 2"/>
-          <p:cNvSpPr>
-            <a:spLocks noGrp="1"/>
-          </p:cNvSpPr>
-          <p:nvPr>
-            <p:ph idx="1"/>
-          </p:nvPr>
-        </p:nvSpPr>
-        <p:spPr/>
-        <p:txBody>
-          <a:bodyPr>
-            <a:normAutofit/>
-          </a:bodyPr>
-          <a:lstStyle/>
-          <a:p>
-            <a:r>
-              <a:rPr lang="ja-JP" altLang="en-US" smtClean="0"/>
-              <a:t>障害</a:t>
-            </a:r>
-            <a:r>
-              <a:rPr lang="ja-JP" altLang="en-US"/>
-              <a:t>に備えた</a:t>
-            </a:r>
-            <a:r>
-              <a:rPr kumimoji="1" lang="ja-JP" altLang="en-US" smtClean="0"/>
-              <a:t>データの複製</a:t>
-            </a:r>
-            <a:endParaRPr kumimoji="1" lang="en-US" altLang="ja-JP" smtClean="0"/>
-          </a:p>
-          <a:p>
-            <a:pPr lvl="1"/>
-            <a:r>
-              <a:rPr lang="en-US" altLang="ja-JP" smtClean="0"/>
-              <a:t>RAID</a:t>
-            </a:r>
-            <a:r>
-              <a:rPr lang="ja-JP" altLang="en-US" smtClean="0"/>
-              <a:t>はシステムの多重化</a:t>
-            </a:r>
-            <a:endParaRPr lang="en-US" altLang="ja-JP" smtClean="0"/>
-          </a:p>
-          <a:p>
-            <a:pPr lvl="2"/>
-            <a:r>
-              <a:rPr kumimoji="1" lang="ja-JP" altLang="en-US" smtClean="0"/>
-              <a:t>壊れたらデータは復元できない</a:t>
-            </a:r>
-            <a:endParaRPr kumimoji="1" lang="en-US" altLang="ja-JP" smtClean="0"/>
-          </a:p>
-          <a:p>
-            <a:r>
-              <a:rPr kumimoji="1" lang="ja-JP" altLang="en-US" smtClean="0"/>
-              <a:t>ある瞬間の状態（スナップショット）に戻せる</a:t>
-            </a:r>
-            <a:endParaRPr kumimoji="1" lang="en-US" altLang="ja-JP" smtClean="0"/>
-          </a:p>
-          <a:p>
-            <a:pPr lvl="1"/>
-            <a:r>
-              <a:rPr kumimoji="1" lang="ja-JP" altLang="en-US" smtClean="0"/>
-              <a:t>うっかりデータ消したのでなんとかして</a:t>
-            </a:r>
-            <a:endParaRPr kumimoji="1" lang="en-US" altLang="ja-JP" smtClean="0"/>
-          </a:p>
-        </p:txBody>
-      </p:sp>
-      <p:sp>
-        <p:nvSpPr>
-          <p:cNvPr id="4" name="円柱 3"/>
-          <p:cNvSpPr/>
-          <p:nvPr/>
-        </p:nvSpPr>
-        <p:spPr>
-          <a:xfrm>
-            <a:off x="1979712" y="4437112"/>
-            <a:ext cx="914400" cy="1216152"/>
-          </a:xfrm>
-          <a:prstGeom prst="can">
-            <a:avLst/>
-          </a:prstGeom>
-          <a:ln>
-            <a:noFill/>
-          </a:ln>
-        </p:spPr>
-        <p:style>
-          <a:lnRef idx="2">
-            <a:schemeClr val="accent1">
-              <a:shade val="50000"/>
-            </a:schemeClr>
-          </a:lnRef>
-          <a:fillRef idx="1">
-            <a:schemeClr val="accent1"/>
-          </a:fillRef>
-          <a:effectRef idx="0">
-            <a:schemeClr val="accent1"/>
-          </a:effectRef>
-          <a:fontRef idx="minor">
-            <a:schemeClr val="lt1"/>
-          </a:fontRef>
-        </p:style>
-        <p:txBody>
-          <a:bodyPr rtlCol="0" anchor="ctr"/>
-          <a:lstStyle/>
-          <a:p>
-            <a:pPr algn="ctr"/>
-            <a:endParaRPr kumimoji="1" lang="ja-JP" altLang="en-US"/>
-          </a:p>
-        </p:txBody>
-      </p:sp>
-      <p:sp>
-        <p:nvSpPr>
-          <p:cNvPr id="5" name="テキスト ボックス 4"/>
-          <p:cNvSpPr txBox="1"/>
-          <p:nvPr/>
-        </p:nvSpPr>
-        <p:spPr>
-          <a:xfrm>
-            <a:off x="1411115" y="5723146"/>
-            <a:ext cx="1936749" cy="461665"/>
-          </a:xfrm>
-          <a:prstGeom prst="rect">
-            <a:avLst/>
-          </a:prstGeom>
-          <a:noFill/>
-        </p:spPr>
-        <p:txBody>
-          <a:bodyPr wrap="none" rtlCol="0">
-            <a:spAutoFit/>
-          </a:bodyPr>
-          <a:lstStyle/>
-          <a:p>
-            <a:r>
-              <a:rPr lang="ja-JP" altLang="en-US" sz="2400"/>
-              <a:t>今日</a:t>
-            </a:r>
-            <a:r>
-              <a:rPr lang="ja-JP" altLang="en-US" sz="2400" smtClean="0"/>
-              <a:t>のデータ</a:t>
-            </a:r>
-            <a:endParaRPr kumimoji="1" lang="ja-JP" altLang="en-US" sz="2400"/>
-          </a:p>
-        </p:txBody>
-      </p:sp>
-      <p:sp>
-        <p:nvSpPr>
-          <p:cNvPr id="6" name="円柱 5"/>
-          <p:cNvSpPr/>
-          <p:nvPr/>
-        </p:nvSpPr>
-        <p:spPr>
-          <a:xfrm>
-            <a:off x="3779912" y="4437112"/>
-            <a:ext cx="914400" cy="1216152"/>
-          </a:xfrm>
-          <a:prstGeom prst="can">
-            <a:avLst/>
-          </a:prstGeom>
-          <a:ln>
-            <a:noFill/>
-          </a:ln>
-        </p:spPr>
-        <p:style>
-          <a:lnRef idx="2">
-            <a:schemeClr val="accent1">
-              <a:shade val="50000"/>
-            </a:schemeClr>
-          </a:lnRef>
-          <a:fillRef idx="1">
-            <a:schemeClr val="accent1"/>
-          </a:fillRef>
-          <a:effectRef idx="0">
-            <a:schemeClr val="accent1"/>
-          </a:effectRef>
-          <a:fontRef idx="minor">
-            <a:schemeClr val="lt1"/>
-          </a:fontRef>
-        </p:style>
-        <p:txBody>
-          <a:bodyPr rtlCol="0" anchor="ctr"/>
-          <a:lstStyle/>
-          <a:p>
-            <a:pPr algn="ctr"/>
-            <a:endParaRPr kumimoji="1" lang="ja-JP" altLang="en-US"/>
-          </a:p>
-        </p:txBody>
-      </p:sp>
-      <p:sp>
-        <p:nvSpPr>
-          <p:cNvPr id="7" name="テキスト ボックス 6"/>
-          <p:cNvSpPr txBox="1"/>
-          <p:nvPr/>
-        </p:nvSpPr>
-        <p:spPr>
-          <a:xfrm>
-            <a:off x="3837002" y="5721341"/>
-            <a:ext cx="1263487" cy="461665"/>
-          </a:xfrm>
-          <a:prstGeom prst="rect">
-            <a:avLst/>
-          </a:prstGeom>
-          <a:noFill/>
-        </p:spPr>
-        <p:txBody>
-          <a:bodyPr wrap="none" rtlCol="0">
-            <a:spAutoFit/>
-          </a:bodyPr>
-          <a:lstStyle/>
-          <a:p>
-            <a:r>
-              <a:rPr lang="en-US" altLang="ja-JP" sz="2400" smtClean="0"/>
-              <a:t>1</a:t>
-            </a:r>
-            <a:r>
-              <a:rPr lang="ja-JP" altLang="en-US" sz="2400" smtClean="0"/>
-              <a:t>時間前</a:t>
-            </a:r>
-            <a:endParaRPr kumimoji="1" lang="ja-JP" altLang="en-US" sz="2400"/>
-          </a:p>
-        </p:txBody>
-      </p:sp>
-      <p:sp>
-        <p:nvSpPr>
-          <p:cNvPr id="8" name="円柱 7"/>
-          <p:cNvSpPr/>
-          <p:nvPr/>
-        </p:nvSpPr>
-        <p:spPr>
-          <a:xfrm>
-            <a:off x="5169768" y="4437112"/>
-            <a:ext cx="914400" cy="1216152"/>
-          </a:xfrm>
-          <a:prstGeom prst="can">
-            <a:avLst/>
-          </a:prstGeom>
-          <a:ln>
-            <a:noFill/>
-          </a:ln>
-        </p:spPr>
-        <p:style>
-          <a:lnRef idx="2">
-            <a:schemeClr val="accent1">
-              <a:shade val="50000"/>
-            </a:schemeClr>
-          </a:lnRef>
-          <a:fillRef idx="1">
-            <a:schemeClr val="accent1"/>
-          </a:fillRef>
-          <a:effectRef idx="0">
-            <a:schemeClr val="accent1"/>
-          </a:effectRef>
-          <a:fontRef idx="minor">
-            <a:schemeClr val="lt1"/>
-          </a:fontRef>
-        </p:style>
-        <p:txBody>
-          <a:bodyPr rtlCol="0" anchor="ctr"/>
-          <a:lstStyle/>
-          <a:p>
-            <a:pPr algn="ctr"/>
-            <a:endParaRPr kumimoji="1" lang="ja-JP" altLang="en-US"/>
-          </a:p>
-        </p:txBody>
-      </p:sp>
-      <p:sp>
-        <p:nvSpPr>
-          <p:cNvPr id="9" name="テキスト ボックス 8"/>
-          <p:cNvSpPr txBox="1"/>
-          <p:nvPr/>
-        </p:nvSpPr>
-        <p:spPr>
-          <a:xfrm>
-            <a:off x="5226858" y="5721341"/>
-            <a:ext cx="1107996" cy="461665"/>
-          </a:xfrm>
-          <a:prstGeom prst="rect">
-            <a:avLst/>
-          </a:prstGeom>
-          <a:noFill/>
-        </p:spPr>
-        <p:txBody>
-          <a:bodyPr wrap="none" rtlCol="0">
-            <a:spAutoFit/>
-          </a:bodyPr>
-          <a:lstStyle/>
-          <a:p>
-            <a:r>
-              <a:rPr lang="ja-JP" altLang="en-US" sz="2400" smtClean="0"/>
-              <a:t>半日前</a:t>
-            </a:r>
-            <a:endParaRPr kumimoji="1" lang="ja-JP" altLang="en-US" sz="2400"/>
-          </a:p>
-        </p:txBody>
-      </p:sp>
-      <p:sp>
-        <p:nvSpPr>
-          <p:cNvPr id="10" name="円柱 9"/>
-          <p:cNvSpPr/>
-          <p:nvPr/>
-        </p:nvSpPr>
-        <p:spPr>
-          <a:xfrm>
-            <a:off x="6537920" y="4437112"/>
-            <a:ext cx="914400" cy="1216152"/>
-          </a:xfrm>
-          <a:prstGeom prst="can">
-            <a:avLst/>
-          </a:prstGeom>
-          <a:ln>
-            <a:noFill/>
-          </a:ln>
-        </p:spPr>
-        <p:style>
-          <a:lnRef idx="2">
-            <a:schemeClr val="accent1">
-              <a:shade val="50000"/>
-            </a:schemeClr>
-          </a:lnRef>
-          <a:fillRef idx="1">
-            <a:schemeClr val="accent1"/>
-          </a:fillRef>
-          <a:effectRef idx="0">
-            <a:schemeClr val="accent1"/>
-          </a:effectRef>
-          <a:fontRef idx="minor">
-            <a:schemeClr val="lt1"/>
-          </a:fontRef>
-        </p:style>
-        <p:txBody>
-          <a:bodyPr rtlCol="0" anchor="ctr"/>
-          <a:lstStyle/>
-          <a:p>
-            <a:pPr algn="ctr"/>
-            <a:endParaRPr kumimoji="1" lang="ja-JP" altLang="en-US"/>
-          </a:p>
-        </p:txBody>
-      </p:sp>
-      <p:sp>
-        <p:nvSpPr>
-          <p:cNvPr id="11" name="テキスト ボックス 10"/>
-          <p:cNvSpPr txBox="1"/>
-          <p:nvPr/>
-        </p:nvSpPr>
-        <p:spPr>
-          <a:xfrm>
-            <a:off x="6595010" y="5721341"/>
-            <a:ext cx="1031051" cy="461665"/>
-          </a:xfrm>
-          <a:prstGeom prst="rect">
-            <a:avLst/>
-          </a:prstGeom>
-          <a:noFill/>
-        </p:spPr>
-        <p:txBody>
-          <a:bodyPr wrap="none" rtlCol="0">
-            <a:spAutoFit/>
-          </a:bodyPr>
-          <a:lstStyle/>
-          <a:p>
-            <a:r>
-              <a:rPr lang="ja-JP" altLang="en-US" sz="2400" smtClean="0"/>
-              <a:t>昨日</a:t>
-            </a:r>
-            <a:r>
-              <a:rPr lang="en-US" altLang="ja-JP" sz="2400" smtClean="0"/>
-              <a:t>...</a:t>
-            </a:r>
-            <a:endParaRPr kumimoji="1" lang="ja-JP" altLang="en-US" sz="2400"/>
-          </a:p>
-        </p:txBody>
-      </p:sp>
-      <p:cxnSp>
-        <p:nvCxnSpPr>
-          <p:cNvPr id="12" name="直線矢印コネクタ 11"/>
-          <p:cNvCxnSpPr/>
-          <p:nvPr/>
-        </p:nvCxnSpPr>
-        <p:spPr>
-          <a:xfrm>
-            <a:off x="3078370" y="5085184"/>
-            <a:ext cx="534282" cy="0"/>
-          </a:xfrm>
-          <a:prstGeom prst="straightConnector1">
-            <a:avLst/>
-          </a:prstGeom>
-          <a:ln w="60325">
-            <a:tailEnd type="arrow"/>
-          </a:ln>
-        </p:spPr>
-        <p:style>
-          <a:lnRef idx="1">
-            <a:schemeClr val="accent1"/>
-          </a:lnRef>
-          <a:fillRef idx="0">
-            <a:schemeClr val="accent1"/>
-          </a:fillRef>
-          <a:effectRef idx="0">
-            <a:schemeClr val="accent1"/>
-          </a:effectRef>
-          <a:fontRef idx="minor">
-            <a:schemeClr val="tx1"/>
-          </a:fontRef>
-        </p:style>
-      </p:cxnSp>
-    </p:spTree>
-    <p:extLst>
-      <p:ext uri="{BB962C8B-B14F-4D97-AF65-F5344CB8AC3E}">
-        <p14:creationId xmlns:p14="http://schemas.microsoft.com/office/powerpoint/2010/main" val="3262723324"/>
       </p:ext>
     </p:extLst>
   </p:cSld>
@@ -18729,7 +20889,7 @@
           <a:p>
             <a:r>
               <a:rPr kumimoji="1" lang="ja-JP" altLang="en-US" smtClean="0"/>
-              <a:t>レプリケーション</a:t>
+              <a:t>一方向遠隔レプリケーション</a:t>
             </a:r>
             <a:endParaRPr kumimoji="1" lang="ja-JP" altLang="en-US"/>
           </a:p>
@@ -19034,6 +21194,34 @@
               <a:t>大阪</a:t>
             </a:r>
             <a:endParaRPr kumimoji="1" lang="ja-JP" altLang="en-US" sz="2400"/>
+          </a:p>
+        </p:txBody>
+      </p:sp>
+      <p:sp>
+        <p:nvSpPr>
+          <p:cNvPr id="12" name="スライド番号プレースホルダー 11"/>
+          <p:cNvSpPr>
+            <a:spLocks noGrp="1"/>
+          </p:cNvSpPr>
+          <p:nvPr>
+            <p:ph type="sldNum" sz="quarter" idx="12"/>
+          </p:nvPr>
+        </p:nvSpPr>
+        <p:spPr/>
+        <p:txBody>
+          <a:bodyPr/>
+          <a:lstStyle/>
+          <a:p>
+            <a:fld id="{2649E3F5-6F9D-4754-B6F9-50AE10FEA634}" type="slidenum">
+              <a:rPr lang="ja-JP" altLang="en-US" smtClean="0"/>
+              <a:pPr/>
+              <a:t>4</a:t>
+            </a:fld>
+            <a:r>
+              <a:rPr lang="en-US" altLang="ja-JP" smtClean="0"/>
+              <a:t>/30</a:t>
+            </a:r>
+            <a:endParaRPr lang="ja-JP" altLang="en-US"/>
           </a:p>
         </p:txBody>
       </p:sp>
@@ -19146,6 +21334,34 @@
           </a:p>
         </p:txBody>
       </p:sp>
+      <p:sp>
+        <p:nvSpPr>
+          <p:cNvPr id="5" name="スライド番号プレースホルダー 4"/>
+          <p:cNvSpPr>
+            <a:spLocks noGrp="1"/>
+          </p:cNvSpPr>
+          <p:nvPr>
+            <p:ph type="sldNum" sz="quarter" idx="12"/>
+          </p:nvPr>
+        </p:nvSpPr>
+        <p:spPr/>
+        <p:txBody>
+          <a:bodyPr/>
+          <a:lstStyle/>
+          <a:p>
+            <a:fld id="{2649E3F5-6F9D-4754-B6F9-50AE10FEA634}" type="slidenum">
+              <a:rPr lang="ja-JP" altLang="en-US" smtClean="0"/>
+              <a:pPr/>
+              <a:t>5</a:t>
+            </a:fld>
+            <a:r>
+              <a:rPr lang="en-US" altLang="ja-JP" smtClean="0"/>
+              <a:t>/30</a:t>
+            </a:r>
+            <a:endParaRPr lang="ja-JP" altLang="en-US"/>
+          </a:p>
+        </p:txBody>
+      </p:sp>
     </p:spTree>
     <p:extLst>
       <p:ext uri="{BB962C8B-B14F-4D97-AF65-F5344CB8AC3E}">
@@ -19361,6 +21577,34 @@
           </a:p>
         </p:txBody>
       </p:sp>
+      <p:sp>
+        <p:nvSpPr>
+          <p:cNvPr id="5" name="スライド番号プレースホルダー 4"/>
+          <p:cNvSpPr>
+            <a:spLocks noGrp="1"/>
+          </p:cNvSpPr>
+          <p:nvPr>
+            <p:ph type="sldNum" sz="quarter" idx="12"/>
+          </p:nvPr>
+        </p:nvSpPr>
+        <p:spPr/>
+        <p:txBody>
+          <a:bodyPr/>
+          <a:lstStyle/>
+          <a:p>
+            <a:fld id="{2649E3F5-6F9D-4754-B6F9-50AE10FEA634}" type="slidenum">
+              <a:rPr lang="ja-JP" altLang="en-US" smtClean="0"/>
+              <a:pPr/>
+              <a:t>6</a:t>
+            </a:fld>
+            <a:r>
+              <a:rPr lang="en-US" altLang="ja-JP" smtClean="0"/>
+              <a:t>/30</a:t>
+            </a:r>
+            <a:endParaRPr lang="ja-JP" altLang="en-US"/>
+          </a:p>
+        </p:txBody>
+      </p:sp>
     </p:spTree>
     <p:extLst>
       <p:ext uri="{BB962C8B-B14F-4D97-AF65-F5344CB8AC3E}">
@@ -19593,7 +21837,15 @@
                   <a:schemeClr val="tx1"/>
                 </a:solidFill>
               </a:rPr>
-              <a:t>のファイル</a:t>
+              <a:t>の</a:t>
+            </a:r>
+            <a:r>
+              <a:rPr lang="ja-JP" altLang="en-US" sz="2400" smtClean="0">
+                <a:solidFill>
+                  <a:schemeClr val="tx1"/>
+                </a:solidFill>
+              </a:rPr>
+              <a:t>ファイル群</a:t>
             </a:r>
             <a:endParaRPr kumimoji="1" lang="ja-JP" altLang="en-US" sz="2400">
               <a:solidFill>
@@ -19680,7 +21932,15 @@
                   <a:schemeClr val="tx1"/>
                 </a:solidFill>
               </a:rPr>
-              <a:t>のファイル</a:t>
+              <a:t>の</a:t>
+            </a:r>
+            <a:r>
+              <a:rPr lang="ja-JP" altLang="en-US" sz="2400" smtClean="0">
+                <a:solidFill>
+                  <a:schemeClr val="tx1"/>
+                </a:solidFill>
+              </a:rPr>
+              <a:t>ファイル群</a:t>
             </a:r>
             <a:endParaRPr kumimoji="1" lang="ja-JP" altLang="en-US" sz="2400">
               <a:solidFill>
@@ -19900,6 +22160,34 @@
               <a:t>データを先頭からコピー</a:t>
             </a:r>
             <a:endParaRPr kumimoji="1" lang="ja-JP" altLang="en-US" sz="2400"/>
+          </a:p>
+        </p:txBody>
+      </p:sp>
+      <p:sp>
+        <p:nvSpPr>
+          <p:cNvPr id="9" name="スライド番号プレースホルダー 8"/>
+          <p:cNvSpPr>
+            <a:spLocks noGrp="1"/>
+          </p:cNvSpPr>
+          <p:nvPr>
+            <p:ph type="sldNum" sz="quarter" idx="12"/>
+          </p:nvPr>
+        </p:nvSpPr>
+        <p:spPr/>
+        <p:txBody>
+          <a:bodyPr/>
+          <a:lstStyle/>
+          <a:p>
+            <a:fld id="{2649E3F5-6F9D-4754-B6F9-50AE10FEA634}" type="slidenum">
+              <a:rPr lang="ja-JP" altLang="en-US" smtClean="0"/>
+              <a:pPr/>
+              <a:t>7</a:t>
+            </a:fld>
+            <a:r>
+              <a:rPr lang="en-US" altLang="ja-JP" smtClean="0"/>
+              <a:t>/30</a:t>
+            </a:r>
+            <a:endParaRPr lang="ja-JP" altLang="en-US"/>
           </a:p>
         </p:txBody>
       </p:sp>
@@ -19968,6 +22256,34 @@
           </a:p>
         </p:txBody>
       </p:sp>
+      <p:sp>
+        <p:nvSpPr>
+          <p:cNvPr id="4" name="スライド番号プレースホルダー 3"/>
+          <p:cNvSpPr>
+            <a:spLocks noGrp="1"/>
+          </p:cNvSpPr>
+          <p:nvPr>
+            <p:ph type="sldNum" sz="quarter" idx="12"/>
+          </p:nvPr>
+        </p:nvSpPr>
+        <p:spPr/>
+        <p:txBody>
+          <a:bodyPr/>
+          <a:lstStyle/>
+          <a:p>
+            <a:fld id="{2649E3F5-6F9D-4754-B6F9-50AE10FEA634}" type="slidenum">
+              <a:rPr lang="ja-JP" altLang="en-US" smtClean="0"/>
+              <a:pPr/>
+              <a:t>8</a:t>
+            </a:fld>
+            <a:r>
+              <a:rPr lang="en-US" altLang="ja-JP" smtClean="0"/>
+              <a:t>/30</a:t>
+            </a:r>
+            <a:endParaRPr lang="ja-JP" altLang="en-US"/>
+          </a:p>
+        </p:txBody>
+      </p:sp>
     </p:spTree>
     <p:extLst>
       <p:ext uri="{BB962C8B-B14F-4D97-AF65-F5344CB8AC3E}">
@@ -20014,24 +22330,12 @@
           <a:lstStyle/>
           <a:p>
             <a:r>
-              <a:rPr kumimoji="1" lang="en-US" altLang="ja-JP" smtClean="0"/>
-              <a:t>WalB</a:t>
-            </a:r>
-            <a:r>
-              <a:rPr kumimoji="1" lang="ja-JP" altLang="en-US" smtClean="0"/>
-              <a:t>ブロックデバイス</a:t>
+              <a:rPr lang="en-US" altLang="ja-JP" smtClean="0"/>
+              <a:t>tbs</a:t>
             </a:r>
             <a:r>
               <a:rPr lang="ja-JP" altLang="en-US" smtClean="0"/>
-              <a:t>（</a:t>
-            </a:r>
-            <a:r>
-              <a:rPr lang="en-US" altLang="ja-JP" smtClean="0"/>
-              <a:t>1/2</a:t>
-            </a:r>
-            <a:r>
-              <a:rPr lang="ja-JP" altLang="en-US" smtClean="0"/>
-              <a:t>）</a:t>
+              <a:t>による解決</a:t>
             </a:r>
             <a:endParaRPr kumimoji="1" lang="ja-JP" altLang="en-US"/>
           </a:p>
@@ -20047,644 +22351,214 @@
             <p:ph idx="1"/>
           </p:nvPr>
         </p:nvSpPr>
-        <p:spPr/>
-        <p:txBody>
-          <a:bodyPr/>
-          <a:lstStyle/>
-          <a:p>
-            <a:r>
-              <a:rPr kumimoji="1" lang="ja-JP" altLang="en-US" smtClean="0"/>
-              <a:t>ブロックデバイスとして動作する</a:t>
-            </a:r>
-            <a:endParaRPr kumimoji="1" lang="en-US" altLang="ja-JP" smtClean="0"/>
-          </a:p>
-          <a:p>
-            <a:pPr lvl="1"/>
-            <a:r>
-              <a:rPr lang="en-US" altLang="ja-JP" smtClean="0"/>
-              <a:t>Write Ahead Logging Block device</a:t>
-            </a:r>
-            <a:endParaRPr kumimoji="1" lang="en-US" altLang="ja-JP" smtClean="0"/>
-          </a:p>
-          <a:p>
-            <a:pPr lvl="1"/>
-            <a:r>
-              <a:rPr kumimoji="1" lang="ja-JP" altLang="en-US" smtClean="0"/>
-              <a:t>その上に任意のファイルシステム</a:t>
-            </a:r>
-            <a:r>
-              <a:rPr lang="ja-JP" altLang="en-US" smtClean="0"/>
-              <a:t>を作れる</a:t>
-            </a:r>
-            <a:endParaRPr lang="en-US" altLang="ja-JP" smtClean="0"/>
-          </a:p>
-          <a:p>
-            <a:pPr lvl="1"/>
-            <a:r>
-              <a:rPr lang="ja-JP" altLang="en-US" smtClean="0">
-                <a:solidFill>
-                  <a:srgbClr val="FF0000"/>
-                </a:solidFill>
-              </a:rPr>
-              <a:t>全ての書き込みデータの情報を</a:t>
-            </a:r>
-            <a:r>
-              <a:rPr lang="en-US" altLang="ja-JP" smtClean="0">
-                <a:solidFill>
-                  <a:srgbClr val="FF0000"/>
-                </a:solidFill>
-              </a:rPr>
-              <a:t>log</a:t>
-            </a:r>
-            <a:r>
-              <a:rPr lang="ja-JP" altLang="en-US" smtClean="0">
-                <a:solidFill>
-                  <a:srgbClr val="FF0000"/>
-                </a:solidFill>
-              </a:rPr>
-              <a:t>として記録</a:t>
-            </a:r>
-            <a:endParaRPr kumimoji="1" lang="ja-JP" altLang="en-US">
-              <a:solidFill>
-                <a:srgbClr val="FF0000"/>
-              </a:solidFill>
-            </a:endParaRPr>
-          </a:p>
-        </p:txBody>
-      </p:sp>
-      <p:sp>
-        <p:nvSpPr>
-          <p:cNvPr id="4" name="正方形/長方形 3"/>
-          <p:cNvSpPr/>
-          <p:nvPr/>
-        </p:nvSpPr>
         <p:spPr>
           <a:xfrm>
-            <a:off x="2735796" y="4293096"/>
-            <a:ext cx="1656184" cy="504056"/>
+            <a:off x="457200" y="1600200"/>
+            <a:ext cx="8229600" cy="4709120"/>
           </a:xfrm>
-          <a:prstGeom prst="rect">
-            <a:avLst/>
-          </a:prstGeom>
-          <a:solidFill>
-            <a:schemeClr val="accent5">
-              <a:lumMod val="20000"/>
-              <a:lumOff val="80000"/>
-            </a:schemeClr>
-          </a:solidFill>
-          <a:ln>
-            <a:noFill/>
-          </a:ln>
         </p:spPr>
-        <p:style>
-          <a:lnRef idx="2">
-            <a:schemeClr val="accent1">
-              <a:shade val="50000"/>
-            </a:schemeClr>
-          </a:lnRef>
-          <a:fillRef idx="1">
-            <a:schemeClr val="accent1"/>
-          </a:fillRef>
-          <a:effectRef idx="0">
-            <a:schemeClr val="accent1"/>
-          </a:effectRef>
-          <a:fontRef idx="minor">
-            <a:schemeClr val="lt1"/>
-          </a:fontRef>
-        </p:style>
-        <p:txBody>
-          <a:bodyPr rtlCol="0" anchor="ctr"/>
-          <a:lstStyle/>
-          <a:p>
-            <a:pPr algn="ctr"/>
-            <a:r>
-              <a:rPr lang="en-US" altLang="ja-JP" sz="2400" smtClean="0">
-                <a:solidFill>
-                  <a:schemeClr val="tx1"/>
-                </a:solidFill>
-              </a:rPr>
-              <a:t>walb dev</a:t>
-            </a:r>
-            <a:endParaRPr kumimoji="1" lang="ja-JP" altLang="en-US" sz="2400">
-              <a:solidFill>
-                <a:schemeClr val="tx1"/>
-              </a:solidFill>
-            </a:endParaRPr>
-          </a:p>
-        </p:txBody>
-      </p:sp>
-      <p:sp>
-        <p:nvSpPr>
-          <p:cNvPr id="5" name="正方形/長方形 4"/>
-          <p:cNvSpPr/>
-          <p:nvPr/>
-        </p:nvSpPr>
-        <p:spPr>
-          <a:xfrm>
-            <a:off x="5422517" y="5301208"/>
-            <a:ext cx="1656184" cy="504056"/>
-          </a:xfrm>
-          <a:prstGeom prst="rect">
-            <a:avLst/>
-          </a:prstGeom>
-          <a:solidFill>
-            <a:schemeClr val="accent5">
-              <a:lumMod val="20000"/>
-              <a:lumOff val="80000"/>
-            </a:schemeClr>
-          </a:solidFill>
-          <a:ln>
-            <a:noFill/>
-          </a:ln>
-        </p:spPr>
-        <p:style>
-          <a:lnRef idx="2">
-            <a:schemeClr val="accent1">
-              <a:shade val="50000"/>
-            </a:schemeClr>
-          </a:lnRef>
-          <a:fillRef idx="1">
-            <a:schemeClr val="accent1"/>
-          </a:fillRef>
-          <a:effectRef idx="0">
-            <a:schemeClr val="accent1"/>
-          </a:effectRef>
-          <a:fontRef idx="minor">
-            <a:schemeClr val="lt1"/>
-          </a:fontRef>
-        </p:style>
-        <p:txBody>
-          <a:bodyPr rtlCol="0" anchor="ctr"/>
-          <a:lstStyle/>
-          <a:p>
-            <a:pPr algn="ctr"/>
-            <a:r>
-              <a:rPr lang="en-US" altLang="ja-JP" sz="2400" smtClean="0">
-                <a:solidFill>
-                  <a:schemeClr val="tx1"/>
-                </a:solidFill>
-              </a:rPr>
-              <a:t>data</a:t>
-            </a:r>
-            <a:r>
-              <a:rPr lang="ja-JP" altLang="en-US" sz="2400" smtClean="0">
-                <a:solidFill>
-                  <a:schemeClr val="tx1"/>
-                </a:solidFill>
-              </a:rPr>
-              <a:t>用</a:t>
-            </a:r>
-            <a:r>
-              <a:rPr lang="en-US" altLang="ja-JP" sz="2400" smtClean="0">
-                <a:solidFill>
-                  <a:schemeClr val="tx1"/>
-                </a:solidFill>
-              </a:rPr>
+        <p:txBody>
+          <a:bodyPr>
+            <a:normAutofit fontScale="92500" lnSpcReduction="10000"/>
+          </a:bodyPr>
+          <a:lstStyle/>
+          <a:p>
+            <a:r>
+              <a:rPr kumimoji="1" lang="en-US" altLang="ja-JP" smtClean="0"/>
+              <a:t>LVM</a:t>
+            </a:r>
+            <a:r>
+              <a:rPr kumimoji="1" lang="ja-JP" altLang="en-US" smtClean="0"/>
+              <a:t>の</a:t>
+            </a:r>
+            <a:r>
+              <a:rPr kumimoji="1" lang="en-US" altLang="ja-JP" smtClean="0"/>
+              <a:t>snapshot</a:t>
+            </a:r>
+            <a:r>
+              <a:rPr lang="ja-JP" altLang="en-US"/>
+              <a:t>機能</a:t>
+            </a:r>
+            <a:r>
+              <a:rPr lang="ja-JP" altLang="en-US" smtClean="0"/>
+              <a:t>との合わせ技</a:t>
+            </a:r>
+            <a:endParaRPr lang="en-US" altLang="ja-JP" smtClean="0"/>
+          </a:p>
+          <a:p>
+            <a:pPr lvl="1"/>
+            <a:r>
+              <a:rPr kumimoji="1" lang="ja-JP" altLang="en-US" smtClean="0"/>
+              <a:t>ある瞬間の</a:t>
+            </a:r>
+            <a:r>
+              <a:rPr kumimoji="1" lang="en-US" altLang="ja-JP" smtClean="0"/>
               <a:t>disk</a:t>
             </a:r>
-            <a:endParaRPr kumimoji="1" lang="ja-JP" altLang="en-US" sz="2400">
-              <a:solidFill>
-                <a:schemeClr val="tx1"/>
-              </a:solidFill>
-            </a:endParaRPr>
-          </a:p>
-        </p:txBody>
-      </p:sp>
-      <p:sp>
-        <p:nvSpPr>
-          <p:cNvPr id="6" name="正方形/長方形 5"/>
-          <p:cNvSpPr/>
-          <p:nvPr/>
-        </p:nvSpPr>
-        <p:spPr>
-          <a:xfrm>
-            <a:off x="2736279" y="5301208"/>
-            <a:ext cx="1656184" cy="504056"/>
-          </a:xfrm>
-          <a:prstGeom prst="rect">
-            <a:avLst/>
-          </a:prstGeom>
-          <a:solidFill>
-            <a:schemeClr val="accent5">
-              <a:lumMod val="20000"/>
-              <a:lumOff val="80000"/>
-            </a:schemeClr>
-          </a:solidFill>
-          <a:ln>
-            <a:noFill/>
-          </a:ln>
-        </p:spPr>
-        <p:style>
-          <a:lnRef idx="2">
-            <a:schemeClr val="accent1">
-              <a:shade val="50000"/>
-            </a:schemeClr>
-          </a:lnRef>
-          <a:fillRef idx="1">
-            <a:schemeClr val="accent1"/>
-          </a:fillRef>
-          <a:effectRef idx="0">
-            <a:schemeClr val="accent1"/>
-          </a:effectRef>
-          <a:fontRef idx="minor">
-            <a:schemeClr val="lt1"/>
-          </a:fontRef>
-        </p:style>
-        <p:txBody>
-          <a:bodyPr rtlCol="0" anchor="ctr"/>
-          <a:lstStyle/>
-          <a:p>
-            <a:pPr algn="ctr"/>
-            <a:r>
-              <a:rPr lang="en-US" altLang="ja-JP" sz="2400" smtClean="0">
-                <a:solidFill>
-                  <a:schemeClr val="tx1"/>
-                </a:solidFill>
-              </a:rPr>
-              <a:t>log</a:t>
-            </a:r>
-            <a:r>
-              <a:rPr lang="ja-JP" altLang="en-US" sz="2400" smtClean="0">
-                <a:solidFill>
-                  <a:schemeClr val="tx1"/>
-                </a:solidFill>
-              </a:rPr>
-              <a:t>用</a:t>
-            </a:r>
-            <a:r>
-              <a:rPr lang="en-US" altLang="ja-JP" sz="2400" smtClean="0">
-                <a:solidFill>
-                  <a:schemeClr val="tx1"/>
-                </a:solidFill>
-              </a:rPr>
-              <a:t>disk</a:t>
-            </a:r>
-            <a:endParaRPr kumimoji="1" lang="ja-JP" altLang="en-US" sz="2400">
-              <a:solidFill>
-                <a:schemeClr val="tx1"/>
-              </a:solidFill>
-            </a:endParaRPr>
-          </a:p>
-        </p:txBody>
-      </p:sp>
-      <p:cxnSp>
-        <p:nvCxnSpPr>
-          <p:cNvPr id="8" name="直線矢印コネクタ 7"/>
-          <p:cNvCxnSpPr/>
-          <p:nvPr/>
-        </p:nvCxnSpPr>
-        <p:spPr>
-          <a:xfrm>
-            <a:off x="2915815" y="4005064"/>
-            <a:ext cx="1" cy="1247575"/>
-          </a:xfrm>
-          <a:prstGeom prst="straightConnector1">
-            <a:avLst/>
-          </a:prstGeom>
-          <a:ln w="60325">
-            <a:tailEnd type="arrow"/>
-          </a:ln>
-        </p:spPr>
-        <p:style>
-          <a:lnRef idx="1">
-            <a:schemeClr val="accent1"/>
-          </a:lnRef>
-          <a:fillRef idx="0">
-            <a:schemeClr val="accent1"/>
-          </a:fillRef>
-          <a:effectRef idx="0">
-            <a:schemeClr val="accent1"/>
-          </a:effectRef>
-          <a:fontRef idx="minor">
-            <a:schemeClr val="tx1"/>
-          </a:fontRef>
-        </p:style>
-      </p:cxnSp>
-      <p:cxnSp>
-        <p:nvCxnSpPr>
-          <p:cNvPr id="10" name="直線矢印コネクタ 9"/>
-          <p:cNvCxnSpPr/>
-          <p:nvPr/>
-        </p:nvCxnSpPr>
-        <p:spPr>
-          <a:xfrm>
-            <a:off x="6346400" y="4908790"/>
-            <a:ext cx="0" cy="392418"/>
-          </a:xfrm>
-          <a:prstGeom prst="straightConnector1">
-            <a:avLst/>
-          </a:prstGeom>
-          <a:ln w="60325">
-            <a:tailEnd type="arrow"/>
-          </a:ln>
-        </p:spPr>
-        <p:style>
-          <a:lnRef idx="1">
-            <a:schemeClr val="accent1"/>
-          </a:lnRef>
-          <a:fillRef idx="0">
-            <a:schemeClr val="accent1"/>
-          </a:fillRef>
-          <a:effectRef idx="0">
-            <a:schemeClr val="accent1"/>
-          </a:effectRef>
-          <a:fontRef idx="minor">
-            <a:schemeClr val="tx1"/>
-          </a:fontRef>
-        </p:style>
-      </p:cxnSp>
-      <p:cxnSp>
-        <p:nvCxnSpPr>
-          <p:cNvPr id="12" name="直線矢印コネクタ 11"/>
-          <p:cNvCxnSpPr/>
-          <p:nvPr/>
-        </p:nvCxnSpPr>
-        <p:spPr>
-          <a:xfrm flipH="1" flipV="1">
-            <a:off x="2915816" y="4908790"/>
-            <a:ext cx="3430584" cy="16189"/>
-          </a:xfrm>
-          <a:prstGeom prst="straightConnector1">
-            <a:avLst/>
-          </a:prstGeom>
-          <a:ln w="60325">
-            <a:round/>
-            <a:tailEnd type="none"/>
-          </a:ln>
-        </p:spPr>
-        <p:style>
-          <a:lnRef idx="1">
-            <a:schemeClr val="accent1"/>
-          </a:lnRef>
-          <a:fillRef idx="0">
-            <a:schemeClr val="accent1"/>
-          </a:fillRef>
-          <a:effectRef idx="0">
-            <a:schemeClr val="accent1"/>
-          </a:effectRef>
-          <a:fontRef idx="minor">
-            <a:schemeClr val="tx1"/>
-          </a:fontRef>
-        </p:style>
-      </p:cxnSp>
-      <p:cxnSp>
-        <p:nvCxnSpPr>
-          <p:cNvPr id="18" name="直線矢印コネクタ 17"/>
-          <p:cNvCxnSpPr/>
-          <p:nvPr/>
-        </p:nvCxnSpPr>
-        <p:spPr>
-          <a:xfrm flipV="1">
-            <a:off x="4211960" y="3962673"/>
-            <a:ext cx="0" cy="1097072"/>
-          </a:xfrm>
-          <a:prstGeom prst="straightConnector1">
-            <a:avLst/>
-          </a:prstGeom>
-          <a:ln w="60325">
-            <a:solidFill>
-              <a:schemeClr val="accent2">
-                <a:lumMod val="60000"/>
-                <a:lumOff val="40000"/>
-              </a:schemeClr>
-            </a:solidFill>
-            <a:tailEnd type="arrow"/>
-          </a:ln>
-        </p:spPr>
-        <p:style>
-          <a:lnRef idx="1">
-            <a:schemeClr val="accent1"/>
-          </a:lnRef>
-          <a:fillRef idx="0">
-            <a:schemeClr val="accent1"/>
-          </a:fillRef>
-          <a:effectRef idx="0">
-            <a:schemeClr val="accent1"/>
-          </a:effectRef>
-          <a:fontRef idx="minor">
-            <a:schemeClr val="tx1"/>
-          </a:fontRef>
-        </p:style>
-      </p:cxnSp>
-      <p:sp>
-        <p:nvSpPr>
-          <p:cNvPr id="21" name="テキスト ボックス 20"/>
-          <p:cNvSpPr txBox="1"/>
-          <p:nvPr/>
-        </p:nvSpPr>
-        <p:spPr>
-          <a:xfrm>
-            <a:off x="2498137" y="3615407"/>
-            <a:ext cx="835357" cy="461665"/>
-          </a:xfrm>
-          <a:prstGeom prst="rect">
-            <a:avLst/>
-          </a:prstGeom>
-          <a:noFill/>
-        </p:spPr>
-        <p:txBody>
-          <a:bodyPr wrap="none" rtlCol="0">
-            <a:spAutoFit/>
-          </a:bodyPr>
-          <a:lstStyle/>
-          <a:p>
-            <a:r>
-              <a:rPr kumimoji="1" lang="en-US" altLang="ja-JP" sz="2400" smtClean="0"/>
-              <a:t>write</a:t>
-            </a:r>
-            <a:endParaRPr kumimoji="1" lang="ja-JP" altLang="en-US" sz="2400"/>
-          </a:p>
-        </p:txBody>
-      </p:sp>
-      <p:sp>
-        <p:nvSpPr>
-          <p:cNvPr id="22" name="テキスト ボックス 21"/>
-          <p:cNvSpPr txBox="1"/>
-          <p:nvPr/>
-        </p:nvSpPr>
-        <p:spPr>
-          <a:xfrm>
-            <a:off x="4067944" y="3606213"/>
-            <a:ext cx="751296" cy="461665"/>
-          </a:xfrm>
-          <a:prstGeom prst="rect">
-            <a:avLst/>
-          </a:prstGeom>
-          <a:noFill/>
-        </p:spPr>
-        <p:txBody>
-          <a:bodyPr wrap="none" rtlCol="0">
-            <a:spAutoFit/>
-          </a:bodyPr>
-          <a:lstStyle/>
-          <a:p>
-            <a:r>
-              <a:rPr kumimoji="1" lang="en-US" altLang="ja-JP" sz="2400" smtClean="0"/>
-              <a:t>read</a:t>
-            </a:r>
-            <a:endParaRPr kumimoji="1" lang="ja-JP" altLang="en-US" sz="2400"/>
-          </a:p>
-        </p:txBody>
-      </p:sp>
-      <p:sp>
-        <p:nvSpPr>
-          <p:cNvPr id="23" name="テキスト ボックス 22"/>
-          <p:cNvSpPr txBox="1"/>
-          <p:nvPr/>
-        </p:nvSpPr>
-        <p:spPr>
-          <a:xfrm>
-            <a:off x="1331640" y="5775647"/>
-            <a:ext cx="3829895" cy="461665"/>
-          </a:xfrm>
-          <a:prstGeom prst="rect">
-            <a:avLst/>
-          </a:prstGeom>
-          <a:noFill/>
-        </p:spPr>
-        <p:txBody>
-          <a:bodyPr wrap="none" rtlCol="0">
-            <a:spAutoFit/>
-          </a:bodyPr>
-          <a:lstStyle/>
-          <a:p>
-            <a:r>
-              <a:rPr kumimoji="1" lang="ja-JP" altLang="en-US" sz="2400" smtClean="0"/>
-              <a:t>どのブロックに何を書いたか</a:t>
-            </a:r>
-            <a:endParaRPr kumimoji="1" lang="ja-JP" altLang="en-US" sz="2400"/>
-          </a:p>
-        </p:txBody>
-      </p:sp>
-      <p:sp>
-        <p:nvSpPr>
-          <p:cNvPr id="24" name="テキスト ボックス 23"/>
-          <p:cNvSpPr txBox="1"/>
-          <p:nvPr/>
-        </p:nvSpPr>
-        <p:spPr>
-          <a:xfrm>
-            <a:off x="5422517" y="5775646"/>
-            <a:ext cx="1936749" cy="461665"/>
-          </a:xfrm>
-          <a:prstGeom prst="rect">
-            <a:avLst/>
-          </a:prstGeom>
-          <a:noFill/>
-        </p:spPr>
-        <p:txBody>
-          <a:bodyPr wrap="none" rtlCol="0">
-            <a:spAutoFit/>
-          </a:bodyPr>
-          <a:lstStyle/>
-          <a:p>
-            <a:r>
-              <a:rPr lang="ja-JP" altLang="en-US" sz="2400"/>
-              <a:t>実際</a:t>
-            </a:r>
-            <a:r>
-              <a:rPr lang="ja-JP" altLang="en-US" sz="2400" smtClean="0"/>
-              <a:t>のデータ</a:t>
-            </a:r>
-            <a:endParaRPr kumimoji="1" lang="ja-JP" altLang="en-US" sz="2400"/>
-          </a:p>
-        </p:txBody>
-      </p:sp>
-      <p:cxnSp>
-        <p:nvCxnSpPr>
-          <p:cNvPr id="26" name="直線矢印コネクタ 25"/>
-          <p:cNvCxnSpPr/>
-          <p:nvPr/>
-        </p:nvCxnSpPr>
-        <p:spPr>
-          <a:xfrm flipH="1">
-            <a:off x="4211960" y="5059745"/>
-            <a:ext cx="1656184" cy="0"/>
-          </a:xfrm>
-          <a:prstGeom prst="straightConnector1">
-            <a:avLst/>
-          </a:prstGeom>
-          <a:ln w="60325">
-            <a:solidFill>
-              <a:schemeClr val="accent2">
-                <a:lumMod val="60000"/>
-                <a:lumOff val="40000"/>
-              </a:schemeClr>
-            </a:solidFill>
-            <a:tailEnd type="none"/>
-          </a:ln>
-        </p:spPr>
-        <p:style>
-          <a:lnRef idx="1">
-            <a:schemeClr val="accent1"/>
-          </a:lnRef>
-          <a:fillRef idx="0">
-            <a:schemeClr val="accent1"/>
-          </a:fillRef>
-          <a:effectRef idx="0">
-            <a:schemeClr val="accent1"/>
-          </a:effectRef>
-          <a:fontRef idx="minor">
-            <a:schemeClr val="tx1"/>
-          </a:fontRef>
-        </p:style>
-      </p:cxnSp>
-      <p:cxnSp>
-        <p:nvCxnSpPr>
-          <p:cNvPr id="32" name="直線矢印コネクタ 31"/>
-          <p:cNvCxnSpPr/>
-          <p:nvPr/>
-        </p:nvCxnSpPr>
-        <p:spPr>
-          <a:xfrm flipV="1">
-            <a:off x="5868144" y="5059743"/>
-            <a:ext cx="0" cy="241465"/>
-          </a:xfrm>
-          <a:prstGeom prst="straightConnector1">
-            <a:avLst/>
-          </a:prstGeom>
-          <a:ln w="60325">
-            <a:solidFill>
-              <a:schemeClr val="accent2">
-                <a:lumMod val="60000"/>
-                <a:lumOff val="40000"/>
-              </a:schemeClr>
-            </a:solidFill>
-            <a:tailEnd type="none"/>
-          </a:ln>
-        </p:spPr>
-        <p:style>
-          <a:lnRef idx="1">
-            <a:schemeClr val="accent1"/>
-          </a:lnRef>
-          <a:fillRef idx="0">
-            <a:schemeClr val="accent1"/>
-          </a:fillRef>
-          <a:effectRef idx="0">
-            <a:schemeClr val="accent1"/>
-          </a:effectRef>
-          <a:fontRef idx="minor">
-            <a:schemeClr val="tx1"/>
-          </a:fontRef>
-        </p:style>
-      </p:cxnSp>
+            <a:r>
+              <a:rPr kumimoji="1" lang="ja-JP" altLang="en-US" smtClean="0"/>
+              <a:t>の全状態を取得できる</a:t>
+            </a:r>
+            <a:endParaRPr kumimoji="1" lang="en-US" altLang="ja-JP" smtClean="0"/>
+          </a:p>
+          <a:p>
+            <a:pPr lvl="1"/>
+            <a:r>
+              <a:rPr lang="ja-JP" altLang="en-US" smtClean="0"/>
+              <a:t>そのデータを転送する</a:t>
+            </a:r>
+            <a:endParaRPr lang="en-US" altLang="ja-JP" smtClean="0"/>
+          </a:p>
+          <a:p>
+            <a:pPr lvl="1"/>
+            <a:r>
+              <a:rPr kumimoji="1" lang="ja-JP" altLang="en-US"/>
+              <a:t>必要</a:t>
+            </a:r>
+            <a:r>
+              <a:rPr kumimoji="1" lang="ja-JP" altLang="en-US" smtClean="0"/>
+              <a:t>なら差分転送もする</a:t>
+            </a:r>
+            <a:endParaRPr kumimoji="1" lang="en-US" altLang="ja-JP" smtClean="0"/>
+          </a:p>
+          <a:p>
+            <a:r>
+              <a:rPr lang="ja-JP" altLang="en-US" smtClean="0"/>
+              <a:t>利点</a:t>
+            </a:r>
+            <a:endParaRPr lang="en-US" altLang="ja-JP" smtClean="0"/>
+          </a:p>
+          <a:p>
+            <a:pPr lvl="1"/>
+            <a:r>
+              <a:rPr kumimoji="1" lang="ja-JP" altLang="en-US"/>
+              <a:t>実装</a:t>
+            </a:r>
+            <a:r>
+              <a:rPr kumimoji="1" lang="ja-JP" altLang="en-US" smtClean="0"/>
+              <a:t>が</a:t>
+            </a:r>
+            <a:r>
+              <a:rPr lang="ja-JP" altLang="en-US"/>
+              <a:t>比較的</a:t>
+            </a:r>
+            <a:r>
+              <a:rPr kumimoji="1" lang="ja-JP" altLang="en-US" smtClean="0"/>
+              <a:t>簡単（ユーザランドですむ）</a:t>
+            </a:r>
+            <a:endParaRPr kumimoji="1" lang="en-US" altLang="ja-JP" smtClean="0"/>
+          </a:p>
+          <a:p>
+            <a:r>
+              <a:rPr lang="ja-JP" altLang="en-US" smtClean="0"/>
+              <a:t>欠点</a:t>
+            </a:r>
+            <a:endParaRPr lang="en-US" altLang="ja-JP" smtClean="0"/>
+          </a:p>
+          <a:p>
+            <a:pPr lvl="1"/>
+            <a:r>
+              <a:rPr lang="en-US" altLang="ja-JP" smtClean="0"/>
+              <a:t>LVM</a:t>
+            </a:r>
+            <a:r>
+              <a:rPr lang="ja-JP" altLang="en-US" smtClean="0"/>
+              <a:t>の</a:t>
+            </a:r>
+            <a:r>
+              <a:rPr lang="en-US" altLang="ja-JP" smtClean="0"/>
+              <a:t>snapshot</a:t>
+            </a:r>
+            <a:r>
+              <a:rPr lang="ja-JP" altLang="en-US" smtClean="0"/>
+              <a:t>に依存（</a:t>
+            </a:r>
+            <a:r>
+              <a:rPr kumimoji="1" lang="ja-JP" altLang="en-US" smtClean="0"/>
+              <a:t>データ化け</a:t>
+            </a:r>
+            <a:r>
+              <a:rPr lang="ja-JP" altLang="en-US" smtClean="0"/>
+              <a:t>のバグに悩む）</a:t>
+            </a:r>
+            <a:endParaRPr kumimoji="1" lang="en-US" altLang="ja-JP" smtClean="0"/>
+          </a:p>
+          <a:p>
+            <a:pPr lvl="1"/>
+            <a:r>
+              <a:rPr lang="en-US" altLang="ja-JP" smtClean="0"/>
+              <a:t>snapshot</a:t>
+            </a:r>
+            <a:r>
+              <a:rPr lang="ja-JP" altLang="en-US" smtClean="0"/>
+              <a:t>があると遅い</a:t>
+            </a:r>
+            <a:endParaRPr lang="en-US" altLang="ja-JP" smtClean="0"/>
+          </a:p>
+          <a:p>
+            <a:pPr lvl="1"/>
+            <a:r>
+              <a:rPr lang="ja-JP" altLang="en-US"/>
+              <a:t>差分転送</a:t>
+            </a:r>
+            <a:r>
+              <a:rPr lang="ja-JP" altLang="en-US"/>
+              <a:t>時</a:t>
+            </a:r>
+            <a:r>
+              <a:rPr lang="ja-JP" altLang="en-US" smtClean="0"/>
+              <a:t>に</a:t>
+            </a:r>
+            <a:r>
+              <a:rPr lang="en-US" altLang="ja-JP" smtClean="0"/>
+              <a:t>full scan</a:t>
+            </a:r>
+            <a:r>
+              <a:rPr lang="ja-JP" altLang="en-US" smtClean="0"/>
+              <a:t>が必要</a:t>
+            </a:r>
+            <a:endParaRPr lang="en-US" altLang="ja-JP" smtClean="0"/>
+          </a:p>
+        </p:txBody>
+      </p:sp>
+      <p:sp>
+        <p:nvSpPr>
+          <p:cNvPr id="5" name="スライド番号プレースホルダー 4"/>
+          <p:cNvSpPr>
+            <a:spLocks noGrp="1"/>
+          </p:cNvSpPr>
+          <p:nvPr>
+            <p:ph type="sldNum" sz="quarter" idx="12"/>
+          </p:nvPr>
+        </p:nvSpPr>
+        <p:spPr/>
+        <p:txBody>
+          <a:bodyPr/>
+          <a:lstStyle/>
+          <a:p>
+            <a:fld id="{2649E3F5-6F9D-4754-B6F9-50AE10FEA634}" type="slidenum">
+              <a:rPr lang="ja-JP" altLang="en-US" smtClean="0"/>
+              <a:pPr/>
+              <a:t>9</a:t>
+            </a:fld>
+            <a:r>
+              <a:rPr lang="en-US" altLang="ja-JP" smtClean="0"/>
+              <a:t>/30</a:t>
+            </a:r>
+            <a:endParaRPr lang="ja-JP" altLang="en-US"/>
+          </a:p>
+        </p:txBody>
+      </p:sp>
     </p:spTree>
     <p:extLst>
       <p:ext uri="{BB962C8B-B14F-4D97-AF65-F5344CB8AC3E}">
-        <p14:creationId xmlns:p14="http://schemas.microsoft.com/office/powerpoint/2010/main" val="904040552"/>
+        <p14:creationId xmlns:p14="http://schemas.microsoft.com/office/powerpoint/2010/main" val="3061340912"/>
       </p:ext>
     </p:extLst>
   </p:cSld>
   <p:clrMapOvr>
     <a:masterClrMapping/>
   </p:clrMapOvr>
-  <p:timing>
-    <p:tnLst>
-      <p:par>
-        <p:cTn id="1" dur="indefinite" restart="never" nodeType="tmRoot"/>
-      </p:par>
-    </p:tnLst>
-  </p:timing>
 </p:sld>
 </file>
 
@@ -20971,4 +22845,289 @@
   <a:objectDefaults/>
   <a:extraClrSchemeLst/>
 </a:theme>
+</file>
+
+<file path=ppt/theme/theme2.xml><?xml version="1.0" encoding="utf-8"?>
+<a:theme xmlns:a="http://schemas.openxmlformats.org/drawingml/2006/main" name="Office ​​テーマ">
+  <a:themeElements>
+    <a:clrScheme name="Office">
+      <a:dk1>
+        <a:sysClr val="windowText" lastClr="000000"/>
+      </a:dk1>
+      <a:lt1>
+        <a:sysClr val="window" lastClr="FFFFFF"/>
+      </a:lt1>
+      <a:dk2>
+        <a:srgbClr val="1F497D"/>
+      </a:dk2>
+      <a:lt2>
+        <a:srgbClr val="EEECE1"/>
+      </a:lt2>
+      <a:accent1>
+        <a:srgbClr val="4F81BD"/>
+      </a:accent1>
+      <a:accent2>
+        <a:srgbClr val="C0504D"/>
+      </a:accent2>
+      <a:accent3>
+        <a:srgbClr val="9BBB59"/>
+      </a:accent3>
+      <a:accent4>
+        <a:srgbClr val="8064A2"/>
+      </a:accent4>
+      <a:accent5>
+        <a:srgbClr val="4BACC6"/>
+      </a:accent5>
+      <a:accent6>
+        <a:srgbClr val="F79646"/>
+      </a:accent6>
+      <a:hlink>
+        <a:srgbClr val="0000FF"/>
+      </a:hlink>
+      <a:folHlink>
+        <a:srgbClr val="800080"/>
+      </a:folHlink>
+    </a:clrScheme>
+    <a:fontScheme name="Office">
+      <a:majorFont>
+        <a:latin typeface="Calibri"/>
+        <a:ea typeface=""/>
+        <a:cs typeface=""/>
+        <a:font script="Jpan" typeface="ＭＳ Ｐゴシック"/>
+        <a:font script="Hang" typeface="맑은 고딕"/>
+        <a:font script="Hans" typeface="宋体"/>
+        <a:font script="Hant" typeface="新細明體"/>
+        <a:font script="Arab" typeface="Times New Roman"/>
+        <a:font script="Hebr" typeface="Times New Roman"/>
+        <a:font script="Thai" typeface="Angsana New"/>
+        <a:font script="Ethi" typeface="Nyala"/>
+        <a:font script="Beng" typeface="Vrinda"/>
+        <a:font script="Gujr" typeface="Shruti"/>
+        <a:font script="Khmr" typeface="MoolBoran"/>
+        <a:font script="Knda" typeface="Tunga"/>
+        <a:font script="Guru" typeface="Raavi"/>
+        <a:font script="Cans" typeface="Euphemia"/>
+        <a:font script="Cher" typeface="Plantagenet Cherokee"/>
+        <a:font script="Yiii" typeface="Microsoft Yi Baiti"/>
+        <a:font script="Tibt" typeface="Microsoft Himalaya"/>
+        <a:font script="Thaa" typeface="MV Boli"/>
+        <a:font script="Deva" typeface="Mangal"/>
+        <a:font script="Telu" typeface="Gautami"/>
+        <a:font script="Taml" typeface="Latha"/>
+        <a:font script="Syrc" typeface="Estrangelo Edessa"/>
+        <a:font script="Orya" typeface="Kalinga"/>
+        <a:font script="Mlym" typeface="Kartika"/>
+        <a:font script="Laoo" typeface="DokChampa"/>
+        <a:font script="Sinh" typeface="Iskoola Pota"/>
+        <a:font script="Mong" typeface="Mongolian Baiti"/>
+        <a:font script="Viet" typeface="Times New Roman"/>
+        <a:font script="Uigh" typeface="Microsoft Uighur"/>
+        <a:font script="Geor" typeface="Sylfaen"/>
+      </a:majorFont>
+      <a:minorFont>
+        <a:latin typeface="Calibri"/>
+        <a:ea typeface=""/>
+        <a:cs typeface=""/>
+        <a:font script="Jpan" typeface="ＭＳ Ｐゴシック"/>
+        <a:font script="Hang" typeface="맑은 고딕"/>
+        <a:font script="Hans" typeface="宋体"/>
+        <a:font script="Hant" typeface="新細明體"/>
+        <a:font script="Arab" typeface="Arial"/>
+        <a:font script="Hebr" typeface="Arial"/>
+        <a:font script="Thai" typeface="Cordia New"/>
+        <a:font script="Ethi" typeface="Nyala"/>
+        <a:font script="Beng" typeface="Vrinda"/>
+        <a:font script="Gujr" typeface="Shruti"/>
+        <a:font script="Khmr" typeface="DaunPenh"/>
+        <a:font script="Knda" typeface="Tunga"/>
+        <a:font script="Guru" typeface="Raavi"/>
+        <a:font script="Cans" typeface="Euphemia"/>
+        <a:font script="Cher" typeface="Plantagenet Cherokee"/>
+        <a:font script="Yiii" typeface="Microsoft Yi Baiti"/>
+        <a:font script="Tibt" typeface="Microsoft Himalaya"/>
+        <a:font script="Thaa" typeface="MV Boli"/>
+        <a:font script="Deva" typeface="Mangal"/>
+        <a:font script="Telu" typeface="Gautami"/>
+        <a:font script="Taml" typeface="Latha"/>
+        <a:font script="Syrc" typeface="Estrangelo Edessa"/>
+        <a:font script="Orya" typeface="Kalinga"/>
+        <a:font script="Mlym" typeface="Kartika"/>
+        <a:font script="Laoo" typeface="DokChampa"/>
+        <a:font script="Sinh" typeface="Iskoola Pota"/>
+        <a:font script="Mong" typeface="Mongolian Baiti"/>
+        <a:font script="Viet" typeface="Arial"/>
+        <a:font script="Uigh" typeface="Microsoft Uighur"/>
+        <a:font script="Geor" typeface="Sylfaen"/>
+      </a:minorFont>
+    </a:fontScheme>
+    <a:fmtScheme name="Office">
+      <a:fillStyleLst>
+        <a:solidFill>
+          <a:schemeClr val="phClr"/>
+        </a:solidFill>
+        <a:gradFill rotWithShape="1">
+          <a:gsLst>
+            <a:gs pos="0">
+              <a:schemeClr val="phClr">
+                <a:tint val="50000"/>
+                <a:satMod val="300000"/>
+              </a:schemeClr>
+            </a:gs>
+            <a:gs pos="35000">
+              <a:schemeClr val="phClr">
+                <a:tint val="37000"/>
+                <a:satMod val="300000"/>
+              </a:schemeClr>
+            </a:gs>
+            <a:gs pos="100000">
+              <a:schemeClr val="phClr">
+                <a:tint val="15000"/>
+                <a:satMod val="350000"/>
+              </a:schemeClr>
+            </a:gs>
+          </a:gsLst>
+          <a:lin ang="16200000" scaled="1"/>
+        </a:gradFill>
+        <a:gradFill rotWithShape="1">
+          <a:gsLst>
+            <a:gs pos="0">
+              <a:schemeClr val="phClr">
+                <a:shade val="51000"/>
+                <a:satMod val="130000"/>
+              </a:schemeClr>
+            </a:gs>
+            <a:gs pos="80000">
+              <a:schemeClr val="phClr">
+                <a:shade val="93000"/>
+                <a:satMod val="130000"/>
+              </a:schemeClr>
+            </a:gs>
+            <a:gs pos="100000">
+              <a:schemeClr val="phClr">
+                <a:shade val="94000"/>
+                <a:satMod val="135000"/>
+              </a:schemeClr>
+            </a:gs>
+          </a:gsLst>
+          <a:lin ang="16200000" scaled="0"/>
+        </a:gradFill>
+      </a:fillStyleLst>
+      <a:lnStyleLst>
+        <a:ln w="9525" cap="flat" cmpd="sng" algn="ctr">
+          <a:solidFill>
+            <a:schemeClr val="phClr">
+              <a:shade val="95000"/>
+              <a:satMod val="105000"/>
+            </a:schemeClr>
+          </a:solidFill>
+          <a:prstDash val="solid"/>
+        </a:ln>
+        <a:ln w="25400" cap="flat" cmpd="sng" algn="ctr">
+          <a:solidFill>
+            <a:schemeClr val="phClr"/>
+          </a:solidFill>
+          <a:prstDash val="solid"/>
+        </a:ln>
+        <a:ln w="38100" cap="flat" cmpd="sng" algn="ctr">
+          <a:solidFill>
+            <a:schemeClr val="phClr"/>
+          </a:solidFill>
+          <a:prstDash val="solid"/>
+        </a:ln>
+      </a:lnStyleLst>
+      <a:effectStyleLst>
+        <a:effectStyle>
+          <a:effectLst>
+            <a:outerShdw blurRad="40000" dist="20000" dir="5400000" rotWithShape="0">
+              <a:srgbClr val="000000">
+                <a:alpha val="38000"/>
+              </a:srgbClr>
+            </a:outerShdw>
+          </a:effectLst>
+        </a:effectStyle>
+        <a:effectStyle>
+          <a:effectLst>
+            <a:outerShdw blurRad="40000" dist="23000" dir="5400000" rotWithShape="0">
+              <a:srgbClr val="000000">
+                <a:alpha val="35000"/>
+              </a:srgbClr>
+            </a:outerShdw>
+          </a:effectLst>
+        </a:effectStyle>
+        <a:effectStyle>
+          <a:effectLst>
+            <a:outerShdw blurRad="40000" dist="23000" dir="5400000" rotWithShape="0">
+              <a:srgbClr val="000000">
+                <a:alpha val="35000"/>
+              </a:srgbClr>
+            </a:outerShdw>
+          </a:effectLst>
+          <a:scene3d>
+            <a:camera prst="orthographicFront">
+              <a:rot lat="0" lon="0" rev="0"/>
+            </a:camera>
+            <a:lightRig rig="threePt" dir="t">
+              <a:rot lat="0" lon="0" rev="1200000"/>
+            </a:lightRig>
+          </a:scene3d>
+          <a:sp3d>
+            <a:bevelT w="63500" h="25400"/>
+          </a:sp3d>
+        </a:effectStyle>
+      </a:effectStyleLst>
+      <a:bgFillStyleLst>
+        <a:solidFill>
+          <a:schemeClr val="phClr"/>
+        </a:solidFill>
+        <a:gradFill rotWithShape="1">
+          <a:gsLst>
+            <a:gs pos="0">
+              <a:schemeClr val="phClr">
+                <a:tint val="40000"/>
+                <a:satMod val="350000"/>
+              </a:schemeClr>
+            </a:gs>
+            <a:gs pos="40000">
+              <a:schemeClr val="phClr">
+                <a:tint val="45000"/>
+                <a:shade val="99000"/>
+                <a:satMod val="350000"/>
+              </a:schemeClr>
+            </a:gs>
+            <a:gs pos="100000">
+              <a:schemeClr val="phClr">
+                <a:shade val="20000"/>
+                <a:satMod val="255000"/>
+              </a:schemeClr>
+            </a:gs>
+          </a:gsLst>
+          <a:path path="circle">
+            <a:fillToRect l="50000" t="-80000" r="50000" b="180000"/>
+          </a:path>
+        </a:gradFill>
+        <a:gradFill rotWithShape="1">
+          <a:gsLst>
+            <a:gs pos="0">
+              <a:schemeClr val="phClr">
+                <a:tint val="80000"/>
+                <a:satMod val="300000"/>
+              </a:schemeClr>
+            </a:gs>
+            <a:gs pos="100000">
+              <a:schemeClr val="phClr">
+                <a:shade val="30000"/>
+                <a:satMod val="200000"/>
+              </a:schemeClr>
+            </a:gs>
+          </a:gsLst>
+          <a:path path="circle">
+            <a:fillToRect l="50000" t="50000" r="50000" b="50000"/>
+          </a:path>
+        </a:gradFill>
+      </a:bgFillStyleLst>
+    </a:fmtScheme>
+  </a:themeElements>
+  <a:objectDefaults/>
+  <a:extraClrSchemeLst/>
+</a:theme>
 </file>
--- a/doc/walb-is-hard.pptx
+++ b/doc/walb-is-hard.pptx
@@ -5,7 +5,7 @@
     <p:sldMasterId id="2147483648" r:id="rId1"/>
   </p:sldMasterIdLst>
   <p:notesMasterIdLst>
-    <p:notesMasterId r:id="rId32"/>
+    <p:notesMasterId r:id="rId33"/>
   </p:notesMasterIdLst>
   <p:sldIdLst>
     <p:sldId id="257" r:id="rId2"/>
@@ -32,12 +32,13 @@
     <p:sldId id="270" r:id="rId23"/>
     <p:sldId id="275" r:id="rId24"/>
     <p:sldId id="271" r:id="rId25"/>
-    <p:sldId id="285" r:id="rId26"/>
-    <p:sldId id="278" r:id="rId27"/>
+    <p:sldId id="256" r:id="rId26"/>
+    <p:sldId id="285" r:id="rId27"/>
     <p:sldId id="279" r:id="rId28"/>
-    <p:sldId id="276" r:id="rId29"/>
-    <p:sldId id="272" r:id="rId30"/>
-    <p:sldId id="256" r:id="rId31"/>
+    <p:sldId id="286" r:id="rId29"/>
+    <p:sldId id="278" r:id="rId30"/>
+    <p:sldId id="276" r:id="rId31"/>
+    <p:sldId id="272" r:id="rId32"/>
   </p:sldIdLst>
   <p:sldSz cx="9144000" cy="6858000" type="screen4x3"/>
   <p:notesSz cx="6858000" cy="9144000"/>
@@ -221,7 +222,7 @@
           <a:p>
             <a:fld id="{CAF3B400-B8DA-4F20-BFC2-427A5A4B7B99}" type="datetimeFigureOut">
               <a:rPr kumimoji="1" lang="ja-JP" altLang="en-US" smtClean="0"/>
-              <a:t>2014/10/27</a:t>
+              <a:t>2014/10/29</a:t>
             </a:fld>
             <a:endParaRPr kumimoji="1" lang="ja-JP" altLang="en-US"/>
           </a:p>
@@ -700,9 +701,9 @@
           <a:bodyPr/>
           <a:lstStyle/>
           <a:p>
-            <a:fld id="{83A0FDD8-7D3E-4211-9B67-91927FF3F800}" type="datetime1">
+            <a:fld id="{2DE0BFCA-6088-43F6-B3C3-698B96CD5193}" type="datetime1">
               <a:rPr kumimoji="1" lang="ja-JP" altLang="en-US" smtClean="0"/>
-              <a:t>2014/10/27</a:t>
+              <a:t>2014/10/29</a:t>
             </a:fld>
             <a:endParaRPr kumimoji="1" lang="ja-JP" altLang="en-US"/>
           </a:p>
@@ -902,9 +903,9 @@
           <a:bodyPr/>
           <a:lstStyle/>
           <a:p>
-            <a:fld id="{92EB196E-37A3-47C0-BEFF-61A0D513AF34}" type="datetime1">
+            <a:fld id="{4B2C469F-6B60-420F-82B7-D1F1E6086289}" type="datetime1">
               <a:rPr kumimoji="1" lang="ja-JP" altLang="en-US" smtClean="0"/>
-              <a:t>2014/10/27</a:t>
+              <a:t>2014/10/29</a:t>
             </a:fld>
             <a:endParaRPr kumimoji="1" lang="ja-JP" altLang="en-US"/>
           </a:p>
@@ -1114,9 +1115,9 @@
           <a:bodyPr/>
           <a:lstStyle/>
           <a:p>
-            <a:fld id="{EC221A7A-DE61-4DCE-8254-4F2215DDB5E7}" type="datetime1">
+            <a:fld id="{13FC1AFE-5C78-415D-9B62-2694142D0EBE}" type="datetime1">
               <a:rPr kumimoji="1" lang="ja-JP" altLang="en-US" smtClean="0"/>
-              <a:t>2014/10/27</a:t>
+              <a:t>2014/10/29</a:t>
             </a:fld>
             <a:endParaRPr kumimoji="1" lang="ja-JP" altLang="en-US"/>
           </a:p>
@@ -1316,9 +1317,9 @@
           <a:bodyPr/>
           <a:lstStyle/>
           <a:p>
-            <a:fld id="{062C37F1-9BEB-41E0-9FF3-95288A60DF59}" type="datetime1">
+            <a:fld id="{7A99A1A1-9E4A-4851-BA77-3185320F5978}" type="datetime1">
               <a:rPr kumimoji="1" lang="ja-JP" altLang="en-US" smtClean="0"/>
-              <a:t>2014/10/27</a:t>
+              <a:t>2014/10/29</a:t>
             </a:fld>
             <a:endParaRPr kumimoji="1" lang="ja-JP" altLang="en-US"/>
           </a:p>
@@ -1365,7 +1366,7 @@
             </a:fld>
             <a:r>
               <a:rPr lang="en-US" altLang="ja-JP" smtClean="0"/>
-              <a:t>/30</a:t>
+              <a:t>/31</a:t>
             </a:r>
             <a:endParaRPr lang="ja-JP" altLang="en-US"/>
           </a:p>
@@ -1567,9 +1568,9 @@
           <a:bodyPr/>
           <a:lstStyle/>
           <a:p>
-            <a:fld id="{A791FC19-9E22-4CAD-959F-970FEF4DA508}" type="datetime1">
+            <a:fld id="{7028ECE6-3338-4FB4-A678-952B57905F58}" type="datetime1">
               <a:rPr kumimoji="1" lang="ja-JP" altLang="en-US" smtClean="0"/>
-              <a:t>2014/10/27</a:t>
+              <a:t>2014/10/29</a:t>
             </a:fld>
             <a:endParaRPr kumimoji="1" lang="ja-JP" altLang="en-US"/>
           </a:p>
@@ -1919,9 +1920,9 @@
           <a:bodyPr/>
           <a:lstStyle/>
           <a:p>
-            <a:fld id="{88BAA74D-30E6-466B-A2A7-FCB0A3B70795}" type="datetime1">
+            <a:fld id="{71B10A68-0B0B-47C0-AB3D-06BC450A38CE}" type="datetime1">
               <a:rPr kumimoji="1" lang="ja-JP" altLang="en-US" smtClean="0"/>
-              <a:t>2014/10/27</a:t>
+              <a:t>2014/10/29</a:t>
             </a:fld>
             <a:endParaRPr kumimoji="1" lang="ja-JP" altLang="en-US"/>
           </a:p>
@@ -2405,9 +2406,9 @@
           <a:bodyPr/>
           <a:lstStyle/>
           <a:p>
-            <a:fld id="{9145F43B-99BD-447E-B961-C95FF76AC43F}" type="datetime1">
+            <a:fld id="{63FA3E0E-6739-4681-B128-5B83AFF50039}" type="datetime1">
               <a:rPr kumimoji="1" lang="ja-JP" altLang="en-US" smtClean="0"/>
-              <a:t>2014/10/27</a:t>
+              <a:t>2014/10/29</a:t>
             </a:fld>
             <a:endParaRPr kumimoji="1" lang="ja-JP" altLang="en-US"/>
           </a:p>
@@ -2523,9 +2524,9 @@
           <a:bodyPr/>
           <a:lstStyle/>
           <a:p>
-            <a:fld id="{6A1CE8ED-0C6F-4BD1-8CA7-74E4AC55B3FF}" type="datetime1">
+            <a:fld id="{78042C92-24A9-4E8B-9680-782672440AE6}" type="datetime1">
               <a:rPr kumimoji="1" lang="ja-JP" altLang="en-US" smtClean="0"/>
-              <a:t>2014/10/27</a:t>
+              <a:t>2014/10/29</a:t>
             </a:fld>
             <a:endParaRPr kumimoji="1" lang="ja-JP" altLang="en-US"/>
           </a:p>
@@ -2618,9 +2619,9 @@
           <a:bodyPr/>
           <a:lstStyle/>
           <a:p>
-            <a:fld id="{612EFEED-8580-4AFF-A7E7-F2908BCFCB44}" type="datetime1">
+            <a:fld id="{B3F2F649-881B-4550-8F10-23F36B562F69}" type="datetime1">
               <a:rPr kumimoji="1" lang="ja-JP" altLang="en-US" smtClean="0"/>
-              <a:t>2014/10/27</a:t>
+              <a:t>2014/10/29</a:t>
             </a:fld>
             <a:endParaRPr kumimoji="1" lang="ja-JP" altLang="en-US"/>
           </a:p>
@@ -2927,9 +2928,9 @@
           <a:bodyPr/>
           <a:lstStyle/>
           <a:p>
-            <a:fld id="{B6A9EFB1-CF0A-46EF-8C40-69885B0E480A}" type="datetime1">
+            <a:fld id="{B350064D-45E8-44B4-9523-88157065CA50}" type="datetime1">
               <a:rPr kumimoji="1" lang="ja-JP" altLang="en-US" smtClean="0"/>
-              <a:t>2014/10/27</a:t>
+              <a:t>2014/10/29</a:t>
             </a:fld>
             <a:endParaRPr kumimoji="1" lang="ja-JP" altLang="en-US"/>
           </a:p>
@@ -3180,9 +3181,9 @@
           <a:bodyPr/>
           <a:lstStyle/>
           <a:p>
-            <a:fld id="{76584A83-C5F5-40D3-AABB-F1BA494E9BAC}" type="datetime1">
+            <a:fld id="{A954322D-E273-4651-B388-7E43B107CB95}" type="datetime1">
               <a:rPr kumimoji="1" lang="ja-JP" altLang="en-US" smtClean="0"/>
-              <a:t>2014/10/27</a:t>
+              <a:t>2014/10/29</a:t>
             </a:fld>
             <a:endParaRPr kumimoji="1" lang="ja-JP" altLang="en-US"/>
           </a:p>
@@ -3425,9 +3426,9 @@
             </a:lvl1pPr>
           </a:lstStyle>
           <a:p>
-            <a:fld id="{088E5BDD-1DEA-4184-B0A1-24A918F11725}" type="datetime1">
+            <a:fld id="{23EE3585-0DFB-4D28-A101-BA6BD06B4180}" type="datetime1">
               <a:rPr kumimoji="1" lang="ja-JP" altLang="en-US" smtClean="0"/>
-              <a:t>2014/10/27</a:t>
+              <a:t>2014/10/29</a:t>
             </a:fld>
             <a:endParaRPr kumimoji="1" lang="ja-JP" altLang="en-US"/>
           </a:p>
@@ -3821,55 +3822,47 @@
           <a:lstStyle/>
           <a:p>
             <a:r>
-              <a:rPr kumimoji="1" lang="en-US" altLang="ja-JP" smtClean="0"/>
+              <a:rPr lang="en-US" altLang="ja-JP" smtClean="0"/>
               <a:t>WalB</a:t>
             </a:r>
             <a:r>
-              <a:rPr kumimoji="1" lang="ja-JP" altLang="en-US" smtClean="0"/>
+              <a:rPr lang="ja-JP" altLang="en-US" smtClean="0"/>
               <a:t>やってみたら</a:t>
             </a:r>
             <a:r>
-              <a:rPr kumimoji="1" lang="en-US" altLang="ja-JP" smtClean="0"/>
+              <a:rPr lang="en-US" altLang="ja-JP" smtClean="0"/>
               <a:t/>
             </a:r>
             <a:br>
-              <a:rPr kumimoji="1" lang="en-US" altLang="ja-JP" smtClean="0"/>
+              <a:rPr lang="en-US" altLang="ja-JP" smtClean="0"/>
             </a:br>
             <a:r>
-              <a:rPr kumimoji="1" lang="ja-JP" altLang="en-US" sz="2200" smtClean="0"/>
+              <a:rPr lang="ja-JP" altLang="en-US" sz="2200" smtClean="0"/>
               <a:t>ホントは</a:t>
             </a:r>
             <a:r>
-              <a:rPr kumimoji="1" lang="en-US" altLang="ja-JP" smtClean="0"/>
+              <a:rPr lang="en-US" altLang="ja-JP" smtClean="0"/>
               <a:t/>
             </a:r>
             <a:br>
-              <a:rPr kumimoji="1" lang="en-US" altLang="ja-JP" smtClean="0"/>
+              <a:rPr lang="en-US" altLang="ja-JP" smtClean="0"/>
             </a:br>
             <a:r>
-              <a:rPr kumimoji="1" lang="ja-JP" altLang="en-US" smtClean="0"/>
+              <a:rPr lang="ja-JP" altLang="en-US" smtClean="0"/>
               <a:t>こんなに大変だった</a:t>
             </a:r>
             <a:r>
-              <a:rPr kumimoji="1" lang="en-US" altLang="ja-JP" smtClean="0"/>
+              <a:rPr lang="en-US" altLang="ja-JP" smtClean="0"/>
               <a:t>!?</a:t>
             </a:r>
             <a:br>
-              <a:rPr kumimoji="1" lang="en-US" altLang="ja-JP" smtClean="0"/>
+              <a:rPr lang="en-US" altLang="ja-JP" smtClean="0"/>
             </a:br>
             <a:r>
-              <a:rPr lang="ja-JP" altLang="en-US" sz="1800" smtClean="0"/>
-              <a:t>（</a:t>
-            </a:r>
-            <a:r>
-              <a:rPr lang="ja-JP" altLang="en-US" sz="1800"/>
-              <a:t>現在進行形</a:t>
-            </a:r>
-            <a:r>
-              <a:rPr lang="ja-JP" altLang="en-US" sz="1800" smtClean="0"/>
-              <a:t>）</a:t>
-            </a:r>
-            <a:endParaRPr kumimoji="1" lang="ja-JP" altLang="en-US"/>
+              <a:rPr lang="ja-JP" altLang="en-US" sz="2200" smtClean="0"/>
+              <a:t>（現在進行形）</a:t>
+            </a:r>
+            <a:endParaRPr lang="ja-JP" altLang="en-US" sz="2200"/>
           </a:p>
         </p:txBody>
       </p:sp>
@@ -3889,17 +3882,16 @@
           <a:lstStyle/>
           <a:p>
             <a:r>
-              <a:rPr kumimoji="1" lang="en-US" altLang="ja-JP" smtClean="0"/>
+              <a:rPr lang="en-US" altLang="ja-JP" smtClean="0"/>
               <a:t>2014/10/29</a:t>
             </a:r>
-            <a:endParaRPr kumimoji="1" lang="en-US" altLang="ja-JP" smtClean="0"/>
-          </a:p>
-          <a:p>
-            <a:r>
-              <a:rPr kumimoji="1" lang="ja-JP" altLang="en-US" smtClean="0"/>
+          </a:p>
+          <a:p>
+            <a:r>
+              <a:rPr lang="ja-JP" altLang="en-US" smtClean="0"/>
               <a:t>光成滋生</a:t>
             </a:r>
-            <a:endParaRPr kumimoji="1" lang="ja-JP" altLang="en-US"/>
+            <a:endParaRPr lang="ja-JP" altLang="en-US"/>
           </a:p>
         </p:txBody>
       </p:sp>
@@ -3956,14 +3948,14 @@
           <a:lstStyle/>
           <a:p>
             <a:r>
-              <a:rPr kumimoji="1" lang="en-US" altLang="ja-JP" smtClean="0"/>
+              <a:rPr lang="en-US" altLang="ja-JP" smtClean="0"/>
               <a:t>WalB</a:t>
             </a:r>
             <a:r>
-              <a:rPr kumimoji="1" lang="ja-JP" altLang="en-US" smtClean="0"/>
+              <a:rPr lang="ja-JP" altLang="en-US" smtClean="0"/>
               <a:t>による解決</a:t>
             </a:r>
-            <a:endParaRPr kumimoji="1" lang="ja-JP" altLang="en-US"/>
+            <a:endParaRPr lang="ja-JP" altLang="en-US"/>
           </a:p>
         </p:txBody>
       </p:sp>
@@ -3983,46 +3975,42 @@
           <a:lstStyle/>
           <a:p>
             <a:r>
-              <a:rPr kumimoji="1" lang="en-US" altLang="ja-JP" smtClean="0"/>
+              <a:rPr lang="en-US" altLang="ja-JP" smtClean="0"/>
               <a:t>log</a:t>
             </a:r>
             <a:r>
-              <a:rPr kumimoji="1" lang="ja-JP" altLang="en-US" smtClean="0"/>
-              <a:t>つき</a:t>
-            </a:r>
-            <a:r>
-              <a:rPr lang="ja-JP" altLang="en-US" smtClean="0"/>
-              <a:t>ブロックデバイス</a:t>
+              <a:rPr lang="ja-JP" altLang="en-US" smtClean="0"/>
+              <a:t>つきブロックデバイス</a:t>
             </a:r>
             <a:endParaRPr lang="en-US" altLang="ja-JP" smtClean="0"/>
           </a:p>
           <a:p>
             <a:pPr lvl="1"/>
             <a:r>
-              <a:rPr kumimoji="1" lang="en-US" altLang="ja-JP" smtClean="0"/>
+              <a:rPr lang="en-US" altLang="ja-JP" smtClean="0"/>
               <a:t>LVM</a:t>
             </a:r>
             <a:r>
-              <a:rPr kumimoji="1" lang="ja-JP" altLang="en-US" smtClean="0"/>
+              <a:rPr lang="ja-JP" altLang="en-US" smtClean="0"/>
               <a:t>への依存を減らす</a:t>
             </a:r>
-            <a:endParaRPr kumimoji="1" lang="en-US" altLang="ja-JP" smtClean="0"/>
+            <a:endParaRPr lang="en-US" altLang="ja-JP" smtClean="0"/>
           </a:p>
           <a:p>
             <a:pPr lvl="1"/>
             <a:r>
-              <a:rPr kumimoji="1" lang="ja-JP" altLang="en-US" smtClean="0"/>
+              <a:rPr lang="ja-JP" altLang="en-US" smtClean="0"/>
               <a:t>差分更新時の</a:t>
             </a:r>
             <a:r>
-              <a:rPr kumimoji="1" lang="en-US" altLang="ja-JP" smtClean="0"/>
+              <a:rPr lang="en-US" altLang="ja-JP" smtClean="0"/>
               <a:t>full scan</a:t>
             </a:r>
             <a:r>
-              <a:rPr kumimoji="1" lang="ja-JP" altLang="en-US" smtClean="0"/>
+              <a:rPr lang="ja-JP" altLang="en-US" smtClean="0"/>
               <a:t>が不要</a:t>
             </a:r>
-            <a:endParaRPr kumimoji="1" lang="en-US" altLang="ja-JP" smtClean="0"/>
+            <a:endParaRPr lang="en-US" altLang="ja-JP" smtClean="0"/>
           </a:p>
           <a:p>
             <a:r>
@@ -4038,20 +4026,16 @@
           <a:p>
             <a:pPr lvl="1"/>
             <a:r>
-              <a:rPr kumimoji="1" lang="ja-JP" altLang="en-US"/>
-              <a:t>過去</a:t>
-            </a:r>
-            <a:r>
-              <a:rPr kumimoji="1" lang="ja-JP" altLang="en-US" smtClean="0"/>
-              <a:t>の（ほぼ）任意の時点を再現可能</a:t>
-            </a:r>
-            <a:endParaRPr kumimoji="1" lang="en-US" altLang="ja-JP" smtClean="0"/>
-          </a:p>
-        </p:txBody>
-      </p:sp>
-      <p:sp>
-        <p:nvSpPr>
-          <p:cNvPr id="5" name="スライド番号プレースホルダー 4"/>
+              <a:rPr lang="ja-JP" altLang="en-US" smtClean="0"/>
+              <a:t>過去の（ほぼ）任意の時点を再現可能</a:t>
+            </a:r>
+            <a:endParaRPr lang="en-US" altLang="ja-JP" smtClean="0"/>
+          </a:p>
+        </p:txBody>
+      </p:sp>
+      <p:sp>
+        <p:nvSpPr>
+          <p:cNvPr id="8" name="スライド番号プレースホルダー 7"/>
           <p:cNvSpPr>
             <a:spLocks noGrp="1"/>
           </p:cNvSpPr>
@@ -4071,7 +4055,7 @@
             </a:fld>
             <a:r>
               <a:rPr lang="en-US" altLang="ja-JP" smtClean="0"/>
-              <a:t>/30</a:t>
+              <a:t>/31</a:t>
             </a:r>
             <a:endParaRPr lang="ja-JP" altLang="en-US"/>
           </a:p>
@@ -4123,16 +4107,12 @@
           <a:lstStyle/>
           <a:p>
             <a:r>
-              <a:rPr kumimoji="1" lang="en-US" altLang="ja-JP" smtClean="0"/>
+              <a:rPr lang="en-US" altLang="ja-JP" smtClean="0"/>
               <a:t>WalB</a:t>
             </a:r>
             <a:r>
-              <a:rPr kumimoji="1" lang="ja-JP" altLang="en-US" smtClean="0"/>
-              <a:t>ブロックデバイス</a:t>
-            </a:r>
-            <a:r>
-              <a:rPr lang="ja-JP" altLang="en-US" smtClean="0"/>
-              <a:t>（</a:t>
+              <a:rPr lang="ja-JP" altLang="en-US" smtClean="0"/>
+              <a:t>ブロックデバイス（</a:t>
             </a:r>
             <a:r>
               <a:rPr lang="en-US" altLang="ja-JP" smtClean="0"/>
@@ -4142,7 +4122,7 @@
               <a:rPr lang="ja-JP" altLang="en-US" smtClean="0"/>
               <a:t>）</a:t>
             </a:r>
-            <a:endParaRPr kumimoji="1" lang="ja-JP" altLang="en-US"/>
+            <a:endParaRPr lang="ja-JP" altLang="en-US"/>
           </a:p>
         </p:txBody>
       </p:sp>
@@ -4162,10 +4142,10 @@
           <a:lstStyle/>
           <a:p>
             <a:r>
-              <a:rPr kumimoji="1" lang="ja-JP" altLang="en-US" smtClean="0"/>
+              <a:rPr lang="ja-JP" altLang="en-US" smtClean="0"/>
               <a:t>ブロックデバイスとして動作する</a:t>
             </a:r>
-            <a:endParaRPr kumimoji="1" lang="en-US" altLang="ja-JP" smtClean="0"/>
+            <a:endParaRPr lang="en-US" altLang="ja-JP" smtClean="0"/>
           </a:p>
           <a:p>
             <a:pPr lvl="1"/>
@@ -4173,51 +4153,30 @@
               <a:rPr lang="en-US" altLang="ja-JP" smtClean="0"/>
               <a:t>Write Ahead Logging Block device</a:t>
             </a:r>
-            <a:endParaRPr kumimoji="1" lang="en-US" altLang="ja-JP" smtClean="0"/>
           </a:p>
           <a:p>
             <a:pPr lvl="1"/>
             <a:r>
-              <a:rPr kumimoji="1" lang="ja-JP" altLang="en-US" smtClean="0"/>
-              <a:t>その上に任意のファイルシステム</a:t>
-            </a:r>
-            <a:r>
-              <a:rPr lang="ja-JP" altLang="en-US" smtClean="0"/>
-              <a:t>を作れる</a:t>
+              <a:rPr lang="ja-JP" altLang="en-US" smtClean="0"/>
+              <a:t>その上に任意のファイルシステムを作れる</a:t>
             </a:r>
             <a:endParaRPr lang="en-US" altLang="ja-JP" smtClean="0"/>
           </a:p>
           <a:p>
             <a:pPr lvl="1"/>
             <a:r>
-              <a:rPr lang="ja-JP" altLang="en-US" smtClean="0">
-                <a:solidFill>
-                  <a:srgbClr val="FF0000"/>
-                </a:solidFill>
-              </a:rPr>
+              <a:rPr lang="ja-JP" altLang="en-US" smtClean="0"/>
               <a:t>全ての書き込みデータの情報を</a:t>
             </a:r>
             <a:r>
-              <a:rPr lang="en-US" altLang="ja-JP" smtClean="0">
-                <a:solidFill>
-                  <a:srgbClr val="FF0000"/>
-                </a:solidFill>
-              </a:rPr>
+              <a:rPr lang="en-US" altLang="ja-JP" smtClean="0"/>
               <a:t>log</a:t>
             </a:r>
             <a:r>
-              <a:rPr lang="ja-JP" altLang="en-US" smtClean="0">
-                <a:solidFill>
-                  <a:srgbClr val="FF0000"/>
-                </a:solidFill>
-              </a:rPr>
+              <a:rPr lang="ja-JP" altLang="en-US" smtClean="0"/>
               <a:t>として記録</a:t>
             </a:r>
-            <a:endParaRPr kumimoji="1" lang="ja-JP" altLang="en-US">
-              <a:solidFill>
-                <a:srgbClr val="FF0000"/>
-              </a:solidFill>
-            </a:endParaRPr>
+            <a:endParaRPr lang="ja-JP" altLang="en-US"/>
           </a:p>
         </p:txBody>
       </p:sp>
@@ -4779,7 +4738,7 @@
       </p:cxnSp>
       <p:sp>
         <p:nvSpPr>
-          <p:cNvPr id="9" name="スライド番号プレースホルダー 8"/>
+          <p:cNvPr id="14" name="スライド番号プレースホルダー 13"/>
           <p:cNvSpPr>
             <a:spLocks noGrp="1"/>
           </p:cNvSpPr>
@@ -4799,7 +4758,7 @@
             </a:fld>
             <a:r>
               <a:rPr lang="en-US" altLang="ja-JP" smtClean="0"/>
-              <a:t>/30</a:t>
+              <a:t>/31</a:t>
             </a:r>
             <a:endParaRPr lang="ja-JP" altLang="en-US"/>
           </a:p>
@@ -4858,30 +4817,22 @@
           <a:lstStyle/>
           <a:p>
             <a:r>
-              <a:rPr kumimoji="1" lang="en-US" altLang="ja-JP" smtClean="0"/>
+              <a:rPr lang="en-US" altLang="ja-JP" smtClean="0"/>
               <a:t>WalB</a:t>
             </a:r>
             <a:r>
-              <a:rPr kumimoji="1" lang="ja-JP" altLang="en-US" smtClean="0"/>
-              <a:t>ブロックデバイス</a:t>
-            </a:r>
-            <a:r>
-              <a:rPr lang="ja-JP" altLang="en-US" smtClean="0"/>
-              <a:t>（</a:t>
-            </a:r>
-            <a:r>
-              <a:rPr lang="en-US" altLang="ja-JP"/>
-              <a:t>2</a:t>
+              <a:rPr lang="ja-JP" altLang="en-US" smtClean="0"/>
+              <a:t>ブロックデバイス（</a:t>
             </a:r>
             <a:r>
               <a:rPr lang="en-US" altLang="ja-JP" smtClean="0"/>
-              <a:t>/2</a:t>
+              <a:t>2/2</a:t>
             </a:r>
             <a:r>
               <a:rPr lang="ja-JP" altLang="en-US" smtClean="0"/>
               <a:t>）</a:t>
             </a:r>
-            <a:endParaRPr kumimoji="1" lang="ja-JP" altLang="en-US"/>
+            <a:endParaRPr lang="ja-JP" altLang="en-US"/>
           </a:p>
         </p:txBody>
       </p:sp>
@@ -4915,60 +4866,32 @@
               <a:t>log</a:t>
             </a:r>
             <a:r>
-              <a:rPr lang="ja-JP" altLang="en-US"/>
-              <a:t>さえあれば書き込み手順</a:t>
-            </a:r>
-            <a:r>
-              <a:rPr lang="ja-JP" altLang="en-US" smtClean="0"/>
-              <a:t>を正確に再現</a:t>
-            </a:r>
-            <a:r>
-              <a:rPr lang="ja-JP" altLang="en-US"/>
-              <a:t>できる</a:t>
-            </a:r>
-            <a:endParaRPr lang="en-US" altLang="ja-JP"/>
+              <a:rPr lang="ja-JP" altLang="en-US" smtClean="0"/>
+              <a:t>さえあれば書き込み手順を正確に再現できる</a:t>
+            </a:r>
+            <a:endParaRPr lang="en-US" altLang="ja-JP" smtClean="0"/>
           </a:p>
           <a:p>
             <a:pPr lvl="2"/>
             <a:r>
-              <a:rPr lang="ja-JP" altLang="en-US"/>
+              <a:rPr lang="ja-JP" altLang="en-US" smtClean="0"/>
               <a:t>いつ</a:t>
             </a:r>
             <a:r>
-              <a:rPr lang="en-US" altLang="ja-JP"/>
+              <a:rPr lang="en-US" altLang="ja-JP" smtClean="0"/>
               <a:t>HDD</a:t>
             </a:r>
             <a:r>
               <a:rPr lang="ja-JP" altLang="en-US" smtClean="0"/>
-              <a:t>が</a:t>
-            </a:r>
-            <a:r>
-              <a:rPr lang="ja-JP" altLang="en-US"/>
-              <a:t>故障して</a:t>
-            </a:r>
-            <a:r>
-              <a:rPr lang="ja-JP" altLang="en-US" smtClean="0"/>
-              <a:t>も安心</a:t>
+              <a:t>が故障しても安心</a:t>
             </a:r>
             <a:endParaRPr lang="en-US" altLang="ja-JP" smtClean="0"/>
           </a:p>
           <a:p>
             <a:pPr lvl="1"/>
             <a:r>
-              <a:rPr lang="ja-JP" altLang="en-US"/>
-              <a:t>レスポンスタイム</a:t>
-            </a:r>
-            <a:r>
-              <a:rPr lang="ja-JP" altLang="en-US" smtClean="0"/>
-              <a:t>も極力小さく</a:t>
-            </a:r>
-            <a:r>
-              <a:rPr lang="ja-JP" altLang="en-US"/>
-              <a:t>なるように</a:t>
-            </a:r>
-            <a:r>
-              <a:rPr lang="ja-JP" altLang="en-US" smtClean="0"/>
-              <a:t>実装</a:t>
+              <a:rPr lang="ja-JP" altLang="en-US" smtClean="0"/>
+              <a:t>レスポンスタイムも極力小さくなるように実装</a:t>
             </a:r>
             <a:endParaRPr lang="en-US" altLang="ja-JP" smtClean="0"/>
           </a:p>
@@ -4976,11 +4899,7 @@
             <a:pPr lvl="1"/>
             <a:r>
               <a:rPr lang="ja-JP" altLang="en-US" smtClean="0"/>
-              <a:t>ほぼ任意の瞬間</a:t>
-            </a:r>
-            <a:r>
-              <a:rPr lang="ja-JP" altLang="en-US" smtClean="0"/>
-              <a:t>の</a:t>
+              <a:t>ほぼ任意の瞬間の</a:t>
             </a:r>
             <a:r>
               <a:rPr lang="en-US" altLang="ja-JP" smtClean="0"/>
@@ -4988,11 +4907,7 @@
             </a:r>
             <a:r>
               <a:rPr lang="ja-JP" altLang="en-US" smtClean="0"/>
-              <a:t>を</a:t>
-            </a:r>
-            <a:r>
-              <a:rPr lang="ja-JP" altLang="en-US" smtClean="0"/>
-              <a:t>再構成できる</a:t>
+              <a:t>を再構成できる</a:t>
             </a:r>
             <a:endParaRPr lang="en-US" altLang="ja-JP" smtClean="0"/>
           </a:p>
@@ -5000,48 +4915,40 @@
             <a:pPr lvl="1"/>
             <a:r>
               <a:rPr lang="ja-JP" altLang="en-US" smtClean="0"/>
-              <a:t>非同期一方向レプリケーション</a:t>
-            </a:r>
-            <a:r>
-              <a:rPr lang="ja-JP" altLang="en-US" smtClean="0"/>
-              <a:t>ができる</a:t>
-            </a:r>
-            <a:r>
-              <a:rPr lang="ja-JP" altLang="en-US" smtClean="0"/>
-              <a:t>（後述）</a:t>
-            </a:r>
-            <a:endParaRPr lang="en-US" altLang="ja-JP"/>
-          </a:p>
-          <a:p>
-            <a:r>
-              <a:rPr kumimoji="1" lang="ja-JP" altLang="en-US" smtClean="0"/>
+              <a:t>非同期一方向レプリケーションができる（後述）</a:t>
+            </a:r>
+            <a:endParaRPr lang="en-US" altLang="ja-JP" smtClean="0"/>
+          </a:p>
+          <a:p>
+            <a:r>
+              <a:rPr lang="ja-JP" altLang="en-US" smtClean="0"/>
               <a:t>欠点</a:t>
             </a:r>
-            <a:endParaRPr kumimoji="1" lang="en-US" altLang="ja-JP" smtClean="0"/>
+            <a:endParaRPr lang="en-US" altLang="ja-JP" smtClean="0"/>
           </a:p>
           <a:p>
             <a:pPr lvl="1"/>
             <a:r>
-              <a:rPr lang="en-US" altLang="ja-JP"/>
+              <a:rPr lang="en-US" altLang="ja-JP" smtClean="0"/>
               <a:t>log</a:t>
             </a:r>
             <a:r>
-              <a:rPr lang="ja-JP" altLang="en-US"/>
+              <a:rPr lang="ja-JP" altLang="en-US" smtClean="0"/>
               <a:t>がいっぱいになると止まる</a:t>
             </a:r>
-            <a:endParaRPr lang="en-US" altLang="ja-JP"/>
+            <a:endParaRPr lang="en-US" altLang="ja-JP" smtClean="0"/>
           </a:p>
           <a:p>
             <a:pPr lvl="2"/>
             <a:r>
-              <a:rPr lang="ja-JP" altLang="en-US"/>
+              <a:rPr lang="ja-JP" altLang="en-US" smtClean="0"/>
               <a:t>随時データの読み出しが必要</a:t>
             </a:r>
           </a:p>
           <a:p>
             <a:pPr lvl="1"/>
             <a:r>
-              <a:rPr kumimoji="1" lang="en-US" altLang="ja-JP" smtClean="0"/>
+              <a:rPr lang="en-US" altLang="ja-JP" smtClean="0"/>
               <a:t>log</a:t>
             </a:r>
             <a:r>
@@ -5054,11 +4961,7 @@
             </a:r>
             <a:r>
               <a:rPr lang="ja-JP" altLang="en-US" smtClean="0"/>
-              <a:t>用で通常</a:t>
-            </a:r>
-            <a:r>
-              <a:rPr lang="ja-JP" altLang="en-US" smtClean="0"/>
-              <a:t>の</a:t>
+              <a:t>用で通常の</a:t>
             </a:r>
             <a:r>
               <a:rPr lang="en-US" altLang="ja-JP" smtClean="0"/>
@@ -5074,7 +4977,7 @@
       </p:sp>
       <p:sp>
         <p:nvSpPr>
-          <p:cNvPr id="5" name="スライド番号プレースホルダー 4"/>
+          <p:cNvPr id="8" name="スライド番号プレースホルダー 7"/>
           <p:cNvSpPr>
             <a:spLocks noGrp="1"/>
           </p:cNvSpPr>
@@ -5094,7 +4997,7 @@
             </a:fld>
             <a:r>
               <a:rPr lang="en-US" altLang="ja-JP" smtClean="0"/>
-              <a:t>/30</a:t>
+              <a:t>/31</a:t>
             </a:r>
             <a:endParaRPr lang="ja-JP" altLang="en-US"/>
           </a:p>
@@ -5153,22 +5056,14 @@
           <a:lstStyle/>
           <a:p>
             <a:r>
-              <a:rPr kumimoji="1" lang="en-US" altLang="ja-JP" smtClean="0"/>
+              <a:rPr lang="en-US" altLang="ja-JP" smtClean="0"/>
               <a:t>log</a:t>
             </a:r>
             <a:r>
-              <a:rPr kumimoji="1" lang="ja-JP" altLang="en-US" smtClean="0"/>
-              <a:t>を吸い出し</a:t>
-            </a:r>
-            <a:r>
-              <a:rPr lang="ja-JP" altLang="en-US"/>
-              <a:t>て</a:t>
-            </a:r>
-            <a:r>
-              <a:rPr kumimoji="1" lang="ja-JP" altLang="en-US" smtClean="0"/>
-              <a:t>転送</a:t>
-            </a:r>
-            <a:endParaRPr kumimoji="1" lang="ja-JP" altLang="en-US"/>
+              <a:rPr lang="ja-JP" altLang="en-US" smtClean="0"/>
+              <a:t>を吸い出して転送</a:t>
+            </a:r>
+            <a:endParaRPr lang="ja-JP" altLang="en-US"/>
           </a:p>
         </p:txBody>
       </p:sp>
@@ -5212,61 +5107,10 @@
           <a:p>
             <a:pPr lvl="1"/>
             <a:r>
-              <a:rPr lang="ja-JP" altLang="en-US">
-                <a:solidFill>
-                  <a:srgbClr val="FF0000"/>
-                </a:solidFill>
-              </a:rPr>
-              <a:t>メイン</a:t>
-            </a:r>
-            <a:r>
-              <a:rPr lang="ja-JP" altLang="en-US" smtClean="0">
-                <a:solidFill>
-                  <a:srgbClr val="FF0000"/>
-                </a:solidFill>
-              </a:rPr>
-              <a:t>の</a:t>
-            </a:r>
-            <a:r>
-              <a:rPr kumimoji="1" lang="ja-JP" altLang="en-US" smtClean="0">
-                <a:solidFill>
-                  <a:srgbClr val="FF0000"/>
-                </a:solidFill>
-              </a:rPr>
-              <a:t>負荷</a:t>
-            </a:r>
-            <a:r>
-              <a:rPr lang="ja-JP" altLang="en-US">
-                <a:solidFill>
-                  <a:srgbClr val="FF0000"/>
-                </a:solidFill>
-              </a:rPr>
-              <a:t>低減の</a:t>
-            </a:r>
-            <a:r>
-              <a:rPr lang="ja-JP" altLang="en-US" smtClean="0">
-                <a:solidFill>
-                  <a:srgbClr val="FF0000"/>
-                </a:solidFill>
-              </a:rPr>
-              <a:t>ため</a:t>
-            </a:r>
-            <a:r>
-              <a:rPr kumimoji="1" lang="ja-JP" altLang="en-US" smtClean="0">
-                <a:solidFill>
-                  <a:srgbClr val="FF0000"/>
-                </a:solidFill>
-              </a:rPr>
-              <a:t>他のディスクに</a:t>
-            </a:r>
-            <a:r>
-              <a:rPr kumimoji="1" lang="ja-JP" altLang="en-US">
-                <a:solidFill>
-                  <a:srgbClr val="FF0000"/>
-                </a:solidFill>
-              </a:rPr>
-              <a:t>書き込む</a:t>
-            </a:r>
+              <a:rPr lang="ja-JP" altLang="en-US" smtClean="0"/>
+              <a:t>メインの負荷低減のため他のディスクに書き込む</a:t>
+            </a:r>
+            <a:endParaRPr lang="ja-JP" altLang="en-US"/>
           </a:p>
         </p:txBody>
       </p:sp>
@@ -5704,7 +5548,7 @@
       </p:grpSp>
       <p:sp>
         <p:nvSpPr>
-          <p:cNvPr id="10" name="スライド番号プレースホルダー 9"/>
+          <p:cNvPr id="15" name="スライド番号プレースホルダー 14"/>
           <p:cNvSpPr>
             <a:spLocks noGrp="1"/>
           </p:cNvSpPr>
@@ -5724,7 +5568,7 @@
             </a:fld>
             <a:r>
               <a:rPr lang="en-US" altLang="ja-JP" smtClean="0"/>
-              <a:t>/30</a:t>
+              <a:t>/31</a:t>
             </a:r>
             <a:endParaRPr lang="ja-JP" altLang="en-US"/>
           </a:p>
@@ -5779,13 +5623,11 @@
         </p:nvSpPr>
         <p:spPr/>
         <p:txBody>
-          <a:bodyPr>
-            <a:normAutofit/>
-          </a:bodyPr>
-          <a:lstStyle/>
-          <a:p>
-            <a:r>
-              <a:rPr kumimoji="1" lang="en-US" altLang="ja-JP" smtClean="0"/>
+          <a:bodyPr/>
+          <a:lstStyle/>
+          <a:p>
+            <a:r>
+              <a:rPr lang="en-US" altLang="ja-JP" smtClean="0"/>
               <a:t>Full</a:t>
             </a:r>
             <a:r>
@@ -5796,7 +5638,7 @@
               <a:rPr lang="en-US" altLang="ja-JP" smtClean="0"/>
               <a:t>backup</a:t>
             </a:r>
-            <a:endParaRPr kumimoji="1" lang="ja-JP" altLang="en-US"/>
+            <a:endParaRPr lang="ja-JP" altLang="en-US"/>
           </a:p>
         </p:txBody>
       </p:sp>
@@ -5816,48 +5658,32 @@
           <a:lstStyle/>
           <a:p>
             <a:r>
-              <a:rPr kumimoji="1" lang="ja-JP" altLang="en-US" smtClean="0"/>
+              <a:rPr lang="ja-JP" altLang="en-US" smtClean="0"/>
               <a:t>最初一度は</a:t>
             </a:r>
             <a:r>
-              <a:rPr kumimoji="1" lang="en-US" altLang="ja-JP" smtClean="0"/>
+              <a:rPr lang="en-US" altLang="ja-JP" smtClean="0"/>
               <a:t>Full backup</a:t>
             </a:r>
             <a:r>
-              <a:rPr kumimoji="1" lang="ja-JP" altLang="en-US" smtClean="0"/>
+              <a:rPr lang="ja-JP" altLang="en-US" smtClean="0"/>
               <a:t>（全部転送）</a:t>
             </a:r>
-            <a:endParaRPr kumimoji="1" lang="en-US" altLang="ja-JP" smtClean="0"/>
+            <a:endParaRPr lang="en-US" altLang="ja-JP" smtClean="0"/>
           </a:p>
           <a:p>
             <a:pPr lvl="1"/>
             <a:r>
-              <a:rPr lang="ja-JP" altLang="en-US"/>
-              <a:t>これ</a:t>
-            </a:r>
-            <a:r>
-              <a:rPr lang="ja-JP" altLang="en-US" smtClean="0"/>
-              <a:t>は仕方がない</a:t>
+              <a:rPr lang="ja-JP" altLang="en-US" smtClean="0"/>
+              <a:t>これは仕方がない</a:t>
             </a:r>
             <a:endParaRPr lang="en-US" altLang="ja-JP" smtClean="0"/>
           </a:p>
           <a:p>
             <a:pPr lvl="1"/>
             <a:r>
-              <a:rPr lang="ja-JP" altLang="en-US"/>
-              <a:t>バックアップされた</a:t>
-            </a:r>
-            <a:r>
-              <a:rPr lang="ja-JP" altLang="en-US" smtClean="0"/>
-              <a:t>データ</a:t>
-            </a:r>
-            <a:r>
-              <a:rPr lang="ja-JP" altLang="en-US"/>
-              <a:t>に</a:t>
-            </a:r>
-            <a:r>
-              <a:rPr lang="ja-JP" altLang="en-US" smtClean="0"/>
-              <a:t>一貫性はない（</a:t>
+              <a:rPr lang="ja-JP" altLang="en-US" smtClean="0"/>
+              <a:t>バックアップされたデータに一貫性はない（</a:t>
             </a:r>
             <a:r>
               <a:rPr lang="en-US" altLang="ja-JP" smtClean="0"/>
@@ -5872,17 +5698,14 @@
           <a:p>
             <a:pPr lvl="1"/>
             <a:r>
-              <a:rPr lang="ja-JP" altLang="en-US"/>
-              <a:t>欲しいもの</a:t>
-            </a:r>
-            <a:r>
-              <a:rPr lang="ja-JP" altLang="en-US" smtClean="0"/>
-              <a:t>は一貫性のある</a:t>
+              <a:rPr lang="ja-JP" altLang="en-US" smtClean="0"/>
+              <a:t>欲しいものは一貫性のある</a:t>
             </a:r>
             <a:r>
               <a:rPr lang="en-US" altLang="ja-JP" smtClean="0"/>
               <a:t>clean snapshot</a:t>
             </a:r>
+            <a:endParaRPr lang="en-US" altLang="ja-JP" smtClean="0"/>
           </a:p>
         </p:txBody>
       </p:sp>
@@ -6357,7 +6180,7 @@
       </p:sp>
       <p:sp>
         <p:nvSpPr>
-          <p:cNvPr id="5" name="スライド番号プレースホルダー 4"/>
+          <p:cNvPr id="8" name="スライド番号プレースホルダー 7"/>
           <p:cNvSpPr>
             <a:spLocks noGrp="1"/>
           </p:cNvSpPr>
@@ -6377,7 +6200,7 @@
             </a:fld>
             <a:r>
               <a:rPr lang="en-US" altLang="ja-JP" smtClean="0"/>
-              <a:t>/30</a:t>
+              <a:t>/31</a:t>
             </a:r>
             <a:endParaRPr lang="ja-JP" altLang="en-US"/>
           </a:p>
@@ -6432,9 +6255,7 @@
         </p:nvSpPr>
         <p:spPr/>
         <p:txBody>
-          <a:bodyPr>
-            <a:normAutofit/>
-          </a:bodyPr>
+          <a:bodyPr/>
           <a:lstStyle/>
           <a:p>
             <a:r>
@@ -6453,6 +6274,25 @@
               <a:rPr lang="ja-JP" altLang="en-US" smtClean="0"/>
               <a:t>へ</a:t>
             </a:r>
+            <a:endParaRPr lang="ja-JP" altLang="en-US"/>
+          </a:p>
+        </p:txBody>
+      </p:sp>
+      <p:sp>
+        <p:nvSpPr>
+          <p:cNvPr id="7" name="コンテンツ プレースホルダー 6"/>
+          <p:cNvSpPr>
+            <a:spLocks noGrp="1"/>
+          </p:cNvSpPr>
+          <p:nvPr>
+            <p:ph idx="1"/>
+          </p:nvPr>
+        </p:nvSpPr>
+        <p:spPr/>
+        <p:txBody>
+          <a:bodyPr/>
+          <a:lstStyle/>
+          <a:p>
             <a:endParaRPr kumimoji="1" lang="ja-JP" altLang="en-US"/>
           </a:p>
         </p:txBody>
@@ -7776,7 +7616,7 @@
       </p:cxnSp>
       <p:sp>
         <p:nvSpPr>
-          <p:cNvPr id="5" name="スライド番号プレースホルダー 4"/>
+          <p:cNvPr id="8" name="スライド番号プレースホルダー 7"/>
           <p:cNvSpPr>
             <a:spLocks noGrp="1"/>
           </p:cNvSpPr>
@@ -7796,7 +7636,7 @@
             </a:fld>
             <a:r>
               <a:rPr lang="en-US" altLang="ja-JP" smtClean="0"/>
-              <a:t>/30</a:t>
+              <a:t>/31</a:t>
             </a:r>
             <a:endParaRPr lang="ja-JP" altLang="en-US"/>
           </a:p>
@@ -7851,9 +7691,7 @@
         </p:nvSpPr>
         <p:spPr/>
         <p:txBody>
-          <a:bodyPr>
-            <a:normAutofit/>
-          </a:bodyPr>
+          <a:bodyPr/>
           <a:lstStyle/>
           <a:p>
             <a:r>
@@ -7868,7 +7706,7 @@
               <a:rPr lang="ja-JP" altLang="en-US" smtClean="0"/>
               <a:t>の追加</a:t>
             </a:r>
-            <a:endParaRPr kumimoji="1" lang="ja-JP" altLang="en-US"/>
+            <a:endParaRPr lang="ja-JP" altLang="en-US"/>
           </a:p>
         </p:txBody>
       </p:sp>
@@ -7909,49 +7747,25 @@
             </a:r>
             <a:r>
               <a:rPr lang="ja-JP" altLang="en-US" smtClean="0"/>
-              <a:t>すると</a:t>
-            </a:r>
-            <a:r>
-              <a:rPr lang="ja-JP" altLang="en-US" smtClean="0">
-                <a:solidFill>
-                  <a:srgbClr val="FF0000"/>
-                </a:solidFill>
-              </a:rPr>
-              <a:t>任意の時刻の</a:t>
-            </a:r>
-            <a:r>
-              <a:rPr lang="en-US" altLang="ja-JP" smtClean="0">
-                <a:solidFill>
-                  <a:srgbClr val="FF0000"/>
-                </a:solidFill>
-              </a:rPr>
+              <a:t>すると任意の時刻の</a:t>
+            </a:r>
+            <a:r>
+              <a:rPr lang="en-US" altLang="ja-JP" smtClean="0"/>
               <a:t>clean snapshot</a:t>
             </a:r>
             <a:r>
-              <a:rPr lang="ja-JP" altLang="en-US" smtClean="0">
-                <a:solidFill>
-                  <a:srgbClr val="FF0000"/>
-                </a:solidFill>
-              </a:rPr>
+              <a:rPr lang="ja-JP" altLang="en-US" smtClean="0"/>
               <a:t>を構成可能</a:t>
             </a:r>
-            <a:endParaRPr lang="en-US" altLang="ja-JP" smtClean="0">
-              <a:solidFill>
-                <a:srgbClr val="FF0000"/>
-              </a:solidFill>
-            </a:endParaRPr>
+            <a:endParaRPr lang="en-US" altLang="ja-JP" smtClean="0"/>
           </a:p>
           <a:p>
             <a:pPr lvl="1"/>
             <a:r>
-              <a:rPr lang="ja-JP" altLang="en-US"/>
-              <a:t>これに</a:t>
-            </a:r>
-            <a:r>
-              <a:rPr lang="ja-JP" altLang="en-US" smtClean="0"/>
-              <a:t>よりバックアップとレプリケーションが可能</a:t>
-            </a:r>
-            <a:endParaRPr kumimoji="1" lang="ja-JP" altLang="en-US"/>
+              <a:rPr lang="ja-JP" altLang="en-US" smtClean="0"/>
+              <a:t>これによりバックアップとレプリケーションが可能</a:t>
+            </a:r>
+            <a:endParaRPr lang="ja-JP" altLang="en-US"/>
           </a:p>
         </p:txBody>
       </p:sp>
@@ -8562,7 +8376,7 @@
       </p:cxnSp>
       <p:sp>
         <p:nvSpPr>
-          <p:cNvPr id="4" name="スライド番号プレースホルダー 3"/>
+          <p:cNvPr id="8" name="スライド番号プレースホルダー 7"/>
           <p:cNvSpPr>
             <a:spLocks noGrp="1"/>
           </p:cNvSpPr>
@@ -8582,7 +8396,7 @@
             </a:fld>
             <a:r>
               <a:rPr lang="en-US" altLang="ja-JP" smtClean="0"/>
-              <a:t>/30</a:t>
+              <a:t>/31</a:t>
             </a:r>
             <a:endParaRPr lang="ja-JP" altLang="en-US"/>
           </a:p>
@@ -8641,22 +8455,22 @@
           <a:lstStyle/>
           <a:p>
             <a:r>
-              <a:rPr kumimoji="1" lang="en-US" altLang="ja-JP" smtClean="0"/>
+              <a:rPr lang="en-US" altLang="ja-JP" smtClean="0"/>
               <a:t>log</a:t>
             </a:r>
             <a:r>
-              <a:rPr kumimoji="1" lang="ja-JP" altLang="en-US" smtClean="0"/>
+              <a:rPr lang="ja-JP" altLang="en-US" smtClean="0"/>
               <a:t>形式から</a:t>
             </a:r>
             <a:r>
-              <a:rPr kumimoji="1" lang="en-US" altLang="ja-JP" smtClean="0"/>
+              <a:rPr lang="en-US" altLang="ja-JP" smtClean="0"/>
               <a:t>diff</a:t>
             </a:r>
             <a:r>
-              <a:rPr kumimoji="1" lang="ja-JP" altLang="en-US" smtClean="0"/>
+              <a:rPr lang="ja-JP" altLang="en-US" smtClean="0"/>
               <a:t>形式へ</a:t>
             </a:r>
-            <a:endParaRPr kumimoji="1" lang="ja-JP" altLang="en-US"/>
+            <a:endParaRPr lang="ja-JP" altLang="en-US"/>
           </a:p>
         </p:txBody>
       </p:sp>
@@ -8676,20 +8490,16 @@
           <a:lstStyle/>
           <a:p>
             <a:r>
-              <a:rPr kumimoji="1" lang="ja-JP" altLang="en-US" smtClean="0"/>
+              <a:rPr lang="ja-JP" altLang="en-US" smtClean="0"/>
               <a:t>ある程度の複数の</a:t>
             </a:r>
             <a:r>
-              <a:rPr kumimoji="1" lang="en-US" altLang="ja-JP" smtClean="0"/>
+              <a:rPr lang="en-US" altLang="ja-JP" smtClean="0"/>
               <a:t>log</a:t>
             </a:r>
             <a:r>
-              <a:rPr kumimoji="1" lang="ja-JP" altLang="en-US" smtClean="0"/>
-              <a:t>をまとめる</a:t>
-            </a:r>
-            <a:r>
-              <a:rPr lang="ja-JP" altLang="en-US" smtClean="0"/>
-              <a:t>（</a:t>
+              <a:rPr lang="ja-JP" altLang="en-US" smtClean="0"/>
+              <a:t>をまとめる（</a:t>
             </a:r>
             <a:r>
               <a:rPr lang="en-US" altLang="ja-JP" smtClean="0"/>
@@ -8699,39 +8509,31 @@
               <a:rPr lang="ja-JP" altLang="en-US" smtClean="0"/>
               <a:t>）</a:t>
             </a:r>
-            <a:endParaRPr kumimoji="1" lang="en-US" altLang="ja-JP" smtClean="0"/>
+            <a:endParaRPr lang="en-US" altLang="ja-JP" smtClean="0"/>
           </a:p>
           <a:p>
             <a:pPr lvl="1"/>
             <a:r>
-              <a:rPr kumimoji="1" lang="ja-JP" altLang="en-US" smtClean="0"/>
+              <a:rPr lang="ja-JP" altLang="en-US" smtClean="0"/>
               <a:t>任意の時刻の</a:t>
             </a:r>
             <a:r>
-              <a:rPr kumimoji="1" lang="en-US" altLang="ja-JP" smtClean="0"/>
+              <a:rPr lang="en-US" altLang="ja-JP" smtClean="0"/>
               <a:t>snapshot</a:t>
             </a:r>
             <a:r>
-              <a:rPr kumimoji="1" lang="ja-JP" altLang="en-US" smtClean="0"/>
+              <a:rPr lang="ja-JP" altLang="en-US" smtClean="0"/>
               <a:t>が必要なわけではない</a:t>
             </a:r>
-            <a:endParaRPr kumimoji="1" lang="en-US" altLang="ja-JP" smtClean="0"/>
+            <a:endParaRPr lang="en-US" altLang="ja-JP" smtClean="0"/>
           </a:p>
           <a:p>
             <a:pPr lvl="1"/>
             <a:r>
               <a:rPr lang="ja-JP" altLang="en-US" smtClean="0"/>
-              <a:t>冗長</a:t>
-            </a:r>
-            <a:r>
-              <a:rPr lang="ja-JP" altLang="en-US"/>
-              <a:t>データの</a:t>
-            </a:r>
-            <a:r>
-              <a:rPr lang="ja-JP" altLang="en-US" smtClean="0"/>
-              <a:t>削除と圧縮</a:t>
-            </a:r>
-            <a:endParaRPr kumimoji="1" lang="ja-JP" altLang="en-US"/>
+              <a:t>冗長データの削除と圧縮</a:t>
+            </a:r>
+            <a:endParaRPr lang="ja-JP" altLang="en-US"/>
           </a:p>
         </p:txBody>
       </p:sp>
@@ -9603,7 +9405,7 @@
       </p:sp>
       <p:sp>
         <p:nvSpPr>
-          <p:cNvPr id="11" name="スライド番号プレースホルダー 10"/>
+          <p:cNvPr id="14" name="スライド番号プレースホルダー 13"/>
           <p:cNvSpPr>
             <a:spLocks noGrp="1"/>
           </p:cNvSpPr>
@@ -9623,7 +9425,7 @@
             </a:fld>
             <a:r>
               <a:rPr lang="en-US" altLang="ja-JP" smtClean="0"/>
-              <a:t>/30</a:t>
+              <a:t>/31</a:t>
             </a:r>
             <a:endParaRPr lang="ja-JP" altLang="en-US"/>
           </a:p>
@@ -9682,22 +9484,22 @@
           <a:lstStyle/>
           <a:p>
             <a:r>
-              <a:rPr kumimoji="1" lang="en-US" altLang="ja-JP" smtClean="0"/>
+              <a:rPr lang="en-US" altLang="ja-JP" smtClean="0"/>
               <a:t>proxy</a:t>
             </a:r>
             <a:r>
-              <a:rPr kumimoji="1" lang="ja-JP" altLang="en-US" smtClean="0"/>
+              <a:rPr lang="ja-JP" altLang="en-US" smtClean="0"/>
               <a:t>（</a:t>
             </a:r>
             <a:r>
-              <a:rPr kumimoji="1" lang="en-US" altLang="ja-JP" smtClean="0"/>
+              <a:rPr lang="en-US" altLang="ja-JP" smtClean="0"/>
               <a:t>1/2</a:t>
             </a:r>
             <a:r>
-              <a:rPr kumimoji="1" lang="ja-JP" altLang="en-US" smtClean="0"/>
+              <a:rPr lang="ja-JP" altLang="en-US" smtClean="0"/>
               <a:t>）</a:t>
             </a:r>
-            <a:endParaRPr kumimoji="1" lang="ja-JP" altLang="en-US"/>
+            <a:endParaRPr lang="ja-JP" altLang="en-US"/>
           </a:p>
         </p:txBody>
       </p:sp>
@@ -9717,31 +9519,27 @@
           <a:lstStyle/>
           <a:p>
             <a:r>
-              <a:rPr kumimoji="1" lang="ja-JP" altLang="en-US" smtClean="0"/>
+              <a:rPr lang="ja-JP" altLang="en-US" smtClean="0"/>
               <a:t>生成された</a:t>
             </a:r>
-            <a:r>
-              <a:rPr kumimoji="1" lang="en-US" altLang="ja-JP" smtClean="0"/>
-              <a:t>log</a:t>
-            </a:r>
-            <a:r>
-              <a:rPr lang="ja-JP" altLang="en-US" smtClean="0"/>
-              <a:t>を</a:t>
-            </a:r>
-            <a:r>
-              <a:rPr kumimoji="1" lang="ja-JP" altLang="en-US" smtClean="0"/>
-              <a:t>失いたくない</a:t>
-            </a:r>
-            <a:endParaRPr kumimoji="1" lang="en-US" altLang="ja-JP" smtClean="0"/>
-          </a:p>
-          <a:p>
-            <a:pPr lvl="1"/>
             <a:r>
               <a:rPr lang="en-US" altLang="ja-JP" smtClean="0"/>
               <a:t>log</a:t>
             </a:r>
             <a:r>
               <a:rPr lang="ja-JP" altLang="en-US" smtClean="0"/>
+              <a:t>を失いたくない</a:t>
+            </a:r>
+            <a:endParaRPr lang="en-US" altLang="ja-JP" smtClean="0"/>
+          </a:p>
+          <a:p>
+            <a:pPr lvl="1"/>
+            <a:r>
+              <a:rPr lang="en-US" altLang="ja-JP" smtClean="0"/>
+              <a:t>log</a:t>
+            </a:r>
+            <a:r>
+              <a:rPr lang="ja-JP" altLang="en-US" smtClean="0"/>
               <a:t>を失うと</a:t>
             </a:r>
             <a:r>
@@ -9758,11 +9556,7 @@
             </a:r>
             <a:r>
               <a:rPr lang="ja-JP" altLang="en-US" smtClean="0"/>
-              <a:t>）</a:t>
-            </a:r>
-            <a:r>
-              <a:rPr lang="ja-JP" altLang="en-US"/>
-              <a:t>が必要</a:t>
+              <a:t>）が必要</a:t>
             </a:r>
             <a:endParaRPr lang="en-US" altLang="ja-JP" smtClean="0"/>
           </a:p>
@@ -9770,22 +9564,14 @@
             <a:pPr lvl="1"/>
             <a:r>
               <a:rPr lang="ja-JP" altLang="en-US" smtClean="0"/>
-              <a:t>どんどん</a:t>
-            </a:r>
-            <a:r>
-              <a:rPr lang="ja-JP" altLang="en-US"/>
-              <a:t>吸い出して一時</a:t>
-            </a:r>
-            <a:r>
-              <a:rPr lang="ja-JP" altLang="en-US" smtClean="0"/>
-              <a:t>退避</a:t>
-            </a:r>
-            <a:endParaRPr lang="en-US" altLang="ja-JP"/>
+              <a:t>どんどん吸い出して一時退避</a:t>
+            </a:r>
+            <a:endParaRPr lang="en-US" altLang="ja-JP" smtClean="0"/>
           </a:p>
           <a:p>
             <a:pPr lvl="1"/>
             <a:r>
-              <a:rPr kumimoji="1" lang="en-US" altLang="ja-JP" smtClean="0"/>
+              <a:rPr lang="en-US" altLang="ja-JP" smtClean="0"/>
               <a:t>log</a:t>
             </a:r>
             <a:r>
@@ -9795,7 +9581,7 @@
             <a:endParaRPr lang="en-US" altLang="ja-JP" smtClean="0"/>
           </a:p>
           <a:p>
-            <a:endParaRPr kumimoji="1" lang="ja-JP" altLang="en-US"/>
+            <a:endParaRPr lang="ja-JP" altLang="en-US"/>
           </a:p>
         </p:txBody>
       </p:sp>
@@ -10246,7 +10032,7 @@
       </p:cxnSp>
       <p:sp>
         <p:nvSpPr>
-          <p:cNvPr id="5" name="スライド番号プレースホルダー 4"/>
+          <p:cNvPr id="8" name="スライド番号プレースホルダー 7"/>
           <p:cNvSpPr>
             <a:spLocks noGrp="1"/>
           </p:cNvSpPr>
@@ -10266,7 +10052,7 @@
             </a:fld>
             <a:r>
               <a:rPr lang="en-US" altLang="ja-JP" smtClean="0"/>
-              <a:t>/30</a:t>
+              <a:t>/31</a:t>
             </a:r>
             <a:endParaRPr lang="ja-JP" altLang="en-US"/>
           </a:p>
@@ -10325,26 +10111,22 @@
           <a:lstStyle/>
           <a:p>
             <a:r>
-              <a:rPr kumimoji="1" lang="en-US" altLang="ja-JP" smtClean="0"/>
+              <a:rPr lang="en-US" altLang="ja-JP" smtClean="0"/>
               <a:t>proxy</a:t>
             </a:r>
             <a:r>
-              <a:rPr kumimoji="1" lang="ja-JP" altLang="en-US" smtClean="0"/>
+              <a:rPr lang="ja-JP" altLang="en-US" smtClean="0"/>
               <a:t>（</a:t>
             </a:r>
             <a:r>
-              <a:rPr lang="en-US" altLang="ja-JP"/>
-              <a:t>2</a:t>
-            </a:r>
-            <a:r>
-              <a:rPr kumimoji="1" lang="en-US" altLang="ja-JP" smtClean="0"/>
-              <a:t>/2</a:t>
-            </a:r>
-            <a:r>
-              <a:rPr kumimoji="1" lang="ja-JP" altLang="en-US" smtClean="0"/>
+              <a:rPr lang="en-US" altLang="ja-JP" smtClean="0"/>
+              <a:t>2/2</a:t>
+            </a:r>
+            <a:r>
+              <a:rPr lang="ja-JP" altLang="en-US" smtClean="0"/>
               <a:t>）</a:t>
             </a:r>
-            <a:endParaRPr kumimoji="1" lang="ja-JP" altLang="en-US"/>
+            <a:endParaRPr lang="ja-JP" altLang="en-US"/>
           </a:p>
         </p:txBody>
       </p:sp>
@@ -10372,34 +10154,22 @@
           <a:p>
             <a:pPr lvl="1"/>
             <a:r>
-              <a:rPr kumimoji="1" lang="en-US" altLang="ja-JP" smtClean="0"/>
+              <a:rPr lang="en-US" altLang="ja-JP" smtClean="0"/>
               <a:t>proxy</a:t>
             </a:r>
             <a:r>
-              <a:rPr lang="ja-JP" altLang="en-US"/>
-              <a:t>の</a:t>
-            </a:r>
-            <a:r>
-              <a:rPr kumimoji="1" lang="ja-JP" altLang="en-US" smtClean="0"/>
-              <a:t>冗長化</a:t>
-            </a:r>
-            <a:endParaRPr kumimoji="1" lang="en-US" altLang="ja-JP" smtClean="0"/>
+              <a:rPr lang="ja-JP" altLang="en-US" smtClean="0"/>
+              <a:t>の冗長化</a:t>
+            </a:r>
+            <a:endParaRPr lang="en-US" altLang="ja-JP" smtClean="0"/>
           </a:p>
           <a:p>
             <a:pPr lvl="1"/>
             <a:r>
-              <a:rPr kumimoji="1" lang="ja-JP" altLang="en-US" smtClean="0"/>
-              <a:t>落ちたとき</a:t>
-            </a:r>
-            <a:r>
-              <a:rPr lang="ja-JP" altLang="en-US"/>
-              <a:t>すぐ</a:t>
-            </a:r>
-            <a:r>
-              <a:rPr lang="ja-JP" altLang="en-US" smtClean="0"/>
-              <a:t>に別のものに切り替わる</a:t>
-            </a:r>
-            <a:endParaRPr kumimoji="1" lang="ja-JP" altLang="en-US"/>
+              <a:rPr lang="ja-JP" altLang="en-US" smtClean="0"/>
+              <a:t>落ちたときすぐに別のものに切り替わる</a:t>
+            </a:r>
+            <a:endParaRPr lang="ja-JP" altLang="en-US"/>
           </a:p>
         </p:txBody>
       </p:sp>
@@ -11022,7 +10792,7 @@
       </p:grpSp>
       <p:sp>
         <p:nvSpPr>
-          <p:cNvPr id="7" name="スライド番号プレースホルダー 6"/>
+          <p:cNvPr id="10" name="スライド番号プレースホルダー 9"/>
           <p:cNvSpPr>
             <a:spLocks noGrp="1"/>
           </p:cNvSpPr>
@@ -11042,7 +10812,7 @@
             </a:fld>
             <a:r>
               <a:rPr lang="en-US" altLang="ja-JP" smtClean="0"/>
-              <a:t>/30</a:t>
+              <a:t>/31</a:t>
             </a:r>
             <a:endParaRPr lang="ja-JP" altLang="en-US"/>
           </a:p>
@@ -11101,18 +10871,18 @@
           <a:lstStyle/>
           <a:p>
             <a:r>
-              <a:rPr kumimoji="1" lang="en-US" altLang="ja-JP" smtClean="0"/>
+              <a:rPr lang="en-US" altLang="ja-JP" smtClean="0"/>
               <a:t>WalB</a:t>
             </a:r>
             <a:r>
-              <a:rPr kumimoji="1" lang="ja-JP" altLang="en-US" smtClean="0"/>
+              <a:rPr lang="ja-JP" altLang="en-US" smtClean="0"/>
               <a:t>とは</a:t>
             </a:r>
             <a:r>
-              <a:rPr kumimoji="1" lang="en-US" altLang="ja-JP" smtClean="0"/>
+              <a:rPr lang="en-US" altLang="ja-JP" smtClean="0"/>
               <a:t>?</a:t>
             </a:r>
-            <a:endParaRPr kumimoji="1" lang="ja-JP" altLang="en-US"/>
+            <a:endParaRPr lang="ja-JP" altLang="en-US"/>
           </a:p>
         </p:txBody>
       </p:sp>
@@ -11128,92 +10898,44 @@
         </p:nvSpPr>
         <p:spPr/>
         <p:txBody>
-          <a:bodyPr>
-            <a:normAutofit/>
-          </a:bodyPr>
-          <a:lstStyle/>
-          <a:p>
-            <a:r>
-              <a:rPr kumimoji="1" lang="ja-JP" altLang="en-US" smtClean="0"/>
-              <a:t>ブロックレベルのバックアップ</a:t>
-            </a:r>
-            <a:r>
-              <a:rPr lang="ja-JP" altLang="en-US" smtClean="0"/>
-              <a:t>システム</a:t>
-            </a:r>
-            <a:endParaRPr kumimoji="1" lang="en-US" altLang="ja-JP" smtClean="0"/>
+          <a:bodyPr/>
+          <a:lstStyle/>
+          <a:p>
+            <a:r>
+              <a:rPr lang="ja-JP" altLang="en-US" smtClean="0"/>
+              <a:t>ブロックレベルのバックアップシステム</a:t>
+            </a:r>
+            <a:endParaRPr lang="en-US" altLang="ja-JP" smtClean="0"/>
           </a:p>
           <a:p>
             <a:pPr lvl="1"/>
             <a:r>
-              <a:rPr kumimoji="1" lang="ja-JP" altLang="en-US" smtClean="0"/>
-              <a:t>デバイスドライバ</a:t>
-            </a:r>
-            <a:r>
-              <a:rPr kumimoji="1" lang="ja-JP" altLang="en-US" smtClean="0"/>
-              <a:t>、サービス、コマンド群</a:t>
-            </a:r>
-            <a:r>
-              <a:rPr lang="ja-JP" altLang="en-US" smtClean="0"/>
-              <a:t>を含む</a:t>
+              <a:rPr lang="ja-JP" altLang="en-US" smtClean="0"/>
+              <a:t>デバイスドライバ、サービス、コマンド群を含む</a:t>
             </a:r>
             <a:endParaRPr lang="en-US" altLang="ja-JP" smtClean="0"/>
           </a:p>
           <a:p>
-            <a:pPr marL="457200" lvl="1" indent="0">
-              <a:buNone/>
-            </a:pPr>
+            <a:pPr lvl="1"/>
             <a:endParaRPr lang="en-US" altLang="ja-JP" smtClean="0"/>
           </a:p>
           <a:p>
             <a:pPr lvl="1"/>
             <a:r>
-              <a:rPr lang="ja-JP" altLang="en-US"/>
-              <a:t>星野さん</a:t>
-            </a:r>
-            <a:r>
-              <a:rPr lang="ja-JP" altLang="en-US" smtClean="0"/>
-              <a:t>が数年前からデバイスドライバを開発</a:t>
+              <a:rPr lang="ja-JP" altLang="en-US" smtClean="0"/>
+              <a:t>星野さんが数年前からデバイスドライバを開発</a:t>
             </a:r>
             <a:endParaRPr lang="en-US" altLang="ja-JP" smtClean="0"/>
           </a:p>
           <a:p>
             <a:pPr lvl="2"/>
             <a:r>
-              <a:rPr lang="ja-JP" altLang="en-US" smtClean="0"/>
-              <a:t>去年</a:t>
-            </a:r>
-            <a:r>
               <a:rPr lang="en-US" altLang="ja-JP" smtClean="0"/>
-              <a:t>10</a:t>
-            </a:r>
-            <a:r>
-              <a:rPr lang="ja-JP" altLang="en-US" smtClean="0"/>
-              <a:t>月頃</a:t>
-            </a:r>
-            <a:r>
-              <a:rPr lang="ja-JP" altLang="en-US" smtClean="0"/>
-              <a:t>から</a:t>
-            </a:r>
-            <a:r>
-              <a:rPr lang="ja-JP" altLang="en-US"/>
-              <a:t>ユーザ</a:t>
-            </a:r>
-            <a:r>
-              <a:rPr lang="ja-JP" altLang="en-US"/>
-              <a:t>回り</a:t>
-            </a:r>
-            <a:r>
-              <a:rPr lang="ja-JP" altLang="en-US" smtClean="0"/>
-              <a:t>の</a:t>
-            </a:r>
-            <a:r>
-              <a:rPr lang="ja-JP" altLang="en-US"/>
-              <a:t>開発</a:t>
-            </a:r>
-            <a:r>
-              <a:rPr lang="ja-JP" altLang="en-US" smtClean="0"/>
-              <a:t>に合流</a:t>
+              <a:t>1</a:t>
+            </a:r>
+            <a:r>
+              <a:rPr lang="ja-JP" altLang="en-US" smtClean="0"/>
+              <a:t>年ぐらい前から開発に合流</a:t>
             </a:r>
             <a:endParaRPr lang="en-US" altLang="ja-JP" smtClean="0"/>
           </a:p>
@@ -11253,7 +10975,7 @@
       </p:sp>
       <p:sp>
         <p:nvSpPr>
-          <p:cNvPr id="5" name="スライド番号プレースホルダー 4"/>
+          <p:cNvPr id="8" name="スライド番号プレースホルダー 7"/>
           <p:cNvSpPr>
             <a:spLocks noGrp="1"/>
           </p:cNvSpPr>
@@ -11273,7 +10995,7 @@
             </a:fld>
             <a:r>
               <a:rPr lang="en-US" altLang="ja-JP" smtClean="0"/>
-              <a:t>/30</a:t>
+              <a:t>/31</a:t>
             </a:r>
             <a:endParaRPr lang="ja-JP" altLang="en-US"/>
           </a:p>
@@ -11332,10 +11054,10 @@
           <a:lstStyle/>
           <a:p>
             <a:r>
-              <a:rPr kumimoji="1" lang="en-US" altLang="ja-JP" smtClean="0"/>
+              <a:rPr lang="en-US" altLang="ja-JP" smtClean="0"/>
               <a:t>storage-proxy-archive</a:t>
             </a:r>
-            <a:endParaRPr kumimoji="1" lang="ja-JP" altLang="en-US"/>
+            <a:endParaRPr lang="ja-JP" altLang="en-US"/>
           </a:p>
         </p:txBody>
       </p:sp>
@@ -12148,7 +11870,7 @@
       </p:sp>
       <p:sp>
         <p:nvSpPr>
-          <p:cNvPr id="5" name="スライド番号プレースホルダー 4"/>
+          <p:cNvPr id="8" name="スライド番号プレースホルダー 7"/>
           <p:cNvSpPr>
             <a:spLocks noGrp="1"/>
           </p:cNvSpPr>
@@ -12168,7 +11890,7 @@
             </a:fld>
             <a:r>
               <a:rPr lang="en-US" altLang="ja-JP" smtClean="0"/>
-              <a:t>/30</a:t>
+              <a:t>/31</a:t>
             </a:r>
             <a:endParaRPr lang="ja-JP" altLang="en-US"/>
           </a:p>
@@ -12223,20 +11945,14 @@
         </p:nvSpPr>
         <p:spPr/>
         <p:txBody>
-          <a:bodyPr>
-            <a:normAutofit/>
-          </a:bodyPr>
-          <a:lstStyle/>
-          <a:p>
-            <a:r>
-              <a:rPr kumimoji="1" lang="en-US" altLang="ja-JP" smtClean="0"/>
-              <a:t>Hash </a:t>
-            </a:r>
+          <a:bodyPr/>
+          <a:lstStyle/>
+          <a:p>
             <a:r>
               <a:rPr lang="en-US" altLang="ja-JP" smtClean="0"/>
-              <a:t>backup</a:t>
-            </a:r>
-            <a:endParaRPr kumimoji="1" lang="ja-JP" altLang="en-US"/>
+              <a:t>Hash backup</a:t>
+            </a:r>
+            <a:endParaRPr lang="ja-JP" altLang="en-US"/>
           </a:p>
         </p:txBody>
       </p:sp>
@@ -12252,32 +11968,14 @@
         </p:nvSpPr>
         <p:spPr/>
         <p:txBody>
-          <a:bodyPr>
-            <a:normAutofit/>
-          </a:bodyPr>
-          <a:lstStyle/>
-          <a:p>
-            <a:r>
-              <a:rPr lang="ja-JP" altLang="en-US"/>
-              <a:t>滅多</a:t>
-            </a:r>
-            <a:r>
-              <a:rPr lang="ja-JP" altLang="en-US" smtClean="0"/>
-              <a:t>に起こらないが</a:t>
+          <a:bodyPr/>
+          <a:lstStyle/>
+          <a:p>
+            <a:r>
+              <a:rPr lang="ja-JP" altLang="en-US" smtClean="0"/>
+              <a:t>滅多に起こらないが</a:t>
             </a:r>
             <a:endParaRPr lang="en-US" altLang="ja-JP" smtClean="0"/>
-          </a:p>
-          <a:p>
-            <a:pPr lvl="1"/>
-            <a:r>
-              <a:rPr lang="en-US" altLang="ja-JP"/>
-              <a:t>proxy</a:t>
-            </a:r>
-            <a:r>
-              <a:rPr lang="ja-JP" altLang="en-US"/>
-              <a:t>で一時退避したデータが飛んだ</a:t>
-            </a:r>
-            <a:endParaRPr lang="en-US" altLang="ja-JP"/>
           </a:p>
           <a:p>
             <a:pPr lvl="1"/>
@@ -12287,19 +11985,19 @@
             </a:r>
             <a:r>
               <a:rPr lang="ja-JP" altLang="en-US" smtClean="0"/>
-              <a:t>が</a:t>
-            </a:r>
-            <a:r>
-              <a:rPr lang="ja-JP" altLang="en-US"/>
-              <a:t>全て</a:t>
-            </a:r>
-            <a:r>
-              <a:rPr lang="ja-JP" altLang="en-US" smtClean="0"/>
-              <a:t>止まり</a:t>
-            </a:r>
-            <a:r>
-              <a:rPr lang="ja-JP" altLang="en-US"/>
-              <a:t>復旧できずに</a:t>
+              <a:t>で一時退避したデータが飛んだ</a:t>
+            </a:r>
+            <a:endParaRPr lang="en-US" altLang="ja-JP" smtClean="0"/>
+          </a:p>
+          <a:p>
+            <a:pPr lvl="1"/>
+            <a:r>
+              <a:rPr lang="en-US" altLang="ja-JP" smtClean="0"/>
+              <a:t>proxy</a:t>
+            </a:r>
+            <a:r>
+              <a:rPr lang="ja-JP" altLang="en-US" smtClean="0"/>
+              <a:t>が全て止まり復旧できずに</a:t>
             </a:r>
             <a:r>
               <a:rPr lang="en-US" altLang="ja-JP" smtClean="0"/>
@@ -12314,71 +12012,60 @@
           <a:p>
             <a:pPr lvl="2"/>
             <a:r>
-              <a:rPr kumimoji="1" lang="en-US" altLang="ja-JP" smtClean="0"/>
+              <a:rPr lang="en-US" altLang="ja-JP" smtClean="0"/>
               <a:t>archive</a:t>
             </a:r>
             <a:r>
-              <a:rPr kumimoji="1" lang="ja-JP" altLang="en-US" smtClean="0"/>
+              <a:rPr lang="ja-JP" altLang="en-US" smtClean="0"/>
               <a:t>のデータが飛ぶと</a:t>
             </a:r>
             <a:r>
-              <a:rPr kumimoji="1" lang="en-US" altLang="ja-JP" smtClean="0"/>
+              <a:rPr lang="en-US" altLang="ja-JP" smtClean="0"/>
               <a:t>Full backup</a:t>
             </a:r>
             <a:r>
-              <a:rPr kumimoji="1" lang="ja-JP" altLang="en-US" smtClean="0"/>
+              <a:rPr lang="ja-JP" altLang="en-US" smtClean="0"/>
               <a:t>からやり直し</a:t>
             </a:r>
-            <a:endParaRPr kumimoji="1" lang="en-US" altLang="ja-JP" smtClean="0"/>
+            <a:endParaRPr lang="en-US" altLang="ja-JP" smtClean="0"/>
           </a:p>
           <a:p>
             <a:pPr lvl="1"/>
             <a:r>
               <a:rPr lang="ja-JP" altLang="en-US" smtClean="0"/>
-              <a:t>バックアップ</a:t>
-            </a:r>
-            <a:r>
-              <a:rPr lang="ja-JP" altLang="en-US"/>
-              <a:t>対象</a:t>
-            </a:r>
-            <a:r>
-              <a:rPr lang="ja-JP" altLang="en-US" smtClean="0"/>
-              <a:t>を切り換えるとき（後述）</a:t>
+              <a:t>バックアップ対象を切り換えるとき（後述）</a:t>
             </a:r>
             <a:endParaRPr lang="en-US" altLang="ja-JP" smtClean="0"/>
           </a:p>
           <a:p>
             <a:r>
-              <a:rPr kumimoji="1" lang="en-US" altLang="ja-JP" smtClean="0"/>
+              <a:rPr lang="en-US" altLang="ja-JP" smtClean="0"/>
               <a:t>storage</a:t>
             </a:r>
             <a:r>
-              <a:rPr kumimoji="1" lang="ja-JP" altLang="en-US" smtClean="0"/>
+              <a:rPr lang="ja-JP" altLang="en-US" smtClean="0"/>
               <a:t>と</a:t>
             </a:r>
             <a:r>
-              <a:rPr kumimoji="1" lang="en-US" altLang="ja-JP" smtClean="0"/>
+              <a:rPr lang="en-US" altLang="ja-JP" smtClean="0"/>
               <a:t>archive</a:t>
             </a:r>
             <a:r>
-              <a:rPr kumimoji="1" lang="ja-JP" altLang="en-US" smtClean="0"/>
+              <a:rPr lang="ja-JP" altLang="en-US" smtClean="0"/>
               <a:t>間で持ってるデータの</a:t>
             </a:r>
             <a:r>
-              <a:rPr kumimoji="1" lang="en-US" altLang="ja-JP" smtClean="0"/>
+              <a:rPr lang="en-US" altLang="ja-JP" smtClean="0"/>
               <a:t>hash</a:t>
             </a:r>
             <a:r>
-              <a:rPr kumimoji="1" lang="ja-JP" altLang="en-US" smtClean="0"/>
+              <a:rPr lang="ja-JP" altLang="en-US" smtClean="0"/>
               <a:t>を比較し異なるものだけ転送</a:t>
             </a:r>
-            <a:endParaRPr kumimoji="1" lang="en-US" altLang="ja-JP" smtClean="0"/>
-          </a:p>
-          <a:p>
-            <a:pPr marL="0" indent="0">
-              <a:buNone/>
-            </a:pPr>
-            <a:endParaRPr kumimoji="1" lang="ja-JP" altLang="en-US"/>
+            <a:endParaRPr lang="en-US" altLang="ja-JP" smtClean="0"/>
+          </a:p>
+          <a:p>
+            <a:endParaRPr lang="ja-JP" altLang="en-US"/>
           </a:p>
         </p:txBody>
       </p:sp>
@@ -12636,7 +12323,7 @@
       </p:sp>
       <p:sp>
         <p:nvSpPr>
-          <p:cNvPr id="5" name="スライド番号プレースホルダー 4"/>
+          <p:cNvPr id="10" name="スライド番号プレースホルダー 9"/>
           <p:cNvSpPr>
             <a:spLocks noGrp="1"/>
           </p:cNvSpPr>
@@ -12656,7 +12343,7 @@
             </a:fld>
             <a:r>
               <a:rPr lang="en-US" altLang="ja-JP" smtClean="0"/>
-              <a:t>/30</a:t>
+              <a:t>/31</a:t>
             </a:r>
             <a:endParaRPr lang="ja-JP" altLang="en-US"/>
           </a:p>
@@ -12715,10 +12402,10 @@
           <a:lstStyle/>
           <a:p>
             <a:r>
-              <a:rPr kumimoji="1" lang="ja-JP" altLang="en-US" smtClean="0"/>
+              <a:rPr lang="ja-JP" altLang="en-US" smtClean="0"/>
               <a:t>全体構成</a:t>
             </a:r>
-            <a:endParaRPr kumimoji="1" lang="ja-JP" altLang="en-US"/>
+            <a:endParaRPr lang="ja-JP" altLang="en-US"/>
           </a:p>
         </p:txBody>
       </p:sp>
@@ -12738,10 +12425,10 @@
           <a:lstStyle/>
           <a:p>
             <a:r>
-              <a:rPr kumimoji="1" lang="ja-JP" altLang="en-US" smtClean="0"/>
+              <a:rPr lang="ja-JP" altLang="en-US" smtClean="0"/>
               <a:t>いろいろ冗長化</a:t>
             </a:r>
-            <a:endParaRPr kumimoji="1" lang="en-US" altLang="ja-JP" smtClean="0"/>
+            <a:endParaRPr lang="en-US" altLang="ja-JP" smtClean="0"/>
           </a:p>
           <a:p>
             <a:pPr lvl="1"/>
@@ -12753,7 +12440,7 @@
           <a:p>
             <a:pPr lvl="2"/>
             <a:r>
-              <a:rPr kumimoji="1" lang="en-US" altLang="ja-JP" smtClean="0"/>
+              <a:rPr lang="en-US" altLang="ja-JP" smtClean="0"/>
               <a:t>Master/Slave</a:t>
             </a:r>
           </a:p>
@@ -12782,7 +12469,7 @@
               <a:rPr lang="ja-JP" altLang="en-US" smtClean="0"/>
               <a:t>に切り換える</a:t>
             </a:r>
-            <a:endParaRPr kumimoji="1" lang="en-US" altLang="ja-JP"/>
+            <a:endParaRPr lang="en-US" altLang="ja-JP" smtClean="0"/>
           </a:p>
           <a:p>
             <a:pPr lvl="1"/>
@@ -12794,14 +12481,10 @@
           <a:p>
             <a:pPr lvl="2"/>
             <a:r>
-              <a:rPr lang="ja-JP" altLang="en-US"/>
-              <a:t>スペア</a:t>
-            </a:r>
-            <a:r>
-              <a:rPr lang="ja-JP" altLang="en-US" smtClean="0"/>
-              <a:t>を用意</a:t>
-            </a:r>
-            <a:endParaRPr kumimoji="1" lang="en-US" altLang="ja-JP"/>
+              <a:rPr lang="ja-JP" altLang="en-US" smtClean="0"/>
+              <a:t>スペアを用意</a:t>
+            </a:r>
+            <a:endParaRPr lang="en-US" altLang="ja-JP" smtClean="0"/>
           </a:p>
           <a:p>
             <a:pPr lvl="1"/>
@@ -12813,10 +12496,10 @@
           <a:p>
             <a:pPr lvl="2"/>
             <a:r>
-              <a:rPr kumimoji="1" lang="ja-JP" altLang="en-US" smtClean="0"/>
+              <a:rPr lang="ja-JP" altLang="en-US" smtClean="0"/>
               <a:t>遠隔レプリケーション</a:t>
             </a:r>
-            <a:endParaRPr kumimoji="1" lang="ja-JP" altLang="en-US"/>
+            <a:endParaRPr lang="ja-JP" altLang="en-US"/>
           </a:p>
         </p:txBody>
       </p:sp>
@@ -13874,7 +13557,7 @@
       </p:cxnSp>
       <p:sp>
         <p:nvSpPr>
-          <p:cNvPr id="9" name="スライド番号プレースホルダー 8"/>
+          <p:cNvPr id="12" name="スライド番号プレースホルダー 11"/>
           <p:cNvSpPr>
             <a:spLocks noGrp="1"/>
           </p:cNvSpPr>
@@ -13894,7 +13577,7 @@
             </a:fld>
             <a:r>
               <a:rPr lang="en-US" altLang="ja-JP" smtClean="0"/>
-              <a:t>/30</a:t>
+              <a:t>/31</a:t>
             </a:r>
             <a:endParaRPr lang="ja-JP" altLang="en-US"/>
           </a:p>
@@ -13953,14 +13636,14 @@
           <a:lstStyle/>
           <a:p>
             <a:r>
-              <a:rPr kumimoji="1" lang="en-US" altLang="ja-JP" smtClean="0"/>
+              <a:rPr lang="en-US" altLang="ja-JP" smtClean="0"/>
               <a:t>Master/Slave</a:t>
             </a:r>
             <a:r>
-              <a:rPr kumimoji="1" lang="ja-JP" altLang="en-US" smtClean="0"/>
+              <a:rPr lang="ja-JP" altLang="en-US" smtClean="0"/>
               <a:t>の切り換え</a:t>
             </a:r>
-            <a:endParaRPr kumimoji="1" lang="ja-JP" altLang="en-US"/>
+            <a:endParaRPr lang="ja-JP" altLang="en-US"/>
           </a:p>
         </p:txBody>
       </p:sp>
@@ -13976,18 +13659,12 @@
         </p:nvSpPr>
         <p:spPr/>
         <p:txBody>
-          <a:bodyPr>
-            <a:normAutofit/>
-          </a:bodyPr>
-          <a:lstStyle/>
-          <a:p>
-            <a:r>
-              <a:rPr lang="ja-JP" altLang="en-US"/>
-              <a:t>普段</a:t>
-            </a:r>
-            <a:r>
-              <a:rPr lang="ja-JP" altLang="en-US" smtClean="0"/>
-              <a:t>は</a:t>
+          <a:bodyPr/>
+          <a:lstStyle/>
+          <a:p>
+            <a:r>
+              <a:rPr lang="ja-JP" altLang="en-US" smtClean="0"/>
+              <a:t>普段は</a:t>
             </a:r>
             <a:r>
               <a:rPr lang="en-US" altLang="ja-JP" smtClean="0"/>
@@ -14002,19 +13679,19 @@
           <a:p>
             <a:pPr lvl="1"/>
             <a:r>
-              <a:rPr kumimoji="1" lang="en-US" altLang="ja-JP" smtClean="0"/>
+              <a:rPr lang="en-US" altLang="ja-JP" smtClean="0"/>
               <a:t>Slave-proxy</a:t>
             </a:r>
             <a:r>
-              <a:rPr kumimoji="1" lang="ja-JP" altLang="en-US" smtClean="0"/>
+              <a:rPr lang="ja-JP" altLang="en-US" smtClean="0"/>
               <a:t>間は転送しない</a:t>
             </a:r>
-            <a:endParaRPr kumimoji="1" lang="en-US" altLang="ja-JP" smtClean="0"/>
+            <a:endParaRPr lang="en-US" altLang="ja-JP" smtClean="0"/>
           </a:p>
           <a:p>
             <a:pPr lvl="1"/>
             <a:r>
-              <a:rPr kumimoji="1" lang="en-US" altLang="ja-JP" smtClean="0"/>
+              <a:rPr lang="en-US" altLang="ja-JP" smtClean="0"/>
               <a:t>raid</a:t>
             </a:r>
             <a:r>
@@ -14022,17 +13699,17 @@
               <a:t>でつながってるので</a:t>
             </a:r>
             <a:r>
-              <a:rPr kumimoji="1" lang="en-US" altLang="ja-JP" smtClean="0"/>
+              <a:rPr lang="en-US" altLang="ja-JP" smtClean="0"/>
               <a:t/>
             </a:r>
             <a:br>
-              <a:rPr kumimoji="1" lang="en-US" altLang="ja-JP" smtClean="0"/>
+              <a:rPr lang="en-US" altLang="ja-JP" smtClean="0"/>
             </a:br>
             <a:r>
-              <a:rPr kumimoji="1" lang="ja-JP" altLang="en-US" smtClean="0"/>
+              <a:rPr lang="ja-JP" altLang="en-US" smtClean="0"/>
               <a:t>殆ど同じデータのはず</a:t>
             </a:r>
-            <a:endParaRPr kumimoji="1" lang="en-US" altLang="ja-JP" smtClean="0"/>
+            <a:endParaRPr lang="en-US" altLang="ja-JP" smtClean="0"/>
           </a:p>
           <a:p>
             <a:pPr lvl="2"/>
@@ -14044,14 +13721,14 @@
           </a:p>
           <a:p>
             <a:r>
-              <a:rPr kumimoji="1" lang="en-US" altLang="ja-JP" smtClean="0"/>
+              <a:rPr lang="en-US" altLang="ja-JP" smtClean="0"/>
               <a:t>Master</a:t>
             </a:r>
             <a:r>
-              <a:rPr kumimoji="1" lang="ja-JP" altLang="en-US" smtClean="0"/>
+              <a:rPr lang="ja-JP" altLang="en-US" smtClean="0"/>
               <a:t>が落ちたとき</a:t>
             </a:r>
-            <a:endParaRPr kumimoji="1" lang="en-US" altLang="ja-JP" smtClean="0"/>
+            <a:endParaRPr lang="en-US" altLang="ja-JP" smtClean="0"/>
           </a:p>
           <a:p>
             <a:pPr lvl="1"/>
@@ -14063,47 +13740,47 @@
               <a:rPr lang="ja-JP" altLang="en-US" smtClean="0"/>
               <a:t>に切り換える</a:t>
             </a:r>
-            <a:endParaRPr kumimoji="1" lang="en-US" altLang="ja-JP" smtClean="0"/>
+            <a:endParaRPr lang="en-US" altLang="ja-JP" smtClean="0"/>
           </a:p>
           <a:p>
             <a:pPr lvl="1"/>
-            <a:r>
-              <a:rPr kumimoji="1" lang="en-US" altLang="ja-JP" smtClean="0"/>
-              <a:t>Hash backup</a:t>
-            </a:r>
-            <a:r>
-              <a:rPr lang="ja-JP" altLang="en-US"/>
-              <a:t>で</a:t>
-            </a:r>
-            <a:r>
-              <a:rPr kumimoji="1" lang="en-US" altLang="ja-JP" smtClean="0"/>
-              <a:t>storage1</a:t>
-            </a:r>
-            <a:r>
-              <a:rPr kumimoji="1" lang="ja-JP" altLang="en-US" smtClean="0"/>
-              <a:t>と</a:t>
-            </a:r>
-            <a:r>
-              <a:rPr kumimoji="1" lang="en-US" altLang="ja-JP" smtClean="0"/>
-              <a:t>storage2</a:t>
-            </a:r>
-            <a:r>
-              <a:rPr kumimoji="1" lang="ja-JP" altLang="en-US" smtClean="0"/>
-              <a:t>の差を埋める</a:t>
-            </a:r>
-            <a:endParaRPr kumimoji="1" lang="en-US" altLang="ja-JP" smtClean="0"/>
-          </a:p>
-          <a:p>
-            <a:pPr lvl="2"/>
-            <a:r>
-              <a:rPr lang="ja-JP" altLang="en-US" smtClean="0"/>
-              <a:t>やってる最中に落ちたらもう一度</a:t>
-            </a:r>
             <a:r>
               <a:rPr lang="en-US" altLang="ja-JP" smtClean="0"/>
               <a:t>Hash backup</a:t>
             </a:r>
-            <a:endParaRPr kumimoji="1" lang="ja-JP" altLang="en-US"/>
+            <a:r>
+              <a:rPr lang="ja-JP" altLang="en-US" smtClean="0"/>
+              <a:t>で</a:t>
+            </a:r>
+            <a:r>
+              <a:rPr lang="en-US" altLang="ja-JP" smtClean="0"/>
+              <a:t>storage1</a:t>
+            </a:r>
+            <a:r>
+              <a:rPr lang="ja-JP" altLang="en-US" smtClean="0"/>
+              <a:t>と</a:t>
+            </a:r>
+            <a:r>
+              <a:rPr lang="en-US" altLang="ja-JP" smtClean="0"/>
+              <a:t>storage2</a:t>
+            </a:r>
+            <a:r>
+              <a:rPr lang="ja-JP" altLang="en-US" smtClean="0"/>
+              <a:t>の差を埋める</a:t>
+            </a:r>
+            <a:endParaRPr lang="en-US" altLang="ja-JP" smtClean="0"/>
+          </a:p>
+          <a:p>
+            <a:pPr lvl="2"/>
+            <a:r>
+              <a:rPr lang="ja-JP" altLang="en-US" smtClean="0"/>
+              <a:t>やってる最中に落ちたらもう一度</a:t>
+            </a:r>
+            <a:r>
+              <a:rPr lang="en-US" altLang="ja-JP" smtClean="0"/>
+              <a:t>Hash backup</a:t>
+            </a:r>
+            <a:endParaRPr lang="ja-JP" altLang="en-US"/>
           </a:p>
         </p:txBody>
       </p:sp>
@@ -14818,7 +14495,7 @@
       </mc:AlternateContent>
       <p:sp>
         <p:nvSpPr>
-          <p:cNvPr id="21" name="スライド番号プレースホルダー 20"/>
+          <p:cNvPr id="24" name="スライド番号プレースホルダー 23"/>
           <p:cNvSpPr>
             <a:spLocks noGrp="1"/>
           </p:cNvSpPr>
@@ -14838,7 +14515,7 @@
             </a:fld>
             <a:r>
               <a:rPr lang="en-US" altLang="ja-JP" smtClean="0"/>
-              <a:t>/30</a:t>
+              <a:t>/31</a:t>
             </a:r>
             <a:endParaRPr lang="ja-JP" altLang="en-US"/>
           </a:p>
@@ -14890,18 +14567,10 @@
           <a:lstStyle/>
           <a:p>
             <a:r>
-              <a:rPr kumimoji="1" lang="ja-JP" altLang="en-US" smtClean="0"/>
-              <a:t>細</a:t>
-            </a:r>
-            <a:r>
-              <a:rPr lang="ja-JP" altLang="en-US" smtClean="0"/>
-              <a:t>かくてややこしい</a:t>
-            </a:r>
-            <a:r>
-              <a:rPr kumimoji="1" lang="ja-JP" altLang="en-US" smtClean="0"/>
-              <a:t>問題がたくさん</a:t>
-            </a:r>
-            <a:endParaRPr kumimoji="1" lang="ja-JP" altLang="en-US"/>
+              <a:rPr lang="ja-JP" altLang="en-US" smtClean="0"/>
+              <a:t>細かくてややこしい問題がたくさん</a:t>
+            </a:r>
+            <a:endParaRPr lang="ja-JP" altLang="en-US"/>
           </a:p>
         </p:txBody>
       </p:sp>
@@ -14918,32 +14587,9 @@
         <p:spPr/>
         <p:txBody>
           <a:bodyPr>
-            <a:normAutofit/>
+            <a:normAutofit fontScale="92500" lnSpcReduction="10000"/>
           </a:bodyPr>
           <a:lstStyle/>
-          <a:p>
-            <a:r>
-              <a:rPr kumimoji="1" lang="en-US" altLang="ja-JP" smtClean="0"/>
-              <a:t>log</a:t>
-            </a:r>
-            <a:r>
-              <a:rPr kumimoji="1" lang="ja-JP" altLang="en-US" smtClean="0"/>
-              <a:t>情報は順序が変わってはいけない</a:t>
-            </a:r>
-            <a:endParaRPr kumimoji="1" lang="en-US" altLang="ja-JP" smtClean="0"/>
-          </a:p>
-          <a:p>
-            <a:pPr lvl="1"/>
-            <a:r>
-              <a:rPr kumimoji="1" lang="en-US" altLang="ja-JP" smtClean="0"/>
-              <a:t>write</a:t>
-            </a:r>
-            <a:r>
-              <a:rPr kumimoji="1" lang="ja-JP" altLang="en-US" smtClean="0"/>
-              <a:t>システムコールの中でシリアライズ</a:t>
-            </a:r>
-            <a:endParaRPr kumimoji="1" lang="en-US" altLang="ja-JP" smtClean="0"/>
-          </a:p>
           <a:p>
             <a:r>
               <a:rPr lang="en-US" altLang="ja-JP" smtClean="0"/>
@@ -14951,15 +14597,35 @@
             </a:r>
             <a:r>
               <a:rPr lang="ja-JP" altLang="en-US" smtClean="0"/>
+              <a:t>情報は順序が変わってはいけない</a:t>
+            </a:r>
+            <a:endParaRPr lang="en-US" altLang="ja-JP" smtClean="0"/>
+          </a:p>
+          <a:p>
+            <a:pPr lvl="1"/>
+            <a:r>
+              <a:rPr lang="en-US" altLang="ja-JP" smtClean="0"/>
+              <a:t>write</a:t>
+            </a:r>
+            <a:r>
+              <a:rPr lang="ja-JP" altLang="en-US" smtClean="0"/>
+              <a:t>システムコールの中でシリアライズ</a:t>
+            </a:r>
+            <a:endParaRPr lang="en-US" altLang="ja-JP" smtClean="0"/>
+          </a:p>
+          <a:p>
+            <a:r>
+              <a:rPr lang="en-US" altLang="ja-JP" smtClean="0"/>
+              <a:t>log</a:t>
+            </a:r>
+            <a:r>
+              <a:rPr lang="ja-JP" altLang="en-US" smtClean="0"/>
               <a:t>情報は歯抜けになってはいけない</a:t>
             </a:r>
             <a:endParaRPr lang="en-US" altLang="ja-JP" smtClean="0"/>
           </a:p>
           <a:p>
-            <a:pPr marL="342900" lvl="1" indent="-342900">
-              <a:buFont typeface="Arial" panose="020B0604020202020204" pitchFamily="34" charset="0"/>
-              <a:buChar char="•"/>
-            </a:pPr>
+            <a:pPr lvl="1"/>
             <a:r>
               <a:rPr lang="ja-JP" altLang="en-US" smtClean="0"/>
               <a:t>突然プロセスやハードが落ちても再起動後正しく動かないといけない</a:t>
@@ -14969,42 +14635,54 @@
           <a:p>
             <a:pPr lvl="1"/>
             <a:r>
-              <a:rPr lang="ja-JP" altLang="en-US"/>
+              <a:rPr lang="ja-JP" altLang="en-US" smtClean="0"/>
               <a:t>トランザクション的な処理が多い</a:t>
             </a:r>
           </a:p>
           <a:p>
             <a:pPr lvl="1"/>
             <a:r>
-              <a:rPr lang="ja-JP" altLang="en-US"/>
-              <a:t>最小限の情報を</a:t>
-            </a:r>
-            <a:r>
-              <a:rPr lang="ja-JP" altLang="en-US" smtClean="0"/>
-              <a:t>永続化</a:t>
+              <a:rPr lang="ja-JP" altLang="en-US" smtClean="0"/>
+              <a:t>最小限の情報を永続化</a:t>
             </a:r>
             <a:endParaRPr lang="en-US" altLang="ja-JP" smtClean="0"/>
           </a:p>
           <a:p>
             <a:r>
-              <a:rPr kumimoji="1" lang="en-US" altLang="ja-JP" smtClean="0"/>
+              <a:rPr lang="en-US" altLang="ja-JP" smtClean="0"/>
               <a:t>storage/proxy/archive</a:t>
             </a:r>
             <a:r>
-              <a:rPr lang="ja-JP" altLang="en-US"/>
-              <a:t>の</a:t>
-            </a:r>
-            <a:r>
-              <a:rPr kumimoji="1" lang="ja-JP" altLang="en-US" smtClean="0"/>
-              <a:t>協調動作</a:t>
-            </a:r>
-            <a:endParaRPr kumimoji="1" lang="ja-JP" altLang="en-US"/>
-          </a:p>
-        </p:txBody>
-      </p:sp>
-      <p:sp>
-        <p:nvSpPr>
-          <p:cNvPr id="5" name="スライド番号プレースホルダー 4"/>
+              <a:rPr lang="ja-JP" altLang="en-US" smtClean="0"/>
+              <a:t>の協調動作</a:t>
+            </a:r>
+            <a:endParaRPr lang="en-US" altLang="ja-JP" smtClean="0"/>
+          </a:p>
+          <a:p>
+            <a:pPr lvl="1"/>
+            <a:r>
+              <a:rPr lang="ja-JP" altLang="en-US" smtClean="0"/>
+              <a:t>殆どの操作が非同期</a:t>
+            </a:r>
+            <a:endParaRPr lang="en-US" altLang="ja-JP" smtClean="0"/>
+          </a:p>
+          <a:p>
+            <a:pPr lvl="1"/>
+            <a:r>
+              <a:rPr lang="ja-JP" altLang="en-US" smtClean="0"/>
+              <a:t>複数の登場人物の扱いがこんなに面倒だとは</a:t>
+            </a:r>
+            <a:r>
+              <a:rPr lang="en-US" altLang="ja-JP" smtClean="0"/>
+              <a:t>…</a:t>
+            </a:r>
+            <a:endParaRPr lang="ja-JP" altLang="en-US"/>
+          </a:p>
+        </p:txBody>
+      </p:sp>
+      <p:sp>
+        <p:nvSpPr>
+          <p:cNvPr id="8" name="スライド番号プレースホルダー 7"/>
           <p:cNvSpPr>
             <a:spLocks noGrp="1"/>
           </p:cNvSpPr>
@@ -15024,7 +14702,7 @@
             </a:fld>
             <a:r>
               <a:rPr lang="en-US" altLang="ja-JP" smtClean="0"/>
-              <a:t>/30</a:t>
+              <a:t>/31</a:t>
             </a:r>
             <a:endParaRPr lang="ja-JP" altLang="en-US"/>
           </a:p>
@@ -15051,3089 +14729,6 @@
 </file>
 
 <file path=ppt/slides/slide25.xml><?xml version="1.0" encoding="utf-8"?>
-<p:sld xmlns:a="http://schemas.openxmlformats.org/drawingml/2006/main" xmlns:r="http://schemas.openxmlformats.org/officeDocument/2006/relationships" xmlns:p="http://schemas.openxmlformats.org/presentationml/2006/main">
-  <p:cSld>
-    <p:spTree>
-      <p:nvGrpSpPr>
-        <p:cNvPr id="1" name=""/>
-        <p:cNvGrpSpPr/>
-        <p:nvPr/>
-      </p:nvGrpSpPr>
-      <p:grpSpPr>
-        <a:xfrm>
-          <a:off x="0" y="0"/>
-          <a:ext cx="0" cy="0"/>
-          <a:chOff x="0" y="0"/>
-          <a:chExt cx="0" cy="0"/>
-        </a:xfrm>
-      </p:grpSpPr>
-      <p:sp>
-        <p:nvSpPr>
-          <p:cNvPr id="2" name="タイトル 1"/>
-          <p:cNvSpPr>
-            <a:spLocks noGrp="1"/>
-          </p:cNvSpPr>
-          <p:nvPr>
-            <p:ph type="title"/>
-          </p:nvPr>
-        </p:nvSpPr>
-        <p:spPr/>
-        <p:txBody>
-          <a:bodyPr/>
-          <a:lstStyle/>
-          <a:p>
-            <a:r>
-              <a:rPr kumimoji="1" lang="ja-JP" altLang="en-US" smtClean="0"/>
-              <a:t>バグがいっぱい</a:t>
-            </a:r>
-            <a:endParaRPr kumimoji="1" lang="ja-JP" altLang="en-US"/>
-          </a:p>
-        </p:txBody>
-      </p:sp>
-      <p:sp>
-        <p:nvSpPr>
-          <p:cNvPr id="3" name="コンテンツ プレースホルダー 2"/>
-          <p:cNvSpPr>
-            <a:spLocks noGrp="1"/>
-          </p:cNvSpPr>
-          <p:nvPr>
-            <p:ph idx="1"/>
-          </p:nvPr>
-        </p:nvSpPr>
-        <p:spPr/>
-        <p:txBody>
-          <a:bodyPr>
-            <a:normAutofit fontScale="92500" lnSpcReduction="10000"/>
-          </a:bodyPr>
-          <a:lstStyle/>
-          <a:p>
-            <a:r>
-              <a:rPr lang="ja-JP" altLang="en-US"/>
-              <a:t>テストする</a:t>
-            </a:r>
-            <a:r>
-              <a:rPr lang="ja-JP" altLang="en-US"/>
-              <a:t>たび</a:t>
-            </a:r>
-            <a:r>
-              <a:rPr lang="ja-JP" altLang="en-US" smtClean="0"/>
-              <a:t>に</a:t>
-            </a:r>
-            <a:r>
-              <a:rPr lang="ja-JP" altLang="en-US"/>
-              <a:t>新た</a:t>
-            </a:r>
-            <a:r>
-              <a:rPr lang="ja-JP" altLang="en-US" smtClean="0"/>
-              <a:t>なバグ</a:t>
-            </a:r>
-            <a:endParaRPr lang="en-US" altLang="ja-JP" smtClean="0"/>
-          </a:p>
-          <a:p>
-            <a:pPr lvl="1"/>
-            <a:r>
-              <a:rPr kumimoji="1" lang="en-US" altLang="ja-JP" smtClean="0"/>
-              <a:t>WalB</a:t>
-            </a:r>
-            <a:r>
-              <a:rPr kumimoji="1" lang="ja-JP" altLang="en-US" smtClean="0"/>
-              <a:t>自体のバグ</a:t>
-            </a:r>
-            <a:endParaRPr kumimoji="1" lang="en-US" altLang="ja-JP" smtClean="0"/>
-          </a:p>
-          <a:p>
-            <a:pPr lvl="1"/>
-            <a:r>
-              <a:rPr lang="en-US" altLang="ja-JP" smtClean="0"/>
-              <a:t>kernel</a:t>
-            </a:r>
-            <a:r>
-              <a:rPr lang="ja-JP" altLang="en-US" smtClean="0"/>
-              <a:t>が新しくなると</a:t>
-            </a:r>
-            <a:r>
-              <a:rPr lang="en-US" altLang="ja-JP" smtClean="0"/>
-              <a:t>driver</a:t>
-            </a:r>
-            <a:r>
-              <a:rPr lang="ja-JP" altLang="en-US" smtClean="0"/>
-              <a:t>をコンパイルできない</a:t>
-            </a:r>
-            <a:endParaRPr lang="en-US" altLang="ja-JP" smtClean="0"/>
-          </a:p>
-          <a:p>
-            <a:pPr lvl="1"/>
-            <a:r>
-              <a:rPr lang="en-US" altLang="ja-JP" smtClean="0"/>
-              <a:t>kernel</a:t>
-            </a:r>
-            <a:r>
-              <a:rPr lang="ja-JP" altLang="en-US" smtClean="0"/>
-              <a:t>のバグ</a:t>
-            </a:r>
-            <a:endParaRPr lang="en-US" altLang="ja-JP" smtClean="0"/>
-          </a:p>
-          <a:p>
-            <a:pPr lvl="2"/>
-            <a:r>
-              <a:rPr lang="en-US" altLang="ja-JP" smtClean="0"/>
-              <a:t>LVM</a:t>
-            </a:r>
-            <a:r>
-              <a:rPr lang="ja-JP" altLang="en-US" smtClean="0"/>
-              <a:t>のバグ</a:t>
-            </a:r>
-            <a:endParaRPr lang="en-US" altLang="ja-JP" smtClean="0"/>
-          </a:p>
-          <a:p>
-            <a:pPr lvl="2"/>
-            <a:r>
-              <a:rPr lang="en-US" altLang="ja-JP" smtClean="0"/>
-              <a:t>KVM</a:t>
-            </a:r>
-            <a:r>
-              <a:rPr lang="ja-JP" altLang="en-US" smtClean="0"/>
-              <a:t>のバグ</a:t>
-            </a:r>
-            <a:endParaRPr lang="en-US" altLang="ja-JP" smtClean="0"/>
-          </a:p>
-          <a:p>
-            <a:pPr lvl="2"/>
-            <a:r>
-              <a:rPr lang="en-US" altLang="ja-JP" smtClean="0"/>
-              <a:t>ext4</a:t>
-            </a:r>
-            <a:r>
-              <a:rPr lang="ja-JP" altLang="en-US" smtClean="0"/>
-              <a:t>のバグっぽい挙動（</a:t>
-            </a:r>
-            <a:r>
-              <a:rPr lang="en-US" altLang="ja-JP" smtClean="0"/>
-              <a:t>?</a:t>
-            </a:r>
-            <a:r>
-              <a:rPr lang="ja-JP" altLang="en-US" smtClean="0"/>
-              <a:t>）</a:t>
-            </a:r>
-            <a:endParaRPr lang="en-US" altLang="ja-JP" smtClean="0"/>
-          </a:p>
-          <a:p>
-            <a:pPr lvl="1"/>
-            <a:r>
-              <a:rPr lang="en-US" altLang="ja-JP" smtClean="0"/>
-              <a:t>gdb</a:t>
-            </a:r>
-            <a:r>
-              <a:rPr lang="ja-JP" altLang="en-US" smtClean="0"/>
-              <a:t>のバグ</a:t>
-            </a:r>
-            <a:endParaRPr lang="en-US" altLang="ja-JP" smtClean="0"/>
-          </a:p>
-          <a:p>
-            <a:pPr lvl="2"/>
-            <a:r>
-              <a:rPr lang="ja-JP" altLang="en-US"/>
-              <a:t>起動</a:t>
-            </a:r>
-            <a:r>
-              <a:rPr lang="ja-JP" altLang="en-US"/>
-              <a:t>する</a:t>
-            </a:r>
-            <a:r>
-              <a:rPr lang="ja-JP" altLang="en-US" smtClean="0"/>
-              <a:t>だけで</a:t>
-            </a:r>
-            <a:r>
-              <a:rPr lang="en-US" altLang="ja-JP" smtClean="0"/>
-              <a:t>gdb</a:t>
-            </a:r>
-            <a:r>
-              <a:rPr lang="ja-JP" altLang="en-US" smtClean="0"/>
-              <a:t>が</a:t>
-            </a:r>
-            <a:r>
-              <a:rPr lang="en-US" altLang="ja-JP" smtClean="0"/>
-              <a:t>SEGV</a:t>
-            </a:r>
-          </a:p>
-          <a:p>
-            <a:pPr lvl="1"/>
-            <a:r>
-              <a:rPr lang="en-US" altLang="ja-JP" smtClean="0"/>
-              <a:t>gcc</a:t>
-            </a:r>
-            <a:r>
-              <a:rPr lang="ja-JP" altLang="en-US" smtClean="0"/>
-              <a:t>のバグ</a:t>
-            </a:r>
-            <a:endParaRPr lang="en-US" altLang="ja-JP" smtClean="0"/>
-          </a:p>
-        </p:txBody>
-      </p:sp>
-      <p:sp>
-        <p:nvSpPr>
-          <p:cNvPr id="5" name="スライド番号プレースホルダー 4"/>
-          <p:cNvSpPr>
-            <a:spLocks noGrp="1"/>
-          </p:cNvSpPr>
-          <p:nvPr>
-            <p:ph type="sldNum" sz="quarter" idx="12"/>
-          </p:nvPr>
-        </p:nvSpPr>
-        <p:spPr/>
-        <p:txBody>
-          <a:bodyPr/>
-          <a:lstStyle/>
-          <a:p>
-            <a:fld id="{2649E3F5-6F9D-4754-B6F9-50AE10FEA634}" type="slidenum">
-              <a:rPr lang="ja-JP" altLang="en-US" smtClean="0"/>
-              <a:pPr/>
-              <a:t>25</a:t>
-            </a:fld>
-            <a:r>
-              <a:rPr lang="en-US" altLang="ja-JP" smtClean="0"/>
-              <a:t>/30</a:t>
-            </a:r>
-            <a:endParaRPr lang="ja-JP" altLang="en-US"/>
-          </a:p>
-        </p:txBody>
-      </p:sp>
-    </p:spTree>
-    <p:extLst>
-      <p:ext uri="{BB962C8B-B14F-4D97-AF65-F5344CB8AC3E}">
-        <p14:creationId xmlns:p14="http://schemas.microsoft.com/office/powerpoint/2010/main" val="110683992"/>
-      </p:ext>
-    </p:extLst>
-  </p:cSld>
-  <p:clrMapOvr>
-    <a:masterClrMapping/>
-  </p:clrMapOvr>
-</p:sld>
-</file>
-
-<file path=ppt/slides/slide26.xml><?xml version="1.0" encoding="utf-8"?>
-<p:sld xmlns:a="http://schemas.openxmlformats.org/drawingml/2006/main" xmlns:r="http://schemas.openxmlformats.org/officeDocument/2006/relationships" xmlns:p="http://schemas.openxmlformats.org/presentationml/2006/main">
-  <p:cSld>
-    <p:spTree>
-      <p:nvGrpSpPr>
-        <p:cNvPr id="1" name=""/>
-        <p:cNvGrpSpPr/>
-        <p:nvPr/>
-      </p:nvGrpSpPr>
-      <p:grpSpPr>
-        <a:xfrm>
-          <a:off x="0" y="0"/>
-          <a:ext cx="0" cy="0"/>
-          <a:chOff x="0" y="0"/>
-          <a:chExt cx="0" cy="0"/>
-        </a:xfrm>
-      </p:grpSpPr>
-      <p:sp>
-        <p:nvSpPr>
-          <p:cNvPr id="2" name="タイトル 1"/>
-          <p:cNvSpPr>
-            <a:spLocks noGrp="1"/>
-          </p:cNvSpPr>
-          <p:nvPr>
-            <p:ph type="title"/>
-          </p:nvPr>
-        </p:nvSpPr>
-        <p:spPr/>
-        <p:txBody>
-          <a:bodyPr/>
-          <a:lstStyle/>
-          <a:p>
-            <a:r>
-              <a:rPr lang="ja-JP" altLang="en-US" smtClean="0"/>
-              <a:t>例 </a:t>
-            </a:r>
-            <a:r>
-              <a:rPr lang="en-US" altLang="ja-JP" smtClean="0"/>
-              <a:t>: log</a:t>
-            </a:r>
-            <a:r>
-              <a:rPr lang="ja-JP" altLang="en-US" smtClean="0"/>
-              <a:t>が二重になる可能性</a:t>
-            </a:r>
-            <a:endParaRPr lang="ja-JP" altLang="en-US"/>
-          </a:p>
-        </p:txBody>
-      </p:sp>
-      <p:sp>
-        <p:nvSpPr>
-          <p:cNvPr id="42" name="コンテンツ プレースホルダー 41"/>
-          <p:cNvSpPr>
-            <a:spLocks noGrp="1"/>
-          </p:cNvSpPr>
-          <p:nvPr>
-            <p:ph idx="1"/>
-          </p:nvPr>
-        </p:nvSpPr>
-        <p:spPr/>
-        <p:txBody>
-          <a:bodyPr/>
-          <a:lstStyle/>
-          <a:p>
-            <a:r>
-              <a:rPr kumimoji="1" lang="ja-JP" altLang="en-US" smtClean="0"/>
-              <a:t>通常</a:t>
-            </a:r>
-            <a:r>
-              <a:rPr kumimoji="1" lang="en-US" altLang="ja-JP" smtClean="0"/>
-              <a:t>log</a:t>
-            </a:r>
-            <a:r>
-              <a:rPr kumimoji="1" lang="ja-JP" altLang="en-US" smtClean="0"/>
-              <a:t>の重複はありえないはずだが</a:t>
-            </a:r>
-            <a:endParaRPr kumimoji="1" lang="ja-JP" altLang="en-US"/>
-          </a:p>
-        </p:txBody>
-      </p:sp>
-      <p:cxnSp>
-        <p:nvCxnSpPr>
-          <p:cNvPr id="24" name="直線矢印コネクタ 23"/>
-          <p:cNvCxnSpPr>
-            <a:stCxn id="9" idx="2"/>
-            <a:endCxn id="23" idx="0"/>
-          </p:cNvCxnSpPr>
-          <p:nvPr/>
-        </p:nvCxnSpPr>
-        <p:spPr>
-          <a:xfrm>
-            <a:off x="1079612" y="4271273"/>
-            <a:ext cx="0" cy="712286"/>
-          </a:xfrm>
-          <a:prstGeom prst="straightConnector1">
-            <a:avLst/>
-          </a:prstGeom>
-          <a:ln w="60325">
-            <a:tailEnd type="arrow"/>
-          </a:ln>
-        </p:spPr>
-        <p:style>
-          <a:lnRef idx="1">
-            <a:schemeClr val="accent1"/>
-          </a:lnRef>
-          <a:fillRef idx="0">
-            <a:schemeClr val="accent1"/>
-          </a:fillRef>
-          <a:effectRef idx="0">
-            <a:schemeClr val="accent1"/>
-          </a:effectRef>
-          <a:fontRef idx="minor">
-            <a:schemeClr val="tx1"/>
-          </a:fontRef>
-        </p:style>
-      </p:cxnSp>
-      <p:cxnSp>
-        <p:nvCxnSpPr>
-          <p:cNvPr id="33" name="直線矢印コネクタ 32"/>
-          <p:cNvCxnSpPr>
-            <a:stCxn id="8" idx="2"/>
-            <a:endCxn id="23" idx="3"/>
-          </p:cNvCxnSpPr>
-          <p:nvPr/>
-        </p:nvCxnSpPr>
-        <p:spPr>
-          <a:xfrm flipH="1">
-            <a:off x="1691680" y="4271272"/>
-            <a:ext cx="1116124" cy="907116"/>
-          </a:xfrm>
-          <a:prstGeom prst="straightConnector1">
-            <a:avLst/>
-          </a:prstGeom>
-          <a:ln w="60325">
-            <a:solidFill>
-              <a:schemeClr val="accent1">
-                <a:lumMod val="20000"/>
-                <a:lumOff val="80000"/>
-              </a:schemeClr>
-            </a:solidFill>
-            <a:tailEnd type="arrow"/>
-          </a:ln>
-        </p:spPr>
-        <p:style>
-          <a:lnRef idx="1">
-            <a:schemeClr val="accent1"/>
-          </a:lnRef>
-          <a:fillRef idx="0">
-            <a:schemeClr val="accent1"/>
-          </a:fillRef>
-          <a:effectRef idx="0">
-            <a:schemeClr val="accent1"/>
-          </a:effectRef>
-          <a:fontRef idx="minor">
-            <a:schemeClr val="tx1"/>
-          </a:fontRef>
-        </p:style>
-      </p:cxnSp>
-      <p:grpSp>
-        <p:nvGrpSpPr>
-          <p:cNvPr id="43" name="グループ化 42"/>
-          <p:cNvGrpSpPr/>
-          <p:nvPr/>
-        </p:nvGrpSpPr>
-        <p:grpSpPr>
-          <a:xfrm>
-            <a:off x="323528" y="2643079"/>
-            <a:ext cx="3096344" cy="2730137"/>
-            <a:chOff x="323528" y="1988840"/>
-            <a:chExt cx="3096344" cy="2730137"/>
-          </a:xfrm>
-        </p:grpSpPr>
-        <p:cxnSp>
-          <p:nvCxnSpPr>
-            <p:cNvPr id="5" name="直線矢印コネクタ 4"/>
-            <p:cNvCxnSpPr>
-              <a:stCxn id="7" idx="2"/>
-              <a:endCxn id="8" idx="0"/>
-            </p:cNvCxnSpPr>
-            <p:nvPr/>
-          </p:nvCxnSpPr>
-          <p:spPr>
-            <a:xfrm>
-              <a:off x="1079612" y="2378497"/>
-              <a:ext cx="1728192" cy="848879"/>
-            </a:xfrm>
-            <a:prstGeom prst="straightConnector1">
-              <a:avLst/>
-            </a:prstGeom>
-            <a:ln w="60325">
-              <a:solidFill>
-                <a:schemeClr val="accent1">
-                  <a:lumMod val="20000"/>
-                  <a:lumOff val="80000"/>
-                </a:schemeClr>
-              </a:solidFill>
-              <a:tailEnd type="arrow"/>
-            </a:ln>
-          </p:spPr>
-          <p:style>
-            <a:lnRef idx="1">
-              <a:schemeClr val="accent1"/>
-            </a:lnRef>
-            <a:fillRef idx="0">
-              <a:schemeClr val="accent1"/>
-            </a:fillRef>
-            <a:effectRef idx="0">
-              <a:schemeClr val="accent1"/>
-            </a:effectRef>
-            <a:fontRef idx="minor">
-              <a:schemeClr val="tx1"/>
-            </a:fontRef>
-          </p:style>
-        </p:cxnSp>
-        <p:cxnSp>
-          <p:nvCxnSpPr>
-            <p:cNvPr id="6" name="直線矢印コネクタ 5"/>
-            <p:cNvCxnSpPr>
-              <a:stCxn id="7" idx="2"/>
-              <a:endCxn id="9" idx="0"/>
-            </p:cNvCxnSpPr>
-            <p:nvPr/>
-          </p:nvCxnSpPr>
-          <p:spPr>
-            <a:xfrm>
-              <a:off x="1079612" y="2378497"/>
-              <a:ext cx="0" cy="848880"/>
-            </a:xfrm>
-            <a:prstGeom prst="straightConnector1">
-              <a:avLst/>
-            </a:prstGeom>
-            <a:ln w="60325">
-              <a:tailEnd type="arrow"/>
-            </a:ln>
-          </p:spPr>
-          <p:style>
-            <a:lnRef idx="1">
-              <a:schemeClr val="accent1"/>
-            </a:lnRef>
-            <a:fillRef idx="0">
-              <a:schemeClr val="accent1"/>
-            </a:fillRef>
-            <a:effectRef idx="0">
-              <a:schemeClr val="accent1"/>
-            </a:effectRef>
-            <a:fontRef idx="minor">
-              <a:schemeClr val="tx1"/>
-            </a:fontRef>
-          </p:style>
-        </p:cxnSp>
-        <p:sp>
-          <p:nvSpPr>
-            <p:cNvPr id="7" name="正方形/長方形 6"/>
-            <p:cNvSpPr/>
-            <p:nvPr/>
-          </p:nvSpPr>
-          <p:spPr>
-            <a:xfrm>
-              <a:off x="467544" y="1988840"/>
-              <a:ext cx="1224136" cy="389657"/>
-            </a:xfrm>
-            <a:prstGeom prst="rect">
-              <a:avLst/>
-            </a:prstGeom>
-            <a:solidFill>
-              <a:schemeClr val="accent5">
-                <a:lumMod val="20000"/>
-                <a:lumOff val="80000"/>
-              </a:schemeClr>
-            </a:solidFill>
-            <a:ln>
-              <a:noFill/>
-            </a:ln>
-          </p:spPr>
-          <p:style>
-            <a:lnRef idx="2">
-              <a:schemeClr val="accent1">
-                <a:shade val="50000"/>
-              </a:schemeClr>
-            </a:lnRef>
-            <a:fillRef idx="1">
-              <a:schemeClr val="accent1"/>
-            </a:fillRef>
-            <a:effectRef idx="0">
-              <a:schemeClr val="accent1"/>
-            </a:effectRef>
-            <a:fontRef idx="minor">
-              <a:schemeClr val="lt1"/>
-            </a:fontRef>
-          </p:style>
-          <p:txBody>
-            <a:bodyPr rtlCol="0" anchor="ctr"/>
-            <a:lstStyle/>
-            <a:p>
-              <a:pPr algn="ctr"/>
-              <a:r>
-                <a:rPr lang="en-US" altLang="ja-JP" sz="2400" smtClean="0">
-                  <a:solidFill>
-                    <a:schemeClr val="tx1"/>
-                  </a:solidFill>
-                </a:rPr>
-                <a:t>storage</a:t>
-              </a:r>
-              <a:endParaRPr kumimoji="1" lang="ja-JP" altLang="en-US" sz="2400">
-                <a:solidFill>
-                  <a:schemeClr val="tx1"/>
-                </a:solidFill>
-              </a:endParaRPr>
-            </a:p>
-          </p:txBody>
-        </p:sp>
-        <p:sp>
-          <p:nvSpPr>
-            <p:cNvPr id="8" name="正方形/長方形 7"/>
-            <p:cNvSpPr/>
-            <p:nvPr/>
-          </p:nvSpPr>
-          <p:spPr>
-            <a:xfrm>
-              <a:off x="2195736" y="3227376"/>
-              <a:ext cx="1224136" cy="389657"/>
-            </a:xfrm>
-            <a:prstGeom prst="rect">
-              <a:avLst/>
-            </a:prstGeom>
-            <a:solidFill>
-              <a:schemeClr val="accent5">
-                <a:lumMod val="20000"/>
-                <a:lumOff val="80000"/>
-              </a:schemeClr>
-            </a:solidFill>
-            <a:ln>
-              <a:noFill/>
-            </a:ln>
-          </p:spPr>
-          <p:style>
-            <a:lnRef idx="2">
-              <a:schemeClr val="accent1">
-                <a:shade val="50000"/>
-              </a:schemeClr>
-            </a:lnRef>
-            <a:fillRef idx="1">
-              <a:schemeClr val="accent1"/>
-            </a:fillRef>
-            <a:effectRef idx="0">
-              <a:schemeClr val="accent1"/>
-            </a:effectRef>
-            <a:fontRef idx="minor">
-              <a:schemeClr val="lt1"/>
-            </a:fontRef>
-          </p:style>
-          <p:txBody>
-            <a:bodyPr rtlCol="0" anchor="ctr"/>
-            <a:lstStyle/>
-            <a:p>
-              <a:pPr algn="ctr"/>
-              <a:r>
-                <a:rPr lang="en-US" altLang="ja-JP" sz="2400" smtClean="0">
-                  <a:solidFill>
-                    <a:schemeClr val="tx1"/>
-                  </a:solidFill>
-                </a:rPr>
-                <a:t>proxy2</a:t>
-              </a:r>
-              <a:endParaRPr kumimoji="1" lang="ja-JP" altLang="en-US" sz="2400">
-                <a:solidFill>
-                  <a:schemeClr val="tx1"/>
-                </a:solidFill>
-              </a:endParaRPr>
-            </a:p>
-          </p:txBody>
-        </p:sp>
-        <p:sp>
-          <p:nvSpPr>
-            <p:cNvPr id="9" name="正方形/長方形 8"/>
-            <p:cNvSpPr/>
-            <p:nvPr/>
-          </p:nvSpPr>
-          <p:spPr>
-            <a:xfrm>
-              <a:off x="467544" y="3227377"/>
-              <a:ext cx="1224136" cy="389657"/>
-            </a:xfrm>
-            <a:prstGeom prst="rect">
-              <a:avLst/>
-            </a:prstGeom>
-            <a:solidFill>
-              <a:schemeClr val="accent5">
-                <a:lumMod val="20000"/>
-                <a:lumOff val="80000"/>
-              </a:schemeClr>
-            </a:solidFill>
-            <a:ln>
-              <a:noFill/>
-            </a:ln>
-          </p:spPr>
-          <p:style>
-            <a:lnRef idx="2">
-              <a:schemeClr val="accent1">
-                <a:shade val="50000"/>
-              </a:schemeClr>
-            </a:lnRef>
-            <a:fillRef idx="1">
-              <a:schemeClr val="accent1"/>
-            </a:fillRef>
-            <a:effectRef idx="0">
-              <a:schemeClr val="accent1"/>
-            </a:effectRef>
-            <a:fontRef idx="minor">
-              <a:schemeClr val="lt1"/>
-            </a:fontRef>
-          </p:style>
-          <p:txBody>
-            <a:bodyPr rtlCol="0" anchor="ctr"/>
-            <a:lstStyle/>
-            <a:p>
-              <a:pPr algn="ctr"/>
-              <a:r>
-                <a:rPr lang="en-US" altLang="ja-JP" sz="2400" smtClean="0">
-                  <a:solidFill>
-                    <a:schemeClr val="tx1"/>
-                  </a:solidFill>
-                </a:rPr>
-                <a:t>proxy1</a:t>
-              </a:r>
-              <a:endParaRPr kumimoji="1" lang="ja-JP" altLang="en-US" sz="2400">
-                <a:solidFill>
-                  <a:schemeClr val="tx1"/>
-                </a:solidFill>
-              </a:endParaRPr>
-            </a:p>
-          </p:txBody>
-        </p:sp>
-        <p:sp>
-          <p:nvSpPr>
-            <p:cNvPr id="23" name="正方形/長方形 22"/>
-            <p:cNvSpPr/>
-            <p:nvPr/>
-          </p:nvSpPr>
-          <p:spPr>
-            <a:xfrm>
-              <a:off x="467544" y="4329320"/>
-              <a:ext cx="1224136" cy="389657"/>
-            </a:xfrm>
-            <a:prstGeom prst="rect">
-              <a:avLst/>
-            </a:prstGeom>
-            <a:solidFill>
-              <a:schemeClr val="accent5">
-                <a:lumMod val="20000"/>
-                <a:lumOff val="80000"/>
-              </a:schemeClr>
-            </a:solidFill>
-            <a:ln>
-              <a:noFill/>
-            </a:ln>
-          </p:spPr>
-          <p:style>
-            <a:lnRef idx="2">
-              <a:schemeClr val="accent1">
-                <a:shade val="50000"/>
-              </a:schemeClr>
-            </a:lnRef>
-            <a:fillRef idx="1">
-              <a:schemeClr val="accent1"/>
-            </a:fillRef>
-            <a:effectRef idx="0">
-              <a:schemeClr val="accent1"/>
-            </a:effectRef>
-            <a:fontRef idx="minor">
-              <a:schemeClr val="lt1"/>
-            </a:fontRef>
-          </p:style>
-          <p:txBody>
-            <a:bodyPr rtlCol="0" anchor="ctr"/>
-            <a:lstStyle/>
-            <a:p>
-              <a:pPr algn="ctr"/>
-              <a:r>
-                <a:rPr lang="en-US" altLang="ja-JP" sz="2400" smtClean="0">
-                  <a:solidFill>
-                    <a:schemeClr val="tx1"/>
-                  </a:solidFill>
-                </a:rPr>
-                <a:t>archive</a:t>
-              </a:r>
-              <a:endParaRPr kumimoji="1" lang="ja-JP" altLang="en-US" sz="2400">
-                <a:solidFill>
-                  <a:schemeClr val="tx1"/>
-                </a:solidFill>
-              </a:endParaRPr>
-            </a:p>
-          </p:txBody>
-        </p:sp>
-        <p:sp>
-          <p:nvSpPr>
-            <p:cNvPr id="36" name="正方形/長方形 35"/>
-            <p:cNvSpPr/>
-            <p:nvPr/>
-          </p:nvSpPr>
-          <p:spPr>
-            <a:xfrm>
-              <a:off x="323528" y="2802937"/>
-              <a:ext cx="483566" cy="389656"/>
-            </a:xfrm>
-            <a:prstGeom prst="rect">
-              <a:avLst/>
-            </a:prstGeom>
-            <a:solidFill>
-              <a:schemeClr val="accent6">
-                <a:lumMod val="40000"/>
-                <a:lumOff val="60000"/>
-              </a:schemeClr>
-            </a:solidFill>
-            <a:ln>
-              <a:noFill/>
-            </a:ln>
-          </p:spPr>
-          <p:style>
-            <a:lnRef idx="2">
-              <a:schemeClr val="accent1">
-                <a:shade val="50000"/>
-              </a:schemeClr>
-            </a:lnRef>
-            <a:fillRef idx="1">
-              <a:schemeClr val="accent1"/>
-            </a:fillRef>
-            <a:effectRef idx="0">
-              <a:schemeClr val="accent1"/>
-            </a:effectRef>
-            <a:fontRef idx="minor">
-              <a:schemeClr val="lt1"/>
-            </a:fontRef>
-          </p:style>
-          <p:txBody>
-            <a:bodyPr rtlCol="0" anchor="ctr"/>
-            <a:lstStyle/>
-            <a:p>
-              <a:pPr algn="ctr"/>
-              <a:r>
-                <a:rPr lang="en-US" altLang="ja-JP" sz="2000" smtClean="0">
-                  <a:solidFill>
-                    <a:schemeClr val="tx1"/>
-                  </a:solidFill>
-                </a:rPr>
-                <a:t>L</a:t>
-              </a:r>
-              <a:endParaRPr kumimoji="1" lang="ja-JP" altLang="en-US" sz="2000" baseline="-25000">
-                <a:solidFill>
-                  <a:schemeClr val="tx1"/>
-                </a:solidFill>
-              </a:endParaRPr>
-            </a:p>
-          </p:txBody>
-        </p:sp>
-        <p:sp>
-          <p:nvSpPr>
-            <p:cNvPr id="37" name="正方形/長方形 36"/>
-            <p:cNvSpPr/>
-            <p:nvPr/>
-          </p:nvSpPr>
-          <p:spPr>
-            <a:xfrm>
-              <a:off x="2123728" y="2486729"/>
-              <a:ext cx="483566" cy="389656"/>
-            </a:xfrm>
-            <a:prstGeom prst="rect">
-              <a:avLst/>
-            </a:prstGeom>
-            <a:solidFill>
-              <a:schemeClr val="accent6">
-                <a:lumMod val="40000"/>
-                <a:lumOff val="60000"/>
-              </a:schemeClr>
-            </a:solidFill>
-            <a:ln>
-              <a:noFill/>
-            </a:ln>
-          </p:spPr>
-          <p:style>
-            <a:lnRef idx="2">
-              <a:schemeClr val="accent1">
-                <a:shade val="50000"/>
-              </a:schemeClr>
-            </a:lnRef>
-            <a:fillRef idx="1">
-              <a:schemeClr val="accent1"/>
-            </a:fillRef>
-            <a:effectRef idx="0">
-              <a:schemeClr val="accent1"/>
-            </a:effectRef>
-            <a:fontRef idx="minor">
-              <a:schemeClr val="lt1"/>
-            </a:fontRef>
-          </p:style>
-          <p:txBody>
-            <a:bodyPr rtlCol="0" anchor="ctr"/>
-            <a:lstStyle/>
-            <a:p>
-              <a:pPr algn="ctr"/>
-              <a:r>
-                <a:rPr lang="en-US" altLang="ja-JP" sz="2000" smtClean="0">
-                  <a:solidFill>
-                    <a:schemeClr val="tx1"/>
-                  </a:solidFill>
-                </a:rPr>
-                <a:t>L</a:t>
-              </a:r>
-              <a:endParaRPr kumimoji="1" lang="ja-JP" altLang="en-US" sz="2000" baseline="-25000">
-                <a:solidFill>
-                  <a:schemeClr val="tx1"/>
-                </a:solidFill>
-              </a:endParaRPr>
-            </a:p>
-          </p:txBody>
-        </p:sp>
-        <p:sp>
-          <p:nvSpPr>
-            <p:cNvPr id="38" name="正方形/長方形 37"/>
-            <p:cNvSpPr/>
-            <p:nvPr/>
-          </p:nvSpPr>
-          <p:spPr>
-            <a:xfrm>
-              <a:off x="445174" y="3931985"/>
-              <a:ext cx="483566" cy="389656"/>
-            </a:xfrm>
-            <a:prstGeom prst="rect">
-              <a:avLst/>
-            </a:prstGeom>
-            <a:solidFill>
-              <a:schemeClr val="accent6">
-                <a:lumMod val="40000"/>
-                <a:lumOff val="60000"/>
-              </a:schemeClr>
-            </a:solidFill>
-            <a:ln>
-              <a:noFill/>
-            </a:ln>
-          </p:spPr>
-          <p:style>
-            <a:lnRef idx="2">
-              <a:schemeClr val="accent1">
-                <a:shade val="50000"/>
-              </a:schemeClr>
-            </a:lnRef>
-            <a:fillRef idx="1">
-              <a:schemeClr val="accent1"/>
-            </a:fillRef>
-            <a:effectRef idx="0">
-              <a:schemeClr val="accent1"/>
-            </a:effectRef>
-            <a:fontRef idx="minor">
-              <a:schemeClr val="lt1"/>
-            </a:fontRef>
-          </p:style>
-          <p:txBody>
-            <a:bodyPr rtlCol="0" anchor="ctr"/>
-            <a:lstStyle/>
-            <a:p>
-              <a:pPr algn="ctr"/>
-              <a:r>
-                <a:rPr lang="en-US" altLang="ja-JP" sz="2000" smtClean="0">
-                  <a:solidFill>
-                    <a:schemeClr val="tx1"/>
-                  </a:solidFill>
-                </a:rPr>
-                <a:t>L</a:t>
-              </a:r>
-              <a:endParaRPr kumimoji="1" lang="ja-JP" altLang="en-US" sz="2000" baseline="-25000">
-                <a:solidFill>
-                  <a:schemeClr val="tx1"/>
-                </a:solidFill>
-              </a:endParaRPr>
-            </a:p>
-          </p:txBody>
-        </p:sp>
-        <p:sp>
-          <p:nvSpPr>
-            <p:cNvPr id="39" name="正方形/長方形 38"/>
-            <p:cNvSpPr/>
-            <p:nvPr/>
-          </p:nvSpPr>
-          <p:spPr>
-            <a:xfrm>
-              <a:off x="1473435" y="3946248"/>
-              <a:ext cx="483566" cy="389656"/>
-            </a:xfrm>
-            <a:prstGeom prst="rect">
-              <a:avLst/>
-            </a:prstGeom>
-            <a:solidFill>
-              <a:schemeClr val="accent6">
-                <a:lumMod val="40000"/>
-                <a:lumOff val="60000"/>
-              </a:schemeClr>
-            </a:solidFill>
-            <a:ln>
-              <a:noFill/>
-            </a:ln>
-          </p:spPr>
-          <p:style>
-            <a:lnRef idx="2">
-              <a:schemeClr val="accent1">
-                <a:shade val="50000"/>
-              </a:schemeClr>
-            </a:lnRef>
-            <a:fillRef idx="1">
-              <a:schemeClr val="accent1"/>
-            </a:fillRef>
-            <a:effectRef idx="0">
-              <a:schemeClr val="accent1"/>
-            </a:effectRef>
-            <a:fontRef idx="minor">
-              <a:schemeClr val="lt1"/>
-            </a:fontRef>
-          </p:style>
-          <p:txBody>
-            <a:bodyPr rtlCol="0" anchor="ctr"/>
-            <a:lstStyle/>
-            <a:p>
-              <a:pPr algn="ctr"/>
-              <a:r>
-                <a:rPr lang="en-US" altLang="ja-JP" sz="2000" smtClean="0">
-                  <a:solidFill>
-                    <a:schemeClr val="tx1"/>
-                  </a:solidFill>
-                </a:rPr>
-                <a:t>L</a:t>
-              </a:r>
-              <a:endParaRPr kumimoji="1" lang="ja-JP" altLang="en-US" sz="2000" baseline="-25000">
-                <a:solidFill>
-                  <a:schemeClr val="tx1"/>
-                </a:solidFill>
-              </a:endParaRPr>
-            </a:p>
-          </p:txBody>
-        </p:sp>
-      </p:grpSp>
-      <p:sp>
-        <p:nvSpPr>
-          <p:cNvPr id="40" name="テキスト ボックス 39"/>
-          <p:cNvSpPr txBox="1"/>
-          <p:nvPr/>
-        </p:nvSpPr>
-        <p:spPr>
-          <a:xfrm>
-            <a:off x="3563888" y="2390557"/>
-            <a:ext cx="5328592" cy="4154984"/>
-          </a:xfrm>
-          <a:prstGeom prst="rect">
-            <a:avLst/>
-          </a:prstGeom>
-          <a:noFill/>
-        </p:spPr>
-        <p:txBody>
-          <a:bodyPr wrap="square" rtlCol="0">
-            <a:spAutoFit/>
-          </a:bodyPr>
-          <a:lstStyle/>
-          <a:p>
-            <a:pPr marL="342900" indent="-342900">
-              <a:buFont typeface="+mj-lt"/>
-              <a:buAutoNum type="arabicPeriod"/>
-            </a:pPr>
-            <a:r>
-              <a:rPr kumimoji="1" lang="en-US" altLang="ja-JP" sz="2400" smtClean="0"/>
-              <a:t>storage</a:t>
-            </a:r>
-            <a:r>
-              <a:rPr kumimoji="1" lang="ja-JP" altLang="en-US" sz="2400" smtClean="0"/>
-              <a:t>は</a:t>
-            </a:r>
-            <a:r>
-              <a:rPr kumimoji="1" lang="en-US" altLang="ja-JP" sz="2400" smtClean="0"/>
-              <a:t>L</a:t>
-            </a:r>
-            <a:r>
-              <a:rPr kumimoji="1" lang="ja-JP" altLang="en-US" sz="2400" smtClean="0"/>
-              <a:t>を</a:t>
-            </a:r>
-            <a:r>
-              <a:rPr kumimoji="1" lang="en-US" altLang="ja-JP" sz="2400" smtClean="0"/>
-              <a:t>proxy1</a:t>
-            </a:r>
-            <a:r>
-              <a:rPr kumimoji="1" lang="ja-JP" altLang="en-US" sz="2400" smtClean="0"/>
-              <a:t>に転送</a:t>
-            </a:r>
-            <a:endParaRPr kumimoji="1" lang="en-US" altLang="ja-JP" sz="2400" smtClean="0"/>
-          </a:p>
-          <a:p>
-            <a:pPr marL="342900" indent="-342900">
-              <a:buFont typeface="+mj-lt"/>
-              <a:buAutoNum type="arabicPeriod"/>
-            </a:pPr>
-            <a:r>
-              <a:rPr lang="ja-JP" altLang="en-US" sz="2400" smtClean="0"/>
-              <a:t>転送中</a:t>
-            </a:r>
-            <a:r>
-              <a:rPr lang="en-US" altLang="ja-JP" sz="2400" smtClean="0"/>
-              <a:t>storage</a:t>
-            </a:r>
-            <a:r>
-              <a:rPr lang="ja-JP" altLang="en-US" sz="2400" smtClean="0"/>
-              <a:t>～</a:t>
-            </a:r>
-            <a:r>
-              <a:rPr lang="en-US" altLang="ja-JP" sz="2400" smtClean="0"/>
-              <a:t>proxy1</a:t>
-            </a:r>
-            <a:r>
-              <a:rPr lang="ja-JP" altLang="en-US" sz="2400" smtClean="0"/>
-              <a:t>間</a:t>
-            </a:r>
-            <a:r>
-              <a:rPr lang="en-US" altLang="ja-JP" sz="2400" smtClean="0"/>
-              <a:t/>
-            </a:r>
-            <a:br>
-              <a:rPr lang="en-US" altLang="ja-JP" sz="2400" smtClean="0"/>
-            </a:br>
-            <a:r>
-              <a:rPr lang="ja-JP" altLang="en-US" sz="2400" smtClean="0"/>
-              <a:t>のネットワークがダウン</a:t>
-            </a:r>
-            <a:endParaRPr lang="en-US" altLang="ja-JP" sz="2400" smtClean="0"/>
-          </a:p>
-          <a:p>
-            <a:pPr marL="914400" lvl="1" indent="-457200">
-              <a:buFont typeface="+mj-lt"/>
-              <a:buAutoNum type="alphaLcPeriod"/>
-            </a:pPr>
-            <a:r>
-              <a:rPr kumimoji="1" lang="en-US" altLang="ja-JP" sz="2400" smtClean="0"/>
-              <a:t>proxy1</a:t>
-            </a:r>
-            <a:r>
-              <a:rPr kumimoji="1" lang="ja-JP" altLang="en-US" sz="2400" smtClean="0"/>
-              <a:t>は</a:t>
-            </a:r>
-            <a:r>
-              <a:rPr kumimoji="1" lang="en-US" altLang="ja-JP" sz="2400" smtClean="0"/>
-              <a:t>L</a:t>
-            </a:r>
-            <a:r>
-              <a:rPr kumimoji="1" lang="ja-JP" altLang="en-US" sz="2400" smtClean="0"/>
-              <a:t>の受け取り完了</a:t>
-            </a:r>
-            <a:endParaRPr kumimoji="1" lang="en-US" altLang="ja-JP" sz="2400" smtClean="0"/>
-          </a:p>
-          <a:p>
-            <a:pPr marL="800100" lvl="1" indent="-342900">
-              <a:buFont typeface="+mj-lt"/>
-              <a:buAutoNum type="alphaLcPeriod"/>
-            </a:pPr>
-            <a:r>
-              <a:rPr lang="ja-JP" altLang="en-US" sz="2400" smtClean="0"/>
-              <a:t> しかし</a:t>
-            </a:r>
-            <a:r>
-              <a:rPr kumimoji="1" lang="en-US" altLang="ja-JP" sz="2400" smtClean="0"/>
-              <a:t>storage</a:t>
-            </a:r>
-            <a:r>
-              <a:rPr kumimoji="1" lang="ja-JP" altLang="en-US" sz="2400" smtClean="0"/>
-              <a:t>は</a:t>
-            </a:r>
-            <a:r>
-              <a:rPr kumimoji="1" lang="en-US" altLang="ja-JP" sz="2400" smtClean="0"/>
-              <a:t>ack</a:t>
-            </a:r>
-            <a:r>
-              <a:rPr kumimoji="1" lang="ja-JP" altLang="en-US" sz="2400" smtClean="0"/>
-              <a:t>を</a:t>
-            </a:r>
-            <a:r>
-              <a:rPr lang="ja-JP" altLang="en-US" sz="2400" smtClean="0"/>
-              <a:t>受信できず</a:t>
-            </a:r>
-            <a:r>
-              <a:rPr lang="en-US" altLang="ja-JP" sz="2400" smtClean="0"/>
-              <a:t/>
-            </a:r>
-            <a:br>
-              <a:rPr lang="en-US" altLang="ja-JP" sz="2400" smtClean="0"/>
-            </a:br>
-            <a:r>
-              <a:rPr lang="ja-JP" altLang="en-US" sz="2400" smtClean="0"/>
-              <a:t>→ </a:t>
-            </a:r>
-            <a:r>
-              <a:rPr lang="en-US" altLang="ja-JP" sz="2400" smtClean="0"/>
-              <a:t>L</a:t>
-            </a:r>
-            <a:r>
-              <a:rPr lang="ja-JP" altLang="en-US" sz="2400" smtClean="0"/>
-              <a:t>を送ってないと判断</a:t>
-            </a:r>
-            <a:endParaRPr kumimoji="1" lang="en-US" altLang="ja-JP" sz="2400" smtClean="0"/>
-          </a:p>
-          <a:p>
-            <a:pPr marL="342900" indent="-342900">
-              <a:buFont typeface="+mj-lt"/>
-              <a:buAutoNum type="arabicPeriod"/>
-            </a:pPr>
-            <a:r>
-              <a:rPr lang="en-US" altLang="ja-JP" sz="2400" smtClean="0"/>
-              <a:t>storage</a:t>
-            </a:r>
-            <a:r>
-              <a:rPr lang="ja-JP" altLang="en-US" sz="2400" smtClean="0"/>
-              <a:t>は</a:t>
-            </a:r>
-            <a:r>
-              <a:rPr lang="en-US" altLang="ja-JP" sz="2400" smtClean="0"/>
-              <a:t>proxy2</a:t>
-            </a:r>
-            <a:r>
-              <a:rPr lang="ja-JP" altLang="en-US" sz="2400" smtClean="0"/>
-              <a:t>と通信開始</a:t>
-            </a:r>
-            <a:endParaRPr lang="en-US" altLang="ja-JP" sz="2400" smtClean="0"/>
-          </a:p>
-          <a:p>
-            <a:pPr marL="342900" indent="-342900">
-              <a:buFont typeface="+mj-lt"/>
-              <a:buAutoNum type="arabicPeriod"/>
-            </a:pPr>
-            <a:r>
-              <a:rPr kumimoji="1" lang="en-US" altLang="ja-JP" sz="2400" smtClean="0"/>
-              <a:t>L</a:t>
-            </a:r>
-            <a:r>
-              <a:rPr kumimoji="1" lang="ja-JP" altLang="en-US" sz="2400" smtClean="0"/>
-              <a:t>を</a:t>
-            </a:r>
-            <a:r>
-              <a:rPr kumimoji="1" lang="en-US" altLang="ja-JP" sz="2400" smtClean="0"/>
-              <a:t>proxy2</a:t>
-            </a:r>
-            <a:r>
-              <a:rPr kumimoji="1" lang="ja-JP" altLang="en-US" sz="2400" smtClean="0"/>
-              <a:t>へ転送</a:t>
-            </a:r>
-            <a:endParaRPr kumimoji="1" lang="en-US" altLang="ja-JP" sz="2400" smtClean="0"/>
-          </a:p>
-          <a:p>
-            <a:pPr marL="342900" indent="-342900">
-              <a:buFont typeface="+mj-lt"/>
-              <a:buAutoNum type="arabicPeriod"/>
-            </a:pPr>
-            <a:r>
-              <a:rPr kumimoji="1" lang="en-US" altLang="ja-JP" sz="2400" smtClean="0"/>
-              <a:t>proxy1</a:t>
-            </a:r>
-            <a:r>
-              <a:rPr kumimoji="1" lang="ja-JP" altLang="en-US" sz="2400" smtClean="0"/>
-              <a:t>と</a:t>
-            </a:r>
-            <a:r>
-              <a:rPr kumimoji="1" lang="en-US" altLang="ja-JP" sz="2400" smtClean="0"/>
-              <a:t>proxy2</a:t>
-            </a:r>
-            <a:r>
-              <a:rPr kumimoji="1" lang="ja-JP" altLang="en-US" sz="2400" smtClean="0"/>
-              <a:t>からそれぞれ</a:t>
-            </a:r>
-            <a:r>
-              <a:rPr kumimoji="1" lang="en-US" altLang="ja-JP" sz="2400" smtClean="0"/>
-              <a:t>L</a:t>
-            </a:r>
-            <a:r>
-              <a:rPr kumimoji="1" lang="ja-JP" altLang="en-US" sz="2400" smtClean="0"/>
-              <a:t>を</a:t>
-            </a:r>
-            <a:r>
-              <a:rPr kumimoji="1" lang="en-US" altLang="ja-JP" sz="2400" smtClean="0"/>
-              <a:t>archive</a:t>
-            </a:r>
-            <a:r>
-              <a:rPr kumimoji="1" lang="ja-JP" altLang="en-US" sz="2400" smtClean="0"/>
-              <a:t>に転送</a:t>
-            </a:r>
-            <a:endParaRPr kumimoji="1" lang="en-US" altLang="ja-JP" sz="2400" smtClean="0"/>
-          </a:p>
-          <a:p>
-            <a:pPr marL="342900" indent="-342900">
-              <a:buFont typeface="+mj-lt"/>
-              <a:buAutoNum type="arabicPeriod"/>
-            </a:pPr>
-            <a:r>
-              <a:rPr lang="en-US" altLang="ja-JP" sz="2400"/>
-              <a:t>L</a:t>
-            </a:r>
-            <a:r>
-              <a:rPr lang="ja-JP" altLang="en-US" sz="2400" smtClean="0"/>
-              <a:t>が重複した</a:t>
-            </a:r>
-            <a:endParaRPr kumimoji="1" lang="ja-JP" altLang="en-US" sz="2400"/>
-          </a:p>
-        </p:txBody>
-      </p:sp>
-      <p:sp>
-        <p:nvSpPr>
-          <p:cNvPr id="4" name="スライド番号プレースホルダー 3"/>
-          <p:cNvSpPr>
-            <a:spLocks noGrp="1"/>
-          </p:cNvSpPr>
-          <p:nvPr>
-            <p:ph type="sldNum" sz="quarter" idx="12"/>
-          </p:nvPr>
-        </p:nvSpPr>
-        <p:spPr/>
-        <p:txBody>
-          <a:bodyPr/>
-          <a:lstStyle/>
-          <a:p>
-            <a:fld id="{2649E3F5-6F9D-4754-B6F9-50AE10FEA634}" type="slidenum">
-              <a:rPr lang="ja-JP" altLang="en-US" smtClean="0"/>
-              <a:pPr/>
-              <a:t>26</a:t>
-            </a:fld>
-            <a:r>
-              <a:rPr lang="en-US" altLang="ja-JP" smtClean="0"/>
-              <a:t>/30</a:t>
-            </a:r>
-            <a:endParaRPr lang="ja-JP" altLang="en-US"/>
-          </a:p>
-        </p:txBody>
-      </p:sp>
-    </p:spTree>
-    <p:extLst>
-      <p:ext uri="{BB962C8B-B14F-4D97-AF65-F5344CB8AC3E}">
-        <p14:creationId xmlns:p14="http://schemas.microsoft.com/office/powerpoint/2010/main" val="3987634745"/>
-      </p:ext>
-    </p:extLst>
-  </p:cSld>
-  <p:clrMapOvr>
-    <a:masterClrMapping/>
-  </p:clrMapOvr>
-  <p:timing>
-    <p:tnLst>
-      <p:par>
-        <p:cTn id="1" dur="indefinite" restart="never" nodeType="tmRoot"/>
-      </p:par>
-    </p:tnLst>
-  </p:timing>
-</p:sld>
-</file>
-
-<file path=ppt/slides/slide27.xml><?xml version="1.0" encoding="utf-8"?>
-<p:sld xmlns:a="http://schemas.openxmlformats.org/drawingml/2006/main" xmlns:r="http://schemas.openxmlformats.org/officeDocument/2006/relationships" xmlns:p="http://schemas.openxmlformats.org/presentationml/2006/main">
-  <p:cSld>
-    <p:spTree>
-      <p:nvGrpSpPr>
-        <p:cNvPr id="1" name=""/>
-        <p:cNvGrpSpPr/>
-        <p:nvPr/>
-      </p:nvGrpSpPr>
-      <p:grpSpPr>
-        <a:xfrm>
-          <a:off x="0" y="0"/>
-          <a:ext cx="0" cy="0"/>
-          <a:chOff x="0" y="0"/>
-          <a:chExt cx="0" cy="0"/>
-        </a:xfrm>
-      </p:grpSpPr>
-      <p:sp>
-        <p:nvSpPr>
-          <p:cNvPr id="2" name="タイトル 1"/>
-          <p:cNvSpPr>
-            <a:spLocks noGrp="1"/>
-          </p:cNvSpPr>
-          <p:nvPr>
-            <p:ph type="title"/>
-          </p:nvPr>
-        </p:nvSpPr>
-        <p:spPr/>
-        <p:txBody>
-          <a:bodyPr>
-            <a:normAutofit/>
-          </a:bodyPr>
-          <a:lstStyle/>
-          <a:p>
-            <a:r>
-              <a:rPr lang="ja-JP" altLang="en-US" smtClean="0"/>
-              <a:t>例 </a:t>
-            </a:r>
-            <a:r>
-              <a:rPr lang="en-US" altLang="ja-JP" smtClean="0"/>
-              <a:t>: proxy</a:t>
-            </a:r>
-            <a:r>
-              <a:rPr lang="ja-JP" altLang="en-US" smtClean="0"/>
-              <a:t>の交換</a:t>
-            </a:r>
-            <a:endParaRPr kumimoji="1" lang="ja-JP" altLang="en-US"/>
-          </a:p>
-        </p:txBody>
-      </p:sp>
-      <p:sp>
-        <p:nvSpPr>
-          <p:cNvPr id="3" name="コンテンツ プレースホルダー 2"/>
-          <p:cNvSpPr>
-            <a:spLocks noGrp="1"/>
-          </p:cNvSpPr>
-          <p:nvPr>
-            <p:ph idx="1"/>
-          </p:nvPr>
-        </p:nvSpPr>
-        <p:spPr/>
-        <p:txBody>
-          <a:bodyPr>
-            <a:normAutofit/>
-          </a:bodyPr>
-          <a:lstStyle/>
-          <a:p>
-            <a:r>
-              <a:rPr lang="ja-JP" altLang="en-US" smtClean="0"/>
-              <a:t>止める順序が大事</a:t>
-            </a:r>
-            <a:endParaRPr lang="en-US" altLang="ja-JP" smtClean="0"/>
-          </a:p>
-        </p:txBody>
-      </p:sp>
-      <p:cxnSp>
-        <p:nvCxnSpPr>
-          <p:cNvPr id="5" name="直線矢印コネクタ 4"/>
-          <p:cNvCxnSpPr>
-            <a:stCxn id="7" idx="2"/>
-            <a:endCxn id="8" idx="0"/>
-          </p:cNvCxnSpPr>
-          <p:nvPr/>
-        </p:nvCxnSpPr>
-        <p:spPr>
-          <a:xfrm>
-            <a:off x="1079612" y="3032736"/>
-            <a:ext cx="1512168" cy="848879"/>
-          </a:xfrm>
-          <a:prstGeom prst="straightConnector1">
-            <a:avLst/>
-          </a:prstGeom>
-          <a:ln w="60325">
-            <a:solidFill>
-              <a:schemeClr val="accent1">
-                <a:lumMod val="20000"/>
-                <a:lumOff val="80000"/>
-              </a:schemeClr>
-            </a:solidFill>
-            <a:tailEnd type="arrow"/>
-          </a:ln>
-        </p:spPr>
-        <p:style>
-          <a:lnRef idx="1">
-            <a:schemeClr val="accent1"/>
-          </a:lnRef>
-          <a:fillRef idx="0">
-            <a:schemeClr val="accent1"/>
-          </a:fillRef>
-          <a:effectRef idx="0">
-            <a:schemeClr val="accent1"/>
-          </a:effectRef>
-          <a:fontRef idx="minor">
-            <a:schemeClr val="tx1"/>
-          </a:fontRef>
-        </p:style>
-      </p:cxnSp>
-      <p:cxnSp>
-        <p:nvCxnSpPr>
-          <p:cNvPr id="6" name="直線矢印コネクタ 5"/>
-          <p:cNvCxnSpPr>
-            <a:stCxn id="7" idx="2"/>
-            <a:endCxn id="9" idx="0"/>
-          </p:cNvCxnSpPr>
-          <p:nvPr/>
-        </p:nvCxnSpPr>
-        <p:spPr>
-          <a:xfrm>
-            <a:off x="1079612" y="3032736"/>
-            <a:ext cx="0" cy="848880"/>
-          </a:xfrm>
-          <a:prstGeom prst="straightConnector1">
-            <a:avLst/>
-          </a:prstGeom>
-          <a:ln w="60325">
-            <a:tailEnd type="arrow"/>
-          </a:ln>
-        </p:spPr>
-        <p:style>
-          <a:lnRef idx="1">
-            <a:schemeClr val="accent1"/>
-          </a:lnRef>
-          <a:fillRef idx="0">
-            <a:schemeClr val="accent1"/>
-          </a:fillRef>
-          <a:effectRef idx="0">
-            <a:schemeClr val="accent1"/>
-          </a:effectRef>
-          <a:fontRef idx="minor">
-            <a:schemeClr val="tx1"/>
-          </a:fontRef>
-        </p:style>
-      </p:cxnSp>
-      <p:sp>
-        <p:nvSpPr>
-          <p:cNvPr id="7" name="正方形/長方形 6"/>
-          <p:cNvSpPr/>
-          <p:nvPr/>
-        </p:nvSpPr>
-        <p:spPr>
-          <a:xfrm>
-            <a:off x="467544" y="2643079"/>
-            <a:ext cx="1224136" cy="389657"/>
-          </a:xfrm>
-          <a:prstGeom prst="rect">
-            <a:avLst/>
-          </a:prstGeom>
-          <a:solidFill>
-            <a:schemeClr val="accent5">
-              <a:lumMod val="20000"/>
-              <a:lumOff val="80000"/>
-            </a:schemeClr>
-          </a:solidFill>
-          <a:ln>
-            <a:noFill/>
-          </a:ln>
-        </p:spPr>
-        <p:style>
-          <a:lnRef idx="2">
-            <a:schemeClr val="accent1">
-              <a:shade val="50000"/>
-            </a:schemeClr>
-          </a:lnRef>
-          <a:fillRef idx="1">
-            <a:schemeClr val="accent1"/>
-          </a:fillRef>
-          <a:effectRef idx="0">
-            <a:schemeClr val="accent1"/>
-          </a:effectRef>
-          <a:fontRef idx="minor">
-            <a:schemeClr val="lt1"/>
-          </a:fontRef>
-        </p:style>
-        <p:txBody>
-          <a:bodyPr rtlCol="0" anchor="ctr"/>
-          <a:lstStyle/>
-          <a:p>
-            <a:pPr algn="ctr"/>
-            <a:r>
-              <a:rPr lang="en-US" altLang="ja-JP" sz="2400" smtClean="0">
-                <a:solidFill>
-                  <a:schemeClr val="tx1"/>
-                </a:solidFill>
-              </a:rPr>
-              <a:t>storage</a:t>
-            </a:r>
-            <a:endParaRPr kumimoji="1" lang="ja-JP" altLang="en-US" sz="2400">
-              <a:solidFill>
-                <a:schemeClr val="tx1"/>
-              </a:solidFill>
-            </a:endParaRPr>
-          </a:p>
-        </p:txBody>
-      </p:sp>
-      <p:sp>
-        <p:nvSpPr>
-          <p:cNvPr id="8" name="正方形/長方形 7"/>
-          <p:cNvSpPr/>
-          <p:nvPr/>
-        </p:nvSpPr>
-        <p:spPr>
-          <a:xfrm>
-            <a:off x="1979712" y="3881615"/>
-            <a:ext cx="1224136" cy="389657"/>
-          </a:xfrm>
-          <a:prstGeom prst="rect">
-            <a:avLst/>
-          </a:prstGeom>
-          <a:solidFill>
-            <a:schemeClr val="accent5">
-              <a:lumMod val="20000"/>
-              <a:lumOff val="80000"/>
-            </a:schemeClr>
-          </a:solidFill>
-          <a:ln>
-            <a:noFill/>
-          </a:ln>
-        </p:spPr>
-        <p:style>
-          <a:lnRef idx="2">
-            <a:schemeClr val="accent1">
-              <a:shade val="50000"/>
-            </a:schemeClr>
-          </a:lnRef>
-          <a:fillRef idx="1">
-            <a:schemeClr val="accent1"/>
-          </a:fillRef>
-          <a:effectRef idx="0">
-            <a:schemeClr val="accent1"/>
-          </a:effectRef>
-          <a:fontRef idx="minor">
-            <a:schemeClr val="lt1"/>
-          </a:fontRef>
-        </p:style>
-        <p:txBody>
-          <a:bodyPr rtlCol="0" anchor="ctr"/>
-          <a:lstStyle/>
-          <a:p>
-            <a:pPr algn="ctr"/>
-            <a:r>
-              <a:rPr lang="en-US" altLang="ja-JP" sz="2400" smtClean="0">
-                <a:solidFill>
-                  <a:schemeClr val="tx1"/>
-                </a:solidFill>
-              </a:rPr>
-              <a:t>proxy2</a:t>
-            </a:r>
-            <a:endParaRPr kumimoji="1" lang="ja-JP" altLang="en-US" sz="2400">
-              <a:solidFill>
-                <a:schemeClr val="tx1"/>
-              </a:solidFill>
-            </a:endParaRPr>
-          </a:p>
-        </p:txBody>
-      </p:sp>
-      <p:sp>
-        <p:nvSpPr>
-          <p:cNvPr id="9" name="正方形/長方形 8"/>
-          <p:cNvSpPr/>
-          <p:nvPr/>
-        </p:nvSpPr>
-        <p:spPr>
-          <a:xfrm>
-            <a:off x="467544" y="3881616"/>
-            <a:ext cx="1224136" cy="389657"/>
-          </a:xfrm>
-          <a:prstGeom prst="rect">
-            <a:avLst/>
-          </a:prstGeom>
-          <a:solidFill>
-            <a:schemeClr val="accent5">
-              <a:lumMod val="20000"/>
-              <a:lumOff val="80000"/>
-            </a:schemeClr>
-          </a:solidFill>
-          <a:ln>
-            <a:noFill/>
-          </a:ln>
-        </p:spPr>
-        <p:style>
-          <a:lnRef idx="2">
-            <a:schemeClr val="accent1">
-              <a:shade val="50000"/>
-            </a:schemeClr>
-          </a:lnRef>
-          <a:fillRef idx="1">
-            <a:schemeClr val="accent1"/>
-          </a:fillRef>
-          <a:effectRef idx="0">
-            <a:schemeClr val="accent1"/>
-          </a:effectRef>
-          <a:fontRef idx="minor">
-            <a:schemeClr val="lt1"/>
-          </a:fontRef>
-        </p:style>
-        <p:txBody>
-          <a:bodyPr rtlCol="0" anchor="ctr"/>
-          <a:lstStyle/>
-          <a:p>
-            <a:pPr algn="ctr"/>
-            <a:r>
-              <a:rPr lang="en-US" altLang="ja-JP" sz="2400" smtClean="0">
-                <a:solidFill>
-                  <a:schemeClr val="tx1"/>
-                </a:solidFill>
-              </a:rPr>
-              <a:t>proxy1</a:t>
-            </a:r>
-            <a:endParaRPr kumimoji="1" lang="ja-JP" altLang="en-US" sz="2400">
-              <a:solidFill>
-                <a:schemeClr val="tx1"/>
-              </a:solidFill>
-            </a:endParaRPr>
-          </a:p>
-        </p:txBody>
-      </p:sp>
-      <p:sp>
-        <p:nvSpPr>
-          <p:cNvPr id="10" name="正方形/長方形 9"/>
-          <p:cNvSpPr/>
-          <p:nvPr/>
-        </p:nvSpPr>
-        <p:spPr>
-          <a:xfrm>
-            <a:off x="467544" y="4983559"/>
-            <a:ext cx="1224136" cy="389657"/>
-          </a:xfrm>
-          <a:prstGeom prst="rect">
-            <a:avLst/>
-          </a:prstGeom>
-          <a:solidFill>
-            <a:schemeClr val="accent5">
-              <a:lumMod val="20000"/>
-              <a:lumOff val="80000"/>
-            </a:schemeClr>
-          </a:solidFill>
-          <a:ln>
-            <a:noFill/>
-          </a:ln>
-        </p:spPr>
-        <p:style>
-          <a:lnRef idx="2">
-            <a:schemeClr val="accent1">
-              <a:shade val="50000"/>
-            </a:schemeClr>
-          </a:lnRef>
-          <a:fillRef idx="1">
-            <a:schemeClr val="accent1"/>
-          </a:fillRef>
-          <a:effectRef idx="0">
-            <a:schemeClr val="accent1"/>
-          </a:effectRef>
-          <a:fontRef idx="minor">
-            <a:schemeClr val="lt1"/>
-          </a:fontRef>
-        </p:style>
-        <p:txBody>
-          <a:bodyPr rtlCol="0" anchor="ctr"/>
-          <a:lstStyle/>
-          <a:p>
-            <a:pPr algn="ctr"/>
-            <a:r>
-              <a:rPr lang="en-US" altLang="ja-JP" sz="2400" smtClean="0">
-                <a:solidFill>
-                  <a:schemeClr val="tx1"/>
-                </a:solidFill>
-              </a:rPr>
-              <a:t>archive</a:t>
-            </a:r>
-            <a:endParaRPr kumimoji="1" lang="ja-JP" altLang="en-US" sz="2400">
-              <a:solidFill>
-                <a:schemeClr val="tx1"/>
-              </a:solidFill>
-            </a:endParaRPr>
-          </a:p>
-        </p:txBody>
-      </p:sp>
-      <p:sp>
-        <p:nvSpPr>
-          <p:cNvPr id="15" name="テキスト ボックス 14"/>
-          <p:cNvSpPr txBox="1"/>
-          <p:nvPr/>
-        </p:nvSpPr>
-        <p:spPr>
-          <a:xfrm>
-            <a:off x="3347864" y="2390557"/>
-            <a:ext cx="5544616" cy="3046988"/>
-          </a:xfrm>
-          <a:prstGeom prst="rect">
-            <a:avLst/>
-          </a:prstGeom>
-          <a:noFill/>
-        </p:spPr>
-        <p:txBody>
-          <a:bodyPr wrap="square" rtlCol="0">
-            <a:spAutoFit/>
-          </a:bodyPr>
-          <a:lstStyle/>
-          <a:p>
-            <a:pPr marL="342900" indent="-342900">
-              <a:buFont typeface="+mj-lt"/>
-              <a:buAutoNum type="arabicPeriod"/>
-            </a:pPr>
-            <a:r>
-              <a:rPr kumimoji="1" lang="en-US" altLang="ja-JP" sz="2400" smtClean="0"/>
-              <a:t>storage - proxy1</a:t>
-            </a:r>
-            <a:r>
-              <a:rPr kumimoji="1" lang="ja-JP" altLang="en-US" sz="2400" smtClean="0"/>
-              <a:t>間を停止</a:t>
-            </a:r>
-            <a:endParaRPr kumimoji="1" lang="en-US" altLang="ja-JP" sz="2400" smtClean="0"/>
-          </a:p>
-          <a:p>
-            <a:pPr marL="342900" indent="-342900">
-              <a:buFont typeface="+mj-lt"/>
-              <a:buAutoNum type="arabicPeriod"/>
-            </a:pPr>
-            <a:r>
-              <a:rPr kumimoji="1" lang="en-US" altLang="ja-JP" sz="2400" smtClean="0"/>
-              <a:t>storage</a:t>
-            </a:r>
-            <a:r>
-              <a:rPr kumimoji="1" lang="ja-JP" altLang="en-US" sz="2400" smtClean="0"/>
-              <a:t>は</a:t>
-            </a:r>
-            <a:r>
-              <a:rPr kumimoji="1" lang="en-US" altLang="ja-JP" sz="2400" smtClean="0"/>
-              <a:t>proxy2</a:t>
-            </a:r>
-            <a:r>
-              <a:rPr lang="ja-JP" altLang="en-US" sz="2400" smtClean="0"/>
-              <a:t>に転送開始</a:t>
-            </a:r>
-            <a:endParaRPr kumimoji="1" lang="en-US" altLang="ja-JP" sz="2400" smtClean="0"/>
-          </a:p>
-          <a:p>
-            <a:pPr marL="342900" indent="-342900">
-              <a:buFont typeface="+mj-lt"/>
-              <a:buAutoNum type="arabicPeriod"/>
-            </a:pPr>
-            <a:r>
-              <a:rPr kumimoji="1" lang="en-US" altLang="ja-JP" sz="2400" smtClean="0"/>
-              <a:t>proxy1</a:t>
-            </a:r>
-            <a:r>
-              <a:rPr kumimoji="1" lang="ja-JP" altLang="en-US" sz="2400" smtClean="0"/>
-              <a:t>のデータが全て転送されるまで</a:t>
-            </a:r>
-            <a:r>
-              <a:rPr kumimoji="1" lang="en-US" altLang="ja-JP" sz="2400" smtClean="0"/>
-              <a:t>proxy1 - archive</a:t>
-            </a:r>
-            <a:r>
-              <a:rPr kumimoji="1" lang="ja-JP" altLang="en-US" sz="2400" smtClean="0"/>
-              <a:t>間の転送を継続</a:t>
-            </a:r>
-            <a:endParaRPr kumimoji="1" lang="en-US" altLang="ja-JP" sz="2400" smtClean="0"/>
-          </a:p>
-          <a:p>
-            <a:pPr marL="342900" indent="-342900">
-              <a:buFont typeface="+mj-lt"/>
-              <a:buAutoNum type="arabicPeriod"/>
-            </a:pPr>
-            <a:r>
-              <a:rPr lang="ja-JP" altLang="en-US" sz="2400" smtClean="0"/>
-              <a:t>転送が終わったら</a:t>
-            </a:r>
-            <a:r>
-              <a:rPr lang="en-US" altLang="ja-JP" sz="2400" smtClean="0"/>
-              <a:t>proxy1</a:t>
-            </a:r>
-            <a:r>
-              <a:rPr lang="ja-JP" altLang="en-US" sz="2400" smtClean="0"/>
-              <a:t>を停止</a:t>
-            </a:r>
-            <a:endParaRPr lang="en-US" altLang="ja-JP" sz="2400" smtClean="0"/>
-          </a:p>
-          <a:p>
-            <a:pPr marL="342900" indent="-342900">
-              <a:buFont typeface="+mj-lt"/>
-              <a:buAutoNum type="arabicPeriod"/>
-            </a:pPr>
-            <a:r>
-              <a:rPr kumimoji="1" lang="en-US" altLang="ja-JP" sz="2400" smtClean="0"/>
-              <a:t>proxy1</a:t>
-            </a:r>
-            <a:r>
-              <a:rPr kumimoji="1" lang="ja-JP" altLang="en-US" sz="2400" smtClean="0"/>
-              <a:t>を交換</a:t>
-            </a:r>
-            <a:endParaRPr kumimoji="1" lang="en-US" altLang="ja-JP" sz="2400" smtClean="0"/>
-          </a:p>
-          <a:p>
-            <a:pPr marL="342900" indent="-342900">
-              <a:buFont typeface="+mj-lt"/>
-              <a:buAutoNum type="arabicPeriod"/>
-            </a:pPr>
-            <a:r>
-              <a:rPr lang="en-US" altLang="ja-JP" sz="2400" smtClean="0"/>
-              <a:t>proxy1</a:t>
-            </a:r>
-            <a:r>
-              <a:rPr lang="ja-JP" altLang="en-US" sz="2400" smtClean="0"/>
-              <a:t>を</a:t>
-            </a:r>
-            <a:r>
-              <a:rPr lang="en-US" altLang="ja-JP" sz="2400" smtClean="0"/>
-              <a:t>start</a:t>
-            </a:r>
-          </a:p>
-          <a:p>
-            <a:pPr marL="342900" indent="-342900">
-              <a:buFont typeface="+mj-lt"/>
-              <a:buAutoNum type="arabicPeriod"/>
-            </a:pPr>
-            <a:r>
-              <a:rPr kumimoji="1" lang="en-US" altLang="ja-JP" sz="2400" smtClean="0"/>
-              <a:t>storage</a:t>
-            </a:r>
-            <a:r>
-              <a:rPr kumimoji="1" lang="ja-JP" altLang="en-US" sz="2400" smtClean="0"/>
-              <a:t>が</a:t>
-            </a:r>
-            <a:r>
-              <a:rPr kumimoji="1" lang="en-US" altLang="ja-JP" sz="2400" smtClean="0"/>
-              <a:t>proxy1</a:t>
-            </a:r>
-            <a:r>
-              <a:rPr kumimoji="1" lang="ja-JP" altLang="en-US" sz="2400" smtClean="0"/>
-              <a:t>に接続切り替え</a:t>
-            </a:r>
-            <a:r>
-              <a:rPr lang="ja-JP" altLang="en-US" sz="2400" smtClean="0"/>
-              <a:t>（自動）</a:t>
-            </a:r>
-            <a:endParaRPr kumimoji="1" lang="ja-JP" altLang="en-US" sz="2400"/>
-          </a:p>
-        </p:txBody>
-      </p:sp>
-      <p:cxnSp>
-        <p:nvCxnSpPr>
-          <p:cNvPr id="16" name="直線矢印コネクタ 15"/>
-          <p:cNvCxnSpPr/>
-          <p:nvPr/>
-        </p:nvCxnSpPr>
-        <p:spPr>
-          <a:xfrm>
-            <a:off x="1079612" y="4271273"/>
-            <a:ext cx="0" cy="712286"/>
-          </a:xfrm>
-          <a:prstGeom prst="straightConnector1">
-            <a:avLst/>
-          </a:prstGeom>
-          <a:ln w="60325">
-            <a:tailEnd type="arrow"/>
-          </a:ln>
-        </p:spPr>
-        <p:style>
-          <a:lnRef idx="1">
-            <a:schemeClr val="accent1"/>
-          </a:lnRef>
-          <a:fillRef idx="0">
-            <a:schemeClr val="accent1"/>
-          </a:fillRef>
-          <a:effectRef idx="0">
-            <a:schemeClr val="accent1"/>
-          </a:effectRef>
-          <a:fontRef idx="minor">
-            <a:schemeClr val="tx1"/>
-          </a:fontRef>
-        </p:style>
-      </p:cxnSp>
-      <p:cxnSp>
-        <p:nvCxnSpPr>
-          <p:cNvPr id="17" name="直線矢印コネクタ 16"/>
-          <p:cNvCxnSpPr>
-            <a:stCxn id="8" idx="2"/>
-          </p:cNvCxnSpPr>
-          <p:nvPr/>
-        </p:nvCxnSpPr>
-        <p:spPr>
-          <a:xfrm flipH="1">
-            <a:off x="1691680" y="4271272"/>
-            <a:ext cx="900100" cy="907116"/>
-          </a:xfrm>
-          <a:prstGeom prst="straightConnector1">
-            <a:avLst/>
-          </a:prstGeom>
-          <a:ln w="60325">
-            <a:solidFill>
-              <a:schemeClr val="accent1">
-                <a:lumMod val="20000"/>
-                <a:lumOff val="80000"/>
-              </a:schemeClr>
-            </a:solidFill>
-            <a:tailEnd type="arrow"/>
-          </a:ln>
-        </p:spPr>
-        <p:style>
-          <a:lnRef idx="1">
-            <a:schemeClr val="accent1"/>
-          </a:lnRef>
-          <a:fillRef idx="0">
-            <a:schemeClr val="accent1"/>
-          </a:fillRef>
-          <a:effectRef idx="0">
-            <a:schemeClr val="accent1"/>
-          </a:effectRef>
-          <a:fontRef idx="minor">
-            <a:schemeClr val="tx1"/>
-          </a:fontRef>
-        </p:style>
-      </p:cxnSp>
-      <p:sp>
-        <p:nvSpPr>
-          <p:cNvPr id="18" name="正方形/長方形 17"/>
-          <p:cNvSpPr/>
-          <p:nvPr/>
-        </p:nvSpPr>
-        <p:spPr>
-          <a:xfrm>
-            <a:off x="323528" y="3457176"/>
-            <a:ext cx="483566" cy="389656"/>
-          </a:xfrm>
-          <a:prstGeom prst="rect">
-            <a:avLst/>
-          </a:prstGeom>
-          <a:solidFill>
-            <a:schemeClr val="accent6">
-              <a:lumMod val="40000"/>
-              <a:lumOff val="60000"/>
-            </a:schemeClr>
-          </a:solidFill>
-          <a:ln>
-            <a:noFill/>
-          </a:ln>
-        </p:spPr>
-        <p:style>
-          <a:lnRef idx="2">
-            <a:schemeClr val="accent1">
-              <a:shade val="50000"/>
-            </a:schemeClr>
-          </a:lnRef>
-          <a:fillRef idx="1">
-            <a:schemeClr val="accent1"/>
-          </a:fillRef>
-          <a:effectRef idx="0">
-            <a:schemeClr val="accent1"/>
-          </a:effectRef>
-          <a:fontRef idx="minor">
-            <a:schemeClr val="lt1"/>
-          </a:fontRef>
-        </p:style>
-        <p:txBody>
-          <a:bodyPr rtlCol="0" anchor="ctr"/>
-          <a:lstStyle/>
-          <a:p>
-            <a:pPr algn="ctr"/>
-            <a:r>
-              <a:rPr lang="en-US" altLang="ja-JP" sz="2000" smtClean="0">
-                <a:solidFill>
-                  <a:schemeClr val="tx1"/>
-                </a:solidFill>
-              </a:rPr>
-              <a:t>L</a:t>
-            </a:r>
-            <a:endParaRPr kumimoji="1" lang="ja-JP" altLang="en-US" sz="2000" baseline="-25000">
-              <a:solidFill>
-                <a:schemeClr val="tx1"/>
-              </a:solidFill>
-            </a:endParaRPr>
-          </a:p>
-        </p:txBody>
-      </p:sp>
-      <p:sp>
-        <p:nvSpPr>
-          <p:cNvPr id="11" name="スライド番号プレースホルダー 10"/>
-          <p:cNvSpPr>
-            <a:spLocks noGrp="1"/>
-          </p:cNvSpPr>
-          <p:nvPr>
-            <p:ph type="sldNum" sz="quarter" idx="12"/>
-          </p:nvPr>
-        </p:nvSpPr>
-        <p:spPr/>
-        <p:txBody>
-          <a:bodyPr/>
-          <a:lstStyle/>
-          <a:p>
-            <a:fld id="{2649E3F5-6F9D-4754-B6F9-50AE10FEA634}" type="slidenum">
-              <a:rPr lang="ja-JP" altLang="en-US" smtClean="0"/>
-              <a:pPr/>
-              <a:t>27</a:t>
-            </a:fld>
-            <a:r>
-              <a:rPr lang="en-US" altLang="ja-JP" smtClean="0"/>
-              <a:t>/30</a:t>
-            </a:r>
-            <a:endParaRPr lang="ja-JP" altLang="en-US"/>
-          </a:p>
-        </p:txBody>
-      </p:sp>
-    </p:spTree>
-    <p:extLst>
-      <p:ext uri="{BB962C8B-B14F-4D97-AF65-F5344CB8AC3E}">
-        <p14:creationId xmlns:p14="http://schemas.microsoft.com/office/powerpoint/2010/main" val="1437905887"/>
-      </p:ext>
-    </p:extLst>
-  </p:cSld>
-  <p:clrMapOvr>
-    <a:masterClrMapping/>
-  </p:clrMapOvr>
-  <p:timing>
-    <p:tnLst>
-      <p:par>
-        <p:cTn id="1" dur="indefinite" restart="never" nodeType="tmRoot"/>
-      </p:par>
-    </p:tnLst>
-  </p:timing>
-</p:sld>
-</file>
-
-<file path=ppt/slides/slide28.xml><?xml version="1.0" encoding="utf-8"?>
-<p:sld xmlns:a="http://schemas.openxmlformats.org/drawingml/2006/main" xmlns:r="http://schemas.openxmlformats.org/officeDocument/2006/relationships" xmlns:p="http://schemas.openxmlformats.org/presentationml/2006/main">
-  <p:cSld>
-    <p:spTree>
-      <p:nvGrpSpPr>
-        <p:cNvPr id="1" name=""/>
-        <p:cNvGrpSpPr/>
-        <p:nvPr/>
-      </p:nvGrpSpPr>
-      <p:grpSpPr>
-        <a:xfrm>
-          <a:off x="0" y="0"/>
-          <a:ext cx="0" cy="0"/>
-          <a:chOff x="0" y="0"/>
-          <a:chExt cx="0" cy="0"/>
-        </a:xfrm>
-      </p:grpSpPr>
-      <p:sp>
-        <p:nvSpPr>
-          <p:cNvPr id="2" name="タイトル 1"/>
-          <p:cNvSpPr>
-            <a:spLocks noGrp="1"/>
-          </p:cNvSpPr>
-          <p:nvPr>
-            <p:ph type="title"/>
-          </p:nvPr>
-        </p:nvSpPr>
-        <p:spPr/>
-        <p:txBody>
-          <a:bodyPr/>
-          <a:lstStyle/>
-          <a:p>
-            <a:r>
-              <a:rPr kumimoji="1" lang="en-US" altLang="ja-JP" smtClean="0"/>
-              <a:t>merge</a:t>
-            </a:r>
-            <a:r>
-              <a:rPr kumimoji="1" lang="ja-JP" altLang="en-US" smtClean="0"/>
-              <a:t>と</a:t>
-            </a:r>
-            <a:r>
-              <a:rPr kumimoji="1" lang="en-US" altLang="ja-JP" smtClean="0"/>
-              <a:t>apply</a:t>
-            </a:r>
-            <a:endParaRPr kumimoji="1" lang="ja-JP" altLang="en-US"/>
-          </a:p>
-        </p:txBody>
-      </p:sp>
-      <p:sp>
-        <p:nvSpPr>
-          <p:cNvPr id="3" name="コンテンツ プレースホルダー 2"/>
-          <p:cNvSpPr>
-            <a:spLocks noGrp="1"/>
-          </p:cNvSpPr>
-          <p:nvPr>
-            <p:ph idx="1"/>
-          </p:nvPr>
-        </p:nvSpPr>
-        <p:spPr/>
-        <p:txBody>
-          <a:bodyPr>
-            <a:normAutofit fontScale="85000" lnSpcReduction="20000"/>
-          </a:bodyPr>
-          <a:lstStyle/>
-          <a:p>
-            <a:r>
-              <a:rPr kumimoji="1" lang="en-US" altLang="ja-JP" smtClean="0"/>
-              <a:t>merge</a:t>
-            </a:r>
-          </a:p>
-          <a:p>
-            <a:pPr lvl="1"/>
-            <a:r>
-              <a:rPr lang="ja-JP" altLang="en-US"/>
-              <a:t>短期間</a:t>
-            </a:r>
-            <a:r>
-              <a:rPr lang="ja-JP" altLang="en-US" smtClean="0"/>
-              <a:t>に激しい</a:t>
-            </a:r>
-            <a:r>
-              <a:rPr lang="ja-JP" altLang="en-US"/>
-              <a:t>書き込みで</a:t>
-            </a:r>
-            <a:r>
-              <a:rPr lang="ja-JP" altLang="en-US" smtClean="0"/>
-              <a:t>細かい</a:t>
-            </a:r>
-            <a:r>
-              <a:rPr lang="en-US" altLang="ja-JP" smtClean="0"/>
-              <a:t>diff</a:t>
-            </a:r>
-            <a:r>
-              <a:rPr lang="ja-JP" altLang="en-US" smtClean="0"/>
-              <a:t>が大量発生</a:t>
-            </a:r>
-            <a:endParaRPr lang="en-US" altLang="ja-JP" smtClean="0"/>
-          </a:p>
-          <a:p>
-            <a:pPr lvl="2"/>
-            <a:r>
-              <a:rPr kumimoji="1" lang="ja-JP" altLang="en-US" smtClean="0"/>
-              <a:t>まとめて単一の効率のよい</a:t>
-            </a:r>
-            <a:r>
-              <a:rPr kumimoji="1" lang="en-US" altLang="ja-JP" smtClean="0"/>
-              <a:t>diff</a:t>
-            </a:r>
-            <a:r>
-              <a:rPr kumimoji="1" lang="ja-JP" altLang="en-US" smtClean="0"/>
-              <a:t>へ</a:t>
-            </a:r>
-            <a:endParaRPr kumimoji="1" lang="en-US" altLang="ja-JP" smtClean="0"/>
-          </a:p>
-          <a:p>
-            <a:r>
-              <a:rPr kumimoji="1" lang="en-US" altLang="ja-JP" smtClean="0"/>
-              <a:t>apply</a:t>
-            </a:r>
-          </a:p>
-          <a:p>
-            <a:pPr lvl="1"/>
-            <a:r>
-              <a:rPr kumimoji="1" lang="en-US" altLang="ja-JP" smtClean="0"/>
-              <a:t>archive</a:t>
-            </a:r>
-            <a:r>
-              <a:rPr kumimoji="1" lang="ja-JP" altLang="en-US" smtClean="0"/>
-              <a:t>には</a:t>
-            </a:r>
-            <a:r>
-              <a:rPr lang="en-US" altLang="ja-JP" smtClean="0"/>
-              <a:t>diff</a:t>
-            </a:r>
-            <a:r>
-              <a:rPr lang="ja-JP" altLang="en-US" smtClean="0"/>
-              <a:t>と</a:t>
-            </a:r>
-            <a:r>
-              <a:rPr lang="en-US" altLang="ja-JP" smtClean="0"/>
-              <a:t>snapshot</a:t>
-            </a:r>
-            <a:r>
-              <a:rPr lang="ja-JP" altLang="en-US" smtClean="0"/>
-              <a:t>がたまる</a:t>
-            </a:r>
-            <a:endParaRPr lang="en-US" altLang="ja-JP" smtClean="0"/>
-          </a:p>
-          <a:p>
-            <a:pPr lvl="1"/>
-            <a:r>
-              <a:rPr lang="ja-JP" altLang="en-US"/>
-              <a:t>任意の時間に戻れるがあまり</a:t>
-            </a:r>
-            <a:r>
-              <a:rPr lang="ja-JP" altLang="en-US" smtClean="0"/>
-              <a:t>古いのは不要</a:t>
-            </a:r>
-            <a:endParaRPr lang="ja-JP" altLang="en-US"/>
-          </a:p>
-          <a:p>
-            <a:pPr lvl="2"/>
-            <a:r>
-              <a:rPr kumimoji="1" lang="en-US" altLang="ja-JP" smtClean="0"/>
-              <a:t>snapshot</a:t>
-            </a:r>
-            <a:r>
-              <a:rPr lang="ja-JP" altLang="en-US"/>
-              <a:t>に</a:t>
-            </a:r>
-            <a:r>
-              <a:rPr kumimoji="1" lang="en-US" altLang="ja-JP" smtClean="0"/>
-              <a:t>diff</a:t>
-            </a:r>
-            <a:r>
-              <a:rPr kumimoji="1" lang="ja-JP" altLang="en-US" smtClean="0"/>
-              <a:t>を</a:t>
-            </a:r>
-            <a:r>
-              <a:rPr kumimoji="1" lang="en-US" altLang="ja-JP" smtClean="0"/>
-              <a:t>apply</a:t>
-            </a:r>
-            <a:r>
-              <a:rPr kumimoji="1" lang="ja-JP" altLang="en-US" smtClean="0"/>
-              <a:t>して新しい</a:t>
-            </a:r>
-            <a:r>
-              <a:rPr kumimoji="1" lang="en-US" altLang="ja-JP" smtClean="0"/>
-              <a:t>snapshot</a:t>
-            </a:r>
-            <a:r>
-              <a:rPr kumimoji="1" lang="ja-JP" altLang="en-US" smtClean="0"/>
-              <a:t>にする</a:t>
-            </a:r>
-            <a:endParaRPr kumimoji="1" lang="en-US" altLang="ja-JP" smtClean="0"/>
-          </a:p>
-          <a:p>
-            <a:pPr lvl="2"/>
-            <a:r>
-              <a:rPr lang="en-US" altLang="ja-JP" smtClean="0"/>
-              <a:t>apply</a:t>
-            </a:r>
-            <a:r>
-              <a:rPr lang="ja-JP" altLang="en-US" smtClean="0"/>
-              <a:t>が終わるとその</a:t>
-            </a:r>
-            <a:r>
-              <a:rPr lang="en-US" altLang="ja-JP" smtClean="0"/>
-              <a:t>diff</a:t>
-            </a:r>
-            <a:r>
-              <a:rPr lang="ja-JP" altLang="en-US" smtClean="0"/>
-              <a:t>を削除</a:t>
-            </a:r>
-            <a:endParaRPr lang="en-US" altLang="ja-JP" smtClean="0"/>
-          </a:p>
-          <a:p>
-            <a:r>
-              <a:rPr kumimoji="1" lang="ja-JP" altLang="en-US" smtClean="0"/>
-              <a:t>それらの操作は</a:t>
-            </a:r>
-            <a:r>
-              <a:rPr kumimoji="1" lang="en-US" altLang="ja-JP" smtClean="0"/>
-              <a:t>archive</a:t>
-            </a:r>
-            <a:r>
-              <a:rPr kumimoji="1" lang="ja-JP" altLang="en-US" smtClean="0"/>
-              <a:t>ごとに非同期で</a:t>
-            </a:r>
-            <a:endParaRPr kumimoji="1" lang="en-US" altLang="ja-JP" smtClean="0"/>
-          </a:p>
-          <a:p>
-            <a:pPr lvl="1"/>
-            <a:r>
-              <a:rPr lang="ja-JP" altLang="en-US" smtClean="0"/>
-              <a:t>レプリケーション時に必要が</a:t>
-            </a:r>
-            <a:r>
-              <a:rPr lang="en-US" altLang="ja-JP" smtClean="0"/>
-              <a:t>diff</a:t>
-            </a:r>
-            <a:r>
-              <a:rPr lang="ja-JP" altLang="en-US" smtClean="0"/>
-              <a:t>がないときがある</a:t>
-            </a:r>
-            <a:endParaRPr lang="en-US" altLang="ja-JP" smtClean="0"/>
-          </a:p>
-          <a:p>
-            <a:pPr lvl="2"/>
-            <a:r>
-              <a:rPr kumimoji="1" lang="ja-JP" altLang="en-US"/>
-              <a:t>現在の</a:t>
-            </a:r>
-            <a:r>
-              <a:rPr kumimoji="1" lang="ja-JP" altLang="en-US" smtClean="0"/>
-              <a:t>情報から</a:t>
-            </a:r>
-            <a:r>
-              <a:rPr kumimoji="1" lang="en-US" altLang="ja-JP" smtClean="0"/>
-              <a:t>Hash backup</a:t>
-            </a:r>
-            <a:r>
-              <a:rPr kumimoji="1" lang="ja-JP" altLang="en-US" smtClean="0"/>
-              <a:t>と同様に</a:t>
-            </a:r>
-            <a:r>
-              <a:rPr kumimoji="1" lang="en-US" altLang="ja-JP" smtClean="0"/>
-              <a:t>diff</a:t>
-            </a:r>
-            <a:r>
-              <a:rPr kumimoji="1" lang="ja-JP" altLang="en-US" smtClean="0"/>
-              <a:t>を生成</a:t>
-            </a:r>
-            <a:endParaRPr kumimoji="1" lang="en-US" altLang="ja-JP" smtClean="0"/>
-          </a:p>
-          <a:p>
-            <a:pPr marL="342900" lvl="1" indent="-342900">
-              <a:buFont typeface="Arial" panose="020B0604020202020204" pitchFamily="34" charset="0"/>
-              <a:buChar char="•"/>
-            </a:pPr>
-            <a:r>
-              <a:rPr lang="ja-JP" altLang="en-US"/>
-              <a:t>やってる最中に</a:t>
-            </a:r>
-            <a:r>
-              <a:rPr lang="ja-JP" altLang="en-US" smtClean="0"/>
-              <a:t>落ちた</a:t>
-            </a:r>
-            <a:r>
-              <a:rPr lang="ja-JP" altLang="en-US"/>
-              <a:t>（</a:t>
-            </a:r>
-            <a:r>
-              <a:rPr lang="ja-JP" altLang="en-US" smtClean="0"/>
-              <a:t>略</a:t>
-            </a:r>
-            <a:endParaRPr lang="ja-JP" altLang="en-US"/>
-          </a:p>
-        </p:txBody>
-      </p:sp>
-      <p:sp>
-        <p:nvSpPr>
-          <p:cNvPr id="5" name="スライド番号プレースホルダー 4"/>
-          <p:cNvSpPr>
-            <a:spLocks noGrp="1"/>
-          </p:cNvSpPr>
-          <p:nvPr>
-            <p:ph type="sldNum" sz="quarter" idx="12"/>
-          </p:nvPr>
-        </p:nvSpPr>
-        <p:spPr/>
-        <p:txBody>
-          <a:bodyPr/>
-          <a:lstStyle/>
-          <a:p>
-            <a:fld id="{2649E3F5-6F9D-4754-B6F9-50AE10FEA634}" type="slidenum">
-              <a:rPr lang="ja-JP" altLang="en-US" smtClean="0"/>
-              <a:pPr/>
-              <a:t>28</a:t>
-            </a:fld>
-            <a:r>
-              <a:rPr lang="en-US" altLang="ja-JP" smtClean="0"/>
-              <a:t>/30</a:t>
-            </a:r>
-            <a:endParaRPr lang="ja-JP" altLang="en-US"/>
-          </a:p>
-        </p:txBody>
-      </p:sp>
-    </p:spTree>
-    <p:extLst>
-      <p:ext uri="{BB962C8B-B14F-4D97-AF65-F5344CB8AC3E}">
-        <p14:creationId xmlns:p14="http://schemas.microsoft.com/office/powerpoint/2010/main" val="1229097375"/>
-      </p:ext>
-    </p:extLst>
-  </p:cSld>
-  <p:clrMapOvr>
-    <a:masterClrMapping/>
-  </p:clrMapOvr>
-</p:sld>
-</file>
-
-<file path=ppt/slides/slide29.xml><?xml version="1.0" encoding="utf-8"?>
-<p:sld xmlns:a="http://schemas.openxmlformats.org/drawingml/2006/main" xmlns:r="http://schemas.openxmlformats.org/officeDocument/2006/relationships" xmlns:p="http://schemas.openxmlformats.org/presentationml/2006/main">
-  <p:cSld>
-    <p:spTree>
-      <p:nvGrpSpPr>
-        <p:cNvPr id="1" name=""/>
-        <p:cNvGrpSpPr/>
-        <p:nvPr/>
-      </p:nvGrpSpPr>
-      <p:grpSpPr>
-        <a:xfrm>
-          <a:off x="0" y="0"/>
-          <a:ext cx="0" cy="0"/>
-          <a:chOff x="0" y="0"/>
-          <a:chExt cx="0" cy="0"/>
-        </a:xfrm>
-      </p:grpSpPr>
-      <p:sp>
-        <p:nvSpPr>
-          <p:cNvPr id="2" name="タイトル 1"/>
-          <p:cNvSpPr>
-            <a:spLocks noGrp="1"/>
-          </p:cNvSpPr>
-          <p:nvPr>
-            <p:ph type="title"/>
-          </p:nvPr>
-        </p:nvSpPr>
-        <p:spPr/>
-        <p:txBody>
-          <a:bodyPr/>
-          <a:lstStyle/>
-          <a:p>
-            <a:r>
-              <a:rPr lang="ja-JP" altLang="en-US"/>
-              <a:t>サービス</a:t>
-            </a:r>
-            <a:endParaRPr kumimoji="1" lang="ja-JP" altLang="en-US"/>
-          </a:p>
-        </p:txBody>
-      </p:sp>
-      <p:sp>
-        <p:nvSpPr>
-          <p:cNvPr id="3" name="コンテンツ プレースホルダー 2"/>
-          <p:cNvSpPr>
-            <a:spLocks noGrp="1"/>
-          </p:cNvSpPr>
-          <p:nvPr>
-            <p:ph idx="1"/>
-          </p:nvPr>
-        </p:nvSpPr>
-        <p:spPr/>
-        <p:txBody>
-          <a:bodyPr/>
-          <a:lstStyle/>
-          <a:p>
-            <a:r>
-              <a:rPr lang="en-US" altLang="ja-JP" smtClean="0"/>
-              <a:t>WalB</a:t>
-            </a:r>
-            <a:r>
-              <a:rPr lang="ja-JP" altLang="en-US" smtClean="0"/>
-              <a:t>デバイスはブロックデバイスにつき</a:t>
-            </a:r>
-            <a:r>
-              <a:rPr lang="en-US" altLang="ja-JP" smtClean="0"/>
-              <a:t>1</a:t>
-            </a:r>
-            <a:r>
-              <a:rPr lang="ja-JP" altLang="en-US" smtClean="0"/>
-              <a:t>個</a:t>
-            </a:r>
-            <a:endParaRPr lang="en-US" altLang="ja-JP" smtClean="0"/>
-          </a:p>
-          <a:p>
-            <a:pPr lvl="1"/>
-            <a:r>
-              <a:rPr lang="ja-JP" altLang="en-US" smtClean="0"/>
-              <a:t>圧縮など</a:t>
-            </a:r>
-            <a:r>
-              <a:rPr lang="en-US" altLang="ja-JP" smtClean="0"/>
-              <a:t>CPU</a:t>
-            </a:r>
-            <a:r>
-              <a:rPr lang="ja-JP" altLang="en-US" smtClean="0"/>
-              <a:t>を食う処理は別スレッドで</a:t>
-            </a:r>
-            <a:endParaRPr lang="en-US" altLang="ja-JP" smtClean="0"/>
-          </a:p>
-          <a:p>
-            <a:r>
-              <a:rPr lang="ja-JP" altLang="en-US"/>
-              <a:t>それぞれ</a:t>
-            </a:r>
-            <a:r>
-              <a:rPr lang="ja-JP" altLang="en-US" smtClean="0"/>
-              <a:t>のサービスは非同期に動く</a:t>
-            </a:r>
-            <a:endParaRPr lang="en-US" altLang="ja-JP" smtClean="0"/>
-          </a:p>
-          <a:p>
-            <a:pPr lvl="1"/>
-            <a:r>
-              <a:rPr kumimoji="1" lang="ja-JP" altLang="en-US" smtClean="0"/>
-              <a:t>状態</a:t>
-            </a:r>
-            <a:r>
-              <a:rPr kumimoji="1" lang="ja-JP" altLang="en-US"/>
-              <a:t>取得</a:t>
-            </a:r>
-            <a:r>
-              <a:rPr kumimoji="1" lang="ja-JP" altLang="en-US" smtClean="0"/>
-              <a:t>や命令は各サービスとやりとりする専用コマンド</a:t>
-            </a:r>
-            <a:r>
-              <a:rPr kumimoji="1" lang="en-US" altLang="ja-JP" smtClean="0"/>
-              <a:t>walbc</a:t>
-            </a:r>
-            <a:r>
-              <a:rPr kumimoji="1" lang="ja-JP" altLang="en-US" smtClean="0"/>
-              <a:t>で行う</a:t>
-            </a:r>
-            <a:endParaRPr kumimoji="1" lang="en-US" altLang="ja-JP" smtClean="0"/>
-          </a:p>
-          <a:p>
-            <a:pPr lvl="1"/>
-            <a:r>
-              <a:rPr lang="en-US" altLang="ja-JP" smtClean="0"/>
-              <a:t>walbc</a:t>
-            </a:r>
-            <a:r>
-              <a:rPr lang="ja-JP" altLang="en-US" smtClean="0"/>
-              <a:t>は</a:t>
-            </a:r>
-            <a:r>
-              <a:rPr lang="en-US" altLang="ja-JP" smtClean="0"/>
-              <a:t>storage/proxy/archive</a:t>
-            </a:r>
-            <a:r>
-              <a:rPr lang="ja-JP" altLang="en-US" smtClean="0"/>
-              <a:t>たちと話す</a:t>
-            </a:r>
-            <a:endParaRPr kumimoji="1" lang="ja-JP" altLang="en-US"/>
-          </a:p>
-        </p:txBody>
-      </p:sp>
-      <p:sp>
-        <p:nvSpPr>
-          <p:cNvPr id="5" name="スライド番号プレースホルダー 4"/>
-          <p:cNvSpPr>
-            <a:spLocks noGrp="1"/>
-          </p:cNvSpPr>
-          <p:nvPr>
-            <p:ph type="sldNum" sz="quarter" idx="12"/>
-          </p:nvPr>
-        </p:nvSpPr>
-        <p:spPr/>
-        <p:txBody>
-          <a:bodyPr/>
-          <a:lstStyle/>
-          <a:p>
-            <a:fld id="{2649E3F5-6F9D-4754-B6F9-50AE10FEA634}" type="slidenum">
-              <a:rPr lang="ja-JP" altLang="en-US" smtClean="0"/>
-              <a:pPr/>
-              <a:t>29</a:t>
-            </a:fld>
-            <a:r>
-              <a:rPr lang="en-US" altLang="ja-JP" smtClean="0"/>
-              <a:t>/30</a:t>
-            </a:r>
-            <a:endParaRPr lang="ja-JP" altLang="en-US"/>
-          </a:p>
-        </p:txBody>
-      </p:sp>
-    </p:spTree>
-    <p:extLst>
-      <p:ext uri="{BB962C8B-B14F-4D97-AF65-F5344CB8AC3E}">
-        <p14:creationId xmlns:p14="http://schemas.microsoft.com/office/powerpoint/2010/main" val="678763359"/>
-      </p:ext>
-    </p:extLst>
-  </p:cSld>
-  <p:clrMapOvr>
-    <a:masterClrMapping/>
-  </p:clrMapOvr>
-  <p:timing>
-    <p:tnLst>
-      <p:par>
-        <p:cTn id="1" dur="indefinite" restart="never" nodeType="tmRoot"/>
-      </p:par>
-    </p:tnLst>
-  </p:timing>
-</p:sld>
-</file>
-
-<file path=ppt/slides/slide3.xml><?xml version="1.0" encoding="utf-8"?>
-<p:sld xmlns:a="http://schemas.openxmlformats.org/drawingml/2006/main" xmlns:r="http://schemas.openxmlformats.org/officeDocument/2006/relationships" xmlns:p="http://schemas.openxmlformats.org/presentationml/2006/main">
-  <p:cSld>
-    <p:spTree>
-      <p:nvGrpSpPr>
-        <p:cNvPr id="1" name=""/>
-        <p:cNvGrpSpPr/>
-        <p:nvPr/>
-      </p:nvGrpSpPr>
-      <p:grpSpPr>
-        <a:xfrm>
-          <a:off x="0" y="0"/>
-          <a:ext cx="0" cy="0"/>
-          <a:chOff x="0" y="0"/>
-          <a:chExt cx="0" cy="0"/>
-        </a:xfrm>
-      </p:grpSpPr>
-      <p:sp>
-        <p:nvSpPr>
-          <p:cNvPr id="2" name="タイトル 1"/>
-          <p:cNvSpPr>
-            <a:spLocks noGrp="1"/>
-          </p:cNvSpPr>
-          <p:nvPr>
-            <p:ph type="title"/>
-          </p:nvPr>
-        </p:nvSpPr>
-        <p:spPr/>
-        <p:txBody>
-          <a:bodyPr/>
-          <a:lstStyle/>
-          <a:p>
-            <a:r>
-              <a:rPr lang="ja-JP" altLang="en-US" smtClean="0"/>
-              <a:t>バックアップ</a:t>
-            </a:r>
-            <a:endParaRPr kumimoji="1" lang="ja-JP" altLang="en-US"/>
-          </a:p>
-        </p:txBody>
-      </p:sp>
-      <p:sp>
-        <p:nvSpPr>
-          <p:cNvPr id="3" name="コンテンツ プレースホルダー 2"/>
-          <p:cNvSpPr>
-            <a:spLocks noGrp="1"/>
-          </p:cNvSpPr>
-          <p:nvPr>
-            <p:ph idx="1"/>
-          </p:nvPr>
-        </p:nvSpPr>
-        <p:spPr/>
-        <p:txBody>
-          <a:bodyPr>
-            <a:normAutofit/>
-          </a:bodyPr>
-          <a:lstStyle/>
-          <a:p>
-            <a:r>
-              <a:rPr lang="ja-JP" altLang="en-US" smtClean="0"/>
-              <a:t>障害</a:t>
-            </a:r>
-            <a:r>
-              <a:rPr lang="ja-JP" altLang="en-US"/>
-              <a:t>に備えた</a:t>
-            </a:r>
-            <a:r>
-              <a:rPr kumimoji="1" lang="ja-JP" altLang="en-US" smtClean="0"/>
-              <a:t>データの複製</a:t>
-            </a:r>
-            <a:endParaRPr kumimoji="1" lang="en-US" altLang="ja-JP" smtClean="0"/>
-          </a:p>
-          <a:p>
-            <a:pPr lvl="1"/>
-            <a:r>
-              <a:rPr lang="en-US" altLang="ja-JP" smtClean="0"/>
-              <a:t>RAID</a:t>
-            </a:r>
-            <a:r>
-              <a:rPr lang="ja-JP" altLang="en-US" smtClean="0"/>
-              <a:t>はシステムの多重化</a:t>
-            </a:r>
-            <a:endParaRPr lang="en-US" altLang="ja-JP" smtClean="0"/>
-          </a:p>
-          <a:p>
-            <a:pPr lvl="2"/>
-            <a:r>
-              <a:rPr kumimoji="1" lang="ja-JP" altLang="en-US" smtClean="0"/>
-              <a:t>壊れたらデータは復元できない</a:t>
-            </a:r>
-            <a:endParaRPr kumimoji="1" lang="en-US" altLang="ja-JP" smtClean="0"/>
-          </a:p>
-          <a:p>
-            <a:r>
-              <a:rPr kumimoji="1" lang="ja-JP" altLang="en-US" smtClean="0"/>
-              <a:t>ある瞬間の状態（スナップショット）に戻せる</a:t>
-            </a:r>
-            <a:endParaRPr kumimoji="1" lang="en-US" altLang="ja-JP" smtClean="0"/>
-          </a:p>
-          <a:p>
-            <a:pPr lvl="1"/>
-            <a:r>
-              <a:rPr kumimoji="1" lang="ja-JP" altLang="en-US" smtClean="0"/>
-              <a:t>うっかりデータ消したのでなんとかして</a:t>
-            </a:r>
-            <a:endParaRPr kumimoji="1" lang="en-US" altLang="ja-JP" smtClean="0"/>
-          </a:p>
-        </p:txBody>
-      </p:sp>
-      <p:sp>
-        <p:nvSpPr>
-          <p:cNvPr id="4" name="円柱 3"/>
-          <p:cNvSpPr/>
-          <p:nvPr/>
-        </p:nvSpPr>
-        <p:spPr>
-          <a:xfrm>
-            <a:off x="1979712" y="4437112"/>
-            <a:ext cx="914400" cy="1216152"/>
-          </a:xfrm>
-          <a:prstGeom prst="can">
-            <a:avLst/>
-          </a:prstGeom>
-          <a:ln>
-            <a:noFill/>
-          </a:ln>
-        </p:spPr>
-        <p:style>
-          <a:lnRef idx="2">
-            <a:schemeClr val="accent1">
-              <a:shade val="50000"/>
-            </a:schemeClr>
-          </a:lnRef>
-          <a:fillRef idx="1">
-            <a:schemeClr val="accent1"/>
-          </a:fillRef>
-          <a:effectRef idx="0">
-            <a:schemeClr val="accent1"/>
-          </a:effectRef>
-          <a:fontRef idx="minor">
-            <a:schemeClr val="lt1"/>
-          </a:fontRef>
-        </p:style>
-        <p:txBody>
-          <a:bodyPr rtlCol="0" anchor="ctr"/>
-          <a:lstStyle/>
-          <a:p>
-            <a:pPr algn="ctr"/>
-            <a:endParaRPr kumimoji="1" lang="ja-JP" altLang="en-US"/>
-          </a:p>
-        </p:txBody>
-      </p:sp>
-      <p:sp>
-        <p:nvSpPr>
-          <p:cNvPr id="5" name="テキスト ボックス 4"/>
-          <p:cNvSpPr txBox="1"/>
-          <p:nvPr/>
-        </p:nvSpPr>
-        <p:spPr>
-          <a:xfrm>
-            <a:off x="1411115" y="5723146"/>
-            <a:ext cx="1936749" cy="461665"/>
-          </a:xfrm>
-          <a:prstGeom prst="rect">
-            <a:avLst/>
-          </a:prstGeom>
-          <a:noFill/>
-        </p:spPr>
-        <p:txBody>
-          <a:bodyPr wrap="none" rtlCol="0">
-            <a:spAutoFit/>
-          </a:bodyPr>
-          <a:lstStyle/>
-          <a:p>
-            <a:r>
-              <a:rPr lang="ja-JP" altLang="en-US" sz="2400"/>
-              <a:t>今日</a:t>
-            </a:r>
-            <a:r>
-              <a:rPr lang="ja-JP" altLang="en-US" sz="2400" smtClean="0"/>
-              <a:t>のデータ</a:t>
-            </a:r>
-            <a:endParaRPr kumimoji="1" lang="ja-JP" altLang="en-US" sz="2400"/>
-          </a:p>
-        </p:txBody>
-      </p:sp>
-      <p:sp>
-        <p:nvSpPr>
-          <p:cNvPr id="6" name="円柱 5"/>
-          <p:cNvSpPr/>
-          <p:nvPr/>
-        </p:nvSpPr>
-        <p:spPr>
-          <a:xfrm>
-            <a:off x="3779912" y="4437112"/>
-            <a:ext cx="914400" cy="1216152"/>
-          </a:xfrm>
-          <a:prstGeom prst="can">
-            <a:avLst/>
-          </a:prstGeom>
-          <a:ln>
-            <a:noFill/>
-          </a:ln>
-        </p:spPr>
-        <p:style>
-          <a:lnRef idx="2">
-            <a:schemeClr val="accent1">
-              <a:shade val="50000"/>
-            </a:schemeClr>
-          </a:lnRef>
-          <a:fillRef idx="1">
-            <a:schemeClr val="accent1"/>
-          </a:fillRef>
-          <a:effectRef idx="0">
-            <a:schemeClr val="accent1"/>
-          </a:effectRef>
-          <a:fontRef idx="minor">
-            <a:schemeClr val="lt1"/>
-          </a:fontRef>
-        </p:style>
-        <p:txBody>
-          <a:bodyPr rtlCol="0" anchor="ctr"/>
-          <a:lstStyle/>
-          <a:p>
-            <a:pPr algn="ctr"/>
-            <a:endParaRPr kumimoji="1" lang="ja-JP" altLang="en-US"/>
-          </a:p>
-        </p:txBody>
-      </p:sp>
-      <p:sp>
-        <p:nvSpPr>
-          <p:cNvPr id="7" name="テキスト ボックス 6"/>
-          <p:cNvSpPr txBox="1"/>
-          <p:nvPr/>
-        </p:nvSpPr>
-        <p:spPr>
-          <a:xfrm>
-            <a:off x="3837002" y="5721341"/>
-            <a:ext cx="1263487" cy="461665"/>
-          </a:xfrm>
-          <a:prstGeom prst="rect">
-            <a:avLst/>
-          </a:prstGeom>
-          <a:noFill/>
-        </p:spPr>
-        <p:txBody>
-          <a:bodyPr wrap="none" rtlCol="0">
-            <a:spAutoFit/>
-          </a:bodyPr>
-          <a:lstStyle/>
-          <a:p>
-            <a:r>
-              <a:rPr lang="en-US" altLang="ja-JP" sz="2400" smtClean="0"/>
-              <a:t>1</a:t>
-            </a:r>
-            <a:r>
-              <a:rPr lang="ja-JP" altLang="en-US" sz="2400" smtClean="0"/>
-              <a:t>時間前</a:t>
-            </a:r>
-            <a:endParaRPr kumimoji="1" lang="ja-JP" altLang="en-US" sz="2400"/>
-          </a:p>
-        </p:txBody>
-      </p:sp>
-      <p:sp>
-        <p:nvSpPr>
-          <p:cNvPr id="8" name="円柱 7"/>
-          <p:cNvSpPr/>
-          <p:nvPr/>
-        </p:nvSpPr>
-        <p:spPr>
-          <a:xfrm>
-            <a:off x="5169768" y="4437112"/>
-            <a:ext cx="914400" cy="1216152"/>
-          </a:xfrm>
-          <a:prstGeom prst="can">
-            <a:avLst/>
-          </a:prstGeom>
-          <a:ln>
-            <a:noFill/>
-          </a:ln>
-        </p:spPr>
-        <p:style>
-          <a:lnRef idx="2">
-            <a:schemeClr val="accent1">
-              <a:shade val="50000"/>
-            </a:schemeClr>
-          </a:lnRef>
-          <a:fillRef idx="1">
-            <a:schemeClr val="accent1"/>
-          </a:fillRef>
-          <a:effectRef idx="0">
-            <a:schemeClr val="accent1"/>
-          </a:effectRef>
-          <a:fontRef idx="minor">
-            <a:schemeClr val="lt1"/>
-          </a:fontRef>
-        </p:style>
-        <p:txBody>
-          <a:bodyPr rtlCol="0" anchor="ctr"/>
-          <a:lstStyle/>
-          <a:p>
-            <a:pPr algn="ctr"/>
-            <a:endParaRPr kumimoji="1" lang="ja-JP" altLang="en-US"/>
-          </a:p>
-        </p:txBody>
-      </p:sp>
-      <p:sp>
-        <p:nvSpPr>
-          <p:cNvPr id="9" name="テキスト ボックス 8"/>
-          <p:cNvSpPr txBox="1"/>
-          <p:nvPr/>
-        </p:nvSpPr>
-        <p:spPr>
-          <a:xfrm>
-            <a:off x="5226858" y="5721341"/>
-            <a:ext cx="1107996" cy="461665"/>
-          </a:xfrm>
-          <a:prstGeom prst="rect">
-            <a:avLst/>
-          </a:prstGeom>
-          <a:noFill/>
-        </p:spPr>
-        <p:txBody>
-          <a:bodyPr wrap="none" rtlCol="0">
-            <a:spAutoFit/>
-          </a:bodyPr>
-          <a:lstStyle/>
-          <a:p>
-            <a:r>
-              <a:rPr lang="ja-JP" altLang="en-US" sz="2400" smtClean="0"/>
-              <a:t>半日前</a:t>
-            </a:r>
-            <a:endParaRPr kumimoji="1" lang="ja-JP" altLang="en-US" sz="2400"/>
-          </a:p>
-        </p:txBody>
-      </p:sp>
-      <p:sp>
-        <p:nvSpPr>
-          <p:cNvPr id="10" name="円柱 9"/>
-          <p:cNvSpPr/>
-          <p:nvPr/>
-        </p:nvSpPr>
-        <p:spPr>
-          <a:xfrm>
-            <a:off x="6537920" y="4437112"/>
-            <a:ext cx="914400" cy="1216152"/>
-          </a:xfrm>
-          <a:prstGeom prst="can">
-            <a:avLst/>
-          </a:prstGeom>
-          <a:ln>
-            <a:noFill/>
-          </a:ln>
-        </p:spPr>
-        <p:style>
-          <a:lnRef idx="2">
-            <a:schemeClr val="accent1">
-              <a:shade val="50000"/>
-            </a:schemeClr>
-          </a:lnRef>
-          <a:fillRef idx="1">
-            <a:schemeClr val="accent1"/>
-          </a:fillRef>
-          <a:effectRef idx="0">
-            <a:schemeClr val="accent1"/>
-          </a:effectRef>
-          <a:fontRef idx="minor">
-            <a:schemeClr val="lt1"/>
-          </a:fontRef>
-        </p:style>
-        <p:txBody>
-          <a:bodyPr rtlCol="0" anchor="ctr"/>
-          <a:lstStyle/>
-          <a:p>
-            <a:pPr algn="ctr"/>
-            <a:endParaRPr kumimoji="1" lang="ja-JP" altLang="en-US"/>
-          </a:p>
-        </p:txBody>
-      </p:sp>
-      <p:sp>
-        <p:nvSpPr>
-          <p:cNvPr id="11" name="テキスト ボックス 10"/>
-          <p:cNvSpPr txBox="1"/>
-          <p:nvPr/>
-        </p:nvSpPr>
-        <p:spPr>
-          <a:xfrm>
-            <a:off x="6595010" y="5721341"/>
-            <a:ext cx="1031051" cy="461665"/>
-          </a:xfrm>
-          <a:prstGeom prst="rect">
-            <a:avLst/>
-          </a:prstGeom>
-          <a:noFill/>
-        </p:spPr>
-        <p:txBody>
-          <a:bodyPr wrap="none" rtlCol="0">
-            <a:spAutoFit/>
-          </a:bodyPr>
-          <a:lstStyle/>
-          <a:p>
-            <a:r>
-              <a:rPr lang="ja-JP" altLang="en-US" sz="2400" smtClean="0"/>
-              <a:t>昨日</a:t>
-            </a:r>
-            <a:r>
-              <a:rPr lang="en-US" altLang="ja-JP" sz="2400" smtClean="0"/>
-              <a:t>...</a:t>
-            </a:r>
-            <a:endParaRPr kumimoji="1" lang="ja-JP" altLang="en-US" sz="2400"/>
-          </a:p>
-        </p:txBody>
-      </p:sp>
-      <p:cxnSp>
-        <p:nvCxnSpPr>
-          <p:cNvPr id="12" name="直線矢印コネクタ 11"/>
-          <p:cNvCxnSpPr/>
-          <p:nvPr/>
-        </p:nvCxnSpPr>
-        <p:spPr>
-          <a:xfrm>
-            <a:off x="3078370" y="5085184"/>
-            <a:ext cx="534282" cy="0"/>
-          </a:xfrm>
-          <a:prstGeom prst="straightConnector1">
-            <a:avLst/>
-          </a:prstGeom>
-          <a:ln w="60325">
-            <a:tailEnd type="arrow"/>
-          </a:ln>
-        </p:spPr>
-        <p:style>
-          <a:lnRef idx="1">
-            <a:schemeClr val="accent1"/>
-          </a:lnRef>
-          <a:fillRef idx="0">
-            <a:schemeClr val="accent1"/>
-          </a:fillRef>
-          <a:effectRef idx="0">
-            <a:schemeClr val="accent1"/>
-          </a:effectRef>
-          <a:fontRef idx="minor">
-            <a:schemeClr val="tx1"/>
-          </a:fontRef>
-        </p:style>
-      </p:cxnSp>
-      <p:sp>
-        <p:nvSpPr>
-          <p:cNvPr id="14" name="スライド番号プレースホルダー 13"/>
-          <p:cNvSpPr>
-            <a:spLocks noGrp="1"/>
-          </p:cNvSpPr>
-          <p:nvPr>
-            <p:ph type="sldNum" sz="quarter" idx="12"/>
-          </p:nvPr>
-        </p:nvSpPr>
-        <p:spPr/>
-        <p:txBody>
-          <a:bodyPr/>
-          <a:lstStyle/>
-          <a:p>
-            <a:fld id="{2649E3F5-6F9D-4754-B6F9-50AE10FEA634}" type="slidenum">
-              <a:rPr lang="ja-JP" altLang="en-US" smtClean="0"/>
-              <a:pPr/>
-              <a:t>3</a:t>
-            </a:fld>
-            <a:r>
-              <a:rPr lang="en-US" altLang="ja-JP" smtClean="0"/>
-              <a:t>/30</a:t>
-            </a:r>
-            <a:endParaRPr lang="ja-JP" altLang="en-US"/>
-          </a:p>
-        </p:txBody>
-      </p:sp>
-    </p:spTree>
-    <p:extLst>
-      <p:ext uri="{BB962C8B-B14F-4D97-AF65-F5344CB8AC3E}">
-        <p14:creationId xmlns:p14="http://schemas.microsoft.com/office/powerpoint/2010/main" val="3262723324"/>
-      </p:ext>
-    </p:extLst>
-  </p:cSld>
-  <p:clrMapOvr>
-    <a:masterClrMapping/>
-  </p:clrMapOvr>
-  <p:timing>
-    <p:tnLst>
-      <p:par>
-        <p:cTn id="1" dur="indefinite" restart="never" nodeType="tmRoot"/>
-      </p:par>
-    </p:tnLst>
-  </p:timing>
-</p:sld>
-</file>
-
-<file path=ppt/slides/slide30.xml><?xml version="1.0" encoding="utf-8"?>
 <p:sld xmlns:a="http://schemas.openxmlformats.org/drawingml/2006/main" xmlns:r="http://schemas.openxmlformats.org/officeDocument/2006/relationships" xmlns:p="http://schemas.openxmlformats.org/presentationml/2006/main">
   <p:cSld>
     <p:spTree>
@@ -20800,16 +17395,35 @@
           <a:lstStyle/>
           <a:p>
             <a:r>
-              <a:rPr kumimoji="1" lang="ja-JP" altLang="en-US" smtClean="0"/>
+              <a:rPr lang="ja-JP" altLang="en-US" smtClean="0"/>
               <a:t>主な状態遷移</a:t>
             </a:r>
+            <a:endParaRPr lang="ja-JP" altLang="en-US"/>
+          </a:p>
+        </p:txBody>
+      </p:sp>
+      <p:sp>
+        <p:nvSpPr>
+          <p:cNvPr id="6" name="コンテンツ プレースホルダー 5"/>
+          <p:cNvSpPr>
+            <a:spLocks noGrp="1"/>
+          </p:cNvSpPr>
+          <p:nvPr>
+            <p:ph idx="1"/>
+          </p:nvPr>
+        </p:nvSpPr>
+        <p:spPr/>
+        <p:txBody>
+          <a:bodyPr/>
+          <a:lstStyle/>
+          <a:p>
             <a:endParaRPr kumimoji="1" lang="ja-JP" altLang="en-US"/>
           </a:p>
         </p:txBody>
       </p:sp>
       <p:sp>
         <p:nvSpPr>
-          <p:cNvPr id="4" name="スライド番号プレースホルダー 3"/>
+          <p:cNvPr id="7" name="スライド番号プレースホルダー 6"/>
           <p:cNvSpPr>
             <a:spLocks noGrp="1"/>
           </p:cNvSpPr>
@@ -20825,11 +17439,11 @@
             <a:fld id="{2649E3F5-6F9D-4754-B6F9-50AE10FEA634}" type="slidenum">
               <a:rPr lang="ja-JP" altLang="en-US" smtClean="0"/>
               <a:pPr/>
-              <a:t>30</a:t>
+              <a:t>25</a:t>
             </a:fld>
             <a:r>
               <a:rPr lang="en-US" altLang="ja-JP" smtClean="0"/>
-              <a:t>/30</a:t>
+              <a:t>/31</a:t>
             </a:r>
             <a:endParaRPr lang="ja-JP" altLang="en-US"/>
           </a:p>
@@ -20839,6 +17453,3696 @@
     <p:extLst>
       <p:ext uri="{BB962C8B-B14F-4D97-AF65-F5344CB8AC3E}">
         <p14:creationId xmlns:p14="http://schemas.microsoft.com/office/powerpoint/2010/main" val="1410845993"/>
+      </p:ext>
+    </p:extLst>
+  </p:cSld>
+  <p:clrMapOvr>
+    <a:masterClrMapping/>
+  </p:clrMapOvr>
+  <p:timing>
+    <p:tnLst>
+      <p:par>
+        <p:cTn id="1" dur="indefinite" restart="never" nodeType="tmRoot"/>
+      </p:par>
+    </p:tnLst>
+  </p:timing>
+</p:sld>
+</file>
+
+<file path=ppt/slides/slide26.xml><?xml version="1.0" encoding="utf-8"?>
+<p:sld xmlns:a="http://schemas.openxmlformats.org/drawingml/2006/main" xmlns:r="http://schemas.openxmlformats.org/officeDocument/2006/relationships" xmlns:p="http://schemas.openxmlformats.org/presentationml/2006/main">
+  <p:cSld>
+    <p:spTree>
+      <p:nvGrpSpPr>
+        <p:cNvPr id="1" name=""/>
+        <p:cNvGrpSpPr/>
+        <p:nvPr/>
+      </p:nvGrpSpPr>
+      <p:grpSpPr>
+        <a:xfrm>
+          <a:off x="0" y="0"/>
+          <a:ext cx="0" cy="0"/>
+          <a:chOff x="0" y="0"/>
+          <a:chExt cx="0" cy="0"/>
+        </a:xfrm>
+      </p:grpSpPr>
+      <p:sp>
+        <p:nvSpPr>
+          <p:cNvPr id="2" name="タイトル 1"/>
+          <p:cNvSpPr>
+            <a:spLocks noGrp="1"/>
+          </p:cNvSpPr>
+          <p:nvPr>
+            <p:ph type="title"/>
+          </p:nvPr>
+        </p:nvSpPr>
+        <p:spPr/>
+        <p:txBody>
+          <a:bodyPr/>
+          <a:lstStyle/>
+          <a:p>
+            <a:r>
+              <a:rPr lang="ja-JP" altLang="en-US" smtClean="0"/>
+              <a:t>バグがいっぱい</a:t>
+            </a:r>
+            <a:endParaRPr lang="ja-JP" altLang="en-US"/>
+          </a:p>
+        </p:txBody>
+      </p:sp>
+      <p:sp>
+        <p:nvSpPr>
+          <p:cNvPr id="3" name="コンテンツ プレースホルダー 2"/>
+          <p:cNvSpPr>
+            <a:spLocks noGrp="1"/>
+          </p:cNvSpPr>
+          <p:nvPr>
+            <p:ph idx="1"/>
+          </p:nvPr>
+        </p:nvSpPr>
+        <p:spPr/>
+        <p:txBody>
+          <a:bodyPr/>
+          <a:lstStyle/>
+          <a:p>
+            <a:r>
+              <a:rPr lang="ja-JP" altLang="en-US" smtClean="0"/>
+              <a:t>テストするたびに新たなバグ</a:t>
+            </a:r>
+            <a:endParaRPr lang="en-US" altLang="ja-JP" smtClean="0"/>
+          </a:p>
+          <a:p>
+            <a:pPr lvl="1"/>
+            <a:r>
+              <a:rPr lang="ja-JP" altLang="en-US" smtClean="0"/>
+              <a:t>もちろん</a:t>
+            </a:r>
+            <a:r>
+              <a:rPr lang="en-US" altLang="ja-JP" smtClean="0"/>
+              <a:t>WalB</a:t>
+            </a:r>
+            <a:r>
+              <a:rPr lang="ja-JP" altLang="en-US" smtClean="0"/>
+              <a:t>自体のバグ</a:t>
+            </a:r>
+            <a:endParaRPr lang="en-US" altLang="ja-JP" smtClean="0"/>
+          </a:p>
+          <a:p>
+            <a:pPr lvl="1"/>
+            <a:r>
+              <a:rPr lang="en-US" altLang="ja-JP" smtClean="0"/>
+              <a:t>kernel</a:t>
+            </a:r>
+            <a:r>
+              <a:rPr lang="ja-JP" altLang="en-US" smtClean="0"/>
+              <a:t>が新しくなると</a:t>
+            </a:r>
+            <a:r>
+              <a:rPr lang="en-US" altLang="ja-JP" smtClean="0"/>
+              <a:t>driver</a:t>
+            </a:r>
+            <a:r>
+              <a:rPr lang="ja-JP" altLang="en-US" smtClean="0"/>
+              <a:t>をコンパイルできない</a:t>
+            </a:r>
+            <a:endParaRPr lang="en-US" altLang="ja-JP" smtClean="0"/>
+          </a:p>
+          <a:p>
+            <a:pPr lvl="1"/>
+            <a:r>
+              <a:rPr lang="en-US" altLang="ja-JP" smtClean="0"/>
+              <a:t>kernel</a:t>
+            </a:r>
+            <a:r>
+              <a:rPr lang="ja-JP" altLang="en-US" smtClean="0"/>
+              <a:t>のバグ</a:t>
+            </a:r>
+            <a:endParaRPr lang="en-US" altLang="ja-JP" smtClean="0"/>
+          </a:p>
+          <a:p>
+            <a:pPr lvl="2"/>
+            <a:r>
+              <a:rPr lang="en-US" altLang="ja-JP" smtClean="0"/>
+              <a:t>LVM</a:t>
+            </a:r>
+            <a:r>
+              <a:rPr lang="ja-JP" altLang="en-US" smtClean="0"/>
+              <a:t>のバグ</a:t>
+            </a:r>
+            <a:endParaRPr lang="en-US" altLang="ja-JP" smtClean="0"/>
+          </a:p>
+          <a:p>
+            <a:pPr lvl="2"/>
+            <a:r>
+              <a:rPr lang="en-US" altLang="ja-JP" smtClean="0"/>
+              <a:t>KVM</a:t>
+            </a:r>
+            <a:r>
+              <a:rPr lang="ja-JP" altLang="en-US" smtClean="0"/>
+              <a:t>のバグ</a:t>
+            </a:r>
+            <a:endParaRPr lang="en-US" altLang="ja-JP" smtClean="0"/>
+          </a:p>
+          <a:p>
+            <a:pPr lvl="2"/>
+            <a:r>
+              <a:rPr lang="en-US" altLang="ja-JP" smtClean="0"/>
+              <a:t>ext4</a:t>
+            </a:r>
+            <a:r>
+              <a:rPr lang="ja-JP" altLang="en-US" smtClean="0"/>
+              <a:t>のバグっぽい挙動（</a:t>
+            </a:r>
+            <a:r>
+              <a:rPr lang="en-US" altLang="ja-JP" smtClean="0"/>
+              <a:t>?</a:t>
+            </a:r>
+            <a:r>
+              <a:rPr lang="ja-JP" altLang="en-US" smtClean="0"/>
+              <a:t>）</a:t>
+            </a:r>
+            <a:endParaRPr lang="en-US" altLang="ja-JP" smtClean="0"/>
+          </a:p>
+          <a:p>
+            <a:pPr lvl="1"/>
+            <a:r>
+              <a:rPr lang="en-US" altLang="ja-JP" smtClean="0"/>
+              <a:t>gdb</a:t>
+            </a:r>
+            <a:r>
+              <a:rPr lang="ja-JP" altLang="en-US" smtClean="0"/>
+              <a:t>のバグ</a:t>
+            </a:r>
+            <a:endParaRPr lang="en-US" altLang="ja-JP" smtClean="0"/>
+          </a:p>
+          <a:p>
+            <a:pPr lvl="2"/>
+            <a:r>
+              <a:rPr lang="en-US" altLang="ja-JP" smtClean="0"/>
+              <a:t>exe</a:t>
+            </a:r>
+            <a:r>
+              <a:rPr lang="ja-JP" altLang="en-US" smtClean="0"/>
+              <a:t>を指定して起動するだけで</a:t>
+            </a:r>
+            <a:r>
+              <a:rPr lang="en-US" altLang="ja-JP" smtClean="0"/>
+              <a:t>gdb</a:t>
+            </a:r>
+            <a:r>
+              <a:rPr lang="ja-JP" altLang="en-US" smtClean="0"/>
+              <a:t>が</a:t>
+            </a:r>
+            <a:r>
+              <a:rPr lang="en-US" altLang="ja-JP" smtClean="0"/>
+              <a:t>SEGV</a:t>
+            </a:r>
+            <a:endParaRPr lang="en-US" altLang="ja-JP" smtClean="0"/>
+          </a:p>
+        </p:txBody>
+      </p:sp>
+      <p:sp>
+        <p:nvSpPr>
+          <p:cNvPr id="8" name="スライド番号プレースホルダー 7"/>
+          <p:cNvSpPr>
+            <a:spLocks noGrp="1"/>
+          </p:cNvSpPr>
+          <p:nvPr>
+            <p:ph type="sldNum" sz="quarter" idx="12"/>
+          </p:nvPr>
+        </p:nvSpPr>
+        <p:spPr/>
+        <p:txBody>
+          <a:bodyPr/>
+          <a:lstStyle/>
+          <a:p>
+            <a:fld id="{2649E3F5-6F9D-4754-B6F9-50AE10FEA634}" type="slidenum">
+              <a:rPr lang="ja-JP" altLang="en-US" smtClean="0"/>
+              <a:pPr/>
+              <a:t>26</a:t>
+            </a:fld>
+            <a:r>
+              <a:rPr lang="en-US" altLang="ja-JP" smtClean="0"/>
+              <a:t>/31</a:t>
+            </a:r>
+            <a:endParaRPr lang="ja-JP" altLang="en-US"/>
+          </a:p>
+        </p:txBody>
+      </p:sp>
+    </p:spTree>
+    <p:extLst>
+      <p:ext uri="{BB962C8B-B14F-4D97-AF65-F5344CB8AC3E}">
+        <p14:creationId xmlns:p14="http://schemas.microsoft.com/office/powerpoint/2010/main" val="110683992"/>
+      </p:ext>
+    </p:extLst>
+  </p:cSld>
+  <p:clrMapOvr>
+    <a:masterClrMapping/>
+  </p:clrMapOvr>
+</p:sld>
+</file>
+
+<file path=ppt/slides/slide27.xml><?xml version="1.0" encoding="utf-8"?>
+<p:sld xmlns:a="http://schemas.openxmlformats.org/drawingml/2006/main" xmlns:r="http://schemas.openxmlformats.org/officeDocument/2006/relationships" xmlns:p="http://schemas.openxmlformats.org/presentationml/2006/main">
+  <p:cSld>
+    <p:spTree>
+      <p:nvGrpSpPr>
+        <p:cNvPr id="1" name=""/>
+        <p:cNvGrpSpPr/>
+        <p:nvPr/>
+      </p:nvGrpSpPr>
+      <p:grpSpPr>
+        <a:xfrm>
+          <a:off x="0" y="0"/>
+          <a:ext cx="0" cy="0"/>
+          <a:chOff x="0" y="0"/>
+          <a:chExt cx="0" cy="0"/>
+        </a:xfrm>
+      </p:grpSpPr>
+      <p:sp>
+        <p:nvSpPr>
+          <p:cNvPr id="2" name="タイトル 1"/>
+          <p:cNvSpPr>
+            <a:spLocks noGrp="1"/>
+          </p:cNvSpPr>
+          <p:nvPr>
+            <p:ph type="title"/>
+          </p:nvPr>
+        </p:nvSpPr>
+        <p:spPr/>
+        <p:txBody>
+          <a:bodyPr/>
+          <a:lstStyle/>
+          <a:p>
+            <a:r>
+              <a:rPr lang="ja-JP" altLang="en-US" smtClean="0"/>
+              <a:t>例 </a:t>
+            </a:r>
+            <a:r>
+              <a:rPr lang="en-US" altLang="ja-JP" smtClean="0"/>
+              <a:t>: proxy</a:t>
+            </a:r>
+            <a:r>
+              <a:rPr lang="ja-JP" altLang="en-US" smtClean="0"/>
+              <a:t>の交換</a:t>
+            </a:r>
+            <a:endParaRPr lang="ja-JP" altLang="en-US"/>
+          </a:p>
+        </p:txBody>
+      </p:sp>
+      <p:sp>
+        <p:nvSpPr>
+          <p:cNvPr id="3" name="コンテンツ プレースホルダー 2"/>
+          <p:cNvSpPr>
+            <a:spLocks noGrp="1"/>
+          </p:cNvSpPr>
+          <p:nvPr>
+            <p:ph idx="1"/>
+          </p:nvPr>
+        </p:nvSpPr>
+        <p:spPr/>
+        <p:txBody>
+          <a:bodyPr/>
+          <a:lstStyle/>
+          <a:p>
+            <a:r>
+              <a:rPr lang="ja-JP" altLang="en-US" smtClean="0"/>
+              <a:t>止める順序が大事</a:t>
+            </a:r>
+            <a:endParaRPr lang="en-US" altLang="ja-JP" smtClean="0"/>
+          </a:p>
+        </p:txBody>
+      </p:sp>
+      <p:cxnSp>
+        <p:nvCxnSpPr>
+          <p:cNvPr id="5" name="直線矢印コネクタ 4"/>
+          <p:cNvCxnSpPr>
+            <a:stCxn id="7" idx="2"/>
+            <a:endCxn id="8" idx="0"/>
+          </p:cNvCxnSpPr>
+          <p:nvPr/>
+        </p:nvCxnSpPr>
+        <p:spPr>
+          <a:xfrm>
+            <a:off x="1079612" y="3032736"/>
+            <a:ext cx="1512168" cy="848879"/>
+          </a:xfrm>
+          <a:prstGeom prst="straightConnector1">
+            <a:avLst/>
+          </a:prstGeom>
+          <a:ln w="60325">
+            <a:solidFill>
+              <a:schemeClr val="accent1">
+                <a:lumMod val="20000"/>
+                <a:lumOff val="80000"/>
+              </a:schemeClr>
+            </a:solidFill>
+            <a:tailEnd type="arrow"/>
+          </a:ln>
+        </p:spPr>
+        <p:style>
+          <a:lnRef idx="1">
+            <a:schemeClr val="accent1"/>
+          </a:lnRef>
+          <a:fillRef idx="0">
+            <a:schemeClr val="accent1"/>
+          </a:fillRef>
+          <a:effectRef idx="0">
+            <a:schemeClr val="accent1"/>
+          </a:effectRef>
+          <a:fontRef idx="minor">
+            <a:schemeClr val="tx1"/>
+          </a:fontRef>
+        </p:style>
+      </p:cxnSp>
+      <p:cxnSp>
+        <p:nvCxnSpPr>
+          <p:cNvPr id="6" name="直線矢印コネクタ 5"/>
+          <p:cNvCxnSpPr>
+            <a:stCxn id="7" idx="2"/>
+            <a:endCxn id="9" idx="0"/>
+          </p:cNvCxnSpPr>
+          <p:nvPr/>
+        </p:nvCxnSpPr>
+        <p:spPr>
+          <a:xfrm>
+            <a:off x="1079612" y="3032736"/>
+            <a:ext cx="0" cy="848880"/>
+          </a:xfrm>
+          <a:prstGeom prst="straightConnector1">
+            <a:avLst/>
+          </a:prstGeom>
+          <a:ln w="60325">
+            <a:tailEnd type="arrow"/>
+          </a:ln>
+        </p:spPr>
+        <p:style>
+          <a:lnRef idx="1">
+            <a:schemeClr val="accent1"/>
+          </a:lnRef>
+          <a:fillRef idx="0">
+            <a:schemeClr val="accent1"/>
+          </a:fillRef>
+          <a:effectRef idx="0">
+            <a:schemeClr val="accent1"/>
+          </a:effectRef>
+          <a:fontRef idx="minor">
+            <a:schemeClr val="tx1"/>
+          </a:fontRef>
+        </p:style>
+      </p:cxnSp>
+      <p:sp>
+        <p:nvSpPr>
+          <p:cNvPr id="7" name="正方形/長方形 6"/>
+          <p:cNvSpPr/>
+          <p:nvPr/>
+        </p:nvSpPr>
+        <p:spPr>
+          <a:xfrm>
+            <a:off x="467544" y="2643079"/>
+            <a:ext cx="1224136" cy="389657"/>
+          </a:xfrm>
+          <a:prstGeom prst="rect">
+            <a:avLst/>
+          </a:prstGeom>
+          <a:solidFill>
+            <a:schemeClr val="accent5">
+              <a:lumMod val="20000"/>
+              <a:lumOff val="80000"/>
+            </a:schemeClr>
+          </a:solidFill>
+          <a:ln>
+            <a:noFill/>
+          </a:ln>
+        </p:spPr>
+        <p:style>
+          <a:lnRef idx="2">
+            <a:schemeClr val="accent1">
+              <a:shade val="50000"/>
+            </a:schemeClr>
+          </a:lnRef>
+          <a:fillRef idx="1">
+            <a:schemeClr val="accent1"/>
+          </a:fillRef>
+          <a:effectRef idx="0">
+            <a:schemeClr val="accent1"/>
+          </a:effectRef>
+          <a:fontRef idx="minor">
+            <a:schemeClr val="lt1"/>
+          </a:fontRef>
+        </p:style>
+        <p:txBody>
+          <a:bodyPr rtlCol="0" anchor="ctr"/>
+          <a:lstStyle/>
+          <a:p>
+            <a:pPr algn="ctr"/>
+            <a:r>
+              <a:rPr lang="en-US" altLang="ja-JP" sz="2400" smtClean="0">
+                <a:solidFill>
+                  <a:schemeClr val="tx1"/>
+                </a:solidFill>
+              </a:rPr>
+              <a:t>storage</a:t>
+            </a:r>
+            <a:endParaRPr kumimoji="1" lang="ja-JP" altLang="en-US" sz="2400">
+              <a:solidFill>
+                <a:schemeClr val="tx1"/>
+              </a:solidFill>
+            </a:endParaRPr>
+          </a:p>
+        </p:txBody>
+      </p:sp>
+      <p:sp>
+        <p:nvSpPr>
+          <p:cNvPr id="8" name="正方形/長方形 7"/>
+          <p:cNvSpPr/>
+          <p:nvPr/>
+        </p:nvSpPr>
+        <p:spPr>
+          <a:xfrm>
+            <a:off x="1979712" y="3881615"/>
+            <a:ext cx="1224136" cy="389657"/>
+          </a:xfrm>
+          <a:prstGeom prst="rect">
+            <a:avLst/>
+          </a:prstGeom>
+          <a:solidFill>
+            <a:schemeClr val="accent5">
+              <a:lumMod val="20000"/>
+              <a:lumOff val="80000"/>
+            </a:schemeClr>
+          </a:solidFill>
+          <a:ln>
+            <a:noFill/>
+          </a:ln>
+        </p:spPr>
+        <p:style>
+          <a:lnRef idx="2">
+            <a:schemeClr val="accent1">
+              <a:shade val="50000"/>
+            </a:schemeClr>
+          </a:lnRef>
+          <a:fillRef idx="1">
+            <a:schemeClr val="accent1"/>
+          </a:fillRef>
+          <a:effectRef idx="0">
+            <a:schemeClr val="accent1"/>
+          </a:effectRef>
+          <a:fontRef idx="minor">
+            <a:schemeClr val="lt1"/>
+          </a:fontRef>
+        </p:style>
+        <p:txBody>
+          <a:bodyPr rtlCol="0" anchor="ctr"/>
+          <a:lstStyle/>
+          <a:p>
+            <a:pPr algn="ctr"/>
+            <a:r>
+              <a:rPr lang="en-US" altLang="ja-JP" sz="2400" smtClean="0">
+                <a:solidFill>
+                  <a:schemeClr val="tx1"/>
+                </a:solidFill>
+              </a:rPr>
+              <a:t>proxy2</a:t>
+            </a:r>
+            <a:endParaRPr kumimoji="1" lang="ja-JP" altLang="en-US" sz="2400">
+              <a:solidFill>
+                <a:schemeClr val="tx1"/>
+              </a:solidFill>
+            </a:endParaRPr>
+          </a:p>
+        </p:txBody>
+      </p:sp>
+      <p:sp>
+        <p:nvSpPr>
+          <p:cNvPr id="9" name="正方形/長方形 8"/>
+          <p:cNvSpPr/>
+          <p:nvPr/>
+        </p:nvSpPr>
+        <p:spPr>
+          <a:xfrm>
+            <a:off x="467544" y="3881616"/>
+            <a:ext cx="1224136" cy="389657"/>
+          </a:xfrm>
+          <a:prstGeom prst="rect">
+            <a:avLst/>
+          </a:prstGeom>
+          <a:solidFill>
+            <a:schemeClr val="accent5">
+              <a:lumMod val="20000"/>
+              <a:lumOff val="80000"/>
+            </a:schemeClr>
+          </a:solidFill>
+          <a:ln>
+            <a:noFill/>
+          </a:ln>
+        </p:spPr>
+        <p:style>
+          <a:lnRef idx="2">
+            <a:schemeClr val="accent1">
+              <a:shade val="50000"/>
+            </a:schemeClr>
+          </a:lnRef>
+          <a:fillRef idx="1">
+            <a:schemeClr val="accent1"/>
+          </a:fillRef>
+          <a:effectRef idx="0">
+            <a:schemeClr val="accent1"/>
+          </a:effectRef>
+          <a:fontRef idx="minor">
+            <a:schemeClr val="lt1"/>
+          </a:fontRef>
+        </p:style>
+        <p:txBody>
+          <a:bodyPr rtlCol="0" anchor="ctr"/>
+          <a:lstStyle/>
+          <a:p>
+            <a:pPr algn="ctr"/>
+            <a:r>
+              <a:rPr lang="en-US" altLang="ja-JP" sz="2400" smtClean="0">
+                <a:solidFill>
+                  <a:schemeClr val="tx1"/>
+                </a:solidFill>
+              </a:rPr>
+              <a:t>proxy1</a:t>
+            </a:r>
+            <a:endParaRPr kumimoji="1" lang="ja-JP" altLang="en-US" sz="2400">
+              <a:solidFill>
+                <a:schemeClr val="tx1"/>
+              </a:solidFill>
+            </a:endParaRPr>
+          </a:p>
+        </p:txBody>
+      </p:sp>
+      <p:sp>
+        <p:nvSpPr>
+          <p:cNvPr id="10" name="正方形/長方形 9"/>
+          <p:cNvSpPr/>
+          <p:nvPr/>
+        </p:nvSpPr>
+        <p:spPr>
+          <a:xfrm>
+            <a:off x="467544" y="4983559"/>
+            <a:ext cx="1224136" cy="389657"/>
+          </a:xfrm>
+          <a:prstGeom prst="rect">
+            <a:avLst/>
+          </a:prstGeom>
+          <a:solidFill>
+            <a:schemeClr val="accent5">
+              <a:lumMod val="20000"/>
+              <a:lumOff val="80000"/>
+            </a:schemeClr>
+          </a:solidFill>
+          <a:ln>
+            <a:noFill/>
+          </a:ln>
+        </p:spPr>
+        <p:style>
+          <a:lnRef idx="2">
+            <a:schemeClr val="accent1">
+              <a:shade val="50000"/>
+            </a:schemeClr>
+          </a:lnRef>
+          <a:fillRef idx="1">
+            <a:schemeClr val="accent1"/>
+          </a:fillRef>
+          <a:effectRef idx="0">
+            <a:schemeClr val="accent1"/>
+          </a:effectRef>
+          <a:fontRef idx="minor">
+            <a:schemeClr val="lt1"/>
+          </a:fontRef>
+        </p:style>
+        <p:txBody>
+          <a:bodyPr rtlCol="0" anchor="ctr"/>
+          <a:lstStyle/>
+          <a:p>
+            <a:pPr algn="ctr"/>
+            <a:r>
+              <a:rPr lang="en-US" altLang="ja-JP" sz="2400" smtClean="0">
+                <a:solidFill>
+                  <a:schemeClr val="tx1"/>
+                </a:solidFill>
+              </a:rPr>
+              <a:t>archive</a:t>
+            </a:r>
+            <a:endParaRPr kumimoji="1" lang="ja-JP" altLang="en-US" sz="2400">
+              <a:solidFill>
+                <a:schemeClr val="tx1"/>
+              </a:solidFill>
+            </a:endParaRPr>
+          </a:p>
+        </p:txBody>
+      </p:sp>
+      <p:sp>
+        <p:nvSpPr>
+          <p:cNvPr id="15" name="テキスト ボックス 14"/>
+          <p:cNvSpPr txBox="1"/>
+          <p:nvPr/>
+        </p:nvSpPr>
+        <p:spPr>
+          <a:xfrm>
+            <a:off x="3347864" y="2390557"/>
+            <a:ext cx="5544616" cy="3046988"/>
+          </a:xfrm>
+          <a:prstGeom prst="rect">
+            <a:avLst/>
+          </a:prstGeom>
+          <a:noFill/>
+        </p:spPr>
+        <p:txBody>
+          <a:bodyPr wrap="square" rtlCol="0">
+            <a:spAutoFit/>
+          </a:bodyPr>
+          <a:lstStyle/>
+          <a:p>
+            <a:pPr marL="342900" indent="-342900">
+              <a:buFont typeface="+mj-lt"/>
+              <a:buAutoNum type="arabicPeriod"/>
+            </a:pPr>
+            <a:r>
+              <a:rPr kumimoji="1" lang="en-US" altLang="ja-JP" sz="2400" smtClean="0"/>
+              <a:t>storage - proxy1</a:t>
+            </a:r>
+            <a:r>
+              <a:rPr kumimoji="1" lang="ja-JP" altLang="en-US" sz="2400" smtClean="0"/>
+              <a:t>間を停止</a:t>
+            </a:r>
+            <a:endParaRPr kumimoji="1" lang="en-US" altLang="ja-JP" sz="2400" smtClean="0"/>
+          </a:p>
+          <a:p>
+            <a:pPr marL="342900" indent="-342900">
+              <a:buFont typeface="+mj-lt"/>
+              <a:buAutoNum type="arabicPeriod"/>
+            </a:pPr>
+            <a:r>
+              <a:rPr kumimoji="1" lang="en-US" altLang="ja-JP" sz="2400" smtClean="0"/>
+              <a:t>storage</a:t>
+            </a:r>
+            <a:r>
+              <a:rPr kumimoji="1" lang="ja-JP" altLang="en-US" sz="2400" smtClean="0"/>
+              <a:t>は</a:t>
+            </a:r>
+            <a:r>
+              <a:rPr kumimoji="1" lang="en-US" altLang="ja-JP" sz="2400" smtClean="0"/>
+              <a:t>proxy2</a:t>
+            </a:r>
+            <a:r>
+              <a:rPr lang="ja-JP" altLang="en-US" sz="2400" smtClean="0"/>
+              <a:t>に転送開始</a:t>
+            </a:r>
+            <a:endParaRPr kumimoji="1" lang="en-US" altLang="ja-JP" sz="2400" smtClean="0"/>
+          </a:p>
+          <a:p>
+            <a:pPr marL="342900" indent="-342900">
+              <a:buFont typeface="+mj-lt"/>
+              <a:buAutoNum type="arabicPeriod"/>
+            </a:pPr>
+            <a:r>
+              <a:rPr kumimoji="1" lang="en-US" altLang="ja-JP" sz="2400" smtClean="0"/>
+              <a:t>proxy1</a:t>
+            </a:r>
+            <a:r>
+              <a:rPr kumimoji="1" lang="ja-JP" altLang="en-US" sz="2400" smtClean="0"/>
+              <a:t>のデータが全て転送されるまで</a:t>
+            </a:r>
+            <a:r>
+              <a:rPr kumimoji="1" lang="en-US" altLang="ja-JP" sz="2400" smtClean="0"/>
+              <a:t>proxy1 - archive</a:t>
+            </a:r>
+            <a:r>
+              <a:rPr kumimoji="1" lang="ja-JP" altLang="en-US" sz="2400" smtClean="0"/>
+              <a:t>間の転送を継続</a:t>
+            </a:r>
+            <a:endParaRPr kumimoji="1" lang="en-US" altLang="ja-JP" sz="2400" smtClean="0"/>
+          </a:p>
+          <a:p>
+            <a:pPr marL="342900" indent="-342900">
+              <a:buFont typeface="+mj-lt"/>
+              <a:buAutoNum type="arabicPeriod"/>
+            </a:pPr>
+            <a:r>
+              <a:rPr lang="ja-JP" altLang="en-US" sz="2400" smtClean="0"/>
+              <a:t>転送が終わったら</a:t>
+            </a:r>
+            <a:r>
+              <a:rPr lang="en-US" altLang="ja-JP" sz="2400" smtClean="0"/>
+              <a:t>proxy1</a:t>
+            </a:r>
+            <a:r>
+              <a:rPr lang="ja-JP" altLang="en-US" sz="2400" smtClean="0"/>
+              <a:t>を停止</a:t>
+            </a:r>
+            <a:endParaRPr lang="en-US" altLang="ja-JP" sz="2400" smtClean="0"/>
+          </a:p>
+          <a:p>
+            <a:pPr marL="342900" indent="-342900">
+              <a:buFont typeface="+mj-lt"/>
+              <a:buAutoNum type="arabicPeriod"/>
+            </a:pPr>
+            <a:r>
+              <a:rPr kumimoji="1" lang="en-US" altLang="ja-JP" sz="2400" smtClean="0"/>
+              <a:t>proxy1</a:t>
+            </a:r>
+            <a:r>
+              <a:rPr kumimoji="1" lang="ja-JP" altLang="en-US" sz="2400" smtClean="0"/>
+              <a:t>を交換</a:t>
+            </a:r>
+            <a:endParaRPr kumimoji="1" lang="en-US" altLang="ja-JP" sz="2400" smtClean="0"/>
+          </a:p>
+          <a:p>
+            <a:pPr marL="342900" indent="-342900">
+              <a:buFont typeface="+mj-lt"/>
+              <a:buAutoNum type="arabicPeriod"/>
+            </a:pPr>
+            <a:r>
+              <a:rPr lang="en-US" altLang="ja-JP" sz="2400" smtClean="0"/>
+              <a:t>proxy1</a:t>
+            </a:r>
+            <a:r>
+              <a:rPr lang="ja-JP" altLang="en-US" sz="2400" smtClean="0"/>
+              <a:t>を</a:t>
+            </a:r>
+            <a:r>
+              <a:rPr lang="en-US" altLang="ja-JP" sz="2400" smtClean="0"/>
+              <a:t>start</a:t>
+            </a:r>
+          </a:p>
+          <a:p>
+            <a:pPr marL="342900" indent="-342900">
+              <a:buFont typeface="+mj-lt"/>
+              <a:buAutoNum type="arabicPeriod"/>
+            </a:pPr>
+            <a:r>
+              <a:rPr kumimoji="1" lang="en-US" altLang="ja-JP" sz="2400" smtClean="0"/>
+              <a:t>storage</a:t>
+            </a:r>
+            <a:r>
+              <a:rPr kumimoji="1" lang="ja-JP" altLang="en-US" sz="2400" smtClean="0"/>
+              <a:t>が</a:t>
+            </a:r>
+            <a:r>
+              <a:rPr kumimoji="1" lang="en-US" altLang="ja-JP" sz="2400" smtClean="0"/>
+              <a:t>proxy1</a:t>
+            </a:r>
+            <a:r>
+              <a:rPr kumimoji="1" lang="ja-JP" altLang="en-US" sz="2400" smtClean="0"/>
+              <a:t>に接続切り替え</a:t>
+            </a:r>
+            <a:r>
+              <a:rPr lang="ja-JP" altLang="en-US" sz="2400" smtClean="0"/>
+              <a:t>（自動）</a:t>
+            </a:r>
+            <a:endParaRPr kumimoji="1" lang="ja-JP" altLang="en-US" sz="2400"/>
+          </a:p>
+        </p:txBody>
+      </p:sp>
+      <p:cxnSp>
+        <p:nvCxnSpPr>
+          <p:cNvPr id="16" name="直線矢印コネクタ 15"/>
+          <p:cNvCxnSpPr/>
+          <p:nvPr/>
+        </p:nvCxnSpPr>
+        <p:spPr>
+          <a:xfrm>
+            <a:off x="1079612" y="4271273"/>
+            <a:ext cx="0" cy="712286"/>
+          </a:xfrm>
+          <a:prstGeom prst="straightConnector1">
+            <a:avLst/>
+          </a:prstGeom>
+          <a:ln w="60325">
+            <a:tailEnd type="arrow"/>
+          </a:ln>
+        </p:spPr>
+        <p:style>
+          <a:lnRef idx="1">
+            <a:schemeClr val="accent1"/>
+          </a:lnRef>
+          <a:fillRef idx="0">
+            <a:schemeClr val="accent1"/>
+          </a:fillRef>
+          <a:effectRef idx="0">
+            <a:schemeClr val="accent1"/>
+          </a:effectRef>
+          <a:fontRef idx="minor">
+            <a:schemeClr val="tx1"/>
+          </a:fontRef>
+        </p:style>
+      </p:cxnSp>
+      <p:cxnSp>
+        <p:nvCxnSpPr>
+          <p:cNvPr id="17" name="直線矢印コネクタ 16"/>
+          <p:cNvCxnSpPr>
+            <a:stCxn id="8" idx="2"/>
+          </p:cNvCxnSpPr>
+          <p:nvPr/>
+        </p:nvCxnSpPr>
+        <p:spPr>
+          <a:xfrm flipH="1">
+            <a:off x="1691680" y="4271272"/>
+            <a:ext cx="900100" cy="907116"/>
+          </a:xfrm>
+          <a:prstGeom prst="straightConnector1">
+            <a:avLst/>
+          </a:prstGeom>
+          <a:ln w="60325">
+            <a:solidFill>
+              <a:schemeClr val="accent1">
+                <a:lumMod val="20000"/>
+                <a:lumOff val="80000"/>
+              </a:schemeClr>
+            </a:solidFill>
+            <a:tailEnd type="arrow"/>
+          </a:ln>
+        </p:spPr>
+        <p:style>
+          <a:lnRef idx="1">
+            <a:schemeClr val="accent1"/>
+          </a:lnRef>
+          <a:fillRef idx="0">
+            <a:schemeClr val="accent1"/>
+          </a:fillRef>
+          <a:effectRef idx="0">
+            <a:schemeClr val="accent1"/>
+          </a:effectRef>
+          <a:fontRef idx="minor">
+            <a:schemeClr val="tx1"/>
+          </a:fontRef>
+        </p:style>
+      </p:cxnSp>
+      <p:sp>
+        <p:nvSpPr>
+          <p:cNvPr id="18" name="正方形/長方形 17"/>
+          <p:cNvSpPr/>
+          <p:nvPr/>
+        </p:nvSpPr>
+        <p:spPr>
+          <a:xfrm>
+            <a:off x="323528" y="3457176"/>
+            <a:ext cx="483566" cy="389656"/>
+          </a:xfrm>
+          <a:prstGeom prst="rect">
+            <a:avLst/>
+          </a:prstGeom>
+          <a:solidFill>
+            <a:schemeClr val="accent6">
+              <a:lumMod val="40000"/>
+              <a:lumOff val="60000"/>
+            </a:schemeClr>
+          </a:solidFill>
+          <a:ln>
+            <a:noFill/>
+          </a:ln>
+        </p:spPr>
+        <p:style>
+          <a:lnRef idx="2">
+            <a:schemeClr val="accent1">
+              <a:shade val="50000"/>
+            </a:schemeClr>
+          </a:lnRef>
+          <a:fillRef idx="1">
+            <a:schemeClr val="accent1"/>
+          </a:fillRef>
+          <a:effectRef idx="0">
+            <a:schemeClr val="accent1"/>
+          </a:effectRef>
+          <a:fontRef idx="minor">
+            <a:schemeClr val="lt1"/>
+          </a:fontRef>
+        </p:style>
+        <p:txBody>
+          <a:bodyPr rtlCol="0" anchor="ctr"/>
+          <a:lstStyle/>
+          <a:p>
+            <a:pPr algn="ctr"/>
+            <a:r>
+              <a:rPr lang="en-US" altLang="ja-JP" sz="2000" smtClean="0">
+                <a:solidFill>
+                  <a:schemeClr val="tx1"/>
+                </a:solidFill>
+              </a:rPr>
+              <a:t>L</a:t>
+            </a:r>
+            <a:endParaRPr kumimoji="1" lang="ja-JP" altLang="en-US" sz="2000" baseline="-25000">
+              <a:solidFill>
+                <a:schemeClr val="tx1"/>
+              </a:solidFill>
+            </a:endParaRPr>
+          </a:p>
+        </p:txBody>
+      </p:sp>
+      <p:sp>
+        <p:nvSpPr>
+          <p:cNvPr id="21" name="スライド番号プレースホルダー 20"/>
+          <p:cNvSpPr>
+            <a:spLocks noGrp="1"/>
+          </p:cNvSpPr>
+          <p:nvPr>
+            <p:ph type="sldNum" sz="quarter" idx="12"/>
+          </p:nvPr>
+        </p:nvSpPr>
+        <p:spPr/>
+        <p:txBody>
+          <a:bodyPr/>
+          <a:lstStyle/>
+          <a:p>
+            <a:fld id="{2649E3F5-6F9D-4754-B6F9-50AE10FEA634}" type="slidenum">
+              <a:rPr lang="ja-JP" altLang="en-US" smtClean="0"/>
+              <a:pPr/>
+              <a:t>27</a:t>
+            </a:fld>
+            <a:r>
+              <a:rPr lang="en-US" altLang="ja-JP" smtClean="0"/>
+              <a:t>/31</a:t>
+            </a:r>
+            <a:endParaRPr lang="ja-JP" altLang="en-US"/>
+          </a:p>
+        </p:txBody>
+      </p:sp>
+    </p:spTree>
+    <p:extLst>
+      <p:ext uri="{BB962C8B-B14F-4D97-AF65-F5344CB8AC3E}">
+        <p14:creationId xmlns:p14="http://schemas.microsoft.com/office/powerpoint/2010/main" val="1437905887"/>
+      </p:ext>
+    </p:extLst>
+  </p:cSld>
+  <p:clrMapOvr>
+    <a:masterClrMapping/>
+  </p:clrMapOvr>
+  <p:timing>
+    <p:tnLst>
+      <p:par>
+        <p:cTn id="1" dur="indefinite" restart="never" nodeType="tmRoot"/>
+      </p:par>
+    </p:tnLst>
+  </p:timing>
+</p:sld>
+</file>
+
+<file path=ppt/slides/slide28.xml><?xml version="1.0" encoding="utf-8"?>
+<p:sld xmlns:a="http://schemas.openxmlformats.org/drawingml/2006/main" xmlns:r="http://schemas.openxmlformats.org/officeDocument/2006/relationships" xmlns:p="http://schemas.openxmlformats.org/presentationml/2006/main">
+  <p:cSld>
+    <p:spTree>
+      <p:nvGrpSpPr>
+        <p:cNvPr id="1" name=""/>
+        <p:cNvGrpSpPr/>
+        <p:nvPr/>
+      </p:nvGrpSpPr>
+      <p:grpSpPr>
+        <a:xfrm>
+          <a:off x="0" y="0"/>
+          <a:ext cx="0" cy="0"/>
+          <a:chOff x="0" y="0"/>
+          <a:chExt cx="0" cy="0"/>
+        </a:xfrm>
+      </p:grpSpPr>
+      <p:sp>
+        <p:nvSpPr>
+          <p:cNvPr id="2" name="タイトル 1"/>
+          <p:cNvSpPr>
+            <a:spLocks noGrp="1"/>
+          </p:cNvSpPr>
+          <p:nvPr>
+            <p:ph type="title"/>
+          </p:nvPr>
+        </p:nvSpPr>
+        <p:spPr/>
+        <p:txBody>
+          <a:bodyPr/>
+          <a:lstStyle/>
+          <a:p>
+            <a:r>
+              <a:rPr lang="ja-JP" altLang="en-US" smtClean="0"/>
+              <a:t>例 </a:t>
+            </a:r>
+            <a:r>
+              <a:rPr lang="en-US" altLang="ja-JP" smtClean="0"/>
+              <a:t>: disk</a:t>
+            </a:r>
+            <a:r>
+              <a:rPr lang="ja-JP" altLang="en-US" smtClean="0"/>
+              <a:t>の拡張</a:t>
+            </a:r>
+            <a:endParaRPr lang="ja-JP" altLang="en-US"/>
+          </a:p>
+        </p:txBody>
+      </p:sp>
+      <p:sp>
+        <p:nvSpPr>
+          <p:cNvPr id="3" name="コンテンツ プレースホルダー 2"/>
+          <p:cNvSpPr>
+            <a:spLocks noGrp="1"/>
+          </p:cNvSpPr>
+          <p:nvPr>
+            <p:ph idx="1"/>
+          </p:nvPr>
+        </p:nvSpPr>
+        <p:spPr/>
+        <p:txBody>
+          <a:bodyPr/>
+          <a:lstStyle/>
+          <a:p>
+            <a:r>
+              <a:rPr lang="en-US" altLang="ja-JP" smtClean="0"/>
+              <a:t>resize</a:t>
+            </a:r>
+            <a:r>
+              <a:rPr lang="ja-JP" altLang="en-US" smtClean="0"/>
+              <a:t>の手順</a:t>
+            </a:r>
+            <a:endParaRPr lang="en-US" altLang="ja-JP" smtClean="0"/>
+          </a:p>
+          <a:p>
+            <a:pPr lvl="1"/>
+            <a:r>
+              <a:rPr lang="ja-JP" altLang="en-US" smtClean="0"/>
+              <a:t>システムの一時停止</a:t>
+            </a:r>
+            <a:endParaRPr lang="en-US" altLang="ja-JP" smtClean="0"/>
+          </a:p>
+          <a:p>
+            <a:pPr lvl="1"/>
+            <a:r>
+              <a:rPr lang="en-US" altLang="ja-JP" smtClean="0"/>
+              <a:t>storage</a:t>
+            </a:r>
+          </a:p>
+          <a:p>
+            <a:pPr lvl="2"/>
+            <a:r>
+              <a:rPr lang="en-US" altLang="ja-JP" smtClean="0"/>
+              <a:t>HDD</a:t>
+            </a:r>
+            <a:r>
+              <a:rPr lang="ja-JP" altLang="en-US" smtClean="0"/>
+              <a:t>の増設</a:t>
+            </a:r>
+            <a:endParaRPr lang="en-US" altLang="ja-JP" smtClean="0"/>
+          </a:p>
+          <a:p>
+            <a:pPr lvl="2"/>
+            <a:r>
+              <a:rPr lang="en-US" altLang="ja-JP" smtClean="0"/>
+              <a:t>LVM</a:t>
+            </a:r>
+            <a:r>
+              <a:rPr lang="ja-JP" altLang="en-US" smtClean="0"/>
+              <a:t>の</a:t>
+            </a:r>
+            <a:r>
+              <a:rPr lang="en-US" altLang="ja-JP" smtClean="0"/>
+              <a:t>resize</a:t>
+            </a:r>
+          </a:p>
+          <a:p>
+            <a:pPr lvl="2"/>
+            <a:r>
+              <a:rPr lang="en-US" altLang="ja-JP" smtClean="0"/>
+              <a:t>walb</a:t>
+            </a:r>
+            <a:r>
+              <a:rPr lang="ja-JP" altLang="en-US" smtClean="0"/>
+              <a:t>の</a:t>
+            </a:r>
+            <a:r>
+              <a:rPr lang="en-US" altLang="ja-JP" smtClean="0"/>
+              <a:t>resize</a:t>
+            </a:r>
+          </a:p>
+          <a:p>
+            <a:pPr lvl="2"/>
+            <a:r>
+              <a:rPr lang="en-US" altLang="ja-JP" smtClean="0"/>
+              <a:t>ext4</a:t>
+            </a:r>
+            <a:r>
+              <a:rPr lang="ja-JP" altLang="en-US" smtClean="0"/>
+              <a:t>の</a:t>
+            </a:r>
+            <a:r>
+              <a:rPr lang="en-US" altLang="ja-JP" smtClean="0"/>
+              <a:t>resize</a:t>
+            </a:r>
+          </a:p>
+          <a:p>
+            <a:pPr lvl="1"/>
+            <a:r>
+              <a:rPr lang="en-US" altLang="ja-JP" smtClean="0"/>
+              <a:t>archive</a:t>
+            </a:r>
+          </a:p>
+          <a:p>
+            <a:pPr lvl="2"/>
+            <a:r>
+              <a:rPr lang="en-US" altLang="ja-JP" smtClean="0"/>
+              <a:t>HDD/LVM</a:t>
+            </a:r>
+            <a:r>
+              <a:rPr lang="ja-JP" altLang="en-US" smtClean="0"/>
+              <a:t>の</a:t>
+            </a:r>
+            <a:r>
+              <a:rPr lang="en-US" altLang="ja-JP" smtClean="0"/>
+              <a:t>resize</a:t>
+            </a:r>
+          </a:p>
+        </p:txBody>
+      </p:sp>
+      <p:sp>
+        <p:nvSpPr>
+          <p:cNvPr id="5" name="正方形/長方形 4"/>
+          <p:cNvSpPr/>
+          <p:nvPr/>
+        </p:nvSpPr>
+        <p:spPr>
+          <a:xfrm>
+            <a:off x="4644008" y="5132027"/>
+            <a:ext cx="1440160" cy="432048"/>
+          </a:xfrm>
+          <a:prstGeom prst="rect">
+            <a:avLst/>
+          </a:prstGeom>
+          <a:solidFill>
+            <a:schemeClr val="accent5">
+              <a:lumMod val="20000"/>
+              <a:lumOff val="80000"/>
+            </a:schemeClr>
+          </a:solidFill>
+          <a:ln>
+            <a:noFill/>
+          </a:ln>
+        </p:spPr>
+        <p:style>
+          <a:lnRef idx="2">
+            <a:schemeClr val="accent1">
+              <a:shade val="50000"/>
+            </a:schemeClr>
+          </a:lnRef>
+          <a:fillRef idx="1">
+            <a:schemeClr val="accent1"/>
+          </a:fillRef>
+          <a:effectRef idx="0">
+            <a:schemeClr val="accent1"/>
+          </a:effectRef>
+          <a:fontRef idx="minor">
+            <a:schemeClr val="lt1"/>
+          </a:fontRef>
+        </p:style>
+        <p:txBody>
+          <a:bodyPr rtlCol="0" anchor="ctr"/>
+          <a:lstStyle/>
+          <a:p>
+            <a:pPr algn="ctr"/>
+            <a:r>
+              <a:rPr lang="en-US" altLang="ja-JP" sz="2400" smtClean="0">
+                <a:solidFill>
+                  <a:schemeClr val="tx1"/>
+                </a:solidFill>
+              </a:rPr>
+              <a:t>HDD</a:t>
+            </a:r>
+            <a:endParaRPr kumimoji="1" lang="ja-JP" altLang="en-US" sz="2400">
+              <a:solidFill>
+                <a:schemeClr val="tx1"/>
+              </a:solidFill>
+            </a:endParaRPr>
+          </a:p>
+        </p:txBody>
+      </p:sp>
+      <p:sp>
+        <p:nvSpPr>
+          <p:cNvPr id="6" name="正方形/長方形 5"/>
+          <p:cNvSpPr/>
+          <p:nvPr/>
+        </p:nvSpPr>
+        <p:spPr>
+          <a:xfrm>
+            <a:off x="4644008" y="4627971"/>
+            <a:ext cx="1440160" cy="432048"/>
+          </a:xfrm>
+          <a:prstGeom prst="rect">
+            <a:avLst/>
+          </a:prstGeom>
+          <a:solidFill>
+            <a:schemeClr val="accent5">
+              <a:lumMod val="20000"/>
+              <a:lumOff val="80000"/>
+            </a:schemeClr>
+          </a:solidFill>
+          <a:ln>
+            <a:noFill/>
+          </a:ln>
+        </p:spPr>
+        <p:style>
+          <a:lnRef idx="2">
+            <a:schemeClr val="accent1">
+              <a:shade val="50000"/>
+            </a:schemeClr>
+          </a:lnRef>
+          <a:fillRef idx="1">
+            <a:schemeClr val="accent1"/>
+          </a:fillRef>
+          <a:effectRef idx="0">
+            <a:schemeClr val="accent1"/>
+          </a:effectRef>
+          <a:fontRef idx="minor">
+            <a:schemeClr val="lt1"/>
+          </a:fontRef>
+        </p:style>
+        <p:txBody>
+          <a:bodyPr rtlCol="0" anchor="ctr"/>
+          <a:lstStyle/>
+          <a:p>
+            <a:pPr algn="ctr"/>
+            <a:r>
+              <a:rPr lang="en-US" altLang="ja-JP" sz="2400" smtClean="0">
+                <a:solidFill>
+                  <a:schemeClr val="tx1"/>
+                </a:solidFill>
+              </a:rPr>
+              <a:t>LVM</a:t>
+            </a:r>
+            <a:endParaRPr kumimoji="1" lang="ja-JP" altLang="en-US" sz="2400">
+              <a:solidFill>
+                <a:schemeClr val="tx1"/>
+              </a:solidFill>
+            </a:endParaRPr>
+          </a:p>
+        </p:txBody>
+      </p:sp>
+      <p:sp>
+        <p:nvSpPr>
+          <p:cNvPr id="7" name="正方形/長方形 6"/>
+          <p:cNvSpPr/>
+          <p:nvPr/>
+        </p:nvSpPr>
+        <p:spPr>
+          <a:xfrm>
+            <a:off x="4642374" y="4123915"/>
+            <a:ext cx="1440160" cy="432048"/>
+          </a:xfrm>
+          <a:prstGeom prst="rect">
+            <a:avLst/>
+          </a:prstGeom>
+          <a:solidFill>
+            <a:schemeClr val="accent5">
+              <a:lumMod val="20000"/>
+              <a:lumOff val="80000"/>
+            </a:schemeClr>
+          </a:solidFill>
+          <a:ln>
+            <a:noFill/>
+          </a:ln>
+        </p:spPr>
+        <p:style>
+          <a:lnRef idx="2">
+            <a:schemeClr val="accent1">
+              <a:shade val="50000"/>
+            </a:schemeClr>
+          </a:lnRef>
+          <a:fillRef idx="1">
+            <a:schemeClr val="accent1"/>
+          </a:fillRef>
+          <a:effectRef idx="0">
+            <a:schemeClr val="accent1"/>
+          </a:effectRef>
+          <a:fontRef idx="minor">
+            <a:schemeClr val="lt1"/>
+          </a:fontRef>
+        </p:style>
+        <p:txBody>
+          <a:bodyPr rtlCol="0" anchor="ctr"/>
+          <a:lstStyle/>
+          <a:p>
+            <a:pPr algn="ctr"/>
+            <a:r>
+              <a:rPr lang="en-US" altLang="ja-JP" sz="2400" smtClean="0">
+                <a:solidFill>
+                  <a:schemeClr val="tx1"/>
+                </a:solidFill>
+              </a:rPr>
+              <a:t>walb</a:t>
+            </a:r>
+            <a:endParaRPr kumimoji="1" lang="ja-JP" altLang="en-US" sz="2400">
+              <a:solidFill>
+                <a:schemeClr val="tx1"/>
+              </a:solidFill>
+            </a:endParaRPr>
+          </a:p>
+        </p:txBody>
+      </p:sp>
+      <p:sp>
+        <p:nvSpPr>
+          <p:cNvPr id="8" name="正方形/長方形 7"/>
+          <p:cNvSpPr/>
+          <p:nvPr/>
+        </p:nvSpPr>
+        <p:spPr>
+          <a:xfrm>
+            <a:off x="4642374" y="3619859"/>
+            <a:ext cx="1440160" cy="432048"/>
+          </a:xfrm>
+          <a:prstGeom prst="rect">
+            <a:avLst/>
+          </a:prstGeom>
+          <a:solidFill>
+            <a:schemeClr val="accent5">
+              <a:lumMod val="20000"/>
+              <a:lumOff val="80000"/>
+            </a:schemeClr>
+          </a:solidFill>
+          <a:ln>
+            <a:noFill/>
+          </a:ln>
+        </p:spPr>
+        <p:style>
+          <a:lnRef idx="2">
+            <a:schemeClr val="accent1">
+              <a:shade val="50000"/>
+            </a:schemeClr>
+          </a:lnRef>
+          <a:fillRef idx="1">
+            <a:schemeClr val="accent1"/>
+          </a:fillRef>
+          <a:effectRef idx="0">
+            <a:schemeClr val="accent1"/>
+          </a:effectRef>
+          <a:fontRef idx="minor">
+            <a:schemeClr val="lt1"/>
+          </a:fontRef>
+        </p:style>
+        <p:txBody>
+          <a:bodyPr rtlCol="0" anchor="ctr"/>
+          <a:lstStyle/>
+          <a:p>
+            <a:pPr algn="ctr"/>
+            <a:r>
+              <a:rPr lang="en-US" altLang="ja-JP" sz="2400" smtClean="0">
+                <a:solidFill>
+                  <a:schemeClr val="tx1"/>
+                </a:solidFill>
+              </a:rPr>
+              <a:t>ext4</a:t>
+            </a:r>
+            <a:endParaRPr kumimoji="1" lang="ja-JP" altLang="en-US" sz="2400">
+              <a:solidFill>
+                <a:schemeClr val="tx1"/>
+              </a:solidFill>
+            </a:endParaRPr>
+          </a:p>
+        </p:txBody>
+      </p:sp>
+      <p:sp>
+        <p:nvSpPr>
+          <p:cNvPr id="9" name="正方形/長方形 8"/>
+          <p:cNvSpPr/>
+          <p:nvPr/>
+        </p:nvSpPr>
+        <p:spPr>
+          <a:xfrm>
+            <a:off x="4742192" y="5631631"/>
+            <a:ext cx="1224136" cy="389657"/>
+          </a:xfrm>
+          <a:prstGeom prst="rect">
+            <a:avLst/>
+          </a:prstGeom>
+          <a:solidFill>
+            <a:schemeClr val="accent5">
+              <a:lumMod val="20000"/>
+              <a:lumOff val="80000"/>
+            </a:schemeClr>
+          </a:solidFill>
+          <a:ln>
+            <a:noFill/>
+          </a:ln>
+        </p:spPr>
+        <p:style>
+          <a:lnRef idx="2">
+            <a:schemeClr val="accent1">
+              <a:shade val="50000"/>
+            </a:schemeClr>
+          </a:lnRef>
+          <a:fillRef idx="1">
+            <a:schemeClr val="accent1"/>
+          </a:fillRef>
+          <a:effectRef idx="0">
+            <a:schemeClr val="accent1"/>
+          </a:effectRef>
+          <a:fontRef idx="minor">
+            <a:schemeClr val="lt1"/>
+          </a:fontRef>
+        </p:style>
+        <p:txBody>
+          <a:bodyPr rtlCol="0" anchor="ctr"/>
+          <a:lstStyle/>
+          <a:p>
+            <a:pPr algn="ctr"/>
+            <a:r>
+              <a:rPr lang="en-US" altLang="ja-JP" sz="2400" smtClean="0">
+                <a:solidFill>
+                  <a:schemeClr val="tx1"/>
+                </a:solidFill>
+              </a:rPr>
+              <a:t>storage</a:t>
+            </a:r>
+            <a:endParaRPr kumimoji="1" lang="ja-JP" altLang="en-US" sz="2400">
+              <a:solidFill>
+                <a:schemeClr val="tx1"/>
+              </a:solidFill>
+            </a:endParaRPr>
+          </a:p>
+        </p:txBody>
+      </p:sp>
+      <p:sp>
+        <p:nvSpPr>
+          <p:cNvPr id="10" name="正方形/長方形 9"/>
+          <p:cNvSpPr/>
+          <p:nvPr/>
+        </p:nvSpPr>
+        <p:spPr>
+          <a:xfrm>
+            <a:off x="7272300" y="5631631"/>
+            <a:ext cx="1224136" cy="389657"/>
+          </a:xfrm>
+          <a:prstGeom prst="rect">
+            <a:avLst/>
+          </a:prstGeom>
+          <a:solidFill>
+            <a:schemeClr val="accent5">
+              <a:lumMod val="20000"/>
+              <a:lumOff val="80000"/>
+            </a:schemeClr>
+          </a:solidFill>
+          <a:ln>
+            <a:noFill/>
+          </a:ln>
+        </p:spPr>
+        <p:style>
+          <a:lnRef idx="2">
+            <a:schemeClr val="accent1">
+              <a:shade val="50000"/>
+            </a:schemeClr>
+          </a:lnRef>
+          <a:fillRef idx="1">
+            <a:schemeClr val="accent1"/>
+          </a:fillRef>
+          <a:effectRef idx="0">
+            <a:schemeClr val="accent1"/>
+          </a:effectRef>
+          <a:fontRef idx="minor">
+            <a:schemeClr val="lt1"/>
+          </a:fontRef>
+        </p:style>
+        <p:txBody>
+          <a:bodyPr rtlCol="0" anchor="ctr"/>
+          <a:lstStyle/>
+          <a:p>
+            <a:pPr algn="ctr"/>
+            <a:r>
+              <a:rPr lang="en-US" altLang="ja-JP" sz="2400" smtClean="0">
+                <a:solidFill>
+                  <a:schemeClr val="tx1"/>
+                </a:solidFill>
+              </a:rPr>
+              <a:t>archive</a:t>
+            </a:r>
+            <a:endParaRPr kumimoji="1" lang="ja-JP" altLang="en-US" sz="2400">
+              <a:solidFill>
+                <a:schemeClr val="tx1"/>
+              </a:solidFill>
+            </a:endParaRPr>
+          </a:p>
+        </p:txBody>
+      </p:sp>
+      <p:sp>
+        <p:nvSpPr>
+          <p:cNvPr id="11" name="正方形/長方形 10"/>
+          <p:cNvSpPr/>
+          <p:nvPr/>
+        </p:nvSpPr>
+        <p:spPr>
+          <a:xfrm>
+            <a:off x="7164288" y="5127575"/>
+            <a:ext cx="1440160" cy="432048"/>
+          </a:xfrm>
+          <a:prstGeom prst="rect">
+            <a:avLst/>
+          </a:prstGeom>
+          <a:solidFill>
+            <a:schemeClr val="accent5">
+              <a:lumMod val="20000"/>
+              <a:lumOff val="80000"/>
+            </a:schemeClr>
+          </a:solidFill>
+          <a:ln>
+            <a:noFill/>
+          </a:ln>
+        </p:spPr>
+        <p:style>
+          <a:lnRef idx="2">
+            <a:schemeClr val="accent1">
+              <a:shade val="50000"/>
+            </a:schemeClr>
+          </a:lnRef>
+          <a:fillRef idx="1">
+            <a:schemeClr val="accent1"/>
+          </a:fillRef>
+          <a:effectRef idx="0">
+            <a:schemeClr val="accent1"/>
+          </a:effectRef>
+          <a:fontRef idx="minor">
+            <a:schemeClr val="lt1"/>
+          </a:fontRef>
+        </p:style>
+        <p:txBody>
+          <a:bodyPr rtlCol="0" anchor="ctr"/>
+          <a:lstStyle/>
+          <a:p>
+            <a:pPr algn="ctr"/>
+            <a:r>
+              <a:rPr lang="en-US" altLang="ja-JP" sz="2400" smtClean="0">
+                <a:solidFill>
+                  <a:schemeClr val="tx1"/>
+                </a:solidFill>
+              </a:rPr>
+              <a:t>HDD</a:t>
+            </a:r>
+            <a:endParaRPr kumimoji="1" lang="ja-JP" altLang="en-US" sz="2400">
+              <a:solidFill>
+                <a:schemeClr val="tx1"/>
+              </a:solidFill>
+            </a:endParaRPr>
+          </a:p>
+        </p:txBody>
+      </p:sp>
+      <p:sp>
+        <p:nvSpPr>
+          <p:cNvPr id="12" name="正方形/長方形 11"/>
+          <p:cNvSpPr/>
+          <p:nvPr/>
+        </p:nvSpPr>
+        <p:spPr>
+          <a:xfrm>
+            <a:off x="7164288" y="4623519"/>
+            <a:ext cx="1440160" cy="432048"/>
+          </a:xfrm>
+          <a:prstGeom prst="rect">
+            <a:avLst/>
+          </a:prstGeom>
+          <a:solidFill>
+            <a:schemeClr val="accent5">
+              <a:lumMod val="20000"/>
+              <a:lumOff val="80000"/>
+            </a:schemeClr>
+          </a:solidFill>
+          <a:ln>
+            <a:noFill/>
+          </a:ln>
+        </p:spPr>
+        <p:style>
+          <a:lnRef idx="2">
+            <a:schemeClr val="accent1">
+              <a:shade val="50000"/>
+            </a:schemeClr>
+          </a:lnRef>
+          <a:fillRef idx="1">
+            <a:schemeClr val="accent1"/>
+          </a:fillRef>
+          <a:effectRef idx="0">
+            <a:schemeClr val="accent1"/>
+          </a:effectRef>
+          <a:fontRef idx="minor">
+            <a:schemeClr val="lt1"/>
+          </a:fontRef>
+        </p:style>
+        <p:txBody>
+          <a:bodyPr rtlCol="0" anchor="ctr"/>
+          <a:lstStyle/>
+          <a:p>
+            <a:pPr algn="ctr"/>
+            <a:r>
+              <a:rPr lang="en-US" altLang="ja-JP" sz="2400" smtClean="0">
+                <a:solidFill>
+                  <a:schemeClr val="tx1"/>
+                </a:solidFill>
+              </a:rPr>
+              <a:t>LVM</a:t>
+            </a:r>
+            <a:endParaRPr kumimoji="1" lang="ja-JP" altLang="en-US" sz="2400">
+              <a:solidFill>
+                <a:schemeClr val="tx1"/>
+              </a:solidFill>
+            </a:endParaRPr>
+          </a:p>
+        </p:txBody>
+      </p:sp>
+      <p:sp>
+        <p:nvSpPr>
+          <p:cNvPr id="16" name="スライド番号プレースホルダー 15"/>
+          <p:cNvSpPr>
+            <a:spLocks noGrp="1"/>
+          </p:cNvSpPr>
+          <p:nvPr>
+            <p:ph type="sldNum" sz="quarter" idx="12"/>
+          </p:nvPr>
+        </p:nvSpPr>
+        <p:spPr/>
+        <p:txBody>
+          <a:bodyPr/>
+          <a:lstStyle/>
+          <a:p>
+            <a:fld id="{2649E3F5-6F9D-4754-B6F9-50AE10FEA634}" type="slidenum">
+              <a:rPr lang="ja-JP" altLang="en-US" smtClean="0"/>
+              <a:pPr/>
+              <a:t>28</a:t>
+            </a:fld>
+            <a:r>
+              <a:rPr lang="en-US" altLang="ja-JP" smtClean="0"/>
+              <a:t>/31</a:t>
+            </a:r>
+            <a:endParaRPr lang="ja-JP" altLang="en-US"/>
+          </a:p>
+        </p:txBody>
+      </p:sp>
+    </p:spTree>
+    <p:extLst>
+      <p:ext uri="{BB962C8B-B14F-4D97-AF65-F5344CB8AC3E}">
+        <p14:creationId xmlns:p14="http://schemas.microsoft.com/office/powerpoint/2010/main" val="1941484658"/>
+      </p:ext>
+    </p:extLst>
+  </p:cSld>
+  <p:clrMapOvr>
+    <a:masterClrMapping/>
+  </p:clrMapOvr>
+</p:sld>
+</file>
+
+<file path=ppt/slides/slide29.xml><?xml version="1.0" encoding="utf-8"?>
+<p:sld xmlns:a="http://schemas.openxmlformats.org/drawingml/2006/main" xmlns:r="http://schemas.openxmlformats.org/officeDocument/2006/relationships" xmlns:p="http://schemas.openxmlformats.org/presentationml/2006/main">
+  <p:cSld>
+    <p:spTree>
+      <p:nvGrpSpPr>
+        <p:cNvPr id="1" name=""/>
+        <p:cNvGrpSpPr/>
+        <p:nvPr/>
+      </p:nvGrpSpPr>
+      <p:grpSpPr>
+        <a:xfrm>
+          <a:off x="0" y="0"/>
+          <a:ext cx="0" cy="0"/>
+          <a:chOff x="0" y="0"/>
+          <a:chExt cx="0" cy="0"/>
+        </a:xfrm>
+      </p:grpSpPr>
+      <p:sp>
+        <p:nvSpPr>
+          <p:cNvPr id="2" name="タイトル 1"/>
+          <p:cNvSpPr>
+            <a:spLocks noGrp="1"/>
+          </p:cNvSpPr>
+          <p:nvPr>
+            <p:ph type="title"/>
+          </p:nvPr>
+        </p:nvSpPr>
+        <p:spPr/>
+        <p:txBody>
+          <a:bodyPr/>
+          <a:lstStyle/>
+          <a:p>
+            <a:r>
+              <a:rPr lang="ja-JP" altLang="en-US" smtClean="0"/>
+              <a:t>例 </a:t>
+            </a:r>
+            <a:r>
+              <a:rPr lang="en-US" altLang="ja-JP" smtClean="0"/>
+              <a:t>: log</a:t>
+            </a:r>
+            <a:r>
+              <a:rPr lang="ja-JP" altLang="en-US" smtClean="0"/>
+              <a:t>が二重になる可能性</a:t>
+            </a:r>
+            <a:endParaRPr lang="ja-JP" altLang="en-US"/>
+          </a:p>
+        </p:txBody>
+      </p:sp>
+      <p:sp>
+        <p:nvSpPr>
+          <p:cNvPr id="42" name="コンテンツ プレースホルダー 41"/>
+          <p:cNvSpPr>
+            <a:spLocks noGrp="1"/>
+          </p:cNvSpPr>
+          <p:nvPr>
+            <p:ph idx="1"/>
+          </p:nvPr>
+        </p:nvSpPr>
+        <p:spPr/>
+        <p:txBody>
+          <a:bodyPr/>
+          <a:lstStyle/>
+          <a:p>
+            <a:r>
+              <a:rPr lang="ja-JP" altLang="en-US" smtClean="0"/>
+              <a:t>通常</a:t>
+            </a:r>
+            <a:r>
+              <a:rPr lang="en-US" altLang="ja-JP" smtClean="0"/>
+              <a:t>log</a:t>
+            </a:r>
+            <a:r>
+              <a:rPr lang="ja-JP" altLang="en-US" smtClean="0"/>
+              <a:t>の重複はありえないはずだが</a:t>
+            </a:r>
+            <a:endParaRPr lang="ja-JP" altLang="en-US"/>
+          </a:p>
+        </p:txBody>
+      </p:sp>
+      <p:cxnSp>
+        <p:nvCxnSpPr>
+          <p:cNvPr id="24" name="直線矢印コネクタ 23"/>
+          <p:cNvCxnSpPr>
+            <a:stCxn id="9" idx="2"/>
+            <a:endCxn id="23" idx="0"/>
+          </p:cNvCxnSpPr>
+          <p:nvPr/>
+        </p:nvCxnSpPr>
+        <p:spPr>
+          <a:xfrm>
+            <a:off x="1079612" y="4271273"/>
+            <a:ext cx="0" cy="712286"/>
+          </a:xfrm>
+          <a:prstGeom prst="straightConnector1">
+            <a:avLst/>
+          </a:prstGeom>
+          <a:ln w="60325">
+            <a:tailEnd type="arrow"/>
+          </a:ln>
+        </p:spPr>
+        <p:style>
+          <a:lnRef idx="1">
+            <a:schemeClr val="accent1"/>
+          </a:lnRef>
+          <a:fillRef idx="0">
+            <a:schemeClr val="accent1"/>
+          </a:fillRef>
+          <a:effectRef idx="0">
+            <a:schemeClr val="accent1"/>
+          </a:effectRef>
+          <a:fontRef idx="minor">
+            <a:schemeClr val="tx1"/>
+          </a:fontRef>
+        </p:style>
+      </p:cxnSp>
+      <p:cxnSp>
+        <p:nvCxnSpPr>
+          <p:cNvPr id="33" name="直線矢印コネクタ 32"/>
+          <p:cNvCxnSpPr>
+            <a:stCxn id="8" idx="2"/>
+            <a:endCxn id="23" idx="3"/>
+          </p:cNvCxnSpPr>
+          <p:nvPr/>
+        </p:nvCxnSpPr>
+        <p:spPr>
+          <a:xfrm flipH="1">
+            <a:off x="1691680" y="4271272"/>
+            <a:ext cx="1116124" cy="907116"/>
+          </a:xfrm>
+          <a:prstGeom prst="straightConnector1">
+            <a:avLst/>
+          </a:prstGeom>
+          <a:ln w="60325">
+            <a:solidFill>
+              <a:schemeClr val="accent1">
+                <a:lumMod val="20000"/>
+                <a:lumOff val="80000"/>
+              </a:schemeClr>
+            </a:solidFill>
+            <a:tailEnd type="arrow"/>
+          </a:ln>
+        </p:spPr>
+        <p:style>
+          <a:lnRef idx="1">
+            <a:schemeClr val="accent1"/>
+          </a:lnRef>
+          <a:fillRef idx="0">
+            <a:schemeClr val="accent1"/>
+          </a:fillRef>
+          <a:effectRef idx="0">
+            <a:schemeClr val="accent1"/>
+          </a:effectRef>
+          <a:fontRef idx="minor">
+            <a:schemeClr val="tx1"/>
+          </a:fontRef>
+        </p:style>
+      </p:cxnSp>
+      <p:grpSp>
+        <p:nvGrpSpPr>
+          <p:cNvPr id="43" name="グループ化 42"/>
+          <p:cNvGrpSpPr/>
+          <p:nvPr/>
+        </p:nvGrpSpPr>
+        <p:grpSpPr>
+          <a:xfrm>
+            <a:off x="323528" y="2643079"/>
+            <a:ext cx="3096344" cy="2730137"/>
+            <a:chOff x="323528" y="1988840"/>
+            <a:chExt cx="3096344" cy="2730137"/>
+          </a:xfrm>
+        </p:grpSpPr>
+        <p:cxnSp>
+          <p:nvCxnSpPr>
+            <p:cNvPr id="5" name="直線矢印コネクタ 4"/>
+            <p:cNvCxnSpPr>
+              <a:stCxn id="7" idx="2"/>
+              <a:endCxn id="8" idx="0"/>
+            </p:cNvCxnSpPr>
+            <p:nvPr/>
+          </p:nvCxnSpPr>
+          <p:spPr>
+            <a:xfrm>
+              <a:off x="1079612" y="2378497"/>
+              <a:ext cx="1728192" cy="848879"/>
+            </a:xfrm>
+            <a:prstGeom prst="straightConnector1">
+              <a:avLst/>
+            </a:prstGeom>
+            <a:ln w="60325">
+              <a:solidFill>
+                <a:schemeClr val="accent1">
+                  <a:lumMod val="20000"/>
+                  <a:lumOff val="80000"/>
+                </a:schemeClr>
+              </a:solidFill>
+              <a:tailEnd type="arrow"/>
+            </a:ln>
+          </p:spPr>
+          <p:style>
+            <a:lnRef idx="1">
+              <a:schemeClr val="accent1"/>
+            </a:lnRef>
+            <a:fillRef idx="0">
+              <a:schemeClr val="accent1"/>
+            </a:fillRef>
+            <a:effectRef idx="0">
+              <a:schemeClr val="accent1"/>
+            </a:effectRef>
+            <a:fontRef idx="minor">
+              <a:schemeClr val="tx1"/>
+            </a:fontRef>
+          </p:style>
+        </p:cxnSp>
+        <p:cxnSp>
+          <p:nvCxnSpPr>
+            <p:cNvPr id="6" name="直線矢印コネクタ 5"/>
+            <p:cNvCxnSpPr>
+              <a:stCxn id="7" idx="2"/>
+              <a:endCxn id="9" idx="0"/>
+            </p:cNvCxnSpPr>
+            <p:nvPr/>
+          </p:nvCxnSpPr>
+          <p:spPr>
+            <a:xfrm>
+              <a:off x="1079612" y="2378497"/>
+              <a:ext cx="0" cy="848880"/>
+            </a:xfrm>
+            <a:prstGeom prst="straightConnector1">
+              <a:avLst/>
+            </a:prstGeom>
+            <a:ln w="60325">
+              <a:tailEnd type="arrow"/>
+            </a:ln>
+          </p:spPr>
+          <p:style>
+            <a:lnRef idx="1">
+              <a:schemeClr val="accent1"/>
+            </a:lnRef>
+            <a:fillRef idx="0">
+              <a:schemeClr val="accent1"/>
+            </a:fillRef>
+            <a:effectRef idx="0">
+              <a:schemeClr val="accent1"/>
+            </a:effectRef>
+            <a:fontRef idx="minor">
+              <a:schemeClr val="tx1"/>
+            </a:fontRef>
+          </p:style>
+        </p:cxnSp>
+        <p:sp>
+          <p:nvSpPr>
+            <p:cNvPr id="7" name="正方形/長方形 6"/>
+            <p:cNvSpPr/>
+            <p:nvPr/>
+          </p:nvSpPr>
+          <p:spPr>
+            <a:xfrm>
+              <a:off x="467544" y="1988840"/>
+              <a:ext cx="1224136" cy="389657"/>
+            </a:xfrm>
+            <a:prstGeom prst="rect">
+              <a:avLst/>
+            </a:prstGeom>
+            <a:solidFill>
+              <a:schemeClr val="accent5">
+                <a:lumMod val="20000"/>
+                <a:lumOff val="80000"/>
+              </a:schemeClr>
+            </a:solidFill>
+            <a:ln>
+              <a:noFill/>
+            </a:ln>
+          </p:spPr>
+          <p:style>
+            <a:lnRef idx="2">
+              <a:schemeClr val="accent1">
+                <a:shade val="50000"/>
+              </a:schemeClr>
+            </a:lnRef>
+            <a:fillRef idx="1">
+              <a:schemeClr val="accent1"/>
+            </a:fillRef>
+            <a:effectRef idx="0">
+              <a:schemeClr val="accent1"/>
+            </a:effectRef>
+            <a:fontRef idx="minor">
+              <a:schemeClr val="lt1"/>
+            </a:fontRef>
+          </p:style>
+          <p:txBody>
+            <a:bodyPr rtlCol="0" anchor="ctr"/>
+            <a:lstStyle/>
+            <a:p>
+              <a:pPr algn="ctr"/>
+              <a:r>
+                <a:rPr lang="en-US" altLang="ja-JP" sz="2400" smtClean="0">
+                  <a:solidFill>
+                    <a:schemeClr val="tx1"/>
+                  </a:solidFill>
+                </a:rPr>
+                <a:t>storage</a:t>
+              </a:r>
+              <a:endParaRPr kumimoji="1" lang="ja-JP" altLang="en-US" sz="2400">
+                <a:solidFill>
+                  <a:schemeClr val="tx1"/>
+                </a:solidFill>
+              </a:endParaRPr>
+            </a:p>
+          </p:txBody>
+        </p:sp>
+        <p:sp>
+          <p:nvSpPr>
+            <p:cNvPr id="8" name="正方形/長方形 7"/>
+            <p:cNvSpPr/>
+            <p:nvPr/>
+          </p:nvSpPr>
+          <p:spPr>
+            <a:xfrm>
+              <a:off x="2195736" y="3227376"/>
+              <a:ext cx="1224136" cy="389657"/>
+            </a:xfrm>
+            <a:prstGeom prst="rect">
+              <a:avLst/>
+            </a:prstGeom>
+            <a:solidFill>
+              <a:schemeClr val="accent5">
+                <a:lumMod val="20000"/>
+                <a:lumOff val="80000"/>
+              </a:schemeClr>
+            </a:solidFill>
+            <a:ln>
+              <a:noFill/>
+            </a:ln>
+          </p:spPr>
+          <p:style>
+            <a:lnRef idx="2">
+              <a:schemeClr val="accent1">
+                <a:shade val="50000"/>
+              </a:schemeClr>
+            </a:lnRef>
+            <a:fillRef idx="1">
+              <a:schemeClr val="accent1"/>
+            </a:fillRef>
+            <a:effectRef idx="0">
+              <a:schemeClr val="accent1"/>
+            </a:effectRef>
+            <a:fontRef idx="minor">
+              <a:schemeClr val="lt1"/>
+            </a:fontRef>
+          </p:style>
+          <p:txBody>
+            <a:bodyPr rtlCol="0" anchor="ctr"/>
+            <a:lstStyle/>
+            <a:p>
+              <a:pPr algn="ctr"/>
+              <a:r>
+                <a:rPr lang="en-US" altLang="ja-JP" sz="2400" smtClean="0">
+                  <a:solidFill>
+                    <a:schemeClr val="tx1"/>
+                  </a:solidFill>
+                </a:rPr>
+                <a:t>proxy2</a:t>
+              </a:r>
+              <a:endParaRPr kumimoji="1" lang="ja-JP" altLang="en-US" sz="2400">
+                <a:solidFill>
+                  <a:schemeClr val="tx1"/>
+                </a:solidFill>
+              </a:endParaRPr>
+            </a:p>
+          </p:txBody>
+        </p:sp>
+        <p:sp>
+          <p:nvSpPr>
+            <p:cNvPr id="9" name="正方形/長方形 8"/>
+            <p:cNvSpPr/>
+            <p:nvPr/>
+          </p:nvSpPr>
+          <p:spPr>
+            <a:xfrm>
+              <a:off x="467544" y="3227377"/>
+              <a:ext cx="1224136" cy="389657"/>
+            </a:xfrm>
+            <a:prstGeom prst="rect">
+              <a:avLst/>
+            </a:prstGeom>
+            <a:solidFill>
+              <a:schemeClr val="accent5">
+                <a:lumMod val="20000"/>
+                <a:lumOff val="80000"/>
+              </a:schemeClr>
+            </a:solidFill>
+            <a:ln>
+              <a:noFill/>
+            </a:ln>
+          </p:spPr>
+          <p:style>
+            <a:lnRef idx="2">
+              <a:schemeClr val="accent1">
+                <a:shade val="50000"/>
+              </a:schemeClr>
+            </a:lnRef>
+            <a:fillRef idx="1">
+              <a:schemeClr val="accent1"/>
+            </a:fillRef>
+            <a:effectRef idx="0">
+              <a:schemeClr val="accent1"/>
+            </a:effectRef>
+            <a:fontRef idx="minor">
+              <a:schemeClr val="lt1"/>
+            </a:fontRef>
+          </p:style>
+          <p:txBody>
+            <a:bodyPr rtlCol="0" anchor="ctr"/>
+            <a:lstStyle/>
+            <a:p>
+              <a:pPr algn="ctr"/>
+              <a:r>
+                <a:rPr lang="en-US" altLang="ja-JP" sz="2400" smtClean="0">
+                  <a:solidFill>
+                    <a:schemeClr val="tx1"/>
+                  </a:solidFill>
+                </a:rPr>
+                <a:t>proxy1</a:t>
+              </a:r>
+              <a:endParaRPr kumimoji="1" lang="ja-JP" altLang="en-US" sz="2400">
+                <a:solidFill>
+                  <a:schemeClr val="tx1"/>
+                </a:solidFill>
+              </a:endParaRPr>
+            </a:p>
+          </p:txBody>
+        </p:sp>
+        <p:sp>
+          <p:nvSpPr>
+            <p:cNvPr id="23" name="正方形/長方形 22"/>
+            <p:cNvSpPr/>
+            <p:nvPr/>
+          </p:nvSpPr>
+          <p:spPr>
+            <a:xfrm>
+              <a:off x="467544" y="4329320"/>
+              <a:ext cx="1224136" cy="389657"/>
+            </a:xfrm>
+            <a:prstGeom prst="rect">
+              <a:avLst/>
+            </a:prstGeom>
+            <a:solidFill>
+              <a:schemeClr val="accent5">
+                <a:lumMod val="20000"/>
+                <a:lumOff val="80000"/>
+              </a:schemeClr>
+            </a:solidFill>
+            <a:ln>
+              <a:noFill/>
+            </a:ln>
+          </p:spPr>
+          <p:style>
+            <a:lnRef idx="2">
+              <a:schemeClr val="accent1">
+                <a:shade val="50000"/>
+              </a:schemeClr>
+            </a:lnRef>
+            <a:fillRef idx="1">
+              <a:schemeClr val="accent1"/>
+            </a:fillRef>
+            <a:effectRef idx="0">
+              <a:schemeClr val="accent1"/>
+            </a:effectRef>
+            <a:fontRef idx="minor">
+              <a:schemeClr val="lt1"/>
+            </a:fontRef>
+          </p:style>
+          <p:txBody>
+            <a:bodyPr rtlCol="0" anchor="ctr"/>
+            <a:lstStyle/>
+            <a:p>
+              <a:pPr algn="ctr"/>
+              <a:r>
+                <a:rPr lang="en-US" altLang="ja-JP" sz="2400" smtClean="0">
+                  <a:solidFill>
+                    <a:schemeClr val="tx1"/>
+                  </a:solidFill>
+                </a:rPr>
+                <a:t>archive</a:t>
+              </a:r>
+              <a:endParaRPr kumimoji="1" lang="ja-JP" altLang="en-US" sz="2400">
+                <a:solidFill>
+                  <a:schemeClr val="tx1"/>
+                </a:solidFill>
+              </a:endParaRPr>
+            </a:p>
+          </p:txBody>
+        </p:sp>
+        <p:sp>
+          <p:nvSpPr>
+            <p:cNvPr id="36" name="正方形/長方形 35"/>
+            <p:cNvSpPr/>
+            <p:nvPr/>
+          </p:nvSpPr>
+          <p:spPr>
+            <a:xfrm>
+              <a:off x="323528" y="2802937"/>
+              <a:ext cx="483566" cy="389656"/>
+            </a:xfrm>
+            <a:prstGeom prst="rect">
+              <a:avLst/>
+            </a:prstGeom>
+            <a:solidFill>
+              <a:schemeClr val="accent6">
+                <a:lumMod val="40000"/>
+                <a:lumOff val="60000"/>
+              </a:schemeClr>
+            </a:solidFill>
+            <a:ln>
+              <a:noFill/>
+            </a:ln>
+          </p:spPr>
+          <p:style>
+            <a:lnRef idx="2">
+              <a:schemeClr val="accent1">
+                <a:shade val="50000"/>
+              </a:schemeClr>
+            </a:lnRef>
+            <a:fillRef idx="1">
+              <a:schemeClr val="accent1"/>
+            </a:fillRef>
+            <a:effectRef idx="0">
+              <a:schemeClr val="accent1"/>
+            </a:effectRef>
+            <a:fontRef idx="minor">
+              <a:schemeClr val="lt1"/>
+            </a:fontRef>
+          </p:style>
+          <p:txBody>
+            <a:bodyPr rtlCol="0" anchor="ctr"/>
+            <a:lstStyle/>
+            <a:p>
+              <a:pPr algn="ctr"/>
+              <a:r>
+                <a:rPr lang="en-US" altLang="ja-JP" sz="2000" smtClean="0">
+                  <a:solidFill>
+                    <a:schemeClr val="tx1"/>
+                  </a:solidFill>
+                </a:rPr>
+                <a:t>L</a:t>
+              </a:r>
+              <a:endParaRPr kumimoji="1" lang="ja-JP" altLang="en-US" sz="2000" baseline="-25000">
+                <a:solidFill>
+                  <a:schemeClr val="tx1"/>
+                </a:solidFill>
+              </a:endParaRPr>
+            </a:p>
+          </p:txBody>
+        </p:sp>
+        <p:sp>
+          <p:nvSpPr>
+            <p:cNvPr id="37" name="正方形/長方形 36"/>
+            <p:cNvSpPr/>
+            <p:nvPr/>
+          </p:nvSpPr>
+          <p:spPr>
+            <a:xfrm>
+              <a:off x="2123728" y="2486729"/>
+              <a:ext cx="483566" cy="389656"/>
+            </a:xfrm>
+            <a:prstGeom prst="rect">
+              <a:avLst/>
+            </a:prstGeom>
+            <a:solidFill>
+              <a:schemeClr val="accent6">
+                <a:lumMod val="40000"/>
+                <a:lumOff val="60000"/>
+              </a:schemeClr>
+            </a:solidFill>
+            <a:ln>
+              <a:noFill/>
+            </a:ln>
+          </p:spPr>
+          <p:style>
+            <a:lnRef idx="2">
+              <a:schemeClr val="accent1">
+                <a:shade val="50000"/>
+              </a:schemeClr>
+            </a:lnRef>
+            <a:fillRef idx="1">
+              <a:schemeClr val="accent1"/>
+            </a:fillRef>
+            <a:effectRef idx="0">
+              <a:schemeClr val="accent1"/>
+            </a:effectRef>
+            <a:fontRef idx="minor">
+              <a:schemeClr val="lt1"/>
+            </a:fontRef>
+          </p:style>
+          <p:txBody>
+            <a:bodyPr rtlCol="0" anchor="ctr"/>
+            <a:lstStyle/>
+            <a:p>
+              <a:pPr algn="ctr"/>
+              <a:r>
+                <a:rPr lang="en-US" altLang="ja-JP" sz="2000" smtClean="0">
+                  <a:solidFill>
+                    <a:schemeClr val="tx1"/>
+                  </a:solidFill>
+                </a:rPr>
+                <a:t>L</a:t>
+              </a:r>
+              <a:endParaRPr kumimoji="1" lang="ja-JP" altLang="en-US" sz="2000" baseline="-25000">
+                <a:solidFill>
+                  <a:schemeClr val="tx1"/>
+                </a:solidFill>
+              </a:endParaRPr>
+            </a:p>
+          </p:txBody>
+        </p:sp>
+        <p:sp>
+          <p:nvSpPr>
+            <p:cNvPr id="38" name="正方形/長方形 37"/>
+            <p:cNvSpPr/>
+            <p:nvPr/>
+          </p:nvSpPr>
+          <p:spPr>
+            <a:xfrm>
+              <a:off x="445174" y="3931985"/>
+              <a:ext cx="483566" cy="389656"/>
+            </a:xfrm>
+            <a:prstGeom prst="rect">
+              <a:avLst/>
+            </a:prstGeom>
+            <a:solidFill>
+              <a:schemeClr val="accent6">
+                <a:lumMod val="40000"/>
+                <a:lumOff val="60000"/>
+              </a:schemeClr>
+            </a:solidFill>
+            <a:ln>
+              <a:noFill/>
+            </a:ln>
+          </p:spPr>
+          <p:style>
+            <a:lnRef idx="2">
+              <a:schemeClr val="accent1">
+                <a:shade val="50000"/>
+              </a:schemeClr>
+            </a:lnRef>
+            <a:fillRef idx="1">
+              <a:schemeClr val="accent1"/>
+            </a:fillRef>
+            <a:effectRef idx="0">
+              <a:schemeClr val="accent1"/>
+            </a:effectRef>
+            <a:fontRef idx="minor">
+              <a:schemeClr val="lt1"/>
+            </a:fontRef>
+          </p:style>
+          <p:txBody>
+            <a:bodyPr rtlCol="0" anchor="ctr"/>
+            <a:lstStyle/>
+            <a:p>
+              <a:pPr algn="ctr"/>
+              <a:r>
+                <a:rPr lang="en-US" altLang="ja-JP" sz="2000" smtClean="0">
+                  <a:solidFill>
+                    <a:schemeClr val="tx1"/>
+                  </a:solidFill>
+                </a:rPr>
+                <a:t>L</a:t>
+              </a:r>
+              <a:endParaRPr kumimoji="1" lang="ja-JP" altLang="en-US" sz="2000" baseline="-25000">
+                <a:solidFill>
+                  <a:schemeClr val="tx1"/>
+                </a:solidFill>
+              </a:endParaRPr>
+            </a:p>
+          </p:txBody>
+        </p:sp>
+        <p:sp>
+          <p:nvSpPr>
+            <p:cNvPr id="39" name="正方形/長方形 38"/>
+            <p:cNvSpPr/>
+            <p:nvPr/>
+          </p:nvSpPr>
+          <p:spPr>
+            <a:xfrm>
+              <a:off x="1473435" y="3946248"/>
+              <a:ext cx="483566" cy="389656"/>
+            </a:xfrm>
+            <a:prstGeom prst="rect">
+              <a:avLst/>
+            </a:prstGeom>
+            <a:solidFill>
+              <a:schemeClr val="accent6">
+                <a:lumMod val="40000"/>
+                <a:lumOff val="60000"/>
+              </a:schemeClr>
+            </a:solidFill>
+            <a:ln>
+              <a:noFill/>
+            </a:ln>
+          </p:spPr>
+          <p:style>
+            <a:lnRef idx="2">
+              <a:schemeClr val="accent1">
+                <a:shade val="50000"/>
+              </a:schemeClr>
+            </a:lnRef>
+            <a:fillRef idx="1">
+              <a:schemeClr val="accent1"/>
+            </a:fillRef>
+            <a:effectRef idx="0">
+              <a:schemeClr val="accent1"/>
+            </a:effectRef>
+            <a:fontRef idx="minor">
+              <a:schemeClr val="lt1"/>
+            </a:fontRef>
+          </p:style>
+          <p:txBody>
+            <a:bodyPr rtlCol="0" anchor="ctr"/>
+            <a:lstStyle/>
+            <a:p>
+              <a:pPr algn="ctr"/>
+              <a:r>
+                <a:rPr lang="en-US" altLang="ja-JP" sz="2000" smtClean="0">
+                  <a:solidFill>
+                    <a:schemeClr val="tx1"/>
+                  </a:solidFill>
+                </a:rPr>
+                <a:t>L</a:t>
+              </a:r>
+              <a:endParaRPr kumimoji="1" lang="ja-JP" altLang="en-US" sz="2000" baseline="-25000">
+                <a:solidFill>
+                  <a:schemeClr val="tx1"/>
+                </a:solidFill>
+              </a:endParaRPr>
+            </a:p>
+          </p:txBody>
+        </p:sp>
+      </p:grpSp>
+      <p:sp>
+        <p:nvSpPr>
+          <p:cNvPr id="40" name="テキスト ボックス 39"/>
+          <p:cNvSpPr txBox="1"/>
+          <p:nvPr/>
+        </p:nvSpPr>
+        <p:spPr>
+          <a:xfrm>
+            <a:off x="3563888" y="2390557"/>
+            <a:ext cx="5328592" cy="4154984"/>
+          </a:xfrm>
+          <a:prstGeom prst="rect">
+            <a:avLst/>
+          </a:prstGeom>
+          <a:noFill/>
+        </p:spPr>
+        <p:txBody>
+          <a:bodyPr wrap="square" rtlCol="0">
+            <a:spAutoFit/>
+          </a:bodyPr>
+          <a:lstStyle/>
+          <a:p>
+            <a:pPr marL="342900" indent="-342900">
+              <a:buFont typeface="+mj-lt"/>
+              <a:buAutoNum type="arabicPeriod"/>
+            </a:pPr>
+            <a:r>
+              <a:rPr kumimoji="1" lang="en-US" altLang="ja-JP" sz="2400" smtClean="0"/>
+              <a:t>storage</a:t>
+            </a:r>
+            <a:r>
+              <a:rPr kumimoji="1" lang="ja-JP" altLang="en-US" sz="2400" smtClean="0"/>
+              <a:t>は</a:t>
+            </a:r>
+            <a:r>
+              <a:rPr kumimoji="1" lang="en-US" altLang="ja-JP" sz="2400" smtClean="0"/>
+              <a:t>L</a:t>
+            </a:r>
+            <a:r>
+              <a:rPr kumimoji="1" lang="ja-JP" altLang="en-US" sz="2400" smtClean="0"/>
+              <a:t>を</a:t>
+            </a:r>
+            <a:r>
+              <a:rPr kumimoji="1" lang="en-US" altLang="ja-JP" sz="2400" smtClean="0"/>
+              <a:t>proxy1</a:t>
+            </a:r>
+            <a:r>
+              <a:rPr kumimoji="1" lang="ja-JP" altLang="en-US" sz="2400" smtClean="0"/>
+              <a:t>に転送</a:t>
+            </a:r>
+            <a:endParaRPr kumimoji="1" lang="en-US" altLang="ja-JP" sz="2400" smtClean="0"/>
+          </a:p>
+          <a:p>
+            <a:pPr marL="342900" indent="-342900">
+              <a:buFont typeface="+mj-lt"/>
+              <a:buAutoNum type="arabicPeriod"/>
+            </a:pPr>
+            <a:r>
+              <a:rPr lang="ja-JP" altLang="en-US" sz="2400" smtClean="0"/>
+              <a:t>転送中</a:t>
+            </a:r>
+            <a:r>
+              <a:rPr lang="en-US" altLang="ja-JP" sz="2400" smtClean="0"/>
+              <a:t>storage</a:t>
+            </a:r>
+            <a:r>
+              <a:rPr lang="ja-JP" altLang="en-US" sz="2400" smtClean="0"/>
+              <a:t>～</a:t>
+            </a:r>
+            <a:r>
+              <a:rPr lang="en-US" altLang="ja-JP" sz="2400" smtClean="0"/>
+              <a:t>proxy1</a:t>
+            </a:r>
+            <a:r>
+              <a:rPr lang="ja-JP" altLang="en-US" sz="2400" smtClean="0"/>
+              <a:t>間</a:t>
+            </a:r>
+            <a:r>
+              <a:rPr lang="en-US" altLang="ja-JP" sz="2400" smtClean="0"/>
+              <a:t/>
+            </a:r>
+            <a:br>
+              <a:rPr lang="en-US" altLang="ja-JP" sz="2400" smtClean="0"/>
+            </a:br>
+            <a:r>
+              <a:rPr lang="ja-JP" altLang="en-US" sz="2400" smtClean="0"/>
+              <a:t>のネットワークがダウン</a:t>
+            </a:r>
+            <a:endParaRPr lang="en-US" altLang="ja-JP" sz="2400" smtClean="0"/>
+          </a:p>
+          <a:p>
+            <a:pPr marL="914400" lvl="1" indent="-457200">
+              <a:buFont typeface="+mj-lt"/>
+              <a:buAutoNum type="alphaLcPeriod"/>
+            </a:pPr>
+            <a:r>
+              <a:rPr kumimoji="1" lang="en-US" altLang="ja-JP" sz="2400" smtClean="0"/>
+              <a:t>proxy1</a:t>
+            </a:r>
+            <a:r>
+              <a:rPr kumimoji="1" lang="ja-JP" altLang="en-US" sz="2400" smtClean="0"/>
+              <a:t>は</a:t>
+            </a:r>
+            <a:r>
+              <a:rPr kumimoji="1" lang="en-US" altLang="ja-JP" sz="2400" smtClean="0"/>
+              <a:t>L</a:t>
+            </a:r>
+            <a:r>
+              <a:rPr kumimoji="1" lang="ja-JP" altLang="en-US" sz="2400" smtClean="0"/>
+              <a:t>の受け取り完了</a:t>
+            </a:r>
+            <a:endParaRPr kumimoji="1" lang="en-US" altLang="ja-JP" sz="2400" smtClean="0"/>
+          </a:p>
+          <a:p>
+            <a:pPr marL="800100" lvl="1" indent="-342900">
+              <a:buFont typeface="+mj-lt"/>
+              <a:buAutoNum type="alphaLcPeriod"/>
+            </a:pPr>
+            <a:r>
+              <a:rPr lang="ja-JP" altLang="en-US" sz="2400" smtClean="0"/>
+              <a:t> しかし</a:t>
+            </a:r>
+            <a:r>
+              <a:rPr kumimoji="1" lang="en-US" altLang="ja-JP" sz="2400" smtClean="0"/>
+              <a:t>storage</a:t>
+            </a:r>
+            <a:r>
+              <a:rPr kumimoji="1" lang="ja-JP" altLang="en-US" sz="2400" smtClean="0"/>
+              <a:t>は</a:t>
+            </a:r>
+            <a:r>
+              <a:rPr kumimoji="1" lang="en-US" altLang="ja-JP" sz="2400" smtClean="0"/>
+              <a:t>ack</a:t>
+            </a:r>
+            <a:r>
+              <a:rPr kumimoji="1" lang="ja-JP" altLang="en-US" sz="2400" smtClean="0"/>
+              <a:t>を</a:t>
+            </a:r>
+            <a:r>
+              <a:rPr lang="ja-JP" altLang="en-US" sz="2400" smtClean="0"/>
+              <a:t>受信できず</a:t>
+            </a:r>
+            <a:r>
+              <a:rPr lang="en-US" altLang="ja-JP" sz="2400" smtClean="0"/>
+              <a:t/>
+            </a:r>
+            <a:br>
+              <a:rPr lang="en-US" altLang="ja-JP" sz="2400" smtClean="0"/>
+            </a:br>
+            <a:r>
+              <a:rPr lang="ja-JP" altLang="en-US" sz="2400" smtClean="0"/>
+              <a:t>→ </a:t>
+            </a:r>
+            <a:r>
+              <a:rPr lang="en-US" altLang="ja-JP" sz="2400" smtClean="0"/>
+              <a:t>L</a:t>
+            </a:r>
+            <a:r>
+              <a:rPr lang="ja-JP" altLang="en-US" sz="2400" smtClean="0"/>
+              <a:t>を送ってないと判断</a:t>
+            </a:r>
+            <a:endParaRPr kumimoji="1" lang="en-US" altLang="ja-JP" sz="2400" smtClean="0"/>
+          </a:p>
+          <a:p>
+            <a:pPr marL="342900" indent="-342900">
+              <a:buFont typeface="+mj-lt"/>
+              <a:buAutoNum type="arabicPeriod"/>
+            </a:pPr>
+            <a:r>
+              <a:rPr lang="en-US" altLang="ja-JP" sz="2400" smtClean="0"/>
+              <a:t>storage</a:t>
+            </a:r>
+            <a:r>
+              <a:rPr lang="ja-JP" altLang="en-US" sz="2400" smtClean="0"/>
+              <a:t>は</a:t>
+            </a:r>
+            <a:r>
+              <a:rPr lang="en-US" altLang="ja-JP" sz="2400" smtClean="0"/>
+              <a:t>proxy2</a:t>
+            </a:r>
+            <a:r>
+              <a:rPr lang="ja-JP" altLang="en-US" sz="2400" smtClean="0"/>
+              <a:t>と通信開始</a:t>
+            </a:r>
+            <a:endParaRPr lang="en-US" altLang="ja-JP" sz="2400" smtClean="0"/>
+          </a:p>
+          <a:p>
+            <a:pPr marL="342900" indent="-342900">
+              <a:buFont typeface="+mj-lt"/>
+              <a:buAutoNum type="arabicPeriod"/>
+            </a:pPr>
+            <a:r>
+              <a:rPr kumimoji="1" lang="en-US" altLang="ja-JP" sz="2400" smtClean="0"/>
+              <a:t>L</a:t>
+            </a:r>
+            <a:r>
+              <a:rPr kumimoji="1" lang="ja-JP" altLang="en-US" sz="2400" smtClean="0"/>
+              <a:t>を</a:t>
+            </a:r>
+            <a:r>
+              <a:rPr kumimoji="1" lang="en-US" altLang="ja-JP" sz="2400" smtClean="0"/>
+              <a:t>proxy2</a:t>
+            </a:r>
+            <a:r>
+              <a:rPr kumimoji="1" lang="ja-JP" altLang="en-US" sz="2400" smtClean="0"/>
+              <a:t>へ転送</a:t>
+            </a:r>
+            <a:endParaRPr kumimoji="1" lang="en-US" altLang="ja-JP" sz="2400" smtClean="0"/>
+          </a:p>
+          <a:p>
+            <a:pPr marL="342900" indent="-342900">
+              <a:buFont typeface="+mj-lt"/>
+              <a:buAutoNum type="arabicPeriod"/>
+            </a:pPr>
+            <a:r>
+              <a:rPr kumimoji="1" lang="en-US" altLang="ja-JP" sz="2400" smtClean="0"/>
+              <a:t>proxy1</a:t>
+            </a:r>
+            <a:r>
+              <a:rPr kumimoji="1" lang="ja-JP" altLang="en-US" sz="2400" smtClean="0"/>
+              <a:t>と</a:t>
+            </a:r>
+            <a:r>
+              <a:rPr kumimoji="1" lang="en-US" altLang="ja-JP" sz="2400" smtClean="0"/>
+              <a:t>proxy2</a:t>
+            </a:r>
+            <a:r>
+              <a:rPr kumimoji="1" lang="ja-JP" altLang="en-US" sz="2400" smtClean="0"/>
+              <a:t>からそれぞれ</a:t>
+            </a:r>
+            <a:r>
+              <a:rPr kumimoji="1" lang="en-US" altLang="ja-JP" sz="2400" smtClean="0"/>
+              <a:t>L</a:t>
+            </a:r>
+            <a:r>
+              <a:rPr kumimoji="1" lang="ja-JP" altLang="en-US" sz="2400" smtClean="0"/>
+              <a:t>を</a:t>
+            </a:r>
+            <a:r>
+              <a:rPr kumimoji="1" lang="en-US" altLang="ja-JP" sz="2400" smtClean="0"/>
+              <a:t>archive</a:t>
+            </a:r>
+            <a:r>
+              <a:rPr kumimoji="1" lang="ja-JP" altLang="en-US" sz="2400" smtClean="0"/>
+              <a:t>に転送</a:t>
+            </a:r>
+            <a:endParaRPr kumimoji="1" lang="en-US" altLang="ja-JP" sz="2400" smtClean="0"/>
+          </a:p>
+          <a:p>
+            <a:pPr marL="342900" indent="-342900">
+              <a:buFont typeface="+mj-lt"/>
+              <a:buAutoNum type="arabicPeriod"/>
+            </a:pPr>
+            <a:r>
+              <a:rPr lang="en-US" altLang="ja-JP" sz="2400"/>
+              <a:t>L</a:t>
+            </a:r>
+            <a:r>
+              <a:rPr lang="ja-JP" altLang="en-US" sz="2400" smtClean="0"/>
+              <a:t>が重複した</a:t>
+            </a:r>
+            <a:endParaRPr kumimoji="1" lang="ja-JP" altLang="en-US" sz="2400"/>
+          </a:p>
+        </p:txBody>
+      </p:sp>
+      <p:sp>
+        <p:nvSpPr>
+          <p:cNvPr id="12" name="スライド番号プレースホルダー 11"/>
+          <p:cNvSpPr>
+            <a:spLocks noGrp="1"/>
+          </p:cNvSpPr>
+          <p:nvPr>
+            <p:ph type="sldNum" sz="quarter" idx="12"/>
+          </p:nvPr>
+        </p:nvSpPr>
+        <p:spPr/>
+        <p:txBody>
+          <a:bodyPr/>
+          <a:lstStyle/>
+          <a:p>
+            <a:fld id="{2649E3F5-6F9D-4754-B6F9-50AE10FEA634}" type="slidenum">
+              <a:rPr lang="ja-JP" altLang="en-US" smtClean="0"/>
+              <a:pPr/>
+              <a:t>29</a:t>
+            </a:fld>
+            <a:r>
+              <a:rPr lang="en-US" altLang="ja-JP" smtClean="0"/>
+              <a:t>/31</a:t>
+            </a:r>
+            <a:endParaRPr lang="ja-JP" altLang="en-US"/>
+          </a:p>
+        </p:txBody>
+      </p:sp>
+    </p:spTree>
+    <p:extLst>
+      <p:ext uri="{BB962C8B-B14F-4D97-AF65-F5344CB8AC3E}">
+        <p14:creationId xmlns:p14="http://schemas.microsoft.com/office/powerpoint/2010/main" val="3987634745"/>
+      </p:ext>
+    </p:extLst>
+  </p:cSld>
+  <p:clrMapOvr>
+    <a:masterClrMapping/>
+  </p:clrMapOvr>
+  <p:timing>
+    <p:tnLst>
+      <p:par>
+        <p:cTn id="1" dur="indefinite" restart="never" nodeType="tmRoot"/>
+      </p:par>
+    </p:tnLst>
+  </p:timing>
+</p:sld>
+</file>
+
+<file path=ppt/slides/slide3.xml><?xml version="1.0" encoding="utf-8"?>
+<p:sld xmlns:a="http://schemas.openxmlformats.org/drawingml/2006/main" xmlns:r="http://schemas.openxmlformats.org/officeDocument/2006/relationships" xmlns:p="http://schemas.openxmlformats.org/presentationml/2006/main">
+  <p:cSld>
+    <p:spTree>
+      <p:nvGrpSpPr>
+        <p:cNvPr id="1" name=""/>
+        <p:cNvGrpSpPr/>
+        <p:nvPr/>
+      </p:nvGrpSpPr>
+      <p:grpSpPr>
+        <a:xfrm>
+          <a:off x="0" y="0"/>
+          <a:ext cx="0" cy="0"/>
+          <a:chOff x="0" y="0"/>
+          <a:chExt cx="0" cy="0"/>
+        </a:xfrm>
+      </p:grpSpPr>
+      <p:sp>
+        <p:nvSpPr>
+          <p:cNvPr id="2" name="タイトル 1"/>
+          <p:cNvSpPr>
+            <a:spLocks noGrp="1"/>
+          </p:cNvSpPr>
+          <p:nvPr>
+            <p:ph type="title"/>
+          </p:nvPr>
+        </p:nvSpPr>
+        <p:spPr/>
+        <p:txBody>
+          <a:bodyPr/>
+          <a:lstStyle/>
+          <a:p>
+            <a:r>
+              <a:rPr lang="ja-JP" altLang="en-US" smtClean="0"/>
+              <a:t>バックアップ</a:t>
+            </a:r>
+            <a:endParaRPr lang="ja-JP" altLang="en-US"/>
+          </a:p>
+        </p:txBody>
+      </p:sp>
+      <p:sp>
+        <p:nvSpPr>
+          <p:cNvPr id="3" name="コンテンツ プレースホルダー 2"/>
+          <p:cNvSpPr>
+            <a:spLocks noGrp="1"/>
+          </p:cNvSpPr>
+          <p:nvPr>
+            <p:ph idx="1"/>
+          </p:nvPr>
+        </p:nvSpPr>
+        <p:spPr/>
+        <p:txBody>
+          <a:bodyPr/>
+          <a:lstStyle/>
+          <a:p>
+            <a:r>
+              <a:rPr lang="ja-JP" altLang="en-US" smtClean="0"/>
+              <a:t>障害に備えたデータの複製</a:t>
+            </a:r>
+            <a:endParaRPr lang="en-US" altLang="ja-JP" smtClean="0"/>
+          </a:p>
+          <a:p>
+            <a:pPr lvl="1"/>
+            <a:r>
+              <a:rPr lang="en-US" altLang="ja-JP" smtClean="0"/>
+              <a:t>RAID</a:t>
+            </a:r>
+            <a:r>
+              <a:rPr lang="ja-JP" altLang="en-US" smtClean="0"/>
+              <a:t>はシステムの多重化</a:t>
+            </a:r>
+            <a:endParaRPr lang="en-US" altLang="ja-JP" smtClean="0"/>
+          </a:p>
+          <a:p>
+            <a:pPr lvl="2"/>
+            <a:r>
+              <a:rPr lang="ja-JP" altLang="en-US" smtClean="0"/>
+              <a:t>壊れたらデータは復元できない</a:t>
+            </a:r>
+            <a:endParaRPr lang="en-US" altLang="ja-JP" smtClean="0"/>
+          </a:p>
+          <a:p>
+            <a:r>
+              <a:rPr lang="ja-JP" altLang="en-US" smtClean="0"/>
+              <a:t>ある瞬間の状態（スナップショット）に戻せる</a:t>
+            </a:r>
+            <a:endParaRPr lang="en-US" altLang="ja-JP" smtClean="0"/>
+          </a:p>
+          <a:p>
+            <a:pPr lvl="1"/>
+            <a:r>
+              <a:rPr lang="ja-JP" altLang="en-US" smtClean="0"/>
+              <a:t>うっかりデータ消したのでなんとかして</a:t>
+            </a:r>
+            <a:endParaRPr lang="en-US" altLang="ja-JP" smtClean="0"/>
+          </a:p>
+        </p:txBody>
+      </p:sp>
+      <p:sp>
+        <p:nvSpPr>
+          <p:cNvPr id="4" name="円柱 3"/>
+          <p:cNvSpPr/>
+          <p:nvPr/>
+        </p:nvSpPr>
+        <p:spPr>
+          <a:xfrm>
+            <a:off x="1979712" y="4437112"/>
+            <a:ext cx="914400" cy="1216152"/>
+          </a:xfrm>
+          <a:prstGeom prst="can">
+            <a:avLst/>
+          </a:prstGeom>
+          <a:ln>
+            <a:noFill/>
+          </a:ln>
+        </p:spPr>
+        <p:style>
+          <a:lnRef idx="2">
+            <a:schemeClr val="accent1">
+              <a:shade val="50000"/>
+            </a:schemeClr>
+          </a:lnRef>
+          <a:fillRef idx="1">
+            <a:schemeClr val="accent1"/>
+          </a:fillRef>
+          <a:effectRef idx="0">
+            <a:schemeClr val="accent1"/>
+          </a:effectRef>
+          <a:fontRef idx="minor">
+            <a:schemeClr val="lt1"/>
+          </a:fontRef>
+        </p:style>
+        <p:txBody>
+          <a:bodyPr rtlCol="0" anchor="ctr"/>
+          <a:lstStyle/>
+          <a:p>
+            <a:pPr algn="ctr"/>
+            <a:endParaRPr kumimoji="1" lang="ja-JP" altLang="en-US"/>
+          </a:p>
+        </p:txBody>
+      </p:sp>
+      <p:sp>
+        <p:nvSpPr>
+          <p:cNvPr id="5" name="テキスト ボックス 4"/>
+          <p:cNvSpPr txBox="1"/>
+          <p:nvPr/>
+        </p:nvSpPr>
+        <p:spPr>
+          <a:xfrm>
+            <a:off x="1411115" y="5723146"/>
+            <a:ext cx="1936749" cy="461665"/>
+          </a:xfrm>
+          <a:prstGeom prst="rect">
+            <a:avLst/>
+          </a:prstGeom>
+          <a:noFill/>
+        </p:spPr>
+        <p:txBody>
+          <a:bodyPr wrap="none" rtlCol="0">
+            <a:spAutoFit/>
+          </a:bodyPr>
+          <a:lstStyle/>
+          <a:p>
+            <a:r>
+              <a:rPr lang="ja-JP" altLang="en-US" sz="2400"/>
+              <a:t>今日</a:t>
+            </a:r>
+            <a:r>
+              <a:rPr lang="ja-JP" altLang="en-US" sz="2400" smtClean="0"/>
+              <a:t>のデータ</a:t>
+            </a:r>
+            <a:endParaRPr kumimoji="1" lang="ja-JP" altLang="en-US" sz="2400"/>
+          </a:p>
+        </p:txBody>
+      </p:sp>
+      <p:sp>
+        <p:nvSpPr>
+          <p:cNvPr id="6" name="円柱 5"/>
+          <p:cNvSpPr/>
+          <p:nvPr/>
+        </p:nvSpPr>
+        <p:spPr>
+          <a:xfrm>
+            <a:off x="3779912" y="4437112"/>
+            <a:ext cx="914400" cy="1216152"/>
+          </a:xfrm>
+          <a:prstGeom prst="can">
+            <a:avLst/>
+          </a:prstGeom>
+          <a:ln>
+            <a:noFill/>
+          </a:ln>
+        </p:spPr>
+        <p:style>
+          <a:lnRef idx="2">
+            <a:schemeClr val="accent1">
+              <a:shade val="50000"/>
+            </a:schemeClr>
+          </a:lnRef>
+          <a:fillRef idx="1">
+            <a:schemeClr val="accent1"/>
+          </a:fillRef>
+          <a:effectRef idx="0">
+            <a:schemeClr val="accent1"/>
+          </a:effectRef>
+          <a:fontRef idx="minor">
+            <a:schemeClr val="lt1"/>
+          </a:fontRef>
+        </p:style>
+        <p:txBody>
+          <a:bodyPr rtlCol="0" anchor="ctr"/>
+          <a:lstStyle/>
+          <a:p>
+            <a:pPr algn="ctr"/>
+            <a:endParaRPr kumimoji="1" lang="ja-JP" altLang="en-US"/>
+          </a:p>
+        </p:txBody>
+      </p:sp>
+      <p:sp>
+        <p:nvSpPr>
+          <p:cNvPr id="7" name="テキスト ボックス 6"/>
+          <p:cNvSpPr txBox="1"/>
+          <p:nvPr/>
+        </p:nvSpPr>
+        <p:spPr>
+          <a:xfrm>
+            <a:off x="3837002" y="5721341"/>
+            <a:ext cx="1263487" cy="461665"/>
+          </a:xfrm>
+          <a:prstGeom prst="rect">
+            <a:avLst/>
+          </a:prstGeom>
+          <a:noFill/>
+        </p:spPr>
+        <p:txBody>
+          <a:bodyPr wrap="none" rtlCol="0">
+            <a:spAutoFit/>
+          </a:bodyPr>
+          <a:lstStyle/>
+          <a:p>
+            <a:r>
+              <a:rPr lang="en-US" altLang="ja-JP" sz="2400" smtClean="0"/>
+              <a:t>1</a:t>
+            </a:r>
+            <a:r>
+              <a:rPr lang="ja-JP" altLang="en-US" sz="2400" smtClean="0"/>
+              <a:t>時間前</a:t>
+            </a:r>
+            <a:endParaRPr kumimoji="1" lang="ja-JP" altLang="en-US" sz="2400"/>
+          </a:p>
+        </p:txBody>
+      </p:sp>
+      <p:sp>
+        <p:nvSpPr>
+          <p:cNvPr id="8" name="円柱 7"/>
+          <p:cNvSpPr/>
+          <p:nvPr/>
+        </p:nvSpPr>
+        <p:spPr>
+          <a:xfrm>
+            <a:off x="5169768" y="4437112"/>
+            <a:ext cx="914400" cy="1216152"/>
+          </a:xfrm>
+          <a:prstGeom prst="can">
+            <a:avLst/>
+          </a:prstGeom>
+          <a:ln>
+            <a:noFill/>
+          </a:ln>
+        </p:spPr>
+        <p:style>
+          <a:lnRef idx="2">
+            <a:schemeClr val="accent1">
+              <a:shade val="50000"/>
+            </a:schemeClr>
+          </a:lnRef>
+          <a:fillRef idx="1">
+            <a:schemeClr val="accent1"/>
+          </a:fillRef>
+          <a:effectRef idx="0">
+            <a:schemeClr val="accent1"/>
+          </a:effectRef>
+          <a:fontRef idx="minor">
+            <a:schemeClr val="lt1"/>
+          </a:fontRef>
+        </p:style>
+        <p:txBody>
+          <a:bodyPr rtlCol="0" anchor="ctr"/>
+          <a:lstStyle/>
+          <a:p>
+            <a:pPr algn="ctr"/>
+            <a:endParaRPr kumimoji="1" lang="ja-JP" altLang="en-US"/>
+          </a:p>
+        </p:txBody>
+      </p:sp>
+      <p:sp>
+        <p:nvSpPr>
+          <p:cNvPr id="9" name="テキスト ボックス 8"/>
+          <p:cNvSpPr txBox="1"/>
+          <p:nvPr/>
+        </p:nvSpPr>
+        <p:spPr>
+          <a:xfrm>
+            <a:off x="5226858" y="5721341"/>
+            <a:ext cx="1107996" cy="461665"/>
+          </a:xfrm>
+          <a:prstGeom prst="rect">
+            <a:avLst/>
+          </a:prstGeom>
+          <a:noFill/>
+        </p:spPr>
+        <p:txBody>
+          <a:bodyPr wrap="none" rtlCol="0">
+            <a:spAutoFit/>
+          </a:bodyPr>
+          <a:lstStyle/>
+          <a:p>
+            <a:r>
+              <a:rPr lang="ja-JP" altLang="en-US" sz="2400" smtClean="0"/>
+              <a:t>半日前</a:t>
+            </a:r>
+            <a:endParaRPr kumimoji="1" lang="ja-JP" altLang="en-US" sz="2400"/>
+          </a:p>
+        </p:txBody>
+      </p:sp>
+      <p:sp>
+        <p:nvSpPr>
+          <p:cNvPr id="10" name="円柱 9"/>
+          <p:cNvSpPr/>
+          <p:nvPr/>
+        </p:nvSpPr>
+        <p:spPr>
+          <a:xfrm>
+            <a:off x="6537920" y="4437112"/>
+            <a:ext cx="914400" cy="1216152"/>
+          </a:xfrm>
+          <a:prstGeom prst="can">
+            <a:avLst/>
+          </a:prstGeom>
+          <a:ln>
+            <a:noFill/>
+          </a:ln>
+        </p:spPr>
+        <p:style>
+          <a:lnRef idx="2">
+            <a:schemeClr val="accent1">
+              <a:shade val="50000"/>
+            </a:schemeClr>
+          </a:lnRef>
+          <a:fillRef idx="1">
+            <a:schemeClr val="accent1"/>
+          </a:fillRef>
+          <a:effectRef idx="0">
+            <a:schemeClr val="accent1"/>
+          </a:effectRef>
+          <a:fontRef idx="minor">
+            <a:schemeClr val="lt1"/>
+          </a:fontRef>
+        </p:style>
+        <p:txBody>
+          <a:bodyPr rtlCol="0" anchor="ctr"/>
+          <a:lstStyle/>
+          <a:p>
+            <a:pPr algn="ctr"/>
+            <a:endParaRPr kumimoji="1" lang="ja-JP" altLang="en-US"/>
+          </a:p>
+        </p:txBody>
+      </p:sp>
+      <p:sp>
+        <p:nvSpPr>
+          <p:cNvPr id="11" name="テキスト ボックス 10"/>
+          <p:cNvSpPr txBox="1"/>
+          <p:nvPr/>
+        </p:nvSpPr>
+        <p:spPr>
+          <a:xfrm>
+            <a:off x="6595010" y="5721341"/>
+            <a:ext cx="1031051" cy="461665"/>
+          </a:xfrm>
+          <a:prstGeom prst="rect">
+            <a:avLst/>
+          </a:prstGeom>
+          <a:noFill/>
+        </p:spPr>
+        <p:txBody>
+          <a:bodyPr wrap="none" rtlCol="0">
+            <a:spAutoFit/>
+          </a:bodyPr>
+          <a:lstStyle/>
+          <a:p>
+            <a:r>
+              <a:rPr lang="ja-JP" altLang="en-US" sz="2400" smtClean="0"/>
+              <a:t>昨日</a:t>
+            </a:r>
+            <a:r>
+              <a:rPr lang="en-US" altLang="ja-JP" sz="2400" smtClean="0"/>
+              <a:t>...</a:t>
+            </a:r>
+            <a:endParaRPr kumimoji="1" lang="ja-JP" altLang="en-US" sz="2400"/>
+          </a:p>
+        </p:txBody>
+      </p:sp>
+      <p:cxnSp>
+        <p:nvCxnSpPr>
+          <p:cNvPr id="12" name="直線矢印コネクタ 11"/>
+          <p:cNvCxnSpPr/>
+          <p:nvPr/>
+        </p:nvCxnSpPr>
+        <p:spPr>
+          <a:xfrm>
+            <a:off x="3078370" y="5085184"/>
+            <a:ext cx="534282" cy="0"/>
+          </a:xfrm>
+          <a:prstGeom prst="straightConnector1">
+            <a:avLst/>
+          </a:prstGeom>
+          <a:ln w="60325">
+            <a:tailEnd type="arrow"/>
+          </a:ln>
+        </p:spPr>
+        <p:style>
+          <a:lnRef idx="1">
+            <a:schemeClr val="accent1"/>
+          </a:lnRef>
+          <a:fillRef idx="0">
+            <a:schemeClr val="accent1"/>
+          </a:fillRef>
+          <a:effectRef idx="0">
+            <a:schemeClr val="accent1"/>
+          </a:effectRef>
+          <a:fontRef idx="minor">
+            <a:schemeClr val="tx1"/>
+          </a:fontRef>
+        </p:style>
+      </p:cxnSp>
+      <p:sp>
+        <p:nvSpPr>
+          <p:cNvPr id="17" name="スライド番号プレースホルダー 16"/>
+          <p:cNvSpPr>
+            <a:spLocks noGrp="1"/>
+          </p:cNvSpPr>
+          <p:nvPr>
+            <p:ph type="sldNum" sz="quarter" idx="12"/>
+          </p:nvPr>
+        </p:nvSpPr>
+        <p:spPr/>
+        <p:txBody>
+          <a:bodyPr/>
+          <a:lstStyle/>
+          <a:p>
+            <a:fld id="{2649E3F5-6F9D-4754-B6F9-50AE10FEA634}" type="slidenum">
+              <a:rPr lang="ja-JP" altLang="en-US" smtClean="0"/>
+              <a:pPr/>
+              <a:t>3</a:t>
+            </a:fld>
+            <a:r>
+              <a:rPr lang="en-US" altLang="ja-JP" smtClean="0"/>
+              <a:t>/31</a:t>
+            </a:r>
+            <a:endParaRPr lang="ja-JP" altLang="en-US"/>
+          </a:p>
+        </p:txBody>
+      </p:sp>
+    </p:spTree>
+    <p:extLst>
+      <p:ext uri="{BB962C8B-B14F-4D97-AF65-F5344CB8AC3E}">
+        <p14:creationId xmlns:p14="http://schemas.microsoft.com/office/powerpoint/2010/main" val="3262723324"/>
+      </p:ext>
+    </p:extLst>
+  </p:cSld>
+  <p:clrMapOvr>
+    <a:masterClrMapping/>
+  </p:clrMapOvr>
+  <p:timing>
+    <p:tnLst>
+      <p:par>
+        <p:cTn id="1" dur="indefinite" restart="never" nodeType="tmRoot"/>
+      </p:par>
+    </p:tnLst>
+  </p:timing>
+</p:sld>
+</file>
+
+<file path=ppt/slides/slide30.xml><?xml version="1.0" encoding="utf-8"?>
+<p:sld xmlns:a="http://schemas.openxmlformats.org/drawingml/2006/main" xmlns:r="http://schemas.openxmlformats.org/officeDocument/2006/relationships" xmlns:p="http://schemas.openxmlformats.org/presentationml/2006/main">
+  <p:cSld>
+    <p:spTree>
+      <p:nvGrpSpPr>
+        <p:cNvPr id="1" name=""/>
+        <p:cNvGrpSpPr/>
+        <p:nvPr/>
+      </p:nvGrpSpPr>
+      <p:grpSpPr>
+        <a:xfrm>
+          <a:off x="0" y="0"/>
+          <a:ext cx="0" cy="0"/>
+          <a:chOff x="0" y="0"/>
+          <a:chExt cx="0" cy="0"/>
+        </a:xfrm>
+      </p:grpSpPr>
+      <p:sp>
+        <p:nvSpPr>
+          <p:cNvPr id="2" name="タイトル 1"/>
+          <p:cNvSpPr>
+            <a:spLocks noGrp="1"/>
+          </p:cNvSpPr>
+          <p:nvPr>
+            <p:ph type="title"/>
+          </p:nvPr>
+        </p:nvSpPr>
+        <p:spPr/>
+        <p:txBody>
+          <a:bodyPr/>
+          <a:lstStyle/>
+          <a:p>
+            <a:r>
+              <a:rPr lang="en-US" altLang="ja-JP" smtClean="0"/>
+              <a:t>merge</a:t>
+            </a:r>
+            <a:r>
+              <a:rPr lang="ja-JP" altLang="en-US" smtClean="0"/>
+              <a:t>と</a:t>
+            </a:r>
+            <a:r>
+              <a:rPr lang="en-US" altLang="ja-JP" smtClean="0"/>
+              <a:t>apply</a:t>
+            </a:r>
+            <a:endParaRPr lang="ja-JP" altLang="en-US"/>
+          </a:p>
+        </p:txBody>
+      </p:sp>
+      <p:sp>
+        <p:nvSpPr>
+          <p:cNvPr id="3" name="コンテンツ プレースホルダー 2"/>
+          <p:cNvSpPr>
+            <a:spLocks noGrp="1"/>
+          </p:cNvSpPr>
+          <p:nvPr>
+            <p:ph idx="1"/>
+          </p:nvPr>
+        </p:nvSpPr>
+        <p:spPr/>
+        <p:txBody>
+          <a:bodyPr>
+            <a:normAutofit fontScale="85000" lnSpcReduction="20000"/>
+          </a:bodyPr>
+          <a:lstStyle/>
+          <a:p>
+            <a:r>
+              <a:rPr lang="en-US" altLang="ja-JP" smtClean="0"/>
+              <a:t>merge</a:t>
+            </a:r>
+          </a:p>
+          <a:p>
+            <a:pPr lvl="1"/>
+            <a:r>
+              <a:rPr lang="ja-JP" altLang="en-US" smtClean="0"/>
+              <a:t>短期間に激しい書き込みで細かい</a:t>
+            </a:r>
+            <a:r>
+              <a:rPr lang="en-US" altLang="ja-JP" smtClean="0"/>
+              <a:t>diff</a:t>
+            </a:r>
+            <a:r>
+              <a:rPr lang="ja-JP" altLang="en-US" smtClean="0"/>
+              <a:t>が大量発生</a:t>
+            </a:r>
+            <a:endParaRPr lang="en-US" altLang="ja-JP" smtClean="0"/>
+          </a:p>
+          <a:p>
+            <a:pPr lvl="2"/>
+            <a:r>
+              <a:rPr lang="ja-JP" altLang="en-US" smtClean="0"/>
+              <a:t>まとめて単一の効率のよい</a:t>
+            </a:r>
+            <a:r>
+              <a:rPr lang="en-US" altLang="ja-JP" smtClean="0"/>
+              <a:t>diff</a:t>
+            </a:r>
+            <a:r>
+              <a:rPr lang="ja-JP" altLang="en-US" smtClean="0"/>
+              <a:t>へ</a:t>
+            </a:r>
+            <a:endParaRPr lang="en-US" altLang="ja-JP" smtClean="0"/>
+          </a:p>
+          <a:p>
+            <a:r>
+              <a:rPr lang="en-US" altLang="ja-JP" smtClean="0"/>
+              <a:t>apply</a:t>
+            </a:r>
+          </a:p>
+          <a:p>
+            <a:pPr lvl="1"/>
+            <a:r>
+              <a:rPr lang="en-US" altLang="ja-JP" smtClean="0"/>
+              <a:t>archive</a:t>
+            </a:r>
+            <a:r>
+              <a:rPr lang="ja-JP" altLang="en-US" smtClean="0"/>
+              <a:t>には</a:t>
+            </a:r>
+            <a:r>
+              <a:rPr lang="en-US" altLang="ja-JP" smtClean="0"/>
+              <a:t>diff</a:t>
+            </a:r>
+            <a:r>
+              <a:rPr lang="ja-JP" altLang="en-US" smtClean="0"/>
+              <a:t>と</a:t>
+            </a:r>
+            <a:r>
+              <a:rPr lang="en-US" altLang="ja-JP" smtClean="0"/>
+              <a:t>snapshot</a:t>
+            </a:r>
+            <a:r>
+              <a:rPr lang="ja-JP" altLang="en-US" smtClean="0"/>
+              <a:t>がたまる</a:t>
+            </a:r>
+            <a:endParaRPr lang="en-US" altLang="ja-JP" smtClean="0"/>
+          </a:p>
+          <a:p>
+            <a:pPr lvl="1"/>
+            <a:r>
+              <a:rPr lang="ja-JP" altLang="en-US" smtClean="0"/>
+              <a:t>任意の時間に戻れるがあまり古いのは不要</a:t>
+            </a:r>
+          </a:p>
+          <a:p>
+            <a:pPr lvl="2"/>
+            <a:r>
+              <a:rPr lang="en-US" altLang="ja-JP" smtClean="0"/>
+              <a:t>snapshot</a:t>
+            </a:r>
+            <a:r>
+              <a:rPr lang="ja-JP" altLang="en-US" smtClean="0"/>
+              <a:t>に</a:t>
+            </a:r>
+            <a:r>
+              <a:rPr lang="en-US" altLang="ja-JP" smtClean="0"/>
+              <a:t>diff</a:t>
+            </a:r>
+            <a:r>
+              <a:rPr lang="ja-JP" altLang="en-US" smtClean="0"/>
+              <a:t>を</a:t>
+            </a:r>
+            <a:r>
+              <a:rPr lang="en-US" altLang="ja-JP" smtClean="0"/>
+              <a:t>apply</a:t>
+            </a:r>
+            <a:r>
+              <a:rPr lang="ja-JP" altLang="en-US" smtClean="0"/>
+              <a:t>して新しい</a:t>
+            </a:r>
+            <a:r>
+              <a:rPr lang="en-US" altLang="ja-JP" smtClean="0"/>
+              <a:t>snapshot</a:t>
+            </a:r>
+            <a:r>
+              <a:rPr lang="ja-JP" altLang="en-US" smtClean="0"/>
+              <a:t>にする</a:t>
+            </a:r>
+            <a:endParaRPr lang="en-US" altLang="ja-JP" smtClean="0"/>
+          </a:p>
+          <a:p>
+            <a:pPr lvl="2"/>
+            <a:r>
+              <a:rPr lang="en-US" altLang="ja-JP" smtClean="0"/>
+              <a:t>apply</a:t>
+            </a:r>
+            <a:r>
+              <a:rPr lang="ja-JP" altLang="en-US" smtClean="0"/>
+              <a:t>が終わるとその</a:t>
+            </a:r>
+            <a:r>
+              <a:rPr lang="en-US" altLang="ja-JP" smtClean="0"/>
+              <a:t>diff</a:t>
+            </a:r>
+            <a:r>
+              <a:rPr lang="ja-JP" altLang="en-US" smtClean="0"/>
+              <a:t>を削除</a:t>
+            </a:r>
+            <a:endParaRPr lang="en-US" altLang="ja-JP" smtClean="0"/>
+          </a:p>
+          <a:p>
+            <a:r>
+              <a:rPr lang="ja-JP" altLang="en-US" smtClean="0"/>
+              <a:t>それらの操作は</a:t>
+            </a:r>
+            <a:r>
+              <a:rPr lang="en-US" altLang="ja-JP" smtClean="0"/>
+              <a:t>archive</a:t>
+            </a:r>
+            <a:r>
+              <a:rPr lang="ja-JP" altLang="en-US" smtClean="0"/>
+              <a:t>ごとに非同期で</a:t>
+            </a:r>
+            <a:endParaRPr lang="en-US" altLang="ja-JP" smtClean="0"/>
+          </a:p>
+          <a:p>
+            <a:pPr lvl="1"/>
+            <a:r>
+              <a:rPr lang="ja-JP" altLang="en-US" smtClean="0"/>
+              <a:t>レプリケーション時に必要が</a:t>
+            </a:r>
+            <a:r>
+              <a:rPr lang="en-US" altLang="ja-JP" smtClean="0"/>
+              <a:t>diff</a:t>
+            </a:r>
+            <a:r>
+              <a:rPr lang="ja-JP" altLang="en-US" smtClean="0"/>
+              <a:t>がないときがある</a:t>
+            </a:r>
+            <a:endParaRPr lang="en-US" altLang="ja-JP" smtClean="0"/>
+          </a:p>
+          <a:p>
+            <a:pPr lvl="2"/>
+            <a:r>
+              <a:rPr lang="ja-JP" altLang="en-US" smtClean="0"/>
+              <a:t>現在の情報から</a:t>
+            </a:r>
+            <a:r>
+              <a:rPr lang="en-US" altLang="ja-JP" smtClean="0"/>
+              <a:t>Hash backup</a:t>
+            </a:r>
+            <a:r>
+              <a:rPr lang="ja-JP" altLang="en-US" smtClean="0"/>
+              <a:t>と同様に</a:t>
+            </a:r>
+            <a:r>
+              <a:rPr lang="en-US" altLang="ja-JP" smtClean="0"/>
+              <a:t>diff</a:t>
+            </a:r>
+            <a:r>
+              <a:rPr lang="ja-JP" altLang="en-US" smtClean="0"/>
+              <a:t>を生成</a:t>
+            </a:r>
+            <a:endParaRPr lang="en-US" altLang="ja-JP" smtClean="0"/>
+          </a:p>
+          <a:p>
+            <a:pPr lvl="1"/>
+            <a:r>
+              <a:rPr lang="ja-JP" altLang="en-US" smtClean="0"/>
+              <a:t>やってる最中に落ちた（略</a:t>
+            </a:r>
+            <a:endParaRPr lang="ja-JP" altLang="en-US"/>
+          </a:p>
+        </p:txBody>
+      </p:sp>
+      <p:sp>
+        <p:nvSpPr>
+          <p:cNvPr id="8" name="スライド番号プレースホルダー 7"/>
+          <p:cNvSpPr>
+            <a:spLocks noGrp="1"/>
+          </p:cNvSpPr>
+          <p:nvPr>
+            <p:ph type="sldNum" sz="quarter" idx="12"/>
+          </p:nvPr>
+        </p:nvSpPr>
+        <p:spPr/>
+        <p:txBody>
+          <a:bodyPr/>
+          <a:lstStyle/>
+          <a:p>
+            <a:fld id="{2649E3F5-6F9D-4754-B6F9-50AE10FEA634}" type="slidenum">
+              <a:rPr lang="ja-JP" altLang="en-US" smtClean="0"/>
+              <a:pPr/>
+              <a:t>30</a:t>
+            </a:fld>
+            <a:r>
+              <a:rPr lang="en-US" altLang="ja-JP" smtClean="0"/>
+              <a:t>/31</a:t>
+            </a:r>
+            <a:endParaRPr lang="ja-JP" altLang="en-US"/>
+          </a:p>
+        </p:txBody>
+      </p:sp>
+    </p:spTree>
+    <p:extLst>
+      <p:ext uri="{BB962C8B-B14F-4D97-AF65-F5344CB8AC3E}">
+        <p14:creationId xmlns:p14="http://schemas.microsoft.com/office/powerpoint/2010/main" val="1229097375"/>
+      </p:ext>
+    </p:extLst>
+  </p:cSld>
+  <p:clrMapOvr>
+    <a:masterClrMapping/>
+  </p:clrMapOvr>
+</p:sld>
+</file>
+
+<file path=ppt/slides/slide31.xml><?xml version="1.0" encoding="utf-8"?>
+<p:sld xmlns:a="http://schemas.openxmlformats.org/drawingml/2006/main" xmlns:r="http://schemas.openxmlformats.org/officeDocument/2006/relationships" xmlns:p="http://schemas.openxmlformats.org/presentationml/2006/main">
+  <p:cSld>
+    <p:spTree>
+      <p:nvGrpSpPr>
+        <p:cNvPr id="1" name=""/>
+        <p:cNvGrpSpPr/>
+        <p:nvPr/>
+      </p:nvGrpSpPr>
+      <p:grpSpPr>
+        <a:xfrm>
+          <a:off x="0" y="0"/>
+          <a:ext cx="0" cy="0"/>
+          <a:chOff x="0" y="0"/>
+          <a:chExt cx="0" cy="0"/>
+        </a:xfrm>
+      </p:grpSpPr>
+      <p:sp>
+        <p:nvSpPr>
+          <p:cNvPr id="2" name="タイトル 1"/>
+          <p:cNvSpPr>
+            <a:spLocks noGrp="1"/>
+          </p:cNvSpPr>
+          <p:nvPr>
+            <p:ph type="title"/>
+          </p:nvPr>
+        </p:nvSpPr>
+        <p:spPr/>
+        <p:txBody>
+          <a:bodyPr/>
+          <a:lstStyle/>
+          <a:p>
+            <a:r>
+              <a:rPr lang="ja-JP" altLang="en-US" smtClean="0"/>
+              <a:t>サービス</a:t>
+            </a:r>
+            <a:endParaRPr lang="ja-JP" altLang="en-US"/>
+          </a:p>
+        </p:txBody>
+      </p:sp>
+      <p:sp>
+        <p:nvSpPr>
+          <p:cNvPr id="3" name="コンテンツ プレースホルダー 2"/>
+          <p:cNvSpPr>
+            <a:spLocks noGrp="1"/>
+          </p:cNvSpPr>
+          <p:nvPr>
+            <p:ph idx="1"/>
+          </p:nvPr>
+        </p:nvSpPr>
+        <p:spPr/>
+        <p:txBody>
+          <a:bodyPr/>
+          <a:lstStyle/>
+          <a:p>
+            <a:r>
+              <a:rPr lang="en-US" altLang="ja-JP" smtClean="0"/>
+              <a:t>WalB</a:t>
+            </a:r>
+            <a:r>
+              <a:rPr lang="ja-JP" altLang="en-US" smtClean="0"/>
+              <a:t>デバイスはブロックデバイスにつき</a:t>
+            </a:r>
+            <a:r>
+              <a:rPr lang="en-US" altLang="ja-JP" smtClean="0"/>
+              <a:t>1</a:t>
+            </a:r>
+            <a:r>
+              <a:rPr lang="ja-JP" altLang="en-US" smtClean="0"/>
+              <a:t>個</a:t>
+            </a:r>
+            <a:endParaRPr lang="en-US" altLang="ja-JP" smtClean="0"/>
+          </a:p>
+          <a:p>
+            <a:pPr lvl="1"/>
+            <a:r>
+              <a:rPr lang="ja-JP" altLang="en-US" smtClean="0"/>
+              <a:t>圧縮など</a:t>
+            </a:r>
+            <a:r>
+              <a:rPr lang="en-US" altLang="ja-JP" smtClean="0"/>
+              <a:t>CPU</a:t>
+            </a:r>
+            <a:r>
+              <a:rPr lang="ja-JP" altLang="en-US" smtClean="0"/>
+              <a:t>を食う処理は別スレッドで</a:t>
+            </a:r>
+            <a:endParaRPr lang="en-US" altLang="ja-JP" smtClean="0"/>
+          </a:p>
+          <a:p>
+            <a:r>
+              <a:rPr lang="ja-JP" altLang="en-US" smtClean="0"/>
+              <a:t>それぞれのサービスは非同期に動く</a:t>
+            </a:r>
+            <a:endParaRPr lang="en-US" altLang="ja-JP" smtClean="0"/>
+          </a:p>
+          <a:p>
+            <a:pPr lvl="1"/>
+            <a:r>
+              <a:rPr lang="ja-JP" altLang="en-US" smtClean="0"/>
+              <a:t>状態取得や命令は各サービスとやりとりする専用コマンド</a:t>
+            </a:r>
+            <a:r>
+              <a:rPr lang="en-US" altLang="ja-JP" smtClean="0"/>
+              <a:t>walbc</a:t>
+            </a:r>
+            <a:r>
+              <a:rPr lang="ja-JP" altLang="en-US" smtClean="0"/>
+              <a:t>で行う</a:t>
+            </a:r>
+            <a:endParaRPr lang="en-US" altLang="ja-JP" smtClean="0"/>
+          </a:p>
+          <a:p>
+            <a:pPr lvl="1"/>
+            <a:r>
+              <a:rPr lang="en-US" altLang="ja-JP" smtClean="0"/>
+              <a:t>walbc</a:t>
+            </a:r>
+            <a:r>
+              <a:rPr lang="ja-JP" altLang="en-US" smtClean="0"/>
+              <a:t>は</a:t>
+            </a:r>
+            <a:r>
+              <a:rPr lang="en-US" altLang="ja-JP" smtClean="0"/>
+              <a:t>storage/proxy/archive</a:t>
+            </a:r>
+            <a:r>
+              <a:rPr lang="ja-JP" altLang="en-US" smtClean="0"/>
+              <a:t>たちと話す</a:t>
+            </a:r>
+            <a:endParaRPr lang="ja-JP" altLang="en-US"/>
+          </a:p>
+        </p:txBody>
+      </p:sp>
+      <p:sp>
+        <p:nvSpPr>
+          <p:cNvPr id="8" name="スライド番号プレースホルダー 7"/>
+          <p:cNvSpPr>
+            <a:spLocks noGrp="1"/>
+          </p:cNvSpPr>
+          <p:nvPr>
+            <p:ph type="sldNum" sz="quarter" idx="12"/>
+          </p:nvPr>
+        </p:nvSpPr>
+        <p:spPr/>
+        <p:txBody>
+          <a:bodyPr/>
+          <a:lstStyle/>
+          <a:p>
+            <a:fld id="{2649E3F5-6F9D-4754-B6F9-50AE10FEA634}" type="slidenum">
+              <a:rPr lang="ja-JP" altLang="en-US" smtClean="0"/>
+              <a:pPr/>
+              <a:t>31</a:t>
+            </a:fld>
+            <a:r>
+              <a:rPr lang="en-US" altLang="ja-JP" smtClean="0"/>
+              <a:t>/31</a:t>
+            </a:r>
+            <a:endParaRPr lang="ja-JP" altLang="en-US"/>
+          </a:p>
+        </p:txBody>
+      </p:sp>
+    </p:spTree>
+    <p:extLst>
+      <p:ext uri="{BB962C8B-B14F-4D97-AF65-F5344CB8AC3E}">
+        <p14:creationId xmlns:p14="http://schemas.microsoft.com/office/powerpoint/2010/main" val="678763359"/>
       </p:ext>
     </p:extLst>
   </p:cSld>
@@ -20888,10 +21192,10 @@
           <a:lstStyle/>
           <a:p>
             <a:r>
-              <a:rPr kumimoji="1" lang="ja-JP" altLang="en-US" smtClean="0"/>
+              <a:rPr lang="ja-JP" altLang="en-US" smtClean="0"/>
               <a:t>一方向遠隔レプリケーション</a:t>
             </a:r>
-            <a:endParaRPr kumimoji="1" lang="ja-JP" altLang="en-US"/>
+            <a:endParaRPr lang="ja-JP" altLang="en-US"/>
           </a:p>
         </p:txBody>
       </p:sp>
@@ -20907,9 +21211,7 @@
         </p:nvSpPr>
         <p:spPr/>
         <p:txBody>
-          <a:bodyPr>
-            <a:normAutofit/>
-          </a:bodyPr>
+          <a:bodyPr/>
           <a:lstStyle/>
           <a:p>
             <a:r>
@@ -20921,25 +21223,22 @@
           <a:p>
             <a:pPr lvl="1"/>
             <a:r>
-              <a:rPr lang="ja-JP" altLang="en-US"/>
-              <a:t>サービス</a:t>
-            </a:r>
-            <a:r>
-              <a:rPr lang="ja-JP" altLang="en-US" smtClean="0"/>
-              <a:t>のダウンタイムを減らす</a:t>
+              <a:rPr lang="ja-JP" altLang="en-US" smtClean="0"/>
+              <a:t>サービスのダウンタイムを減らす</a:t>
             </a:r>
             <a:endParaRPr lang="en-US" altLang="ja-JP" smtClean="0"/>
           </a:p>
           <a:p>
             <a:pPr lvl="1"/>
             <a:r>
-              <a:rPr kumimoji="1" lang="en-US" altLang="ja-JP" smtClean="0"/>
+              <a:rPr lang="en-US" altLang="ja-JP" smtClean="0"/>
               <a:t>WalB</a:t>
             </a:r>
             <a:r>
-              <a:rPr kumimoji="1" lang="ja-JP" altLang="en-US" smtClean="0"/>
+              <a:rPr lang="ja-JP" altLang="en-US" smtClean="0"/>
               <a:t>は非同期（直近以外のデータは守る）</a:t>
             </a:r>
+            <a:endParaRPr lang="ja-JP" altLang="en-US" smtClean="0"/>
           </a:p>
         </p:txBody>
       </p:sp>
@@ -21199,7 +21498,7 @@
       </p:sp>
       <p:sp>
         <p:nvSpPr>
-          <p:cNvPr id="12" name="スライド番号プレースホルダー 11"/>
+          <p:cNvPr id="15" name="スライド番号プレースホルダー 14"/>
           <p:cNvSpPr>
             <a:spLocks noGrp="1"/>
           </p:cNvSpPr>
@@ -21219,7 +21518,7 @@
             </a:fld>
             <a:r>
               <a:rPr lang="en-US" altLang="ja-JP" smtClean="0"/>
-              <a:t>/30</a:t>
+              <a:t>/31</a:t>
             </a:r>
             <a:endParaRPr lang="ja-JP" altLang="en-US"/>
           </a:p>
@@ -21297,7 +21596,7 @@
               <a:rPr lang="en-US" altLang="ja-JP" smtClean="0"/>
               <a:t>?</a:t>
             </a:r>
-            <a:endParaRPr kumimoji="1" lang="ja-JP" altLang="en-US"/>
+            <a:endParaRPr lang="ja-JP" altLang="en-US"/>
           </a:p>
         </p:txBody>
       </p:sp>
@@ -21317,26 +21616,26 @@
           <a:lstStyle/>
           <a:p>
             <a:r>
-              <a:rPr kumimoji="1" lang="ja-JP" altLang="en-US" smtClean="0"/>
+              <a:rPr lang="ja-JP" altLang="en-US" smtClean="0"/>
               <a:t>編集中のファイルはコピーできない</a:t>
             </a:r>
-            <a:endParaRPr kumimoji="1" lang="en-US" altLang="ja-JP" smtClean="0"/>
+            <a:endParaRPr lang="en-US" altLang="ja-JP" smtClean="0"/>
           </a:p>
           <a:p>
             <a:r>
               <a:rPr lang="ja-JP" altLang="en-US" smtClean="0"/>
               <a:t>ある瞬間の状態には戻せない</a:t>
             </a:r>
-            <a:endParaRPr kumimoji="1" lang="en-US" altLang="ja-JP" smtClean="0"/>
-          </a:p>
-          <a:p>
-            <a:endParaRPr kumimoji="1" lang="ja-JP" altLang="en-US"/>
-          </a:p>
-        </p:txBody>
-      </p:sp>
-      <p:sp>
-        <p:nvSpPr>
-          <p:cNvPr id="5" name="スライド番号プレースホルダー 4"/>
+            <a:endParaRPr lang="en-US" altLang="ja-JP" smtClean="0"/>
+          </a:p>
+          <a:p>
+            <a:endParaRPr lang="ja-JP" altLang="en-US"/>
+          </a:p>
+        </p:txBody>
+      </p:sp>
+      <p:sp>
+        <p:nvSpPr>
+          <p:cNvPr id="8" name="スライド番号プレースホルダー 7"/>
           <p:cNvSpPr>
             <a:spLocks noGrp="1"/>
           </p:cNvSpPr>
@@ -21356,7 +21655,7 @@
             </a:fld>
             <a:r>
               <a:rPr lang="en-US" altLang="ja-JP" smtClean="0"/>
-              <a:t>/30</a:t>
+              <a:t>/31</a:t>
             </a:r>
             <a:endParaRPr lang="ja-JP" altLang="en-US"/>
           </a:p>
@@ -21411,16 +21710,14 @@
         </p:nvSpPr>
         <p:spPr/>
         <p:txBody>
-          <a:bodyPr>
-            <a:normAutofit/>
-          </a:bodyPr>
+          <a:bodyPr/>
           <a:lstStyle/>
           <a:p>
             <a:r>
               <a:rPr lang="ja-JP" altLang="en-US" smtClean="0"/>
               <a:t>データのコピーは時間がかかる</a:t>
             </a:r>
-            <a:endParaRPr kumimoji="1" lang="ja-JP" altLang="en-US"/>
+            <a:endParaRPr lang="ja-JP" altLang="en-US"/>
           </a:p>
         </p:txBody>
       </p:sp>
@@ -21436,9 +21733,7 @@
         </p:nvSpPr>
         <p:spPr/>
         <p:txBody>
-          <a:bodyPr>
-            <a:normAutofit/>
-          </a:bodyPr>
+          <a:bodyPr/>
           <a:lstStyle/>
           <a:p>
             <a:r>
@@ -21466,29 +21761,29 @@
               <a:t>1Gbps</a:t>
             </a:r>
             <a:r>
-              <a:rPr lang="ja-JP" altLang="en-US"/>
+              <a:rPr lang="ja-JP" altLang="en-US" smtClean="0"/>
               <a:t>だと数時間</a:t>
             </a:r>
           </a:p>
           <a:p>
             <a:pPr lvl="1"/>
             <a:r>
-              <a:rPr kumimoji="1" lang="en-US" altLang="ja-JP" smtClean="0"/>
+              <a:rPr lang="en-US" altLang="ja-JP" smtClean="0"/>
               <a:t>200MiB/sec</a:t>
             </a:r>
             <a:r>
-              <a:rPr kumimoji="1" lang="ja-JP" altLang="en-US" smtClean="0"/>
+              <a:rPr lang="ja-JP" altLang="en-US" smtClean="0"/>
               <a:t>でも</a:t>
             </a:r>
             <a:r>
-              <a:rPr kumimoji="1" lang="en-US" altLang="ja-JP" smtClean="0"/>
+              <a:rPr lang="en-US" altLang="ja-JP" smtClean="0"/>
               <a:t>1</a:t>
             </a:r>
             <a:r>
-              <a:rPr kumimoji="1" lang="ja-JP" altLang="en-US" smtClean="0"/>
+              <a:rPr lang="ja-JP" altLang="en-US" smtClean="0"/>
               <a:t>時間半</a:t>
             </a:r>
-            <a:endParaRPr kumimoji="1" lang="en-US" altLang="ja-JP" smtClean="0"/>
+            <a:endParaRPr lang="en-US" altLang="ja-JP" smtClean="0"/>
           </a:p>
           <a:p>
             <a:pPr lvl="2"/>
@@ -21512,55 +21807,19 @@
           <a:p>
             <a:r>
               <a:rPr lang="ja-JP" altLang="en-US" smtClean="0"/>
-              <a:t>その間</a:t>
-            </a:r>
-            <a:r>
-              <a:rPr lang="ja-JP" altLang="en-US"/>
-              <a:t>データに</a:t>
-            </a:r>
-            <a:r>
-              <a:rPr lang="ja-JP" altLang="en-US" smtClean="0"/>
-              <a:t>触れないとサービスが止まる</a:t>
+              <a:t>その間データに触れないとサービスが止まる</a:t>
             </a:r>
             <a:endParaRPr lang="en-US" altLang="ja-JP" smtClean="0"/>
           </a:p>
           <a:p>
-            <a:pPr marL="457200" lvl="1" indent="0">
-              <a:buNone/>
-            </a:pPr>
-            <a:endParaRPr lang="en-US" altLang="ja-JP"/>
-          </a:p>
-          <a:p>
-            <a:pPr marL="457200" lvl="1" indent="0">
-              <a:buNone/>
-            </a:pPr>
-            <a:r>
-              <a:rPr lang="ja-JP" altLang="en-US" smtClean="0">
-                <a:solidFill>
-                  <a:srgbClr val="FF0000"/>
-                </a:solidFill>
-              </a:rPr>
-              <a:t>ファイル変更を許し</a:t>
-            </a:r>
-            <a:r>
-              <a:rPr lang="ja-JP" altLang="en-US">
-                <a:solidFill>
-                  <a:srgbClr val="FF0000"/>
-                </a:solidFill>
-              </a:rPr>
-              <a:t>ながらの</a:t>
-            </a:r>
-            <a:r>
-              <a:rPr lang="ja-JP" altLang="en-US" smtClean="0">
-                <a:solidFill>
-                  <a:srgbClr val="FF0000"/>
-                </a:solidFill>
-              </a:rPr>
-              <a:t>データコピー</a:t>
-            </a:r>
-            <a:r>
-              <a:rPr lang="ja-JP" altLang="en-US" smtClean="0"/>
-              <a:t>が必要</a:t>
+            <a:pPr lvl="1"/>
+            <a:endParaRPr lang="en-US" altLang="ja-JP" smtClean="0"/>
+          </a:p>
+          <a:p>
+            <a:pPr lvl="1"/>
+            <a:r>
+              <a:rPr lang="ja-JP" altLang="en-US" smtClean="0"/>
+              <a:t>ファイル変更を許しながらのデータコピーが必要</a:t>
             </a:r>
             <a:r>
               <a:rPr lang="en-US" altLang="ja-JP" smtClean="0"/>
@@ -21579,7 +21838,7 @@
       </p:sp>
       <p:sp>
         <p:nvSpPr>
-          <p:cNvPr id="5" name="スライド番号プレースホルダー 4"/>
+          <p:cNvPr id="8" name="スライド番号プレースホルダー 7"/>
           <p:cNvSpPr>
             <a:spLocks noGrp="1"/>
           </p:cNvSpPr>
@@ -21599,7 +21858,7 @@
             </a:fld>
             <a:r>
               <a:rPr lang="en-US" altLang="ja-JP" smtClean="0"/>
-              <a:t>/30</a:t>
+              <a:t>/31</a:t>
             </a:r>
             <a:endParaRPr lang="ja-JP" altLang="en-US"/>
           </a:p>
@@ -21658,10 +21917,10 @@
           <a:lstStyle/>
           <a:p>
             <a:r>
-              <a:rPr kumimoji="1" lang="ja-JP" altLang="en-US" smtClean="0"/>
+              <a:rPr lang="ja-JP" altLang="en-US" smtClean="0"/>
               <a:t>コピーしてる間に変わってしまう</a:t>
             </a:r>
-            <a:endParaRPr kumimoji="1" lang="ja-JP" altLang="en-US"/>
+            <a:endParaRPr lang="ja-JP" altLang="en-US"/>
           </a:p>
         </p:txBody>
       </p:sp>
@@ -21677,26 +21936,20 @@
         </p:nvSpPr>
         <p:spPr/>
         <p:txBody>
-          <a:bodyPr>
-            <a:normAutofit/>
-          </a:bodyPr>
-          <a:lstStyle/>
-          <a:p>
-            <a:r>
-              <a:rPr kumimoji="1" lang="ja-JP" altLang="en-US" smtClean="0"/>
+          <a:bodyPr/>
+          <a:lstStyle/>
+          <a:p>
+            <a:r>
+              <a:rPr lang="ja-JP" altLang="en-US" smtClean="0"/>
               <a:t>データの先頭と最後でコピーした時刻が違う</a:t>
             </a:r>
-            <a:endParaRPr kumimoji="1" lang="en-US" altLang="ja-JP" smtClean="0"/>
+            <a:endParaRPr lang="en-US" altLang="ja-JP" smtClean="0"/>
           </a:p>
           <a:p>
             <a:pPr lvl="1"/>
             <a:r>
-              <a:rPr lang="ja-JP" altLang="en-US"/>
-              <a:t>異なる時刻</a:t>
-            </a:r>
-            <a:r>
-              <a:rPr lang="ja-JP" altLang="en-US" smtClean="0"/>
-              <a:t>のデータが混在（一貫性無し</a:t>
+              <a:rPr lang="ja-JP" altLang="en-US" smtClean="0"/>
+              <a:t>異なる時刻のデータが混在（一貫性無し</a:t>
             </a:r>
             <a:r>
               <a:rPr lang="en-US" altLang="ja-JP" smtClean="0"/>
@@ -21837,15 +22090,7 @@
                   <a:schemeClr val="tx1"/>
                 </a:solidFill>
               </a:rPr>
-              <a:t>の</a:t>
-            </a:r>
-            <a:r>
-              <a:rPr lang="ja-JP" altLang="en-US" sz="2400" smtClean="0">
-                <a:solidFill>
-                  <a:schemeClr val="tx1"/>
-                </a:solidFill>
-              </a:rPr>
-              <a:t>ファイル群</a:t>
+              <a:t>のファイル群</a:t>
             </a:r>
             <a:endParaRPr kumimoji="1" lang="ja-JP" altLang="en-US" sz="2400">
               <a:solidFill>
@@ -21932,15 +22177,7 @@
                   <a:schemeClr val="tx1"/>
                 </a:solidFill>
               </a:rPr>
-              <a:t>の</a:t>
-            </a:r>
-            <a:r>
-              <a:rPr lang="ja-JP" altLang="en-US" sz="2400" smtClean="0">
-                <a:solidFill>
-                  <a:schemeClr val="tx1"/>
-                </a:solidFill>
-              </a:rPr>
-              <a:t>ファイル群</a:t>
+              <a:t>のファイル群</a:t>
             </a:r>
             <a:endParaRPr kumimoji="1" lang="ja-JP" altLang="en-US" sz="2400">
               <a:solidFill>
@@ -22165,7 +22402,7 @@
       </p:sp>
       <p:sp>
         <p:nvSpPr>
-          <p:cNvPr id="9" name="スライド番号プレースホルダー 8"/>
+          <p:cNvPr id="13" name="スライド番号プレースホルダー 12"/>
           <p:cNvSpPr>
             <a:spLocks noGrp="1"/>
           </p:cNvSpPr>
@@ -22185,7 +22422,7 @@
             </a:fld>
             <a:r>
               <a:rPr lang="en-US" altLang="ja-JP" smtClean="0"/>
-              <a:t>/30</a:t>
+              <a:t>/31</a:t>
             </a:r>
             <a:endParaRPr lang="ja-JP" altLang="en-US"/>
           </a:p>
@@ -22238,27 +22475,41 @@
             <p:ph type="title"/>
           </p:nvPr>
         </p:nvSpPr>
-        <p:spPr>
-          <a:xfrm>
-            <a:off x="457200" y="3006080"/>
-            <a:ext cx="8229600" cy="1143000"/>
-          </a:xfrm>
-        </p:spPr>
+        <p:spPr/>
         <p:txBody>
           <a:bodyPr/>
           <a:lstStyle/>
           <a:p>
             <a:r>
-              <a:rPr kumimoji="1" lang="ja-JP" altLang="en-US" smtClean="0"/>
+              <a:rPr lang="ja-JP" altLang="en-US" smtClean="0"/>
               <a:t>どうしよう</a:t>
             </a:r>
+            <a:endParaRPr lang="ja-JP" altLang="en-US"/>
+          </a:p>
+        </p:txBody>
+      </p:sp>
+      <p:sp>
+        <p:nvSpPr>
+          <p:cNvPr id="6" name="コンテンツ プレースホルダー 5"/>
+          <p:cNvSpPr>
+            <a:spLocks noGrp="1"/>
+          </p:cNvSpPr>
+          <p:nvPr>
+            <p:ph idx="1"/>
+          </p:nvPr>
+        </p:nvSpPr>
+        <p:spPr/>
+        <p:txBody>
+          <a:bodyPr/>
+          <a:lstStyle/>
+          <a:p>
             <a:endParaRPr kumimoji="1" lang="ja-JP" altLang="en-US"/>
           </a:p>
         </p:txBody>
       </p:sp>
       <p:sp>
         <p:nvSpPr>
-          <p:cNvPr id="4" name="スライド番号プレースホルダー 3"/>
+          <p:cNvPr id="7" name="スライド番号プレースホルダー 6"/>
           <p:cNvSpPr>
             <a:spLocks noGrp="1"/>
           </p:cNvSpPr>
@@ -22278,7 +22529,7 @@
             </a:fld>
             <a:r>
               <a:rPr lang="en-US" altLang="ja-JP" smtClean="0"/>
-              <a:t>/30</a:t>
+              <a:t>/31</a:t>
             </a:r>
             <a:endParaRPr lang="ja-JP" altLang="en-US"/>
           </a:p>
@@ -22337,7 +22588,7 @@
               <a:rPr lang="ja-JP" altLang="en-US" smtClean="0"/>
               <a:t>による解決</a:t>
             </a:r>
-            <a:endParaRPr kumimoji="1" lang="ja-JP" altLang="en-US"/>
+            <a:endParaRPr lang="ja-JP" altLang="en-US"/>
           </a:p>
         </p:txBody>
       </p:sp>
@@ -22351,112 +22602,13 @@
             <p:ph idx="1"/>
           </p:nvPr>
         </p:nvSpPr>
-        <p:spPr>
-          <a:xfrm>
-            <a:off x="457200" y="1600200"/>
-            <a:ext cx="8229600" cy="4709120"/>
-          </a:xfrm>
-        </p:spPr>
+        <p:spPr/>
         <p:txBody>
           <a:bodyPr>
-            <a:normAutofit fontScale="92500" lnSpcReduction="10000"/>
+            <a:normAutofit fontScale="92500" lnSpcReduction="20000"/>
           </a:bodyPr>
           <a:lstStyle/>
           <a:p>
-            <a:r>
-              <a:rPr kumimoji="1" lang="en-US" altLang="ja-JP" smtClean="0"/>
-              <a:t>LVM</a:t>
-            </a:r>
-            <a:r>
-              <a:rPr kumimoji="1" lang="ja-JP" altLang="en-US" smtClean="0"/>
-              <a:t>の</a:t>
-            </a:r>
-            <a:r>
-              <a:rPr kumimoji="1" lang="en-US" altLang="ja-JP" smtClean="0"/>
-              <a:t>snapshot</a:t>
-            </a:r>
-            <a:r>
-              <a:rPr lang="ja-JP" altLang="en-US"/>
-              <a:t>機能</a:t>
-            </a:r>
-            <a:r>
-              <a:rPr lang="ja-JP" altLang="en-US" smtClean="0"/>
-              <a:t>との合わせ技</a:t>
-            </a:r>
-            <a:endParaRPr lang="en-US" altLang="ja-JP" smtClean="0"/>
-          </a:p>
-          <a:p>
-            <a:pPr lvl="1"/>
-            <a:r>
-              <a:rPr kumimoji="1" lang="ja-JP" altLang="en-US" smtClean="0"/>
-              <a:t>ある瞬間の</a:t>
-            </a:r>
-            <a:r>
-              <a:rPr kumimoji="1" lang="en-US" altLang="ja-JP" smtClean="0"/>
-              <a:t>disk</a:t>
-            </a:r>
-            <a:r>
-              <a:rPr kumimoji="1" lang="ja-JP" altLang="en-US" smtClean="0"/>
-              <a:t>の全状態を取得できる</a:t>
-            </a:r>
-            <a:endParaRPr kumimoji="1" lang="en-US" altLang="ja-JP" smtClean="0"/>
-          </a:p>
-          <a:p>
-            <a:pPr lvl="1"/>
-            <a:r>
-              <a:rPr lang="ja-JP" altLang="en-US" smtClean="0"/>
-              <a:t>そのデータを転送する</a:t>
-            </a:r>
-            <a:endParaRPr lang="en-US" altLang="ja-JP" smtClean="0"/>
-          </a:p>
-          <a:p>
-            <a:pPr lvl="1"/>
-            <a:r>
-              <a:rPr kumimoji="1" lang="ja-JP" altLang="en-US"/>
-              <a:t>必要</a:t>
-            </a:r>
-            <a:r>
-              <a:rPr kumimoji="1" lang="ja-JP" altLang="en-US" smtClean="0"/>
-              <a:t>なら差分転送もする</a:t>
-            </a:r>
-            <a:endParaRPr kumimoji="1" lang="en-US" altLang="ja-JP" smtClean="0"/>
-          </a:p>
-          <a:p>
-            <a:r>
-              <a:rPr lang="ja-JP" altLang="en-US" smtClean="0"/>
-              <a:t>利点</a:t>
-            </a:r>
-            <a:endParaRPr lang="en-US" altLang="ja-JP" smtClean="0"/>
-          </a:p>
-          <a:p>
-            <a:pPr lvl="1"/>
-            <a:r>
-              <a:rPr kumimoji="1" lang="ja-JP" altLang="en-US"/>
-              <a:t>実装</a:t>
-            </a:r>
-            <a:r>
-              <a:rPr kumimoji="1" lang="ja-JP" altLang="en-US" smtClean="0"/>
-              <a:t>が</a:t>
-            </a:r>
-            <a:r>
-              <a:rPr lang="ja-JP" altLang="en-US"/>
-              <a:t>比較的</a:t>
-            </a:r>
-            <a:r>
-              <a:rPr kumimoji="1" lang="ja-JP" altLang="en-US" smtClean="0"/>
-              <a:t>簡単（ユーザランドですむ）</a:t>
-            </a:r>
-            <a:endParaRPr kumimoji="1" lang="en-US" altLang="ja-JP" smtClean="0"/>
-          </a:p>
-          <a:p>
-            <a:r>
-              <a:rPr lang="ja-JP" altLang="en-US" smtClean="0"/>
-              <a:t>欠点</a:t>
-            </a:r>
-            <a:endParaRPr lang="en-US" altLang="ja-JP" smtClean="0"/>
-          </a:p>
-          <a:p>
-            <a:pPr lvl="1"/>
             <a:r>
               <a:rPr lang="en-US" altLang="ja-JP" smtClean="0"/>
               <a:t>LVM</a:t>
@@ -22471,26 +22623,92 @@
             </a:r>
             <a:r>
               <a:rPr lang="ja-JP" altLang="en-US" smtClean="0"/>
-              <a:t>に依存（</a:t>
-            </a:r>
-            <a:r>
-              <a:rPr kumimoji="1" lang="ja-JP" altLang="en-US" smtClean="0"/>
-              <a:t>データ化け</a:t>
-            </a:r>
-            <a:r>
-              <a:rPr lang="ja-JP" altLang="en-US" smtClean="0"/>
-              <a:t>のバグに悩む）</a:t>
-            </a:r>
-            <a:endParaRPr kumimoji="1" lang="en-US" altLang="ja-JP" smtClean="0"/>
+              <a:t>機能との合わせ技</a:t>
+            </a:r>
+            <a:endParaRPr lang="en-US" altLang="ja-JP" smtClean="0"/>
           </a:p>
           <a:p>
             <a:pPr lvl="1"/>
+            <a:r>
+              <a:rPr lang="ja-JP" altLang="en-US" smtClean="0"/>
+              <a:t>ある瞬間の</a:t>
+            </a:r>
+            <a:r>
+              <a:rPr lang="en-US" altLang="ja-JP" smtClean="0"/>
+              <a:t>disk</a:t>
+            </a:r>
+            <a:r>
+              <a:rPr lang="ja-JP" altLang="en-US" smtClean="0"/>
+              <a:t>の全状態を取得できる</a:t>
+            </a:r>
+            <a:endParaRPr lang="en-US" altLang="ja-JP" smtClean="0"/>
+          </a:p>
+          <a:p>
+            <a:pPr lvl="1"/>
+            <a:r>
+              <a:rPr lang="ja-JP" altLang="en-US" smtClean="0"/>
+              <a:t>そのデータを転送する</a:t>
+            </a:r>
+            <a:endParaRPr lang="en-US" altLang="ja-JP" smtClean="0"/>
+          </a:p>
+          <a:p>
+            <a:pPr lvl="1"/>
+            <a:r>
+              <a:rPr lang="ja-JP" altLang="en-US" smtClean="0"/>
+              <a:t>必要なら差分転送もする</a:t>
+            </a:r>
+            <a:endParaRPr lang="en-US" altLang="ja-JP" smtClean="0"/>
+          </a:p>
+          <a:p>
+            <a:r>
+              <a:rPr lang="ja-JP" altLang="en-US" smtClean="0"/>
+              <a:t>利点</a:t>
+            </a:r>
+            <a:endParaRPr lang="en-US" altLang="ja-JP" smtClean="0"/>
+          </a:p>
+          <a:p>
+            <a:pPr lvl="1"/>
+            <a:r>
+              <a:rPr lang="ja-JP" altLang="en-US" smtClean="0"/>
+              <a:t>実装が比較的簡単（ユーザランドですむ）</a:t>
+            </a:r>
+            <a:endParaRPr lang="en-US" altLang="ja-JP" smtClean="0"/>
+          </a:p>
+          <a:p>
+            <a:r>
+              <a:rPr lang="ja-JP" altLang="en-US" smtClean="0"/>
+              <a:t>欠点</a:t>
+            </a:r>
+            <a:endParaRPr lang="en-US" altLang="ja-JP" smtClean="0"/>
+          </a:p>
+          <a:p>
+            <a:pPr lvl="1"/>
+            <a:r>
+              <a:rPr lang="en-US" altLang="ja-JP" smtClean="0"/>
+              <a:t>LVM</a:t>
+            </a:r>
+            <a:r>
+              <a:rPr lang="ja-JP" altLang="en-US" smtClean="0"/>
+              <a:t>の</a:t>
+            </a:r>
             <a:r>
               <a:rPr lang="en-US" altLang="ja-JP" smtClean="0"/>
               <a:t>snapshot</a:t>
             </a:r>
             <a:r>
               <a:rPr lang="ja-JP" altLang="en-US" smtClean="0"/>
+              <a:t>に依存（データ化けのバグに悩む）</a:t>
+            </a:r>
+            <a:endParaRPr lang="en-US" altLang="ja-JP" smtClean="0"/>
+          </a:p>
+          <a:p>
+            <a:pPr lvl="1"/>
+            <a:r>
+              <a:rPr lang="en-US" altLang="ja-JP" smtClean="0"/>
+              <a:t>snapshot</a:t>
+            </a:r>
+            <a:r>
+              <a:rPr lang="ja-JP" altLang="en-US" smtClean="0"/>
               <a:t>があると遅い</a:t>
             </a:r>
             <a:endParaRPr lang="en-US" altLang="ja-JP" smtClean="0"/>
@@ -22498,16 +22716,8 @@
           <a:p>
             <a:pPr lvl="1"/>
             <a:r>
-              <a:rPr lang="ja-JP" altLang="en-US"/>
-              <a:t>差分転送</a:t>
-            </a:r>
-            <a:r>
-              <a:rPr lang="ja-JP" altLang="en-US"/>
-              <a:t>時</a:t>
-            </a:r>
-            <a:r>
-              <a:rPr lang="ja-JP" altLang="en-US" smtClean="0"/>
-              <a:t>に</a:t>
+              <a:rPr lang="ja-JP" altLang="en-US" smtClean="0"/>
+              <a:t>差分転送時に</a:t>
             </a:r>
             <a:r>
               <a:rPr lang="en-US" altLang="ja-JP" smtClean="0"/>
@@ -22523,7 +22733,7 @@
       </p:sp>
       <p:sp>
         <p:nvSpPr>
-          <p:cNvPr id="5" name="スライド番号プレースホルダー 4"/>
+          <p:cNvPr id="8" name="スライド番号プレースホルダー 7"/>
           <p:cNvSpPr>
             <a:spLocks noGrp="1"/>
           </p:cNvSpPr>
@@ -22543,7 +22753,7 @@
             </a:fld>
             <a:r>
               <a:rPr lang="en-US" altLang="ja-JP" smtClean="0"/>
-              <a:t>/30</a:t>
+              <a:t>/31</a:t>
             </a:r>
             <a:endParaRPr lang="ja-JP" altLang="en-US"/>
           </a:p>
